--- a/Meeting Materials/otn slicing discussion slides.pptx
+++ b/Meeting Materials/otn slicing discussion slides.pptx
@@ -5,7 +5,7 @@
     <p:sldMasterId id="2147483648" r:id="rId1"/>
   </p:sldMasterIdLst>
   <p:notesMasterIdLst>
-    <p:notesMasterId r:id="rId19"/>
+    <p:notesMasterId r:id="rId25"/>
   </p:notesMasterIdLst>
   <p:sldIdLst>
     <p:sldId id="260" r:id="rId2"/>
@@ -25,6 +25,12 @@
     <p:sldId id="294" r:id="rId16"/>
     <p:sldId id="293" r:id="rId17"/>
     <p:sldId id="295" r:id="rId18"/>
+    <p:sldId id="297" r:id="rId19"/>
+    <p:sldId id="298" r:id="rId20"/>
+    <p:sldId id="299" r:id="rId21"/>
+    <p:sldId id="300" r:id="rId22"/>
+    <p:sldId id="301" r:id="rId23"/>
+    <p:sldId id="302" r:id="rId24"/>
   </p:sldIdLst>
   <p:sldSz cx="9144000" cy="5715000" type="screen16x10"/>
   <p:notesSz cx="6858000" cy="9144000"/>
@@ -224,7 +230,7 @@
           <a:p>
             <a:fld id="{C7088273-5D22-4A56-BE72-519293F1A8F6}" type="datetimeFigureOut">
               <a:rPr lang="en-US" smtClean="0"/>
-              <a:t>9/16/2021</a:t>
+              <a:t>9/29/2021</a:t>
             </a:fld>
             <a:endParaRPr lang="en-US"/>
           </a:p>
@@ -584,6 +590,342 @@
 </p:notes>
 </file>
 
+<file path=ppt/notesSlides/notesSlide10.xml><?xml version="1.0" encoding="utf-8"?>
+<p:notes xmlns:a="http://schemas.openxmlformats.org/drawingml/2006/main" xmlns:r="http://schemas.openxmlformats.org/officeDocument/2006/relationships" xmlns:p="http://schemas.openxmlformats.org/presentationml/2006/main">
+  <p:cSld>
+    <p:spTree>
+      <p:nvGrpSpPr>
+        <p:cNvPr id="1" name=""/>
+        <p:cNvGrpSpPr/>
+        <p:nvPr/>
+      </p:nvGrpSpPr>
+      <p:grpSpPr>
+        <a:xfrm>
+          <a:off x="0" y="0"/>
+          <a:ext cx="0" cy="0"/>
+          <a:chOff x="0" y="0"/>
+          <a:chExt cx="0" cy="0"/>
+        </a:xfrm>
+      </p:grpSpPr>
+      <p:sp>
+        <p:nvSpPr>
+          <p:cNvPr id="2" name="Slide Image Placeholder 1"/>
+          <p:cNvSpPr>
+            <a:spLocks noGrp="1" noRot="1" noChangeAspect="1"/>
+          </p:cNvSpPr>
+          <p:nvPr>
+            <p:ph type="sldImg"/>
+          </p:nvPr>
+        </p:nvSpPr>
+        <p:spPr/>
+      </p:sp>
+      <p:sp>
+        <p:nvSpPr>
+          <p:cNvPr id="3" name="Notes Placeholder 2"/>
+          <p:cNvSpPr>
+            <a:spLocks noGrp="1"/>
+          </p:cNvSpPr>
+          <p:nvPr>
+            <p:ph type="body" idx="1"/>
+          </p:nvPr>
+        </p:nvSpPr>
+        <p:spPr/>
+        <p:txBody>
+          <a:bodyPr/>
+          <a:lstStyle/>
+          <a:p>
+            <a:endParaRPr lang="en-US" dirty="0"/>
+          </a:p>
+        </p:txBody>
+      </p:sp>
+      <p:sp>
+        <p:nvSpPr>
+          <p:cNvPr id="4" name="Slide Number Placeholder 3"/>
+          <p:cNvSpPr>
+            <a:spLocks noGrp="1"/>
+          </p:cNvSpPr>
+          <p:nvPr>
+            <p:ph type="sldNum" sz="quarter" idx="10"/>
+          </p:nvPr>
+        </p:nvSpPr>
+        <p:spPr/>
+        <p:txBody>
+          <a:bodyPr/>
+          <a:lstStyle/>
+          <a:p>
+            <a:fld id="{4066C2EC-F3B6-4CF7-8A67-99EC2A32E023}" type="slidenum">
+              <a:rPr lang="en-US" smtClean="0"/>
+              <a:t>20</a:t>
+            </a:fld>
+            <a:endParaRPr lang="en-US"/>
+          </a:p>
+        </p:txBody>
+      </p:sp>
+    </p:spTree>
+    <p:extLst>
+      <p:ext uri="{BB962C8B-B14F-4D97-AF65-F5344CB8AC3E}">
+        <p14:creationId xmlns:p14="http://schemas.microsoft.com/office/powerpoint/2010/main" val="2003686388"/>
+      </p:ext>
+    </p:extLst>
+  </p:cSld>
+  <p:clrMapOvr>
+    <a:masterClrMapping/>
+  </p:clrMapOvr>
+</p:notes>
+</file>
+
+<file path=ppt/notesSlides/notesSlide11.xml><?xml version="1.0" encoding="utf-8"?>
+<p:notes xmlns:a="http://schemas.openxmlformats.org/drawingml/2006/main" xmlns:r="http://schemas.openxmlformats.org/officeDocument/2006/relationships" xmlns:p="http://schemas.openxmlformats.org/presentationml/2006/main">
+  <p:cSld>
+    <p:spTree>
+      <p:nvGrpSpPr>
+        <p:cNvPr id="1" name=""/>
+        <p:cNvGrpSpPr/>
+        <p:nvPr/>
+      </p:nvGrpSpPr>
+      <p:grpSpPr>
+        <a:xfrm>
+          <a:off x="0" y="0"/>
+          <a:ext cx="0" cy="0"/>
+          <a:chOff x="0" y="0"/>
+          <a:chExt cx="0" cy="0"/>
+        </a:xfrm>
+      </p:grpSpPr>
+      <p:sp>
+        <p:nvSpPr>
+          <p:cNvPr id="2" name="Slide Image Placeholder 1"/>
+          <p:cNvSpPr>
+            <a:spLocks noGrp="1" noRot="1" noChangeAspect="1"/>
+          </p:cNvSpPr>
+          <p:nvPr>
+            <p:ph type="sldImg"/>
+          </p:nvPr>
+        </p:nvSpPr>
+        <p:spPr/>
+      </p:sp>
+      <p:sp>
+        <p:nvSpPr>
+          <p:cNvPr id="3" name="Notes Placeholder 2"/>
+          <p:cNvSpPr>
+            <a:spLocks noGrp="1"/>
+          </p:cNvSpPr>
+          <p:nvPr>
+            <p:ph type="body" idx="1"/>
+          </p:nvPr>
+        </p:nvSpPr>
+        <p:spPr/>
+        <p:txBody>
+          <a:bodyPr/>
+          <a:lstStyle/>
+          <a:p>
+            <a:endParaRPr lang="en-US" dirty="0"/>
+          </a:p>
+        </p:txBody>
+      </p:sp>
+      <p:sp>
+        <p:nvSpPr>
+          <p:cNvPr id="4" name="Slide Number Placeholder 3"/>
+          <p:cNvSpPr>
+            <a:spLocks noGrp="1"/>
+          </p:cNvSpPr>
+          <p:nvPr>
+            <p:ph type="sldNum" sz="quarter" idx="10"/>
+          </p:nvPr>
+        </p:nvSpPr>
+        <p:spPr/>
+        <p:txBody>
+          <a:bodyPr/>
+          <a:lstStyle/>
+          <a:p>
+            <a:fld id="{4066C2EC-F3B6-4CF7-8A67-99EC2A32E023}" type="slidenum">
+              <a:rPr lang="en-US" smtClean="0"/>
+              <a:t>21</a:t>
+            </a:fld>
+            <a:endParaRPr lang="en-US"/>
+          </a:p>
+        </p:txBody>
+      </p:sp>
+    </p:spTree>
+    <p:extLst>
+      <p:ext uri="{BB962C8B-B14F-4D97-AF65-F5344CB8AC3E}">
+        <p14:creationId xmlns:p14="http://schemas.microsoft.com/office/powerpoint/2010/main" val="3881616669"/>
+      </p:ext>
+    </p:extLst>
+  </p:cSld>
+  <p:clrMapOvr>
+    <a:masterClrMapping/>
+  </p:clrMapOvr>
+</p:notes>
+</file>
+
+<file path=ppt/notesSlides/notesSlide12.xml><?xml version="1.0" encoding="utf-8"?>
+<p:notes xmlns:a="http://schemas.openxmlformats.org/drawingml/2006/main" xmlns:r="http://schemas.openxmlformats.org/officeDocument/2006/relationships" xmlns:p="http://schemas.openxmlformats.org/presentationml/2006/main">
+  <p:cSld>
+    <p:spTree>
+      <p:nvGrpSpPr>
+        <p:cNvPr id="1" name=""/>
+        <p:cNvGrpSpPr/>
+        <p:nvPr/>
+      </p:nvGrpSpPr>
+      <p:grpSpPr>
+        <a:xfrm>
+          <a:off x="0" y="0"/>
+          <a:ext cx="0" cy="0"/>
+          <a:chOff x="0" y="0"/>
+          <a:chExt cx="0" cy="0"/>
+        </a:xfrm>
+      </p:grpSpPr>
+      <p:sp>
+        <p:nvSpPr>
+          <p:cNvPr id="2" name="Slide Image Placeholder 1"/>
+          <p:cNvSpPr>
+            <a:spLocks noGrp="1" noRot="1" noChangeAspect="1"/>
+          </p:cNvSpPr>
+          <p:nvPr>
+            <p:ph type="sldImg"/>
+          </p:nvPr>
+        </p:nvSpPr>
+        <p:spPr/>
+      </p:sp>
+      <p:sp>
+        <p:nvSpPr>
+          <p:cNvPr id="3" name="Notes Placeholder 2"/>
+          <p:cNvSpPr>
+            <a:spLocks noGrp="1"/>
+          </p:cNvSpPr>
+          <p:nvPr>
+            <p:ph type="body" idx="1"/>
+          </p:nvPr>
+        </p:nvSpPr>
+        <p:spPr/>
+        <p:txBody>
+          <a:bodyPr/>
+          <a:lstStyle/>
+          <a:p>
+            <a:endParaRPr lang="en-US" dirty="0"/>
+          </a:p>
+        </p:txBody>
+      </p:sp>
+      <p:sp>
+        <p:nvSpPr>
+          <p:cNvPr id="4" name="Slide Number Placeholder 3"/>
+          <p:cNvSpPr>
+            <a:spLocks noGrp="1"/>
+          </p:cNvSpPr>
+          <p:nvPr>
+            <p:ph type="sldNum" sz="quarter" idx="10"/>
+          </p:nvPr>
+        </p:nvSpPr>
+        <p:spPr/>
+        <p:txBody>
+          <a:bodyPr/>
+          <a:lstStyle/>
+          <a:p>
+            <a:fld id="{4066C2EC-F3B6-4CF7-8A67-99EC2A32E023}" type="slidenum">
+              <a:rPr lang="en-US" smtClean="0"/>
+              <a:t>22</a:t>
+            </a:fld>
+            <a:endParaRPr lang="en-US"/>
+          </a:p>
+        </p:txBody>
+      </p:sp>
+    </p:spTree>
+    <p:extLst>
+      <p:ext uri="{BB962C8B-B14F-4D97-AF65-F5344CB8AC3E}">
+        <p14:creationId xmlns:p14="http://schemas.microsoft.com/office/powerpoint/2010/main" val="784573757"/>
+      </p:ext>
+    </p:extLst>
+  </p:cSld>
+  <p:clrMapOvr>
+    <a:masterClrMapping/>
+  </p:clrMapOvr>
+</p:notes>
+</file>
+
+<file path=ppt/notesSlides/notesSlide13.xml><?xml version="1.0" encoding="utf-8"?>
+<p:notes xmlns:a="http://schemas.openxmlformats.org/drawingml/2006/main" xmlns:r="http://schemas.openxmlformats.org/officeDocument/2006/relationships" xmlns:p="http://schemas.openxmlformats.org/presentationml/2006/main">
+  <p:cSld>
+    <p:spTree>
+      <p:nvGrpSpPr>
+        <p:cNvPr id="1" name=""/>
+        <p:cNvGrpSpPr/>
+        <p:nvPr/>
+      </p:nvGrpSpPr>
+      <p:grpSpPr>
+        <a:xfrm>
+          <a:off x="0" y="0"/>
+          <a:ext cx="0" cy="0"/>
+          <a:chOff x="0" y="0"/>
+          <a:chExt cx="0" cy="0"/>
+        </a:xfrm>
+      </p:grpSpPr>
+      <p:sp>
+        <p:nvSpPr>
+          <p:cNvPr id="2" name="Slide Image Placeholder 1"/>
+          <p:cNvSpPr>
+            <a:spLocks noGrp="1" noRot="1" noChangeAspect="1"/>
+          </p:cNvSpPr>
+          <p:nvPr>
+            <p:ph type="sldImg"/>
+          </p:nvPr>
+        </p:nvSpPr>
+        <p:spPr/>
+      </p:sp>
+      <p:sp>
+        <p:nvSpPr>
+          <p:cNvPr id="3" name="Notes Placeholder 2"/>
+          <p:cNvSpPr>
+            <a:spLocks noGrp="1"/>
+          </p:cNvSpPr>
+          <p:nvPr>
+            <p:ph type="body" idx="1"/>
+          </p:nvPr>
+        </p:nvSpPr>
+        <p:spPr/>
+        <p:txBody>
+          <a:bodyPr/>
+          <a:lstStyle/>
+          <a:p>
+            <a:endParaRPr lang="en-US" dirty="0"/>
+          </a:p>
+        </p:txBody>
+      </p:sp>
+      <p:sp>
+        <p:nvSpPr>
+          <p:cNvPr id="4" name="Slide Number Placeholder 3"/>
+          <p:cNvSpPr>
+            <a:spLocks noGrp="1"/>
+          </p:cNvSpPr>
+          <p:nvPr>
+            <p:ph type="sldNum" sz="quarter" idx="10"/>
+          </p:nvPr>
+        </p:nvSpPr>
+        <p:spPr/>
+        <p:txBody>
+          <a:bodyPr/>
+          <a:lstStyle/>
+          <a:p>
+            <a:fld id="{4066C2EC-F3B6-4CF7-8A67-99EC2A32E023}" type="slidenum">
+              <a:rPr lang="en-US" smtClean="0"/>
+              <a:t>23</a:t>
+            </a:fld>
+            <a:endParaRPr lang="en-US"/>
+          </a:p>
+        </p:txBody>
+      </p:sp>
+    </p:spTree>
+    <p:extLst>
+      <p:ext uri="{BB962C8B-B14F-4D97-AF65-F5344CB8AC3E}">
+        <p14:creationId xmlns:p14="http://schemas.microsoft.com/office/powerpoint/2010/main" val="1594526674"/>
+      </p:ext>
+    </p:extLst>
+  </p:cSld>
+  <p:clrMapOvr>
+    <a:masterClrMapping/>
+  </p:clrMapOvr>
+</p:notes>
+</file>
+
 <file path=ppt/notesSlides/notesSlide2.xml><?xml version="1.0" encoding="utf-8"?>
 <p:notes xmlns:a="http://schemas.openxmlformats.org/drawingml/2006/main" xmlns:r="http://schemas.openxmlformats.org/officeDocument/2006/relationships" xmlns:p="http://schemas.openxmlformats.org/presentationml/2006/main">
   <p:cSld>
@@ -1079,6 +1421,174 @@
     <p:extLst>
       <p:ext uri="{BB962C8B-B14F-4D97-AF65-F5344CB8AC3E}">
         <p14:creationId xmlns:p14="http://schemas.microsoft.com/office/powerpoint/2010/main" val="1449912989"/>
+      </p:ext>
+    </p:extLst>
+  </p:cSld>
+  <p:clrMapOvr>
+    <a:masterClrMapping/>
+  </p:clrMapOvr>
+</p:notes>
+</file>
+
+<file path=ppt/notesSlides/notesSlide8.xml><?xml version="1.0" encoding="utf-8"?>
+<p:notes xmlns:a="http://schemas.openxmlformats.org/drawingml/2006/main" xmlns:r="http://schemas.openxmlformats.org/officeDocument/2006/relationships" xmlns:p="http://schemas.openxmlformats.org/presentationml/2006/main">
+  <p:cSld>
+    <p:spTree>
+      <p:nvGrpSpPr>
+        <p:cNvPr id="1" name=""/>
+        <p:cNvGrpSpPr/>
+        <p:nvPr/>
+      </p:nvGrpSpPr>
+      <p:grpSpPr>
+        <a:xfrm>
+          <a:off x="0" y="0"/>
+          <a:ext cx="0" cy="0"/>
+          <a:chOff x="0" y="0"/>
+          <a:chExt cx="0" cy="0"/>
+        </a:xfrm>
+      </p:grpSpPr>
+      <p:sp>
+        <p:nvSpPr>
+          <p:cNvPr id="2" name="Slide Image Placeholder 1"/>
+          <p:cNvSpPr>
+            <a:spLocks noGrp="1" noRot="1" noChangeAspect="1"/>
+          </p:cNvSpPr>
+          <p:nvPr>
+            <p:ph type="sldImg"/>
+          </p:nvPr>
+        </p:nvSpPr>
+        <p:spPr/>
+      </p:sp>
+      <p:sp>
+        <p:nvSpPr>
+          <p:cNvPr id="3" name="Notes Placeholder 2"/>
+          <p:cNvSpPr>
+            <a:spLocks noGrp="1"/>
+          </p:cNvSpPr>
+          <p:nvPr>
+            <p:ph type="body" idx="1"/>
+          </p:nvPr>
+        </p:nvSpPr>
+        <p:spPr/>
+        <p:txBody>
+          <a:bodyPr/>
+          <a:lstStyle/>
+          <a:p>
+            <a:endParaRPr lang="en-US" dirty="0"/>
+          </a:p>
+        </p:txBody>
+      </p:sp>
+      <p:sp>
+        <p:nvSpPr>
+          <p:cNvPr id="4" name="Slide Number Placeholder 3"/>
+          <p:cNvSpPr>
+            <a:spLocks noGrp="1"/>
+          </p:cNvSpPr>
+          <p:nvPr>
+            <p:ph type="sldNum" sz="quarter" idx="10"/>
+          </p:nvPr>
+        </p:nvSpPr>
+        <p:spPr/>
+        <p:txBody>
+          <a:bodyPr/>
+          <a:lstStyle/>
+          <a:p>
+            <a:fld id="{4066C2EC-F3B6-4CF7-8A67-99EC2A32E023}" type="slidenum">
+              <a:rPr lang="en-US" smtClean="0"/>
+              <a:t>18</a:t>
+            </a:fld>
+            <a:endParaRPr lang="en-US"/>
+          </a:p>
+        </p:txBody>
+      </p:sp>
+    </p:spTree>
+    <p:extLst>
+      <p:ext uri="{BB962C8B-B14F-4D97-AF65-F5344CB8AC3E}">
+        <p14:creationId xmlns:p14="http://schemas.microsoft.com/office/powerpoint/2010/main" val="1098180683"/>
+      </p:ext>
+    </p:extLst>
+  </p:cSld>
+  <p:clrMapOvr>
+    <a:masterClrMapping/>
+  </p:clrMapOvr>
+</p:notes>
+</file>
+
+<file path=ppt/notesSlides/notesSlide9.xml><?xml version="1.0" encoding="utf-8"?>
+<p:notes xmlns:a="http://schemas.openxmlformats.org/drawingml/2006/main" xmlns:r="http://schemas.openxmlformats.org/officeDocument/2006/relationships" xmlns:p="http://schemas.openxmlformats.org/presentationml/2006/main">
+  <p:cSld>
+    <p:spTree>
+      <p:nvGrpSpPr>
+        <p:cNvPr id="1" name=""/>
+        <p:cNvGrpSpPr/>
+        <p:nvPr/>
+      </p:nvGrpSpPr>
+      <p:grpSpPr>
+        <a:xfrm>
+          <a:off x="0" y="0"/>
+          <a:ext cx="0" cy="0"/>
+          <a:chOff x="0" y="0"/>
+          <a:chExt cx="0" cy="0"/>
+        </a:xfrm>
+      </p:grpSpPr>
+      <p:sp>
+        <p:nvSpPr>
+          <p:cNvPr id="2" name="Slide Image Placeholder 1"/>
+          <p:cNvSpPr>
+            <a:spLocks noGrp="1" noRot="1" noChangeAspect="1"/>
+          </p:cNvSpPr>
+          <p:nvPr>
+            <p:ph type="sldImg"/>
+          </p:nvPr>
+        </p:nvSpPr>
+        <p:spPr/>
+      </p:sp>
+      <p:sp>
+        <p:nvSpPr>
+          <p:cNvPr id="3" name="Notes Placeholder 2"/>
+          <p:cNvSpPr>
+            <a:spLocks noGrp="1"/>
+          </p:cNvSpPr>
+          <p:nvPr>
+            <p:ph type="body" idx="1"/>
+          </p:nvPr>
+        </p:nvSpPr>
+        <p:spPr/>
+        <p:txBody>
+          <a:bodyPr/>
+          <a:lstStyle/>
+          <a:p>
+            <a:endParaRPr lang="en-US" dirty="0"/>
+          </a:p>
+        </p:txBody>
+      </p:sp>
+      <p:sp>
+        <p:nvSpPr>
+          <p:cNvPr id="4" name="Slide Number Placeholder 3"/>
+          <p:cNvSpPr>
+            <a:spLocks noGrp="1"/>
+          </p:cNvSpPr>
+          <p:nvPr>
+            <p:ph type="sldNum" sz="quarter" idx="10"/>
+          </p:nvPr>
+        </p:nvSpPr>
+        <p:spPr/>
+        <p:txBody>
+          <a:bodyPr/>
+          <a:lstStyle/>
+          <a:p>
+            <a:fld id="{4066C2EC-F3B6-4CF7-8A67-99EC2A32E023}" type="slidenum">
+              <a:rPr lang="en-US" smtClean="0"/>
+              <a:t>19</a:t>
+            </a:fld>
+            <a:endParaRPr lang="en-US"/>
+          </a:p>
+        </p:txBody>
+      </p:sp>
+    </p:spTree>
+    <p:extLst>
+      <p:ext uri="{BB962C8B-B14F-4D97-AF65-F5344CB8AC3E}">
+        <p14:creationId xmlns:p14="http://schemas.microsoft.com/office/powerpoint/2010/main" val="613165912"/>
       </p:ext>
     </p:extLst>
   </p:cSld>
@@ -1267,7 +1777,7 @@
           <a:p>
             <a:fld id="{65842DE4-D429-4C03-877D-BC36F66EF94D}" type="datetimeFigureOut">
               <a:rPr lang="en-US" smtClean="0"/>
-              <a:t>9/16/2021</a:t>
+              <a:t>9/29/2021</a:t>
             </a:fld>
             <a:endParaRPr lang="en-US"/>
           </a:p>
@@ -1435,7 +1945,7 @@
           <a:p>
             <a:fld id="{65842DE4-D429-4C03-877D-BC36F66EF94D}" type="datetimeFigureOut">
               <a:rPr lang="en-US" smtClean="0"/>
-              <a:t>9/16/2021</a:t>
+              <a:t>9/29/2021</a:t>
             </a:fld>
             <a:endParaRPr lang="en-US"/>
           </a:p>
@@ -1613,7 +2123,7 @@
           <a:p>
             <a:fld id="{65842DE4-D429-4C03-877D-BC36F66EF94D}" type="datetimeFigureOut">
               <a:rPr lang="en-US" smtClean="0"/>
-              <a:t>9/16/2021</a:t>
+              <a:t>9/29/2021</a:t>
             </a:fld>
             <a:endParaRPr lang="en-US"/>
           </a:p>
@@ -1781,7 +2291,7 @@
           <a:p>
             <a:fld id="{65842DE4-D429-4C03-877D-BC36F66EF94D}" type="datetimeFigureOut">
               <a:rPr lang="en-US" smtClean="0"/>
-              <a:t>9/16/2021</a:t>
+              <a:t>9/29/2021</a:t>
             </a:fld>
             <a:endParaRPr lang="en-US"/>
           </a:p>
@@ -2026,7 +2536,7 @@
           <a:p>
             <a:fld id="{65842DE4-D429-4C03-877D-BC36F66EF94D}" type="datetimeFigureOut">
               <a:rPr lang="en-US" smtClean="0"/>
-              <a:t>9/16/2021</a:t>
+              <a:t>9/29/2021</a:t>
             </a:fld>
             <a:endParaRPr lang="en-US"/>
           </a:p>
@@ -2311,7 +2821,7 @@
           <a:p>
             <a:fld id="{65842DE4-D429-4C03-877D-BC36F66EF94D}" type="datetimeFigureOut">
               <a:rPr lang="en-US" smtClean="0"/>
-              <a:t>9/16/2021</a:t>
+              <a:t>9/29/2021</a:t>
             </a:fld>
             <a:endParaRPr lang="en-US"/>
           </a:p>
@@ -2730,7 +3240,7 @@
           <a:p>
             <a:fld id="{65842DE4-D429-4C03-877D-BC36F66EF94D}" type="datetimeFigureOut">
               <a:rPr lang="en-US" smtClean="0"/>
-              <a:t>9/16/2021</a:t>
+              <a:t>9/29/2021</a:t>
             </a:fld>
             <a:endParaRPr lang="en-US"/>
           </a:p>
@@ -2847,7 +3357,7 @@
           <a:p>
             <a:fld id="{65842DE4-D429-4C03-877D-BC36F66EF94D}" type="datetimeFigureOut">
               <a:rPr lang="en-US" smtClean="0"/>
-              <a:t>9/16/2021</a:t>
+              <a:t>9/29/2021</a:t>
             </a:fld>
             <a:endParaRPr lang="en-US"/>
           </a:p>
@@ -2942,7 +3452,7 @@
           <a:p>
             <a:fld id="{65842DE4-D429-4C03-877D-BC36F66EF94D}" type="datetimeFigureOut">
               <a:rPr lang="en-US" smtClean="0"/>
-              <a:t>9/16/2021</a:t>
+              <a:t>9/29/2021</a:t>
             </a:fld>
             <a:endParaRPr lang="en-US"/>
           </a:p>
@@ -3217,7 +3727,7 @@
           <a:p>
             <a:fld id="{65842DE4-D429-4C03-877D-BC36F66EF94D}" type="datetimeFigureOut">
               <a:rPr lang="en-US" smtClean="0"/>
-              <a:t>9/16/2021</a:t>
+              <a:t>9/29/2021</a:t>
             </a:fld>
             <a:endParaRPr lang="en-US"/>
           </a:p>
@@ -3469,7 +3979,7 @@
           <a:p>
             <a:fld id="{65842DE4-D429-4C03-877D-BC36F66EF94D}" type="datetimeFigureOut">
               <a:rPr lang="en-US" smtClean="0"/>
-              <a:t>9/16/2021</a:t>
+              <a:t>9/29/2021</a:t>
             </a:fld>
             <a:endParaRPr lang="en-US"/>
           </a:p>
@@ -3680,7 +4190,7 @@
           <a:p>
             <a:fld id="{65842DE4-D429-4C03-877D-BC36F66EF94D}" type="datetimeFigureOut">
               <a:rPr lang="en-US" smtClean="0"/>
-              <a:t>9/16/2021</a:t>
+              <a:t>9/29/2021</a:t>
             </a:fld>
             <a:endParaRPr lang="en-US"/>
           </a:p>
@@ -14827,6 +15337,1525 @@
 </p:sld>
 </file>
 
+<file path=ppt/slides/slide18.xml><?xml version="1.0" encoding="utf-8"?>
+<p:sld xmlns:a="http://schemas.openxmlformats.org/drawingml/2006/main" xmlns:r="http://schemas.openxmlformats.org/officeDocument/2006/relationships" xmlns:p="http://schemas.openxmlformats.org/presentationml/2006/main">
+  <p:cSld>
+    <p:spTree>
+      <p:nvGrpSpPr>
+        <p:cNvPr id="1" name=""/>
+        <p:cNvGrpSpPr/>
+        <p:nvPr/>
+      </p:nvGrpSpPr>
+      <p:grpSpPr>
+        <a:xfrm>
+          <a:off x="0" y="0"/>
+          <a:ext cx="0" cy="0"/>
+          <a:chOff x="0" y="0"/>
+          <a:chExt cx="0" cy="0"/>
+        </a:xfrm>
+      </p:grpSpPr>
+      <p:sp>
+        <p:nvSpPr>
+          <p:cNvPr id="2" name="Title 1">
+            <a:extLst>
+              <a:ext uri="{FF2B5EF4-FFF2-40B4-BE49-F238E27FC236}">
+                <a16:creationId xmlns:a16="http://schemas.microsoft.com/office/drawing/2014/main" id="{EB3E31FD-1C2F-48A6-AB51-148D4276F8C0}"/>
+              </a:ext>
+            </a:extLst>
+          </p:cNvPr>
+          <p:cNvSpPr>
+            <a:spLocks noGrp="1"/>
+          </p:cNvSpPr>
+          <p:nvPr>
+            <p:ph type="title"/>
+          </p:nvPr>
+        </p:nvSpPr>
+        <p:spPr/>
+        <p:txBody>
+          <a:bodyPr/>
+          <a:lstStyle/>
+          <a:p>
+            <a:r>
+              <a:rPr lang="en-US" dirty="0"/>
+              <a:t>Base Model for Slicing</a:t>
+            </a:r>
+          </a:p>
+        </p:txBody>
+      </p:sp>
+      <p:sp>
+        <p:nvSpPr>
+          <p:cNvPr id="4" name="Content Placeholder 3">
+            <a:extLst>
+              <a:ext uri="{FF2B5EF4-FFF2-40B4-BE49-F238E27FC236}">
+                <a16:creationId xmlns:a16="http://schemas.microsoft.com/office/drawing/2014/main" id="{CC2477E1-3318-4AD0-A1BF-FD6B8B8644C2}"/>
+              </a:ext>
+            </a:extLst>
+          </p:cNvPr>
+          <p:cNvSpPr>
+            <a:spLocks noGrp="1"/>
+          </p:cNvSpPr>
+          <p:nvPr>
+            <p:ph idx="1"/>
+          </p:nvPr>
+        </p:nvSpPr>
+        <p:spPr>
+          <a:xfrm>
+            <a:off x="457200" y="1181365"/>
+            <a:ext cx="8153400" cy="4304770"/>
+          </a:xfrm>
+        </p:spPr>
+        <p:txBody>
+          <a:bodyPr>
+            <a:normAutofit fontScale="55000" lnSpcReduction="20000"/>
+          </a:bodyPr>
+          <a:lstStyle/>
+          <a:p>
+            <a:r>
+              <a:rPr lang="en-US" dirty="0"/>
+              <a:t>Base model should be technology-agnostic</a:t>
+            </a:r>
+          </a:p>
+          <a:p>
+            <a:pPr lvl="1"/>
+            <a:r>
+              <a:rPr lang="en-US" dirty="0"/>
+              <a:t>Network slice as a topology</a:t>
+            </a:r>
+          </a:p>
+          <a:p>
+            <a:pPr lvl="1"/>
+            <a:r>
+              <a:rPr lang="en-US" dirty="0"/>
+              <a:t>Connectivity matrix</a:t>
+            </a:r>
+          </a:p>
+          <a:p>
+            <a:pPr lvl="1"/>
+            <a:r>
+              <a:rPr lang="en-US" dirty="0"/>
+              <a:t>Technology-agnostic SLO policies</a:t>
+            </a:r>
+          </a:p>
+          <a:p>
+            <a:pPr lvl="2"/>
+            <a:r>
+              <a:rPr lang="en-US" dirty="0"/>
+              <a:t>slice, node, link, TP (endpoint), connection (in connectivity matrix)</a:t>
+            </a:r>
+          </a:p>
+          <a:p>
+            <a:r>
+              <a:rPr lang="en-US" dirty="0"/>
+              <a:t>Base model candidates </a:t>
+            </a:r>
+          </a:p>
+          <a:p>
+            <a:pPr lvl="1"/>
+            <a:r>
+              <a:rPr lang="en-US" dirty="0"/>
+              <a:t>draft-</a:t>
+            </a:r>
+            <a:r>
+              <a:rPr lang="en-US" dirty="0" err="1"/>
+              <a:t>liu</a:t>
+            </a:r>
+            <a:r>
+              <a:rPr lang="en-US" dirty="0"/>
+              <a:t>-teas-transport-network-slice-yang</a:t>
+            </a:r>
+          </a:p>
+          <a:p>
+            <a:pPr lvl="2"/>
+            <a:r>
+              <a:rPr lang="en-US" dirty="0"/>
+              <a:t>Define connectivity matrix</a:t>
+            </a:r>
+          </a:p>
+          <a:p>
+            <a:pPr lvl="2"/>
+            <a:r>
+              <a:rPr lang="en-US" dirty="0"/>
+              <a:t>Define endpoints (mark access TPs as endpoints?)</a:t>
+            </a:r>
+          </a:p>
+          <a:p>
+            <a:pPr lvl="2"/>
+            <a:r>
+              <a:rPr lang="en-US" dirty="0"/>
+              <a:t>Define SLO for endpoint and connections</a:t>
+            </a:r>
+          </a:p>
+          <a:p>
+            <a:pPr lvl="1"/>
+            <a:r>
+              <a:rPr lang="en-US" dirty="0"/>
+              <a:t>draft-</a:t>
+            </a:r>
+            <a:r>
+              <a:rPr lang="en-US" dirty="0" err="1"/>
+              <a:t>ietf</a:t>
+            </a:r>
+            <a:r>
+              <a:rPr lang="en-US" dirty="0"/>
+              <a:t>-teas-</a:t>
+            </a:r>
+            <a:r>
+              <a:rPr lang="en-US" dirty="0" err="1"/>
+              <a:t>actn</a:t>
+            </a:r>
+            <a:r>
+              <a:rPr lang="en-US" dirty="0"/>
+              <a:t>-</a:t>
+            </a:r>
+            <a:r>
+              <a:rPr lang="en-US" dirty="0" err="1"/>
+              <a:t>vn</a:t>
+            </a:r>
+            <a:r>
+              <a:rPr lang="en-US" dirty="0"/>
+              <a:t>-yang</a:t>
+            </a:r>
+          </a:p>
+          <a:p>
+            <a:pPr lvl="2"/>
+            <a:r>
+              <a:rPr lang="en-US" dirty="0"/>
+              <a:t>Remove “ACTN” in the title</a:t>
+            </a:r>
+          </a:p>
+          <a:p>
+            <a:pPr lvl="2"/>
+            <a:r>
+              <a:rPr lang="en-US" dirty="0"/>
+              <a:t>Disentangle with TE topology</a:t>
+            </a:r>
+          </a:p>
+          <a:p>
+            <a:pPr lvl="3"/>
+            <a:r>
+              <a:rPr lang="en-US" dirty="0"/>
+              <a:t>Move SLO definitions to VN from TE connectivity matrix </a:t>
+            </a:r>
+          </a:p>
+          <a:p>
+            <a:pPr lvl="3"/>
+            <a:r>
+              <a:rPr lang="en-US" dirty="0"/>
+              <a:t>Remove steps for VN compute</a:t>
+            </a:r>
+          </a:p>
+          <a:p>
+            <a:pPr lvl="1"/>
+            <a:r>
+              <a:rPr lang="en-US" dirty="0"/>
+              <a:t>draft-</a:t>
+            </a:r>
+            <a:r>
+              <a:rPr lang="en-US" dirty="0" err="1"/>
+              <a:t>ietf</a:t>
+            </a:r>
+            <a:r>
+              <a:rPr lang="en-US" dirty="0"/>
+              <a:t>-teas-</a:t>
+            </a:r>
+            <a:r>
+              <a:rPr lang="en-US" dirty="0" err="1"/>
+              <a:t>ietf</a:t>
+            </a:r>
+            <a:r>
+              <a:rPr lang="en-US" dirty="0"/>
+              <a:t>-network-slice-</a:t>
+            </a:r>
+            <a:r>
+              <a:rPr lang="en-US" dirty="0" err="1"/>
+              <a:t>nbi</a:t>
+            </a:r>
+            <a:r>
+              <a:rPr lang="en-US" dirty="0"/>
+              <a:t>-yang</a:t>
+            </a:r>
+          </a:p>
+          <a:p>
+            <a:pPr lvl="2"/>
+            <a:r>
+              <a:rPr lang="en-US" dirty="0"/>
+              <a:t>Missing support resource-based slicing (partitioning)</a:t>
+            </a:r>
+          </a:p>
+          <a:p>
+            <a:pPr lvl="2"/>
+            <a:r>
+              <a:rPr lang="en-US" dirty="0"/>
+              <a:t>SLOs are packet-specific</a:t>
+            </a:r>
+          </a:p>
+        </p:txBody>
+      </p:sp>
+    </p:spTree>
+    <p:extLst>
+      <p:ext uri="{BB962C8B-B14F-4D97-AF65-F5344CB8AC3E}">
+        <p14:creationId xmlns:p14="http://schemas.microsoft.com/office/powerpoint/2010/main" val="1477608328"/>
+      </p:ext>
+    </p:extLst>
+  </p:cSld>
+  <p:clrMapOvr>
+    <a:masterClrMapping/>
+  </p:clrMapOvr>
+</p:sld>
+</file>
+
+<file path=ppt/slides/slide19.xml><?xml version="1.0" encoding="utf-8"?>
+<p:sld xmlns:a="http://schemas.openxmlformats.org/drawingml/2006/main" xmlns:r="http://schemas.openxmlformats.org/officeDocument/2006/relationships" xmlns:p="http://schemas.openxmlformats.org/presentationml/2006/main">
+  <p:cSld>
+    <p:spTree>
+      <p:nvGrpSpPr>
+        <p:cNvPr id="1" name=""/>
+        <p:cNvGrpSpPr/>
+        <p:nvPr/>
+      </p:nvGrpSpPr>
+      <p:grpSpPr>
+        <a:xfrm>
+          <a:off x="0" y="0"/>
+          <a:ext cx="0" cy="0"/>
+          <a:chOff x="0" y="0"/>
+          <a:chExt cx="0" cy="0"/>
+        </a:xfrm>
+      </p:grpSpPr>
+      <p:sp>
+        <p:nvSpPr>
+          <p:cNvPr id="2" name="Title 1">
+            <a:extLst>
+              <a:ext uri="{FF2B5EF4-FFF2-40B4-BE49-F238E27FC236}">
+                <a16:creationId xmlns:a16="http://schemas.microsoft.com/office/drawing/2014/main" id="{EB3E31FD-1C2F-48A6-AB51-148D4276F8C0}"/>
+              </a:ext>
+            </a:extLst>
+          </p:cNvPr>
+          <p:cNvSpPr>
+            <a:spLocks noGrp="1"/>
+          </p:cNvSpPr>
+          <p:nvPr>
+            <p:ph type="title"/>
+          </p:nvPr>
+        </p:nvSpPr>
+        <p:spPr/>
+        <p:txBody>
+          <a:bodyPr>
+            <a:noAutofit/>
+          </a:bodyPr>
+          <a:lstStyle/>
+          <a:p>
+            <a:r>
+              <a:rPr lang="en-US" sz="3200" dirty="0"/>
+              <a:t>How do we merge these candidate base models?</a:t>
+            </a:r>
+          </a:p>
+        </p:txBody>
+      </p:sp>
+      <p:sp>
+        <p:nvSpPr>
+          <p:cNvPr id="4" name="Content Placeholder 3">
+            <a:extLst>
+              <a:ext uri="{FF2B5EF4-FFF2-40B4-BE49-F238E27FC236}">
+                <a16:creationId xmlns:a16="http://schemas.microsoft.com/office/drawing/2014/main" id="{CC2477E1-3318-4AD0-A1BF-FD6B8B8644C2}"/>
+              </a:ext>
+            </a:extLst>
+          </p:cNvPr>
+          <p:cNvSpPr>
+            <a:spLocks noGrp="1"/>
+          </p:cNvSpPr>
+          <p:nvPr>
+            <p:ph idx="1"/>
+          </p:nvPr>
+        </p:nvSpPr>
+        <p:spPr>
+          <a:xfrm>
+            <a:off x="304800" y="1329184"/>
+            <a:ext cx="4419600" cy="3814316"/>
+          </a:xfrm>
+        </p:spPr>
+        <p:txBody>
+          <a:bodyPr>
+            <a:normAutofit/>
+          </a:bodyPr>
+          <a:lstStyle/>
+          <a:p>
+            <a:r>
+              <a:rPr lang="en-US" sz="1800" dirty="0"/>
+              <a:t>VN + draft-</a:t>
+            </a:r>
+            <a:r>
+              <a:rPr lang="en-US" sz="1800" dirty="0" err="1"/>
+              <a:t>liu</a:t>
+            </a:r>
+            <a:r>
+              <a:rPr lang="en-US" sz="1800" dirty="0"/>
+              <a:t> ?</a:t>
+            </a:r>
+          </a:p>
+          <a:p>
+            <a:pPr lvl="1"/>
+            <a:r>
+              <a:rPr lang="en-US" sz="1600" dirty="0"/>
+              <a:t>Define VN as a network topology (rename VN as “slice” ? )</a:t>
+            </a:r>
+          </a:p>
+          <a:p>
+            <a:pPr lvl="1"/>
+            <a:r>
+              <a:rPr lang="en-US" sz="1600" dirty="0"/>
+              <a:t>Keep the definition of AP and VN-AP (maybe align with the “endpoint” naming)</a:t>
+            </a:r>
+          </a:p>
+          <a:p>
+            <a:pPr lvl="2"/>
+            <a:r>
+              <a:rPr lang="en-US" sz="1400" dirty="0"/>
+              <a:t>AP points to TPs in the topology</a:t>
+            </a:r>
+          </a:p>
+          <a:p>
+            <a:pPr lvl="1"/>
+            <a:r>
+              <a:rPr lang="en-US" sz="1600" dirty="0"/>
+              <a:t>Keep </a:t>
+            </a:r>
+            <a:r>
+              <a:rPr lang="en-US" sz="1600" dirty="0" err="1"/>
+              <a:t>vn</a:t>
+            </a:r>
+            <a:r>
+              <a:rPr lang="en-US" sz="1600" dirty="0"/>
+              <a:t>-member (rename it as “connectivity matrix” ?)</a:t>
+            </a:r>
+          </a:p>
+          <a:p>
+            <a:pPr lvl="2"/>
+            <a:r>
+              <a:rPr lang="en-US" sz="1400" dirty="0"/>
+              <a:t>Underlay path pointing to set of links/</a:t>
+            </a:r>
+            <a:r>
+              <a:rPr lang="en-US" sz="1400" dirty="0" err="1"/>
+              <a:t>tps</a:t>
+            </a:r>
+            <a:r>
+              <a:rPr lang="en-US" sz="1400" dirty="0"/>
+              <a:t> in network topology</a:t>
+            </a:r>
+          </a:p>
+          <a:p>
+            <a:pPr lvl="1"/>
+            <a:r>
+              <a:rPr lang="en-US" sz="1600" dirty="0"/>
+              <a:t>Define technology-agnostic SLO policies</a:t>
+            </a:r>
+          </a:p>
+          <a:p>
+            <a:pPr lvl="2"/>
+            <a:r>
+              <a:rPr lang="en-US" sz="1400" dirty="0" err="1"/>
+              <a:t>vn</a:t>
+            </a:r>
+            <a:r>
+              <a:rPr lang="en-US" sz="1400" dirty="0"/>
+              <a:t>, node, link, TP (endpoint), connection (in connectivity matrix)</a:t>
+            </a:r>
+          </a:p>
+        </p:txBody>
+      </p:sp>
+      <p:sp>
+        <p:nvSpPr>
+          <p:cNvPr id="5" name="TextBox 4">
+            <a:extLst>
+              <a:ext uri="{FF2B5EF4-FFF2-40B4-BE49-F238E27FC236}">
+                <a16:creationId xmlns:a16="http://schemas.microsoft.com/office/drawing/2014/main" id="{803439C6-F6EA-49D4-93F8-47A194FA2D42}"/>
+              </a:ext>
+            </a:extLst>
+          </p:cNvPr>
+          <p:cNvSpPr txBox="1"/>
+          <p:nvPr/>
+        </p:nvSpPr>
+        <p:spPr>
+          <a:xfrm>
+            <a:off x="4869308" y="1122731"/>
+            <a:ext cx="3817492" cy="4385816"/>
+          </a:xfrm>
+          <a:prstGeom prst="rect">
+            <a:avLst/>
+          </a:prstGeom>
+          <a:noFill/>
+        </p:spPr>
+        <p:txBody>
+          <a:bodyPr wrap="square">
+            <a:spAutoFit/>
+          </a:bodyPr>
+          <a:lstStyle/>
+          <a:p>
+            <a:r>
+              <a:rPr lang="en-US" sz="900" dirty="0">
+                <a:latin typeface="Courier New" panose="02070309020205020404" pitchFamily="49" charset="0"/>
+                <a:cs typeface="Courier New" panose="02070309020205020404" pitchFamily="49" charset="0"/>
+              </a:rPr>
+              <a:t>module: </a:t>
+            </a:r>
+            <a:r>
+              <a:rPr lang="en-US" sz="900" dirty="0" err="1">
+                <a:latin typeface="Courier New" panose="02070309020205020404" pitchFamily="49" charset="0"/>
+                <a:cs typeface="Courier New" panose="02070309020205020404" pitchFamily="49" charset="0"/>
+              </a:rPr>
+              <a:t>ietf-vn</a:t>
+            </a:r>
+            <a:endParaRPr lang="en-US" sz="900" dirty="0">
+              <a:latin typeface="Courier New" panose="02070309020205020404" pitchFamily="49" charset="0"/>
+              <a:cs typeface="Courier New" panose="02070309020205020404" pitchFamily="49" charset="0"/>
+            </a:endParaRPr>
+          </a:p>
+          <a:p>
+            <a:r>
+              <a:rPr lang="en-US" sz="900" dirty="0">
+                <a:latin typeface="Courier New" panose="02070309020205020404" pitchFamily="49" charset="0"/>
+                <a:cs typeface="Courier New" panose="02070309020205020404" pitchFamily="49" charset="0"/>
+              </a:rPr>
+              <a:t>     +--</a:t>
+            </a:r>
+            <a:r>
+              <a:rPr lang="en-US" sz="900" dirty="0" err="1">
+                <a:latin typeface="Courier New" panose="02070309020205020404" pitchFamily="49" charset="0"/>
+                <a:cs typeface="Courier New" panose="02070309020205020404" pitchFamily="49" charset="0"/>
+              </a:rPr>
+              <a:t>rw</a:t>
+            </a:r>
+            <a:r>
+              <a:rPr lang="en-US" sz="900" dirty="0">
+                <a:latin typeface="Courier New" panose="02070309020205020404" pitchFamily="49" charset="0"/>
+                <a:cs typeface="Courier New" panose="02070309020205020404" pitchFamily="49" charset="0"/>
+              </a:rPr>
+              <a:t> access-point</a:t>
+            </a:r>
+          </a:p>
+          <a:p>
+            <a:r>
+              <a:rPr lang="en-US" sz="900" dirty="0">
+                <a:latin typeface="Courier New" panose="02070309020205020404" pitchFamily="49" charset="0"/>
+                <a:cs typeface="Courier New" panose="02070309020205020404" pitchFamily="49" charset="0"/>
+              </a:rPr>
+              <a:t>     |  +--</a:t>
+            </a:r>
+            <a:r>
+              <a:rPr lang="en-US" sz="900" dirty="0" err="1">
+                <a:latin typeface="Courier New" panose="02070309020205020404" pitchFamily="49" charset="0"/>
+                <a:cs typeface="Courier New" panose="02070309020205020404" pitchFamily="49" charset="0"/>
+              </a:rPr>
+              <a:t>rw</a:t>
+            </a:r>
+            <a:r>
+              <a:rPr lang="en-US" sz="900" dirty="0">
+                <a:latin typeface="Courier New" panose="02070309020205020404" pitchFamily="49" charset="0"/>
+                <a:cs typeface="Courier New" panose="02070309020205020404" pitchFamily="49" charset="0"/>
+              </a:rPr>
+              <a:t> ap* [ap-id]</a:t>
+            </a:r>
+          </a:p>
+          <a:p>
+            <a:r>
+              <a:rPr lang="en-US" sz="900" dirty="0">
+                <a:latin typeface="Courier New" panose="02070309020205020404" pitchFamily="49" charset="0"/>
+                <a:cs typeface="Courier New" panose="02070309020205020404" pitchFamily="49" charset="0"/>
+              </a:rPr>
+              <a:t>     |     +--</a:t>
+            </a:r>
+            <a:r>
+              <a:rPr lang="en-US" sz="900" dirty="0" err="1">
+                <a:latin typeface="Courier New" panose="02070309020205020404" pitchFamily="49" charset="0"/>
+                <a:cs typeface="Courier New" panose="02070309020205020404" pitchFamily="49" charset="0"/>
+              </a:rPr>
+              <a:t>rw</a:t>
+            </a:r>
+            <a:r>
+              <a:rPr lang="en-US" sz="900" dirty="0">
+                <a:latin typeface="Courier New" panose="02070309020205020404" pitchFamily="49" charset="0"/>
+                <a:cs typeface="Courier New" panose="02070309020205020404" pitchFamily="49" charset="0"/>
+              </a:rPr>
+              <a:t> ap-id            </a:t>
+            </a:r>
+            <a:r>
+              <a:rPr lang="en-US" sz="900" dirty="0" err="1">
+                <a:latin typeface="Courier New" panose="02070309020205020404" pitchFamily="49" charset="0"/>
+                <a:cs typeface="Courier New" panose="02070309020205020404" pitchFamily="49" charset="0"/>
+              </a:rPr>
+              <a:t>ap-id</a:t>
+            </a:r>
+            <a:endParaRPr lang="en-US" sz="900" dirty="0">
+              <a:latin typeface="Courier New" panose="02070309020205020404" pitchFamily="49" charset="0"/>
+              <a:cs typeface="Courier New" panose="02070309020205020404" pitchFamily="49" charset="0"/>
+            </a:endParaRPr>
+          </a:p>
+          <a:p>
+            <a:r>
+              <a:rPr lang="en-US" sz="900" dirty="0">
+                <a:latin typeface="Courier New" panose="02070309020205020404" pitchFamily="49" charset="0"/>
+                <a:cs typeface="Courier New" panose="02070309020205020404" pitchFamily="49" charset="0"/>
+              </a:rPr>
+              <a:t>     |     +--</a:t>
+            </a:r>
+            <a:r>
+              <a:rPr lang="en-US" sz="900" dirty="0" err="1">
+                <a:latin typeface="Courier New" panose="02070309020205020404" pitchFamily="49" charset="0"/>
+                <a:cs typeface="Courier New" panose="02070309020205020404" pitchFamily="49" charset="0"/>
+              </a:rPr>
+              <a:t>rw</a:t>
+            </a:r>
+            <a:r>
+              <a:rPr lang="en-US" sz="900" dirty="0">
+                <a:latin typeface="Courier New" panose="02070309020205020404" pitchFamily="49" charset="0"/>
+                <a:cs typeface="Courier New" panose="02070309020205020404" pitchFamily="49" charset="0"/>
+              </a:rPr>
+              <a:t> </a:t>
+            </a:r>
+            <a:r>
+              <a:rPr lang="en-US" sz="900" dirty="0" err="1">
+                <a:latin typeface="Courier New" panose="02070309020205020404" pitchFamily="49" charset="0"/>
+                <a:cs typeface="Courier New" panose="02070309020205020404" pitchFamily="49" charset="0"/>
+              </a:rPr>
+              <a:t>vn</a:t>
+            </a:r>
+            <a:r>
+              <a:rPr lang="en-US" sz="900" dirty="0">
+                <a:latin typeface="Courier New" panose="02070309020205020404" pitchFamily="49" charset="0"/>
+                <a:cs typeface="Courier New" panose="02070309020205020404" pitchFamily="49" charset="0"/>
+              </a:rPr>
+              <a:t>-ap* [</a:t>
+            </a:r>
+            <a:r>
+              <a:rPr lang="en-US" sz="900" dirty="0" err="1">
+                <a:latin typeface="Courier New" panose="02070309020205020404" pitchFamily="49" charset="0"/>
+                <a:cs typeface="Courier New" panose="02070309020205020404" pitchFamily="49" charset="0"/>
+              </a:rPr>
+              <a:t>vn</a:t>
+            </a:r>
+            <a:r>
+              <a:rPr lang="en-US" sz="900" dirty="0">
+                <a:latin typeface="Courier New" panose="02070309020205020404" pitchFamily="49" charset="0"/>
+                <a:cs typeface="Courier New" panose="02070309020205020404" pitchFamily="49" charset="0"/>
+              </a:rPr>
+              <a:t>-ap-id]</a:t>
+            </a:r>
+          </a:p>
+          <a:p>
+            <a:r>
+              <a:rPr lang="en-US" sz="900" dirty="0">
+                <a:latin typeface="Courier New" panose="02070309020205020404" pitchFamily="49" charset="0"/>
+                <a:cs typeface="Courier New" panose="02070309020205020404" pitchFamily="49" charset="0"/>
+              </a:rPr>
+              <a:t>     |        +--</a:t>
+            </a:r>
+            <a:r>
+              <a:rPr lang="en-US" sz="900" dirty="0" err="1">
+                <a:latin typeface="Courier New" panose="02070309020205020404" pitchFamily="49" charset="0"/>
+                <a:cs typeface="Courier New" panose="02070309020205020404" pitchFamily="49" charset="0"/>
+              </a:rPr>
+              <a:t>rw</a:t>
+            </a:r>
+            <a:r>
+              <a:rPr lang="en-US" sz="900" dirty="0">
+                <a:latin typeface="Courier New" panose="02070309020205020404" pitchFamily="49" charset="0"/>
+                <a:cs typeface="Courier New" panose="02070309020205020404" pitchFamily="49" charset="0"/>
+              </a:rPr>
+              <a:t> </a:t>
+            </a:r>
+            <a:r>
+              <a:rPr lang="en-US" sz="900" dirty="0" err="1">
+                <a:latin typeface="Courier New" panose="02070309020205020404" pitchFamily="49" charset="0"/>
+                <a:cs typeface="Courier New" panose="02070309020205020404" pitchFamily="49" charset="0"/>
+              </a:rPr>
+              <a:t>vn</a:t>
+            </a:r>
+            <a:r>
+              <a:rPr lang="en-US" sz="900" dirty="0">
+                <a:latin typeface="Courier New" panose="02070309020205020404" pitchFamily="49" charset="0"/>
+                <a:cs typeface="Courier New" panose="02070309020205020404" pitchFamily="49" charset="0"/>
+              </a:rPr>
+              <a:t>-id?              -&gt; /virtual-network/</a:t>
+            </a:r>
+            <a:r>
+              <a:rPr lang="en-US" sz="900" dirty="0" err="1">
+                <a:latin typeface="Courier New" panose="02070309020205020404" pitchFamily="49" charset="0"/>
+                <a:cs typeface="Courier New" panose="02070309020205020404" pitchFamily="49" charset="0"/>
+              </a:rPr>
+              <a:t>vn</a:t>
+            </a:r>
+            <a:r>
+              <a:rPr lang="en-US" sz="900" dirty="0">
+                <a:latin typeface="Courier New" panose="02070309020205020404" pitchFamily="49" charset="0"/>
+                <a:cs typeface="Courier New" panose="02070309020205020404" pitchFamily="49" charset="0"/>
+              </a:rPr>
+              <a:t>/</a:t>
+            </a:r>
+            <a:r>
+              <a:rPr lang="en-US" sz="900" dirty="0" err="1">
+                <a:latin typeface="Courier New" panose="02070309020205020404" pitchFamily="49" charset="0"/>
+                <a:cs typeface="Courier New" panose="02070309020205020404" pitchFamily="49" charset="0"/>
+              </a:rPr>
+              <a:t>vn</a:t>
+            </a:r>
+            <a:r>
+              <a:rPr lang="en-US" sz="900" dirty="0">
+                <a:latin typeface="Courier New" panose="02070309020205020404" pitchFamily="49" charset="0"/>
+                <a:cs typeface="Courier New" panose="02070309020205020404" pitchFamily="49" charset="0"/>
+              </a:rPr>
+              <a:t>-id</a:t>
+            </a:r>
+          </a:p>
+          <a:p>
+            <a:r>
+              <a:rPr lang="en-US" sz="900" dirty="0">
+                <a:latin typeface="Courier New" panose="02070309020205020404" pitchFamily="49" charset="0"/>
+                <a:cs typeface="Courier New" panose="02070309020205020404" pitchFamily="49" charset="0"/>
+              </a:rPr>
+              <a:t>     |        +--</a:t>
+            </a:r>
+            <a:r>
+              <a:rPr lang="en-US" sz="900" dirty="0" err="1">
+                <a:latin typeface="Courier New" panose="02070309020205020404" pitchFamily="49" charset="0"/>
+                <a:cs typeface="Courier New" panose="02070309020205020404" pitchFamily="49" charset="0"/>
+              </a:rPr>
+              <a:t>rw</a:t>
+            </a:r>
+            <a:r>
+              <a:rPr lang="en-US" sz="900" dirty="0">
+                <a:latin typeface="Courier New" panose="02070309020205020404" pitchFamily="49" charset="0"/>
+                <a:cs typeface="Courier New" panose="02070309020205020404" pitchFamily="49" charset="0"/>
+              </a:rPr>
+              <a:t> </a:t>
+            </a:r>
+            <a:r>
+              <a:rPr lang="en-US" sz="900" dirty="0" err="1">
+                <a:latin typeface="Courier New" panose="02070309020205020404" pitchFamily="49" charset="0"/>
+                <a:cs typeface="Courier New" panose="02070309020205020404" pitchFamily="49" charset="0"/>
+              </a:rPr>
+              <a:t>vn</a:t>
+            </a:r>
+            <a:r>
+              <a:rPr lang="en-US" sz="900" dirty="0">
+                <a:latin typeface="Courier New" panose="02070309020205020404" pitchFamily="49" charset="0"/>
+                <a:cs typeface="Courier New" panose="02070309020205020404" pitchFamily="49" charset="0"/>
+              </a:rPr>
+              <a:t>-ap-id         </a:t>
+            </a:r>
+            <a:r>
+              <a:rPr lang="en-US" sz="900" dirty="0" err="1">
+                <a:latin typeface="Courier New" panose="02070309020205020404" pitchFamily="49" charset="0"/>
+                <a:cs typeface="Courier New" panose="02070309020205020404" pitchFamily="49" charset="0"/>
+              </a:rPr>
+              <a:t>ap-id</a:t>
+            </a:r>
+            <a:endParaRPr lang="en-US" sz="900" dirty="0">
+              <a:latin typeface="Courier New" panose="02070309020205020404" pitchFamily="49" charset="0"/>
+              <a:cs typeface="Courier New" panose="02070309020205020404" pitchFamily="49" charset="0"/>
+            </a:endParaRPr>
+          </a:p>
+          <a:p>
+            <a:r>
+              <a:rPr lang="en-US" sz="900" dirty="0">
+                <a:latin typeface="Courier New" panose="02070309020205020404" pitchFamily="49" charset="0"/>
+                <a:cs typeface="Courier New" panose="02070309020205020404" pitchFamily="49" charset="0"/>
+              </a:rPr>
+              <a:t>     |        +--</a:t>
+            </a:r>
+            <a:r>
+              <a:rPr lang="en-US" sz="900" dirty="0" err="1">
+                <a:latin typeface="Courier New" panose="02070309020205020404" pitchFamily="49" charset="0"/>
+                <a:cs typeface="Courier New" panose="02070309020205020404" pitchFamily="49" charset="0"/>
+              </a:rPr>
+              <a:t>rw</a:t>
+            </a:r>
+            <a:r>
+              <a:rPr lang="en-US" sz="900" dirty="0">
+                <a:latin typeface="Courier New" panose="02070309020205020404" pitchFamily="49" charset="0"/>
+                <a:cs typeface="Courier New" panose="02070309020205020404" pitchFamily="49" charset="0"/>
+              </a:rPr>
+              <a:t> </a:t>
+            </a:r>
+            <a:r>
+              <a:rPr lang="en-US" sz="900" dirty="0" err="1">
+                <a:latin typeface="Courier New" panose="02070309020205020404" pitchFamily="49" charset="0"/>
+                <a:cs typeface="Courier New" panose="02070309020205020404" pitchFamily="49" charset="0"/>
+              </a:rPr>
+              <a:t>vn</a:t>
+            </a:r>
+            <a:r>
+              <a:rPr lang="en-US" sz="900" dirty="0">
+                <a:latin typeface="Courier New" panose="02070309020205020404" pitchFamily="49" charset="0"/>
+                <a:cs typeface="Courier New" panose="02070309020205020404" pitchFamily="49" charset="0"/>
+              </a:rPr>
+              <a:t>-node             -&gt; /virtual-network/</a:t>
+            </a:r>
+            <a:r>
+              <a:rPr lang="en-US" sz="900" dirty="0" err="1">
+                <a:latin typeface="Courier New" panose="02070309020205020404" pitchFamily="49" charset="0"/>
+                <a:cs typeface="Courier New" panose="02070309020205020404" pitchFamily="49" charset="0"/>
+              </a:rPr>
+              <a:t>vn</a:t>
+            </a:r>
+            <a:r>
+              <a:rPr lang="en-US" sz="900" dirty="0">
+                <a:latin typeface="Courier New" panose="02070309020205020404" pitchFamily="49" charset="0"/>
+                <a:cs typeface="Courier New" panose="02070309020205020404" pitchFamily="49" charset="0"/>
+              </a:rPr>
+              <a:t>/</a:t>
+            </a:r>
+            <a:r>
+              <a:rPr lang="en-US" sz="900" dirty="0" err="1">
+                <a:latin typeface="Courier New" panose="02070309020205020404" pitchFamily="49" charset="0"/>
+                <a:cs typeface="Courier New" panose="02070309020205020404" pitchFamily="49" charset="0"/>
+              </a:rPr>
+              <a:t>vn</a:t>
+            </a:r>
+            <a:r>
+              <a:rPr lang="en-US" sz="900" dirty="0">
+                <a:latin typeface="Courier New" panose="02070309020205020404" pitchFamily="49" charset="0"/>
+                <a:cs typeface="Courier New" panose="02070309020205020404" pitchFamily="49" charset="0"/>
+              </a:rPr>
+              <a:t>-topology/node/node-id</a:t>
+            </a:r>
+          </a:p>
+          <a:p>
+            <a:r>
+              <a:rPr lang="en-US" sz="900" dirty="0">
+                <a:latin typeface="Courier New" panose="02070309020205020404" pitchFamily="49" charset="0"/>
+                <a:cs typeface="Courier New" panose="02070309020205020404" pitchFamily="49" charset="0"/>
+              </a:rPr>
+              <a:t>     |        +--</a:t>
+            </a:r>
+            <a:r>
+              <a:rPr lang="en-US" sz="900" dirty="0" err="1">
+                <a:latin typeface="Courier New" panose="02070309020205020404" pitchFamily="49" charset="0"/>
+                <a:cs typeface="Courier New" panose="02070309020205020404" pitchFamily="49" charset="0"/>
+              </a:rPr>
+              <a:t>ro</a:t>
+            </a:r>
+            <a:r>
+              <a:rPr lang="en-US" sz="900" dirty="0">
+                <a:latin typeface="Courier New" panose="02070309020205020404" pitchFamily="49" charset="0"/>
+                <a:cs typeface="Courier New" panose="02070309020205020404" pitchFamily="49" charset="0"/>
+              </a:rPr>
+              <a:t> </a:t>
+            </a:r>
+            <a:r>
+              <a:rPr lang="en-US" sz="900" dirty="0" err="1">
+                <a:latin typeface="Courier New" panose="02070309020205020404" pitchFamily="49" charset="0"/>
+                <a:cs typeface="Courier New" panose="02070309020205020404" pitchFamily="49" charset="0"/>
+              </a:rPr>
+              <a:t>vn</a:t>
+            </a:r>
+            <a:r>
+              <a:rPr lang="en-US" sz="900" dirty="0">
+                <a:latin typeface="Courier New" panose="02070309020205020404" pitchFamily="49" charset="0"/>
+                <a:cs typeface="Courier New" panose="02070309020205020404" pitchFamily="49" charset="0"/>
+              </a:rPr>
+              <a:t>-ap-</a:t>
+            </a:r>
+            <a:r>
+              <a:rPr lang="en-US" sz="900" dirty="0" err="1">
+                <a:latin typeface="Courier New" panose="02070309020205020404" pitchFamily="49" charset="0"/>
+                <a:cs typeface="Courier New" panose="02070309020205020404" pitchFamily="49" charset="0"/>
+              </a:rPr>
+              <a:t>slo</a:t>
+            </a:r>
+            <a:endParaRPr lang="en-US" sz="900" dirty="0">
+              <a:latin typeface="Courier New" panose="02070309020205020404" pitchFamily="49" charset="0"/>
+              <a:cs typeface="Courier New" panose="02070309020205020404" pitchFamily="49" charset="0"/>
+            </a:endParaRPr>
+          </a:p>
+          <a:p>
+            <a:r>
+              <a:rPr lang="en-US" sz="900" dirty="0">
+                <a:latin typeface="Courier New" panose="02070309020205020404" pitchFamily="49" charset="0"/>
+                <a:cs typeface="Courier New" panose="02070309020205020404" pitchFamily="49" charset="0"/>
+              </a:rPr>
+              <a:t>     +--</a:t>
+            </a:r>
+            <a:r>
+              <a:rPr lang="en-US" sz="900" dirty="0" err="1">
+                <a:latin typeface="Courier New" panose="02070309020205020404" pitchFamily="49" charset="0"/>
+                <a:cs typeface="Courier New" panose="02070309020205020404" pitchFamily="49" charset="0"/>
+              </a:rPr>
+              <a:t>rw</a:t>
+            </a:r>
+            <a:r>
+              <a:rPr lang="en-US" sz="900" dirty="0">
+                <a:latin typeface="Courier New" panose="02070309020205020404" pitchFamily="49" charset="0"/>
+                <a:cs typeface="Courier New" panose="02070309020205020404" pitchFamily="49" charset="0"/>
+              </a:rPr>
+              <a:t> network-topology</a:t>
+            </a:r>
+          </a:p>
+          <a:p>
+            <a:r>
+              <a:rPr lang="en-US" sz="900" dirty="0">
+                <a:latin typeface="Courier New" panose="02070309020205020404" pitchFamily="49" charset="0"/>
+                <a:cs typeface="Courier New" panose="02070309020205020404" pitchFamily="49" charset="0"/>
+              </a:rPr>
+              <a:t>     |  +--</a:t>
+            </a:r>
+            <a:r>
+              <a:rPr lang="en-US" sz="900" dirty="0" err="1">
+                <a:latin typeface="Courier New" panose="02070309020205020404" pitchFamily="49" charset="0"/>
+                <a:cs typeface="Courier New" panose="02070309020205020404" pitchFamily="49" charset="0"/>
+              </a:rPr>
+              <a:t>rw</a:t>
+            </a:r>
+            <a:r>
+              <a:rPr lang="en-US" sz="900" dirty="0">
+                <a:latin typeface="Courier New" panose="02070309020205020404" pitchFamily="49" charset="0"/>
+                <a:cs typeface="Courier New" panose="02070309020205020404" pitchFamily="49" charset="0"/>
+              </a:rPr>
+              <a:t> topology* [topology-id]</a:t>
+            </a:r>
+          </a:p>
+          <a:p>
+            <a:r>
+              <a:rPr lang="en-US" sz="900" dirty="0">
+                <a:latin typeface="Courier New" panose="02070309020205020404" pitchFamily="49" charset="0"/>
+                <a:cs typeface="Courier New" panose="02070309020205020404" pitchFamily="49" charset="0"/>
+              </a:rPr>
+              <a:t>     |     +--</a:t>
+            </a:r>
+            <a:r>
+              <a:rPr lang="en-US" sz="900" dirty="0" err="1">
+                <a:latin typeface="Courier New" panose="02070309020205020404" pitchFamily="49" charset="0"/>
+                <a:cs typeface="Courier New" panose="02070309020205020404" pitchFamily="49" charset="0"/>
+              </a:rPr>
+              <a:t>rw</a:t>
+            </a:r>
+            <a:r>
+              <a:rPr lang="en-US" sz="900" dirty="0">
+                <a:latin typeface="Courier New" panose="02070309020205020404" pitchFamily="49" charset="0"/>
+                <a:cs typeface="Courier New" panose="02070309020205020404" pitchFamily="49" charset="0"/>
+              </a:rPr>
+              <a:t> topology-id</a:t>
+            </a:r>
+          </a:p>
+          <a:p>
+            <a:r>
+              <a:rPr lang="en-US" sz="900" dirty="0">
+                <a:latin typeface="Courier New" panose="02070309020205020404" pitchFamily="49" charset="0"/>
+                <a:cs typeface="Courier New" panose="02070309020205020404" pitchFamily="49" charset="0"/>
+              </a:rPr>
+              <a:t>     |     +--</a:t>
+            </a:r>
+            <a:r>
+              <a:rPr lang="en-US" sz="900" dirty="0" err="1">
+                <a:latin typeface="Courier New" panose="02070309020205020404" pitchFamily="49" charset="0"/>
+                <a:cs typeface="Courier New" panose="02070309020205020404" pitchFamily="49" charset="0"/>
+              </a:rPr>
+              <a:t>rw</a:t>
+            </a:r>
+            <a:r>
+              <a:rPr lang="en-US" sz="900" dirty="0">
+                <a:latin typeface="Courier New" panose="02070309020205020404" pitchFamily="49" charset="0"/>
+                <a:cs typeface="Courier New" panose="02070309020205020404" pitchFamily="49" charset="0"/>
+              </a:rPr>
+              <a:t> node [node-id]</a:t>
+            </a:r>
+          </a:p>
+          <a:p>
+            <a:r>
+              <a:rPr lang="en-US" sz="900" dirty="0">
+                <a:latin typeface="Courier New" panose="02070309020205020404" pitchFamily="49" charset="0"/>
+                <a:cs typeface="Courier New" panose="02070309020205020404" pitchFamily="49" charset="0"/>
+              </a:rPr>
+              <a:t>     |     |  +--</a:t>
+            </a:r>
+            <a:r>
+              <a:rPr lang="en-US" sz="900" dirty="0" err="1">
+                <a:latin typeface="Courier New" panose="02070309020205020404" pitchFamily="49" charset="0"/>
+                <a:cs typeface="Courier New" panose="02070309020205020404" pitchFamily="49" charset="0"/>
+              </a:rPr>
+              <a:t>rw</a:t>
+            </a:r>
+            <a:r>
+              <a:rPr lang="en-US" sz="900" dirty="0">
+                <a:latin typeface="Courier New" panose="02070309020205020404" pitchFamily="49" charset="0"/>
+                <a:cs typeface="Courier New" panose="02070309020205020404" pitchFamily="49" charset="0"/>
+              </a:rPr>
+              <a:t> </a:t>
+            </a:r>
+            <a:r>
+              <a:rPr lang="en-US" sz="900" dirty="0" err="1">
+                <a:latin typeface="Courier New" panose="02070309020205020404" pitchFamily="49" charset="0"/>
+                <a:cs typeface="Courier New" panose="02070309020205020404" pitchFamily="49" charset="0"/>
+              </a:rPr>
+              <a:t>slo</a:t>
+            </a:r>
+            <a:endParaRPr lang="en-US" sz="900" dirty="0">
+              <a:latin typeface="Courier New" panose="02070309020205020404" pitchFamily="49" charset="0"/>
+              <a:cs typeface="Courier New" panose="02070309020205020404" pitchFamily="49" charset="0"/>
+            </a:endParaRPr>
+          </a:p>
+          <a:p>
+            <a:r>
+              <a:rPr lang="en-US" sz="900" dirty="0">
+                <a:latin typeface="Courier New" panose="02070309020205020404" pitchFamily="49" charset="0"/>
+                <a:cs typeface="Courier New" panose="02070309020205020404" pitchFamily="49" charset="0"/>
+              </a:rPr>
+              <a:t>     |     +--</a:t>
+            </a:r>
+            <a:r>
+              <a:rPr lang="en-US" sz="900" dirty="0" err="1">
+                <a:latin typeface="Courier New" panose="02070309020205020404" pitchFamily="49" charset="0"/>
+                <a:cs typeface="Courier New" panose="02070309020205020404" pitchFamily="49" charset="0"/>
+              </a:rPr>
+              <a:t>rw</a:t>
+            </a:r>
+            <a:r>
+              <a:rPr lang="en-US" sz="900" dirty="0">
+                <a:latin typeface="Courier New" panose="02070309020205020404" pitchFamily="49" charset="0"/>
+                <a:cs typeface="Courier New" panose="02070309020205020404" pitchFamily="49" charset="0"/>
+              </a:rPr>
+              <a:t> link [link-id]</a:t>
+            </a:r>
+          </a:p>
+          <a:p>
+            <a:r>
+              <a:rPr lang="en-US" sz="900" dirty="0">
+                <a:latin typeface="Courier New" panose="02070309020205020404" pitchFamily="49" charset="0"/>
+                <a:cs typeface="Courier New" panose="02070309020205020404" pitchFamily="49" charset="0"/>
+              </a:rPr>
+              <a:t>     |     |  +--</a:t>
+            </a:r>
+            <a:r>
+              <a:rPr lang="en-US" sz="900" dirty="0" err="1">
+                <a:latin typeface="Courier New" panose="02070309020205020404" pitchFamily="49" charset="0"/>
+                <a:cs typeface="Courier New" panose="02070309020205020404" pitchFamily="49" charset="0"/>
+              </a:rPr>
+              <a:t>rw</a:t>
+            </a:r>
+            <a:r>
+              <a:rPr lang="en-US" sz="900" dirty="0">
+                <a:latin typeface="Courier New" panose="02070309020205020404" pitchFamily="49" charset="0"/>
+                <a:cs typeface="Courier New" panose="02070309020205020404" pitchFamily="49" charset="0"/>
+              </a:rPr>
+              <a:t> </a:t>
+            </a:r>
+            <a:r>
+              <a:rPr lang="en-US" sz="900" dirty="0" err="1">
+                <a:latin typeface="Courier New" panose="02070309020205020404" pitchFamily="49" charset="0"/>
+                <a:cs typeface="Courier New" panose="02070309020205020404" pitchFamily="49" charset="0"/>
+              </a:rPr>
+              <a:t>slo</a:t>
+            </a:r>
+            <a:endParaRPr lang="en-US" sz="900" dirty="0">
+              <a:latin typeface="Courier New" panose="02070309020205020404" pitchFamily="49" charset="0"/>
+              <a:cs typeface="Courier New" panose="02070309020205020404" pitchFamily="49" charset="0"/>
+            </a:endParaRPr>
+          </a:p>
+          <a:p>
+            <a:r>
+              <a:rPr lang="en-US" sz="900" dirty="0">
+                <a:latin typeface="Courier New" panose="02070309020205020404" pitchFamily="49" charset="0"/>
+                <a:cs typeface="Courier New" panose="02070309020205020404" pitchFamily="49" charset="0"/>
+              </a:rPr>
+              <a:t>     |     +--</a:t>
+            </a:r>
+            <a:r>
+              <a:rPr lang="en-US" sz="900" dirty="0" err="1">
+                <a:latin typeface="Courier New" panose="02070309020205020404" pitchFamily="49" charset="0"/>
+                <a:cs typeface="Courier New" panose="02070309020205020404" pitchFamily="49" charset="0"/>
+              </a:rPr>
+              <a:t>rw</a:t>
+            </a:r>
+            <a:r>
+              <a:rPr lang="en-US" sz="900" dirty="0">
+                <a:latin typeface="Courier New" panose="02070309020205020404" pitchFamily="49" charset="0"/>
+                <a:cs typeface="Courier New" panose="02070309020205020404" pitchFamily="49" charset="0"/>
+              </a:rPr>
+              <a:t> </a:t>
+            </a:r>
+            <a:r>
+              <a:rPr lang="en-US" sz="900" dirty="0" err="1">
+                <a:latin typeface="Courier New" panose="02070309020205020404" pitchFamily="49" charset="0"/>
+                <a:cs typeface="Courier New" panose="02070309020205020404" pitchFamily="49" charset="0"/>
+              </a:rPr>
+              <a:t>tp</a:t>
+            </a:r>
+            <a:r>
+              <a:rPr lang="en-US" sz="900" dirty="0">
+                <a:latin typeface="Courier New" panose="02070309020205020404" pitchFamily="49" charset="0"/>
+                <a:cs typeface="Courier New" panose="02070309020205020404" pitchFamily="49" charset="0"/>
+              </a:rPr>
+              <a:t> [</a:t>
+            </a:r>
+            <a:r>
+              <a:rPr lang="en-US" sz="900" dirty="0" err="1">
+                <a:latin typeface="Courier New" panose="02070309020205020404" pitchFamily="49" charset="0"/>
+                <a:cs typeface="Courier New" panose="02070309020205020404" pitchFamily="49" charset="0"/>
+              </a:rPr>
+              <a:t>tp</a:t>
+            </a:r>
+            <a:r>
+              <a:rPr lang="en-US" sz="900" dirty="0">
+                <a:latin typeface="Courier New" panose="02070309020205020404" pitchFamily="49" charset="0"/>
+                <a:cs typeface="Courier New" panose="02070309020205020404" pitchFamily="49" charset="0"/>
+              </a:rPr>
+              <a:t>-id]</a:t>
+            </a:r>
+          </a:p>
+          <a:p>
+            <a:r>
+              <a:rPr lang="en-US" sz="900" dirty="0">
+                <a:latin typeface="Courier New" panose="02070309020205020404" pitchFamily="49" charset="0"/>
+                <a:cs typeface="Courier New" panose="02070309020205020404" pitchFamily="49" charset="0"/>
+              </a:rPr>
+              <a:t>     |        +--</a:t>
+            </a:r>
+            <a:r>
+              <a:rPr lang="en-US" sz="900" dirty="0" err="1">
+                <a:latin typeface="Courier New" panose="02070309020205020404" pitchFamily="49" charset="0"/>
+                <a:cs typeface="Courier New" panose="02070309020205020404" pitchFamily="49" charset="0"/>
+              </a:rPr>
+              <a:t>rw</a:t>
+            </a:r>
+            <a:r>
+              <a:rPr lang="en-US" sz="900" dirty="0">
+                <a:latin typeface="Courier New" panose="02070309020205020404" pitchFamily="49" charset="0"/>
+                <a:cs typeface="Courier New" panose="02070309020205020404" pitchFamily="49" charset="0"/>
+              </a:rPr>
+              <a:t> </a:t>
+            </a:r>
+            <a:r>
+              <a:rPr lang="en-US" sz="900" dirty="0" err="1">
+                <a:latin typeface="Courier New" panose="02070309020205020404" pitchFamily="49" charset="0"/>
+                <a:cs typeface="Courier New" panose="02070309020205020404" pitchFamily="49" charset="0"/>
+              </a:rPr>
+              <a:t>slo</a:t>
+            </a:r>
+            <a:endParaRPr lang="en-US" sz="900" dirty="0">
+              <a:latin typeface="Courier New" panose="02070309020205020404" pitchFamily="49" charset="0"/>
+              <a:cs typeface="Courier New" panose="02070309020205020404" pitchFamily="49" charset="0"/>
+            </a:endParaRPr>
+          </a:p>
+          <a:p>
+            <a:r>
+              <a:rPr lang="en-US" sz="900" dirty="0">
+                <a:latin typeface="Courier New" panose="02070309020205020404" pitchFamily="49" charset="0"/>
+                <a:cs typeface="Courier New" panose="02070309020205020404" pitchFamily="49" charset="0"/>
+              </a:rPr>
+              <a:t>     +--</a:t>
+            </a:r>
+            <a:r>
+              <a:rPr lang="en-US" sz="900" dirty="0" err="1">
+                <a:latin typeface="Courier New" panose="02070309020205020404" pitchFamily="49" charset="0"/>
+                <a:cs typeface="Courier New" panose="02070309020205020404" pitchFamily="49" charset="0"/>
+              </a:rPr>
+              <a:t>rw</a:t>
+            </a:r>
+            <a:r>
+              <a:rPr lang="en-US" sz="900" dirty="0">
+                <a:latin typeface="Courier New" panose="02070309020205020404" pitchFamily="49" charset="0"/>
+                <a:cs typeface="Courier New" panose="02070309020205020404" pitchFamily="49" charset="0"/>
+              </a:rPr>
+              <a:t> virtual-network</a:t>
+            </a:r>
+          </a:p>
+          <a:p>
+            <a:r>
+              <a:rPr lang="en-US" sz="900" dirty="0">
+                <a:latin typeface="Courier New" panose="02070309020205020404" pitchFamily="49" charset="0"/>
+                <a:cs typeface="Courier New" panose="02070309020205020404" pitchFamily="49" charset="0"/>
+              </a:rPr>
+              <a:t>        +--</a:t>
+            </a:r>
+            <a:r>
+              <a:rPr lang="en-US" sz="900" dirty="0" err="1">
+                <a:latin typeface="Courier New" panose="02070309020205020404" pitchFamily="49" charset="0"/>
+                <a:cs typeface="Courier New" panose="02070309020205020404" pitchFamily="49" charset="0"/>
+              </a:rPr>
+              <a:t>rw</a:t>
+            </a:r>
+            <a:r>
+              <a:rPr lang="en-US" sz="900" dirty="0">
+                <a:latin typeface="Courier New" panose="02070309020205020404" pitchFamily="49" charset="0"/>
+                <a:cs typeface="Courier New" panose="02070309020205020404" pitchFamily="49" charset="0"/>
+              </a:rPr>
+              <a:t> </a:t>
+            </a:r>
+            <a:r>
+              <a:rPr lang="en-US" sz="900" dirty="0" err="1">
+                <a:latin typeface="Courier New" panose="02070309020205020404" pitchFamily="49" charset="0"/>
+                <a:cs typeface="Courier New" panose="02070309020205020404" pitchFamily="49" charset="0"/>
+              </a:rPr>
+              <a:t>vn</a:t>
+            </a:r>
+            <a:r>
+              <a:rPr lang="en-US" sz="900" dirty="0">
+                <a:latin typeface="Courier New" panose="02070309020205020404" pitchFamily="49" charset="0"/>
+                <a:cs typeface="Courier New" panose="02070309020205020404" pitchFamily="49" charset="0"/>
+              </a:rPr>
+              <a:t>* [</a:t>
+            </a:r>
+            <a:r>
+              <a:rPr lang="en-US" sz="900" dirty="0" err="1">
+                <a:latin typeface="Courier New" panose="02070309020205020404" pitchFamily="49" charset="0"/>
+                <a:cs typeface="Courier New" panose="02070309020205020404" pitchFamily="49" charset="0"/>
+              </a:rPr>
+              <a:t>vn</a:t>
+            </a:r>
+            <a:r>
+              <a:rPr lang="en-US" sz="900" dirty="0">
+                <a:latin typeface="Courier New" panose="02070309020205020404" pitchFamily="49" charset="0"/>
+                <a:cs typeface="Courier New" panose="02070309020205020404" pitchFamily="49" charset="0"/>
+              </a:rPr>
+              <a:t>-id]</a:t>
+            </a:r>
+          </a:p>
+          <a:p>
+            <a:r>
+              <a:rPr lang="en-US" sz="900" dirty="0">
+                <a:latin typeface="Courier New" panose="02070309020205020404" pitchFamily="49" charset="0"/>
+                <a:cs typeface="Courier New" panose="02070309020205020404" pitchFamily="49" charset="0"/>
+              </a:rPr>
+              <a:t>           +--</a:t>
+            </a:r>
+            <a:r>
+              <a:rPr lang="en-US" sz="900" dirty="0" err="1">
+                <a:latin typeface="Courier New" panose="02070309020205020404" pitchFamily="49" charset="0"/>
+                <a:cs typeface="Courier New" panose="02070309020205020404" pitchFamily="49" charset="0"/>
+              </a:rPr>
+              <a:t>rw</a:t>
+            </a:r>
+            <a:r>
+              <a:rPr lang="en-US" sz="900" dirty="0">
+                <a:latin typeface="Courier New" panose="02070309020205020404" pitchFamily="49" charset="0"/>
+                <a:cs typeface="Courier New" panose="02070309020205020404" pitchFamily="49" charset="0"/>
+              </a:rPr>
+              <a:t> </a:t>
+            </a:r>
+            <a:r>
+              <a:rPr lang="en-US" sz="900" dirty="0" err="1">
+                <a:latin typeface="Courier New" panose="02070309020205020404" pitchFamily="49" charset="0"/>
+                <a:cs typeface="Courier New" panose="02070309020205020404" pitchFamily="49" charset="0"/>
+              </a:rPr>
+              <a:t>vn</a:t>
+            </a:r>
+            <a:r>
+              <a:rPr lang="en-US" sz="900" dirty="0">
+                <a:latin typeface="Courier New" panose="02070309020205020404" pitchFamily="49" charset="0"/>
+                <a:cs typeface="Courier New" panose="02070309020205020404" pitchFamily="49" charset="0"/>
+              </a:rPr>
+              <a:t>-id                 </a:t>
+            </a:r>
+            <a:r>
+              <a:rPr lang="en-US" sz="900" dirty="0" err="1">
+                <a:latin typeface="Courier New" panose="02070309020205020404" pitchFamily="49" charset="0"/>
+                <a:cs typeface="Courier New" panose="02070309020205020404" pitchFamily="49" charset="0"/>
+              </a:rPr>
+              <a:t>vn</a:t>
+            </a:r>
+            <a:r>
+              <a:rPr lang="en-US" sz="900" dirty="0">
+                <a:latin typeface="Courier New" panose="02070309020205020404" pitchFamily="49" charset="0"/>
+                <a:cs typeface="Courier New" panose="02070309020205020404" pitchFamily="49" charset="0"/>
+              </a:rPr>
+              <a:t>-id</a:t>
+            </a:r>
+          </a:p>
+          <a:p>
+            <a:r>
+              <a:rPr lang="en-US" sz="900" dirty="0">
+                <a:latin typeface="Courier New" panose="02070309020205020404" pitchFamily="49" charset="0"/>
+                <a:cs typeface="Courier New" panose="02070309020205020404" pitchFamily="49" charset="0"/>
+              </a:rPr>
+              <a:t>           +--</a:t>
+            </a:r>
+            <a:r>
+              <a:rPr lang="en-US" sz="900" dirty="0" err="1">
+                <a:latin typeface="Courier New" panose="02070309020205020404" pitchFamily="49" charset="0"/>
+                <a:cs typeface="Courier New" panose="02070309020205020404" pitchFamily="49" charset="0"/>
+              </a:rPr>
+              <a:t>rw</a:t>
+            </a:r>
+            <a:r>
+              <a:rPr lang="en-US" sz="900" dirty="0">
+                <a:latin typeface="Courier New" panose="02070309020205020404" pitchFamily="49" charset="0"/>
+                <a:cs typeface="Courier New" panose="02070309020205020404" pitchFamily="49" charset="0"/>
+              </a:rPr>
+              <a:t> </a:t>
+            </a:r>
+            <a:r>
+              <a:rPr lang="en-US" sz="900" dirty="0" err="1">
+                <a:latin typeface="Courier New" panose="02070309020205020404" pitchFamily="49" charset="0"/>
+                <a:cs typeface="Courier New" panose="02070309020205020404" pitchFamily="49" charset="0"/>
+              </a:rPr>
+              <a:t>vn</a:t>
+            </a:r>
+            <a:r>
+              <a:rPr lang="en-US" sz="900" dirty="0">
+                <a:latin typeface="Courier New" panose="02070309020205020404" pitchFamily="49" charset="0"/>
+                <a:cs typeface="Courier New" panose="02070309020205020404" pitchFamily="49" charset="0"/>
+              </a:rPr>
+              <a:t>-topology-id        -&gt;/network-topology/topology/topology-id</a:t>
+            </a:r>
+          </a:p>
+          <a:p>
+            <a:r>
+              <a:rPr lang="en-US" sz="900" dirty="0">
+                <a:latin typeface="Courier New" panose="02070309020205020404" pitchFamily="49" charset="0"/>
+                <a:cs typeface="Courier New" panose="02070309020205020404" pitchFamily="49" charset="0"/>
+              </a:rPr>
+              <a:t>           +--</a:t>
+            </a:r>
+            <a:r>
+              <a:rPr lang="en-US" sz="900" dirty="0" err="1">
+                <a:latin typeface="Courier New" panose="02070309020205020404" pitchFamily="49" charset="0"/>
+                <a:cs typeface="Courier New" panose="02070309020205020404" pitchFamily="49" charset="0"/>
+              </a:rPr>
+              <a:t>rw</a:t>
+            </a:r>
+            <a:r>
+              <a:rPr lang="en-US" sz="900" dirty="0">
+                <a:latin typeface="Courier New" panose="02070309020205020404" pitchFamily="49" charset="0"/>
+                <a:cs typeface="Courier New" panose="02070309020205020404" pitchFamily="49" charset="0"/>
+              </a:rPr>
+              <a:t> </a:t>
+            </a:r>
+            <a:r>
+              <a:rPr lang="en-US" sz="900" dirty="0" err="1">
+                <a:latin typeface="Courier New" panose="02070309020205020404" pitchFamily="49" charset="0"/>
+                <a:cs typeface="Courier New" panose="02070309020205020404" pitchFamily="49" charset="0"/>
+              </a:rPr>
+              <a:t>vn</a:t>
+            </a:r>
+            <a:r>
+              <a:rPr lang="en-US" sz="900" dirty="0">
+                <a:latin typeface="Courier New" panose="02070309020205020404" pitchFamily="49" charset="0"/>
+                <a:cs typeface="Courier New" panose="02070309020205020404" pitchFamily="49" charset="0"/>
+              </a:rPr>
+              <a:t>-member* [</a:t>
+            </a:r>
+            <a:r>
+              <a:rPr lang="en-US" sz="900" dirty="0" err="1">
+                <a:latin typeface="Courier New" panose="02070309020205020404" pitchFamily="49" charset="0"/>
+                <a:cs typeface="Courier New" panose="02070309020205020404" pitchFamily="49" charset="0"/>
+              </a:rPr>
+              <a:t>vnm</a:t>
+            </a:r>
+            <a:r>
+              <a:rPr lang="en-US" sz="900" dirty="0">
+                <a:latin typeface="Courier New" panose="02070309020205020404" pitchFamily="49" charset="0"/>
+                <a:cs typeface="Courier New" panose="02070309020205020404" pitchFamily="49" charset="0"/>
+              </a:rPr>
+              <a:t>-id]</a:t>
+            </a:r>
+          </a:p>
+          <a:p>
+            <a:r>
+              <a:rPr lang="en-US" sz="900" dirty="0">
+                <a:latin typeface="Courier New" panose="02070309020205020404" pitchFamily="49" charset="0"/>
+                <a:cs typeface="Courier New" panose="02070309020205020404" pitchFamily="49" charset="0"/>
+              </a:rPr>
+              <a:t>           |  +--</a:t>
+            </a:r>
+            <a:r>
+              <a:rPr lang="en-US" sz="900" dirty="0" err="1">
+                <a:latin typeface="Courier New" panose="02070309020205020404" pitchFamily="49" charset="0"/>
+                <a:cs typeface="Courier New" panose="02070309020205020404" pitchFamily="49" charset="0"/>
+              </a:rPr>
+              <a:t>rw</a:t>
+            </a:r>
+            <a:r>
+              <a:rPr lang="en-US" sz="900" dirty="0">
+                <a:latin typeface="Courier New" panose="02070309020205020404" pitchFamily="49" charset="0"/>
+                <a:cs typeface="Courier New" panose="02070309020205020404" pitchFamily="49" charset="0"/>
+              </a:rPr>
+              <a:t> </a:t>
+            </a:r>
+            <a:r>
+              <a:rPr lang="en-US" sz="900" dirty="0" err="1">
+                <a:latin typeface="Courier New" panose="02070309020205020404" pitchFamily="49" charset="0"/>
+                <a:cs typeface="Courier New" panose="02070309020205020404" pitchFamily="49" charset="0"/>
+              </a:rPr>
+              <a:t>src</a:t>
+            </a:r>
+            <a:r>
+              <a:rPr lang="en-US" sz="900" dirty="0">
+                <a:latin typeface="Courier New" panose="02070309020205020404" pitchFamily="49" charset="0"/>
+                <a:cs typeface="Courier New" panose="02070309020205020404" pitchFamily="49" charset="0"/>
+              </a:rPr>
+              <a:t> </a:t>
+            </a:r>
+            <a:r>
+              <a:rPr lang="en-US" sz="900" dirty="0" err="1">
+                <a:latin typeface="Courier New" panose="02070309020205020404" pitchFamily="49" charset="0"/>
+                <a:cs typeface="Courier New" panose="02070309020205020404" pitchFamily="49" charset="0"/>
+              </a:rPr>
+              <a:t>vn</a:t>
+            </a:r>
+            <a:r>
+              <a:rPr lang="en-US" sz="900" dirty="0">
+                <a:latin typeface="Courier New" panose="02070309020205020404" pitchFamily="49" charset="0"/>
+                <a:cs typeface="Courier New" panose="02070309020205020404" pitchFamily="49" charset="0"/>
+              </a:rPr>
+              <a:t>-ap</a:t>
+            </a:r>
+          </a:p>
+          <a:p>
+            <a:r>
+              <a:rPr lang="en-US" sz="900" dirty="0">
+                <a:latin typeface="Courier New" panose="02070309020205020404" pitchFamily="49" charset="0"/>
+                <a:cs typeface="Courier New" panose="02070309020205020404" pitchFamily="49" charset="0"/>
+              </a:rPr>
+              <a:t>           |  +--</a:t>
+            </a:r>
+            <a:r>
+              <a:rPr lang="en-US" sz="900" dirty="0" err="1">
+                <a:latin typeface="Courier New" panose="02070309020205020404" pitchFamily="49" charset="0"/>
+                <a:cs typeface="Courier New" panose="02070309020205020404" pitchFamily="49" charset="0"/>
+              </a:rPr>
+              <a:t>rw</a:t>
+            </a:r>
+            <a:r>
+              <a:rPr lang="en-US" sz="900" dirty="0">
+                <a:latin typeface="Courier New" panose="02070309020205020404" pitchFamily="49" charset="0"/>
+                <a:cs typeface="Courier New" panose="02070309020205020404" pitchFamily="49" charset="0"/>
+              </a:rPr>
+              <a:t> </a:t>
+            </a:r>
+            <a:r>
+              <a:rPr lang="en-US" sz="900" dirty="0" err="1">
+                <a:latin typeface="Courier New" panose="02070309020205020404" pitchFamily="49" charset="0"/>
+                <a:cs typeface="Courier New" panose="02070309020205020404" pitchFamily="49" charset="0"/>
+              </a:rPr>
+              <a:t>dst</a:t>
+            </a:r>
+            <a:r>
+              <a:rPr lang="en-US" sz="900" dirty="0">
+                <a:latin typeface="Courier New" panose="02070309020205020404" pitchFamily="49" charset="0"/>
+                <a:cs typeface="Courier New" panose="02070309020205020404" pitchFamily="49" charset="0"/>
+              </a:rPr>
+              <a:t> </a:t>
+            </a:r>
+            <a:r>
+              <a:rPr lang="en-US" sz="900" dirty="0" err="1">
+                <a:latin typeface="Courier New" panose="02070309020205020404" pitchFamily="49" charset="0"/>
+                <a:cs typeface="Courier New" panose="02070309020205020404" pitchFamily="49" charset="0"/>
+              </a:rPr>
+              <a:t>vn</a:t>
+            </a:r>
+            <a:r>
+              <a:rPr lang="en-US" sz="900" dirty="0">
+                <a:latin typeface="Courier New" panose="02070309020205020404" pitchFamily="49" charset="0"/>
+                <a:cs typeface="Courier New" panose="02070309020205020404" pitchFamily="49" charset="0"/>
+              </a:rPr>
+              <a:t>-ap</a:t>
+            </a:r>
+          </a:p>
+          <a:p>
+            <a:r>
+              <a:rPr lang="en-US" sz="900" dirty="0">
+                <a:latin typeface="Courier New" panose="02070309020205020404" pitchFamily="49" charset="0"/>
+                <a:cs typeface="Courier New" panose="02070309020205020404" pitchFamily="49" charset="0"/>
+              </a:rPr>
+              <a:t>           |  +--</a:t>
+            </a:r>
+            <a:r>
+              <a:rPr lang="en-US" sz="900" dirty="0" err="1">
+                <a:latin typeface="Courier New" panose="02070309020205020404" pitchFamily="49" charset="0"/>
+                <a:cs typeface="Courier New" panose="02070309020205020404" pitchFamily="49" charset="0"/>
+              </a:rPr>
+              <a:t>rw</a:t>
+            </a:r>
+            <a:r>
+              <a:rPr lang="en-US" sz="900" dirty="0">
+                <a:latin typeface="Courier New" panose="02070309020205020404" pitchFamily="49" charset="0"/>
+                <a:cs typeface="Courier New" panose="02070309020205020404" pitchFamily="49" charset="0"/>
+              </a:rPr>
+              <a:t> underlay-path</a:t>
+            </a:r>
+          </a:p>
+          <a:p>
+            <a:r>
+              <a:rPr lang="en-US" sz="900" dirty="0">
+                <a:latin typeface="Courier New" panose="02070309020205020404" pitchFamily="49" charset="0"/>
+                <a:cs typeface="Courier New" panose="02070309020205020404" pitchFamily="49" charset="0"/>
+              </a:rPr>
+              <a:t>           |     +--</a:t>
+            </a:r>
+            <a:r>
+              <a:rPr lang="en-US" sz="900" dirty="0" err="1">
+                <a:latin typeface="Courier New" panose="02070309020205020404" pitchFamily="49" charset="0"/>
+                <a:cs typeface="Courier New" panose="02070309020205020404" pitchFamily="49" charset="0"/>
+              </a:rPr>
+              <a:t>rw</a:t>
+            </a:r>
+            <a:r>
+              <a:rPr lang="en-US" sz="900" dirty="0">
+                <a:latin typeface="Courier New" panose="02070309020205020404" pitchFamily="49" charset="0"/>
+                <a:cs typeface="Courier New" panose="02070309020205020404" pitchFamily="49" charset="0"/>
+              </a:rPr>
+              <a:t> </a:t>
+            </a:r>
+            <a:r>
+              <a:rPr lang="en-US" sz="900" dirty="0" err="1">
+                <a:latin typeface="Courier New" panose="02070309020205020404" pitchFamily="49" charset="0"/>
+                <a:cs typeface="Courier New" panose="02070309020205020404" pitchFamily="49" charset="0"/>
+              </a:rPr>
+              <a:t>slo</a:t>
+            </a:r>
+            <a:endParaRPr lang="en-US" sz="900" dirty="0">
+              <a:latin typeface="Courier New" panose="02070309020205020404" pitchFamily="49" charset="0"/>
+              <a:cs typeface="Courier New" panose="02070309020205020404" pitchFamily="49" charset="0"/>
+            </a:endParaRPr>
+          </a:p>
+          <a:p>
+            <a:r>
+              <a:rPr lang="en-US" sz="900" dirty="0">
+                <a:latin typeface="Courier New" panose="02070309020205020404" pitchFamily="49" charset="0"/>
+                <a:cs typeface="Courier New" panose="02070309020205020404" pitchFamily="49" charset="0"/>
+              </a:rPr>
+              <a:t>           +--</a:t>
+            </a:r>
+            <a:r>
+              <a:rPr lang="en-US" sz="900" dirty="0" err="1">
+                <a:latin typeface="Courier New" panose="02070309020205020404" pitchFamily="49" charset="0"/>
+                <a:cs typeface="Courier New" panose="02070309020205020404" pitchFamily="49" charset="0"/>
+              </a:rPr>
+              <a:t>rw</a:t>
+            </a:r>
+            <a:r>
+              <a:rPr lang="en-US" sz="900" dirty="0">
+                <a:latin typeface="Courier New" panose="02070309020205020404" pitchFamily="49" charset="0"/>
+                <a:cs typeface="Courier New" panose="02070309020205020404" pitchFamily="49" charset="0"/>
+              </a:rPr>
+              <a:t> </a:t>
+            </a:r>
+            <a:r>
+              <a:rPr lang="en-US" sz="900" dirty="0" err="1">
+                <a:latin typeface="Courier New" panose="02070309020205020404" pitchFamily="49" charset="0"/>
+                <a:cs typeface="Courier New" panose="02070309020205020404" pitchFamily="49" charset="0"/>
+              </a:rPr>
+              <a:t>slo</a:t>
+            </a:r>
+            <a:endParaRPr lang="en-US" sz="900" dirty="0">
+              <a:latin typeface="Courier New" panose="02070309020205020404" pitchFamily="49" charset="0"/>
+              <a:cs typeface="Courier New" panose="02070309020205020404" pitchFamily="49" charset="0"/>
+            </a:endParaRPr>
+          </a:p>
+        </p:txBody>
+      </p:sp>
+    </p:spTree>
+    <p:extLst>
+      <p:ext uri="{BB962C8B-B14F-4D97-AF65-F5344CB8AC3E}">
+        <p14:creationId xmlns:p14="http://schemas.microsoft.com/office/powerpoint/2010/main" val="4248013687"/>
+      </p:ext>
+    </p:extLst>
+  </p:cSld>
+  <p:clrMapOvr>
+    <a:masterClrMapping/>
+  </p:clrMapOvr>
+</p:sld>
+</file>
+
 <file path=ppt/slides/slide2.xml><?xml version="1.0" encoding="utf-8"?>
 <p:sld xmlns:a="http://schemas.openxmlformats.org/drawingml/2006/main" xmlns:r="http://schemas.openxmlformats.org/officeDocument/2006/relationships" xmlns:p="http://schemas.openxmlformats.org/presentationml/2006/main">
   <p:cSld>
@@ -14900,6 +16929,6355 @@
     <p:extLst>
       <p:ext uri="{BB962C8B-B14F-4D97-AF65-F5344CB8AC3E}">
         <p14:creationId xmlns:p14="http://schemas.microsoft.com/office/powerpoint/2010/main" val="1740548653"/>
+      </p:ext>
+    </p:extLst>
+  </p:cSld>
+  <p:clrMapOvr>
+    <a:masterClrMapping/>
+  </p:clrMapOvr>
+</p:sld>
+</file>
+
+<file path=ppt/slides/slide20.xml><?xml version="1.0" encoding="utf-8"?>
+<p:sld xmlns:a="http://schemas.openxmlformats.org/drawingml/2006/main" xmlns:r="http://schemas.openxmlformats.org/officeDocument/2006/relationships" xmlns:p="http://schemas.openxmlformats.org/presentationml/2006/main">
+  <p:cSld>
+    <p:spTree>
+      <p:nvGrpSpPr>
+        <p:cNvPr id="1" name=""/>
+        <p:cNvGrpSpPr/>
+        <p:nvPr/>
+      </p:nvGrpSpPr>
+      <p:grpSpPr>
+        <a:xfrm>
+          <a:off x="0" y="0"/>
+          <a:ext cx="0" cy="0"/>
+          <a:chOff x="0" y="0"/>
+          <a:chExt cx="0" cy="0"/>
+        </a:xfrm>
+      </p:grpSpPr>
+      <p:sp>
+        <p:nvSpPr>
+          <p:cNvPr id="2" name="Title 1">
+            <a:extLst>
+              <a:ext uri="{FF2B5EF4-FFF2-40B4-BE49-F238E27FC236}">
+                <a16:creationId xmlns:a16="http://schemas.microsoft.com/office/drawing/2014/main" id="{EB3E31FD-1C2F-48A6-AB51-148D4276F8C0}"/>
+              </a:ext>
+            </a:extLst>
+          </p:cNvPr>
+          <p:cNvSpPr>
+            <a:spLocks noGrp="1"/>
+          </p:cNvSpPr>
+          <p:nvPr>
+            <p:ph type="title"/>
+          </p:nvPr>
+        </p:nvSpPr>
+        <p:spPr/>
+        <p:txBody>
+          <a:bodyPr>
+            <a:noAutofit/>
+          </a:bodyPr>
+          <a:lstStyle/>
+          <a:p>
+            <a:r>
+              <a:rPr lang="en-US" sz="3200" dirty="0"/>
+              <a:t>How do we merge these candidate base models?</a:t>
+            </a:r>
+          </a:p>
+        </p:txBody>
+      </p:sp>
+      <p:sp>
+        <p:nvSpPr>
+          <p:cNvPr id="4" name="Content Placeholder 3">
+            <a:extLst>
+              <a:ext uri="{FF2B5EF4-FFF2-40B4-BE49-F238E27FC236}">
+                <a16:creationId xmlns:a16="http://schemas.microsoft.com/office/drawing/2014/main" id="{CC2477E1-3318-4AD0-A1BF-FD6B8B8644C2}"/>
+              </a:ext>
+            </a:extLst>
+          </p:cNvPr>
+          <p:cNvSpPr>
+            <a:spLocks noGrp="1"/>
+          </p:cNvSpPr>
+          <p:nvPr>
+            <p:ph idx="1"/>
+          </p:nvPr>
+        </p:nvSpPr>
+        <p:spPr>
+          <a:xfrm>
+            <a:off x="304800" y="1329184"/>
+            <a:ext cx="4419600" cy="3814316"/>
+          </a:xfrm>
+        </p:spPr>
+        <p:txBody>
+          <a:bodyPr>
+            <a:normAutofit/>
+          </a:bodyPr>
+          <a:lstStyle/>
+          <a:p>
+            <a:r>
+              <a:rPr lang="en-US" sz="1800" dirty="0"/>
+              <a:t>VN + draft-</a:t>
+            </a:r>
+            <a:r>
+              <a:rPr lang="en-US" sz="1800" dirty="0" err="1"/>
+              <a:t>liu</a:t>
+            </a:r>
+            <a:r>
+              <a:rPr lang="en-US" sz="1800" dirty="0"/>
+              <a:t> + draft-teas-ns</a:t>
+            </a:r>
+          </a:p>
+          <a:p>
+            <a:pPr lvl="1"/>
+            <a:r>
+              <a:rPr lang="en-US" sz="1400" dirty="0"/>
+              <a:t>Changing names</a:t>
+            </a:r>
+          </a:p>
+          <a:p>
+            <a:pPr lvl="2"/>
+            <a:r>
+              <a:rPr lang="en-US" sz="1000" dirty="0"/>
+              <a:t>VN – network slices</a:t>
+            </a:r>
+          </a:p>
+          <a:p>
+            <a:pPr lvl="2"/>
+            <a:r>
+              <a:rPr lang="en-US" sz="1000" dirty="0"/>
+              <a:t>Access point – endpoints</a:t>
+            </a:r>
+          </a:p>
+          <a:p>
+            <a:pPr lvl="1"/>
+            <a:r>
+              <a:rPr lang="en-US" sz="1400" dirty="0"/>
+              <a:t>Service mapping + VN = NS ?</a:t>
+            </a:r>
+          </a:p>
+        </p:txBody>
+      </p:sp>
+      <p:sp>
+        <p:nvSpPr>
+          <p:cNvPr id="5" name="TextBox 4">
+            <a:extLst>
+              <a:ext uri="{FF2B5EF4-FFF2-40B4-BE49-F238E27FC236}">
+                <a16:creationId xmlns:a16="http://schemas.microsoft.com/office/drawing/2014/main" id="{803439C6-F6EA-49D4-93F8-47A194FA2D42}"/>
+              </a:ext>
+            </a:extLst>
+          </p:cNvPr>
+          <p:cNvSpPr txBox="1"/>
+          <p:nvPr/>
+        </p:nvSpPr>
+        <p:spPr>
+          <a:xfrm>
+            <a:off x="4869308" y="1122731"/>
+            <a:ext cx="3817492" cy="4385816"/>
+          </a:xfrm>
+          <a:prstGeom prst="rect">
+            <a:avLst/>
+          </a:prstGeom>
+          <a:noFill/>
+        </p:spPr>
+        <p:txBody>
+          <a:bodyPr wrap="square">
+            <a:spAutoFit/>
+          </a:bodyPr>
+          <a:lstStyle/>
+          <a:p>
+            <a:r>
+              <a:rPr lang="en-US" sz="900" dirty="0">
+                <a:latin typeface="Courier New" panose="02070309020205020404" pitchFamily="49" charset="0"/>
+                <a:cs typeface="Courier New" panose="02070309020205020404" pitchFamily="49" charset="0"/>
+              </a:rPr>
+              <a:t>module: </a:t>
+            </a:r>
+            <a:r>
+              <a:rPr lang="en-US" sz="900" dirty="0" err="1">
+                <a:latin typeface="Courier New" panose="02070309020205020404" pitchFamily="49" charset="0"/>
+                <a:cs typeface="Courier New" panose="02070309020205020404" pitchFamily="49" charset="0"/>
+              </a:rPr>
+              <a:t>ietf-vn</a:t>
+            </a:r>
+            <a:endParaRPr lang="en-US" sz="900" dirty="0">
+              <a:latin typeface="Courier New" panose="02070309020205020404" pitchFamily="49" charset="0"/>
+              <a:cs typeface="Courier New" panose="02070309020205020404" pitchFamily="49" charset="0"/>
+            </a:endParaRPr>
+          </a:p>
+          <a:p>
+            <a:r>
+              <a:rPr lang="en-US" sz="900" dirty="0">
+                <a:latin typeface="Courier New" panose="02070309020205020404" pitchFamily="49" charset="0"/>
+                <a:cs typeface="Courier New" panose="02070309020205020404" pitchFamily="49" charset="0"/>
+              </a:rPr>
+              <a:t>     +--</a:t>
+            </a:r>
+            <a:r>
+              <a:rPr lang="en-US" sz="900" dirty="0" err="1">
+                <a:latin typeface="Courier New" panose="02070309020205020404" pitchFamily="49" charset="0"/>
+                <a:cs typeface="Courier New" panose="02070309020205020404" pitchFamily="49" charset="0"/>
+              </a:rPr>
+              <a:t>rw</a:t>
+            </a:r>
+            <a:r>
+              <a:rPr lang="en-US" sz="900" dirty="0">
+                <a:latin typeface="Courier New" panose="02070309020205020404" pitchFamily="49" charset="0"/>
+                <a:cs typeface="Courier New" panose="02070309020205020404" pitchFamily="49" charset="0"/>
+              </a:rPr>
+              <a:t> access-point</a:t>
+            </a:r>
+          </a:p>
+          <a:p>
+            <a:r>
+              <a:rPr lang="en-US" sz="900" dirty="0">
+                <a:latin typeface="Courier New" panose="02070309020205020404" pitchFamily="49" charset="0"/>
+                <a:cs typeface="Courier New" panose="02070309020205020404" pitchFamily="49" charset="0"/>
+              </a:rPr>
+              <a:t>     |  +--</a:t>
+            </a:r>
+            <a:r>
+              <a:rPr lang="en-US" sz="900" dirty="0" err="1">
+                <a:latin typeface="Courier New" panose="02070309020205020404" pitchFamily="49" charset="0"/>
+                <a:cs typeface="Courier New" panose="02070309020205020404" pitchFamily="49" charset="0"/>
+              </a:rPr>
+              <a:t>rw</a:t>
+            </a:r>
+            <a:r>
+              <a:rPr lang="en-US" sz="900" dirty="0">
+                <a:latin typeface="Courier New" panose="02070309020205020404" pitchFamily="49" charset="0"/>
+                <a:cs typeface="Courier New" panose="02070309020205020404" pitchFamily="49" charset="0"/>
+              </a:rPr>
+              <a:t> ap* [ap-id]</a:t>
+            </a:r>
+          </a:p>
+          <a:p>
+            <a:r>
+              <a:rPr lang="en-US" sz="900" dirty="0">
+                <a:latin typeface="Courier New" panose="02070309020205020404" pitchFamily="49" charset="0"/>
+                <a:cs typeface="Courier New" panose="02070309020205020404" pitchFamily="49" charset="0"/>
+              </a:rPr>
+              <a:t>     |     +--</a:t>
+            </a:r>
+            <a:r>
+              <a:rPr lang="en-US" sz="900" dirty="0" err="1">
+                <a:latin typeface="Courier New" panose="02070309020205020404" pitchFamily="49" charset="0"/>
+                <a:cs typeface="Courier New" panose="02070309020205020404" pitchFamily="49" charset="0"/>
+              </a:rPr>
+              <a:t>rw</a:t>
+            </a:r>
+            <a:r>
+              <a:rPr lang="en-US" sz="900" dirty="0">
+                <a:latin typeface="Courier New" panose="02070309020205020404" pitchFamily="49" charset="0"/>
+                <a:cs typeface="Courier New" panose="02070309020205020404" pitchFamily="49" charset="0"/>
+              </a:rPr>
+              <a:t> ap-id            </a:t>
+            </a:r>
+            <a:r>
+              <a:rPr lang="en-US" sz="900" dirty="0" err="1">
+                <a:latin typeface="Courier New" panose="02070309020205020404" pitchFamily="49" charset="0"/>
+                <a:cs typeface="Courier New" panose="02070309020205020404" pitchFamily="49" charset="0"/>
+              </a:rPr>
+              <a:t>ap-id</a:t>
+            </a:r>
+            <a:endParaRPr lang="en-US" sz="900" dirty="0">
+              <a:latin typeface="Courier New" panose="02070309020205020404" pitchFamily="49" charset="0"/>
+              <a:cs typeface="Courier New" panose="02070309020205020404" pitchFamily="49" charset="0"/>
+            </a:endParaRPr>
+          </a:p>
+          <a:p>
+            <a:r>
+              <a:rPr lang="en-US" sz="900" dirty="0">
+                <a:latin typeface="Courier New" panose="02070309020205020404" pitchFamily="49" charset="0"/>
+                <a:cs typeface="Courier New" panose="02070309020205020404" pitchFamily="49" charset="0"/>
+              </a:rPr>
+              <a:t>     |     +--</a:t>
+            </a:r>
+            <a:r>
+              <a:rPr lang="en-US" sz="900" dirty="0" err="1">
+                <a:latin typeface="Courier New" panose="02070309020205020404" pitchFamily="49" charset="0"/>
+                <a:cs typeface="Courier New" panose="02070309020205020404" pitchFamily="49" charset="0"/>
+              </a:rPr>
+              <a:t>rw</a:t>
+            </a:r>
+            <a:r>
+              <a:rPr lang="en-US" sz="900" dirty="0">
+                <a:latin typeface="Courier New" panose="02070309020205020404" pitchFamily="49" charset="0"/>
+                <a:cs typeface="Courier New" panose="02070309020205020404" pitchFamily="49" charset="0"/>
+              </a:rPr>
+              <a:t> </a:t>
+            </a:r>
+            <a:r>
+              <a:rPr lang="en-US" sz="900" dirty="0" err="1">
+                <a:latin typeface="Courier New" panose="02070309020205020404" pitchFamily="49" charset="0"/>
+                <a:cs typeface="Courier New" panose="02070309020205020404" pitchFamily="49" charset="0"/>
+              </a:rPr>
+              <a:t>vn</a:t>
+            </a:r>
+            <a:r>
+              <a:rPr lang="en-US" sz="900" dirty="0">
+                <a:latin typeface="Courier New" panose="02070309020205020404" pitchFamily="49" charset="0"/>
+                <a:cs typeface="Courier New" panose="02070309020205020404" pitchFamily="49" charset="0"/>
+              </a:rPr>
+              <a:t>-ap* [</a:t>
+            </a:r>
+            <a:r>
+              <a:rPr lang="en-US" sz="900" dirty="0" err="1">
+                <a:latin typeface="Courier New" panose="02070309020205020404" pitchFamily="49" charset="0"/>
+                <a:cs typeface="Courier New" panose="02070309020205020404" pitchFamily="49" charset="0"/>
+              </a:rPr>
+              <a:t>vn</a:t>
+            </a:r>
+            <a:r>
+              <a:rPr lang="en-US" sz="900" dirty="0">
+                <a:latin typeface="Courier New" panose="02070309020205020404" pitchFamily="49" charset="0"/>
+                <a:cs typeface="Courier New" panose="02070309020205020404" pitchFamily="49" charset="0"/>
+              </a:rPr>
+              <a:t>-ap-id]</a:t>
+            </a:r>
+          </a:p>
+          <a:p>
+            <a:r>
+              <a:rPr lang="en-US" sz="900" dirty="0">
+                <a:latin typeface="Courier New" panose="02070309020205020404" pitchFamily="49" charset="0"/>
+                <a:cs typeface="Courier New" panose="02070309020205020404" pitchFamily="49" charset="0"/>
+              </a:rPr>
+              <a:t>     |        +--</a:t>
+            </a:r>
+            <a:r>
+              <a:rPr lang="en-US" sz="900" dirty="0" err="1">
+                <a:latin typeface="Courier New" panose="02070309020205020404" pitchFamily="49" charset="0"/>
+                <a:cs typeface="Courier New" panose="02070309020205020404" pitchFamily="49" charset="0"/>
+              </a:rPr>
+              <a:t>rw</a:t>
+            </a:r>
+            <a:r>
+              <a:rPr lang="en-US" sz="900" dirty="0">
+                <a:latin typeface="Courier New" panose="02070309020205020404" pitchFamily="49" charset="0"/>
+                <a:cs typeface="Courier New" panose="02070309020205020404" pitchFamily="49" charset="0"/>
+              </a:rPr>
+              <a:t> </a:t>
+            </a:r>
+            <a:r>
+              <a:rPr lang="en-US" sz="900" dirty="0" err="1">
+                <a:latin typeface="Courier New" panose="02070309020205020404" pitchFamily="49" charset="0"/>
+                <a:cs typeface="Courier New" panose="02070309020205020404" pitchFamily="49" charset="0"/>
+              </a:rPr>
+              <a:t>vn</a:t>
+            </a:r>
+            <a:r>
+              <a:rPr lang="en-US" sz="900" dirty="0">
+                <a:latin typeface="Courier New" panose="02070309020205020404" pitchFamily="49" charset="0"/>
+                <a:cs typeface="Courier New" panose="02070309020205020404" pitchFamily="49" charset="0"/>
+              </a:rPr>
+              <a:t>-id?              -&gt; /virtual-network/</a:t>
+            </a:r>
+            <a:r>
+              <a:rPr lang="en-US" sz="900" dirty="0" err="1">
+                <a:latin typeface="Courier New" panose="02070309020205020404" pitchFamily="49" charset="0"/>
+                <a:cs typeface="Courier New" panose="02070309020205020404" pitchFamily="49" charset="0"/>
+              </a:rPr>
+              <a:t>vn</a:t>
+            </a:r>
+            <a:r>
+              <a:rPr lang="en-US" sz="900" dirty="0">
+                <a:latin typeface="Courier New" panose="02070309020205020404" pitchFamily="49" charset="0"/>
+                <a:cs typeface="Courier New" panose="02070309020205020404" pitchFamily="49" charset="0"/>
+              </a:rPr>
+              <a:t>/</a:t>
+            </a:r>
+            <a:r>
+              <a:rPr lang="en-US" sz="900" dirty="0" err="1">
+                <a:latin typeface="Courier New" panose="02070309020205020404" pitchFamily="49" charset="0"/>
+                <a:cs typeface="Courier New" panose="02070309020205020404" pitchFamily="49" charset="0"/>
+              </a:rPr>
+              <a:t>vn</a:t>
+            </a:r>
+            <a:r>
+              <a:rPr lang="en-US" sz="900" dirty="0">
+                <a:latin typeface="Courier New" panose="02070309020205020404" pitchFamily="49" charset="0"/>
+                <a:cs typeface="Courier New" panose="02070309020205020404" pitchFamily="49" charset="0"/>
+              </a:rPr>
+              <a:t>-id</a:t>
+            </a:r>
+          </a:p>
+          <a:p>
+            <a:r>
+              <a:rPr lang="en-US" sz="900" dirty="0">
+                <a:latin typeface="Courier New" panose="02070309020205020404" pitchFamily="49" charset="0"/>
+                <a:cs typeface="Courier New" panose="02070309020205020404" pitchFamily="49" charset="0"/>
+              </a:rPr>
+              <a:t>     |        +--</a:t>
+            </a:r>
+            <a:r>
+              <a:rPr lang="en-US" sz="900" dirty="0" err="1">
+                <a:latin typeface="Courier New" panose="02070309020205020404" pitchFamily="49" charset="0"/>
+                <a:cs typeface="Courier New" panose="02070309020205020404" pitchFamily="49" charset="0"/>
+              </a:rPr>
+              <a:t>rw</a:t>
+            </a:r>
+            <a:r>
+              <a:rPr lang="en-US" sz="900" dirty="0">
+                <a:latin typeface="Courier New" panose="02070309020205020404" pitchFamily="49" charset="0"/>
+                <a:cs typeface="Courier New" panose="02070309020205020404" pitchFamily="49" charset="0"/>
+              </a:rPr>
+              <a:t> </a:t>
+            </a:r>
+            <a:r>
+              <a:rPr lang="en-US" sz="900" dirty="0" err="1">
+                <a:latin typeface="Courier New" panose="02070309020205020404" pitchFamily="49" charset="0"/>
+                <a:cs typeface="Courier New" panose="02070309020205020404" pitchFamily="49" charset="0"/>
+              </a:rPr>
+              <a:t>vn</a:t>
+            </a:r>
+            <a:r>
+              <a:rPr lang="en-US" sz="900" dirty="0">
+                <a:latin typeface="Courier New" panose="02070309020205020404" pitchFamily="49" charset="0"/>
+                <a:cs typeface="Courier New" panose="02070309020205020404" pitchFamily="49" charset="0"/>
+              </a:rPr>
+              <a:t>-ap-id         </a:t>
+            </a:r>
+            <a:r>
+              <a:rPr lang="en-US" sz="900" dirty="0" err="1">
+                <a:latin typeface="Courier New" panose="02070309020205020404" pitchFamily="49" charset="0"/>
+                <a:cs typeface="Courier New" panose="02070309020205020404" pitchFamily="49" charset="0"/>
+              </a:rPr>
+              <a:t>ap-id</a:t>
+            </a:r>
+            <a:endParaRPr lang="en-US" sz="900" dirty="0">
+              <a:latin typeface="Courier New" panose="02070309020205020404" pitchFamily="49" charset="0"/>
+              <a:cs typeface="Courier New" panose="02070309020205020404" pitchFamily="49" charset="0"/>
+            </a:endParaRPr>
+          </a:p>
+          <a:p>
+            <a:r>
+              <a:rPr lang="en-US" sz="900" dirty="0">
+                <a:latin typeface="Courier New" panose="02070309020205020404" pitchFamily="49" charset="0"/>
+                <a:cs typeface="Courier New" panose="02070309020205020404" pitchFamily="49" charset="0"/>
+              </a:rPr>
+              <a:t>     |        +--</a:t>
+            </a:r>
+            <a:r>
+              <a:rPr lang="en-US" sz="900" dirty="0" err="1">
+                <a:latin typeface="Courier New" panose="02070309020205020404" pitchFamily="49" charset="0"/>
+                <a:cs typeface="Courier New" panose="02070309020205020404" pitchFamily="49" charset="0"/>
+              </a:rPr>
+              <a:t>rw</a:t>
+            </a:r>
+            <a:r>
+              <a:rPr lang="en-US" sz="900" dirty="0">
+                <a:latin typeface="Courier New" panose="02070309020205020404" pitchFamily="49" charset="0"/>
+                <a:cs typeface="Courier New" panose="02070309020205020404" pitchFamily="49" charset="0"/>
+              </a:rPr>
+              <a:t> </a:t>
+            </a:r>
+            <a:r>
+              <a:rPr lang="en-US" sz="900" dirty="0" err="1">
+                <a:latin typeface="Courier New" panose="02070309020205020404" pitchFamily="49" charset="0"/>
+                <a:cs typeface="Courier New" panose="02070309020205020404" pitchFamily="49" charset="0"/>
+              </a:rPr>
+              <a:t>vn</a:t>
+            </a:r>
+            <a:r>
+              <a:rPr lang="en-US" sz="900" dirty="0">
+                <a:latin typeface="Courier New" panose="02070309020205020404" pitchFamily="49" charset="0"/>
+                <a:cs typeface="Courier New" panose="02070309020205020404" pitchFamily="49" charset="0"/>
+              </a:rPr>
+              <a:t>-node             -&gt; /virtual-network/</a:t>
+            </a:r>
+            <a:r>
+              <a:rPr lang="en-US" sz="900" dirty="0" err="1">
+                <a:latin typeface="Courier New" panose="02070309020205020404" pitchFamily="49" charset="0"/>
+                <a:cs typeface="Courier New" panose="02070309020205020404" pitchFamily="49" charset="0"/>
+              </a:rPr>
+              <a:t>vn</a:t>
+            </a:r>
+            <a:r>
+              <a:rPr lang="en-US" sz="900" dirty="0">
+                <a:latin typeface="Courier New" panose="02070309020205020404" pitchFamily="49" charset="0"/>
+                <a:cs typeface="Courier New" panose="02070309020205020404" pitchFamily="49" charset="0"/>
+              </a:rPr>
+              <a:t>/</a:t>
+            </a:r>
+            <a:r>
+              <a:rPr lang="en-US" sz="900" dirty="0" err="1">
+                <a:latin typeface="Courier New" panose="02070309020205020404" pitchFamily="49" charset="0"/>
+                <a:cs typeface="Courier New" panose="02070309020205020404" pitchFamily="49" charset="0"/>
+              </a:rPr>
+              <a:t>vn</a:t>
+            </a:r>
+            <a:r>
+              <a:rPr lang="en-US" sz="900" dirty="0">
+                <a:latin typeface="Courier New" panose="02070309020205020404" pitchFamily="49" charset="0"/>
+                <a:cs typeface="Courier New" panose="02070309020205020404" pitchFamily="49" charset="0"/>
+              </a:rPr>
+              <a:t>-topology/node/node-id</a:t>
+            </a:r>
+          </a:p>
+          <a:p>
+            <a:r>
+              <a:rPr lang="en-US" sz="900" dirty="0">
+                <a:latin typeface="Courier New" panose="02070309020205020404" pitchFamily="49" charset="0"/>
+                <a:cs typeface="Courier New" panose="02070309020205020404" pitchFamily="49" charset="0"/>
+              </a:rPr>
+              <a:t>     |        +--</a:t>
+            </a:r>
+            <a:r>
+              <a:rPr lang="en-US" sz="900" dirty="0" err="1">
+                <a:latin typeface="Courier New" panose="02070309020205020404" pitchFamily="49" charset="0"/>
+                <a:cs typeface="Courier New" panose="02070309020205020404" pitchFamily="49" charset="0"/>
+              </a:rPr>
+              <a:t>ro</a:t>
+            </a:r>
+            <a:r>
+              <a:rPr lang="en-US" sz="900" dirty="0">
+                <a:latin typeface="Courier New" panose="02070309020205020404" pitchFamily="49" charset="0"/>
+                <a:cs typeface="Courier New" panose="02070309020205020404" pitchFamily="49" charset="0"/>
+              </a:rPr>
+              <a:t> </a:t>
+            </a:r>
+            <a:r>
+              <a:rPr lang="en-US" sz="900" dirty="0" err="1">
+                <a:latin typeface="Courier New" panose="02070309020205020404" pitchFamily="49" charset="0"/>
+                <a:cs typeface="Courier New" panose="02070309020205020404" pitchFamily="49" charset="0"/>
+              </a:rPr>
+              <a:t>vn</a:t>
+            </a:r>
+            <a:r>
+              <a:rPr lang="en-US" sz="900" dirty="0">
+                <a:latin typeface="Courier New" panose="02070309020205020404" pitchFamily="49" charset="0"/>
+                <a:cs typeface="Courier New" panose="02070309020205020404" pitchFamily="49" charset="0"/>
+              </a:rPr>
+              <a:t>-ap-</a:t>
+            </a:r>
+            <a:r>
+              <a:rPr lang="en-US" sz="900" dirty="0" err="1">
+                <a:latin typeface="Courier New" panose="02070309020205020404" pitchFamily="49" charset="0"/>
+                <a:cs typeface="Courier New" panose="02070309020205020404" pitchFamily="49" charset="0"/>
+              </a:rPr>
+              <a:t>slo</a:t>
+            </a:r>
+            <a:endParaRPr lang="en-US" sz="900" dirty="0">
+              <a:latin typeface="Courier New" panose="02070309020205020404" pitchFamily="49" charset="0"/>
+              <a:cs typeface="Courier New" panose="02070309020205020404" pitchFamily="49" charset="0"/>
+            </a:endParaRPr>
+          </a:p>
+          <a:p>
+            <a:r>
+              <a:rPr lang="en-US" sz="900" dirty="0">
+                <a:latin typeface="Courier New" panose="02070309020205020404" pitchFamily="49" charset="0"/>
+                <a:cs typeface="Courier New" panose="02070309020205020404" pitchFamily="49" charset="0"/>
+              </a:rPr>
+              <a:t>     +--</a:t>
+            </a:r>
+            <a:r>
+              <a:rPr lang="en-US" sz="900" dirty="0" err="1">
+                <a:latin typeface="Courier New" panose="02070309020205020404" pitchFamily="49" charset="0"/>
+                <a:cs typeface="Courier New" panose="02070309020205020404" pitchFamily="49" charset="0"/>
+              </a:rPr>
+              <a:t>rw</a:t>
+            </a:r>
+            <a:r>
+              <a:rPr lang="en-US" sz="900" dirty="0">
+                <a:latin typeface="Courier New" panose="02070309020205020404" pitchFamily="49" charset="0"/>
+                <a:cs typeface="Courier New" panose="02070309020205020404" pitchFamily="49" charset="0"/>
+              </a:rPr>
+              <a:t> network-topology</a:t>
+            </a:r>
+          </a:p>
+          <a:p>
+            <a:r>
+              <a:rPr lang="en-US" sz="900" dirty="0">
+                <a:latin typeface="Courier New" panose="02070309020205020404" pitchFamily="49" charset="0"/>
+                <a:cs typeface="Courier New" panose="02070309020205020404" pitchFamily="49" charset="0"/>
+              </a:rPr>
+              <a:t>     |  +--</a:t>
+            </a:r>
+            <a:r>
+              <a:rPr lang="en-US" sz="900" dirty="0" err="1">
+                <a:latin typeface="Courier New" panose="02070309020205020404" pitchFamily="49" charset="0"/>
+                <a:cs typeface="Courier New" panose="02070309020205020404" pitchFamily="49" charset="0"/>
+              </a:rPr>
+              <a:t>rw</a:t>
+            </a:r>
+            <a:r>
+              <a:rPr lang="en-US" sz="900" dirty="0">
+                <a:latin typeface="Courier New" panose="02070309020205020404" pitchFamily="49" charset="0"/>
+                <a:cs typeface="Courier New" panose="02070309020205020404" pitchFamily="49" charset="0"/>
+              </a:rPr>
+              <a:t> topology* [topology-id]</a:t>
+            </a:r>
+          </a:p>
+          <a:p>
+            <a:r>
+              <a:rPr lang="en-US" sz="900" dirty="0">
+                <a:latin typeface="Courier New" panose="02070309020205020404" pitchFamily="49" charset="0"/>
+                <a:cs typeface="Courier New" panose="02070309020205020404" pitchFamily="49" charset="0"/>
+              </a:rPr>
+              <a:t>     |     +--</a:t>
+            </a:r>
+            <a:r>
+              <a:rPr lang="en-US" sz="900" dirty="0" err="1">
+                <a:latin typeface="Courier New" panose="02070309020205020404" pitchFamily="49" charset="0"/>
+                <a:cs typeface="Courier New" panose="02070309020205020404" pitchFamily="49" charset="0"/>
+              </a:rPr>
+              <a:t>rw</a:t>
+            </a:r>
+            <a:r>
+              <a:rPr lang="en-US" sz="900" dirty="0">
+                <a:latin typeface="Courier New" panose="02070309020205020404" pitchFamily="49" charset="0"/>
+                <a:cs typeface="Courier New" panose="02070309020205020404" pitchFamily="49" charset="0"/>
+              </a:rPr>
+              <a:t> topology-id</a:t>
+            </a:r>
+          </a:p>
+          <a:p>
+            <a:r>
+              <a:rPr lang="en-US" sz="900" dirty="0">
+                <a:latin typeface="Courier New" panose="02070309020205020404" pitchFamily="49" charset="0"/>
+                <a:cs typeface="Courier New" panose="02070309020205020404" pitchFamily="49" charset="0"/>
+              </a:rPr>
+              <a:t>     |     +--</a:t>
+            </a:r>
+            <a:r>
+              <a:rPr lang="en-US" sz="900" dirty="0" err="1">
+                <a:latin typeface="Courier New" panose="02070309020205020404" pitchFamily="49" charset="0"/>
+                <a:cs typeface="Courier New" panose="02070309020205020404" pitchFamily="49" charset="0"/>
+              </a:rPr>
+              <a:t>rw</a:t>
+            </a:r>
+            <a:r>
+              <a:rPr lang="en-US" sz="900" dirty="0">
+                <a:latin typeface="Courier New" panose="02070309020205020404" pitchFamily="49" charset="0"/>
+                <a:cs typeface="Courier New" panose="02070309020205020404" pitchFamily="49" charset="0"/>
+              </a:rPr>
+              <a:t> node [node-id]</a:t>
+            </a:r>
+          </a:p>
+          <a:p>
+            <a:r>
+              <a:rPr lang="en-US" sz="900" dirty="0">
+                <a:latin typeface="Courier New" panose="02070309020205020404" pitchFamily="49" charset="0"/>
+                <a:cs typeface="Courier New" panose="02070309020205020404" pitchFamily="49" charset="0"/>
+              </a:rPr>
+              <a:t>     |     |  +--</a:t>
+            </a:r>
+            <a:r>
+              <a:rPr lang="en-US" sz="900" dirty="0" err="1">
+                <a:latin typeface="Courier New" panose="02070309020205020404" pitchFamily="49" charset="0"/>
+                <a:cs typeface="Courier New" panose="02070309020205020404" pitchFamily="49" charset="0"/>
+              </a:rPr>
+              <a:t>rw</a:t>
+            </a:r>
+            <a:r>
+              <a:rPr lang="en-US" sz="900" dirty="0">
+                <a:latin typeface="Courier New" panose="02070309020205020404" pitchFamily="49" charset="0"/>
+                <a:cs typeface="Courier New" panose="02070309020205020404" pitchFamily="49" charset="0"/>
+              </a:rPr>
+              <a:t> </a:t>
+            </a:r>
+            <a:r>
+              <a:rPr lang="en-US" sz="900" dirty="0" err="1">
+                <a:latin typeface="Courier New" panose="02070309020205020404" pitchFamily="49" charset="0"/>
+                <a:cs typeface="Courier New" panose="02070309020205020404" pitchFamily="49" charset="0"/>
+              </a:rPr>
+              <a:t>slo</a:t>
+            </a:r>
+            <a:endParaRPr lang="en-US" sz="900" dirty="0">
+              <a:latin typeface="Courier New" panose="02070309020205020404" pitchFamily="49" charset="0"/>
+              <a:cs typeface="Courier New" panose="02070309020205020404" pitchFamily="49" charset="0"/>
+            </a:endParaRPr>
+          </a:p>
+          <a:p>
+            <a:r>
+              <a:rPr lang="en-US" sz="900" dirty="0">
+                <a:latin typeface="Courier New" panose="02070309020205020404" pitchFamily="49" charset="0"/>
+                <a:cs typeface="Courier New" panose="02070309020205020404" pitchFamily="49" charset="0"/>
+              </a:rPr>
+              <a:t>     |     +--</a:t>
+            </a:r>
+            <a:r>
+              <a:rPr lang="en-US" sz="900" dirty="0" err="1">
+                <a:latin typeface="Courier New" panose="02070309020205020404" pitchFamily="49" charset="0"/>
+                <a:cs typeface="Courier New" panose="02070309020205020404" pitchFamily="49" charset="0"/>
+              </a:rPr>
+              <a:t>rw</a:t>
+            </a:r>
+            <a:r>
+              <a:rPr lang="en-US" sz="900" dirty="0">
+                <a:latin typeface="Courier New" panose="02070309020205020404" pitchFamily="49" charset="0"/>
+                <a:cs typeface="Courier New" panose="02070309020205020404" pitchFamily="49" charset="0"/>
+              </a:rPr>
+              <a:t> link [link-id]</a:t>
+            </a:r>
+          </a:p>
+          <a:p>
+            <a:r>
+              <a:rPr lang="en-US" sz="900" dirty="0">
+                <a:latin typeface="Courier New" panose="02070309020205020404" pitchFamily="49" charset="0"/>
+                <a:cs typeface="Courier New" panose="02070309020205020404" pitchFamily="49" charset="0"/>
+              </a:rPr>
+              <a:t>     |     |  +--</a:t>
+            </a:r>
+            <a:r>
+              <a:rPr lang="en-US" sz="900" dirty="0" err="1">
+                <a:latin typeface="Courier New" panose="02070309020205020404" pitchFamily="49" charset="0"/>
+                <a:cs typeface="Courier New" panose="02070309020205020404" pitchFamily="49" charset="0"/>
+              </a:rPr>
+              <a:t>rw</a:t>
+            </a:r>
+            <a:r>
+              <a:rPr lang="en-US" sz="900" dirty="0">
+                <a:latin typeface="Courier New" panose="02070309020205020404" pitchFamily="49" charset="0"/>
+                <a:cs typeface="Courier New" panose="02070309020205020404" pitchFamily="49" charset="0"/>
+              </a:rPr>
+              <a:t> </a:t>
+            </a:r>
+            <a:r>
+              <a:rPr lang="en-US" sz="900" dirty="0" err="1">
+                <a:latin typeface="Courier New" panose="02070309020205020404" pitchFamily="49" charset="0"/>
+                <a:cs typeface="Courier New" panose="02070309020205020404" pitchFamily="49" charset="0"/>
+              </a:rPr>
+              <a:t>slo</a:t>
+            </a:r>
+            <a:endParaRPr lang="en-US" sz="900" dirty="0">
+              <a:latin typeface="Courier New" panose="02070309020205020404" pitchFamily="49" charset="0"/>
+              <a:cs typeface="Courier New" panose="02070309020205020404" pitchFamily="49" charset="0"/>
+            </a:endParaRPr>
+          </a:p>
+          <a:p>
+            <a:r>
+              <a:rPr lang="en-US" sz="900" dirty="0">
+                <a:latin typeface="Courier New" panose="02070309020205020404" pitchFamily="49" charset="0"/>
+                <a:cs typeface="Courier New" panose="02070309020205020404" pitchFamily="49" charset="0"/>
+              </a:rPr>
+              <a:t>     |     +--</a:t>
+            </a:r>
+            <a:r>
+              <a:rPr lang="en-US" sz="900" dirty="0" err="1">
+                <a:latin typeface="Courier New" panose="02070309020205020404" pitchFamily="49" charset="0"/>
+                <a:cs typeface="Courier New" panose="02070309020205020404" pitchFamily="49" charset="0"/>
+              </a:rPr>
+              <a:t>rw</a:t>
+            </a:r>
+            <a:r>
+              <a:rPr lang="en-US" sz="900" dirty="0">
+                <a:latin typeface="Courier New" panose="02070309020205020404" pitchFamily="49" charset="0"/>
+                <a:cs typeface="Courier New" panose="02070309020205020404" pitchFamily="49" charset="0"/>
+              </a:rPr>
+              <a:t> </a:t>
+            </a:r>
+            <a:r>
+              <a:rPr lang="en-US" sz="900" dirty="0" err="1">
+                <a:latin typeface="Courier New" panose="02070309020205020404" pitchFamily="49" charset="0"/>
+                <a:cs typeface="Courier New" panose="02070309020205020404" pitchFamily="49" charset="0"/>
+              </a:rPr>
+              <a:t>tp</a:t>
+            </a:r>
+            <a:r>
+              <a:rPr lang="en-US" sz="900" dirty="0">
+                <a:latin typeface="Courier New" panose="02070309020205020404" pitchFamily="49" charset="0"/>
+                <a:cs typeface="Courier New" panose="02070309020205020404" pitchFamily="49" charset="0"/>
+              </a:rPr>
+              <a:t> [</a:t>
+            </a:r>
+            <a:r>
+              <a:rPr lang="en-US" sz="900" dirty="0" err="1">
+                <a:latin typeface="Courier New" panose="02070309020205020404" pitchFamily="49" charset="0"/>
+                <a:cs typeface="Courier New" panose="02070309020205020404" pitchFamily="49" charset="0"/>
+              </a:rPr>
+              <a:t>tp</a:t>
+            </a:r>
+            <a:r>
+              <a:rPr lang="en-US" sz="900" dirty="0">
+                <a:latin typeface="Courier New" panose="02070309020205020404" pitchFamily="49" charset="0"/>
+                <a:cs typeface="Courier New" panose="02070309020205020404" pitchFamily="49" charset="0"/>
+              </a:rPr>
+              <a:t>-id]</a:t>
+            </a:r>
+          </a:p>
+          <a:p>
+            <a:r>
+              <a:rPr lang="en-US" sz="900" dirty="0">
+                <a:latin typeface="Courier New" panose="02070309020205020404" pitchFamily="49" charset="0"/>
+                <a:cs typeface="Courier New" panose="02070309020205020404" pitchFamily="49" charset="0"/>
+              </a:rPr>
+              <a:t>     |        +--</a:t>
+            </a:r>
+            <a:r>
+              <a:rPr lang="en-US" sz="900" dirty="0" err="1">
+                <a:latin typeface="Courier New" panose="02070309020205020404" pitchFamily="49" charset="0"/>
+                <a:cs typeface="Courier New" panose="02070309020205020404" pitchFamily="49" charset="0"/>
+              </a:rPr>
+              <a:t>rw</a:t>
+            </a:r>
+            <a:r>
+              <a:rPr lang="en-US" sz="900" dirty="0">
+                <a:latin typeface="Courier New" panose="02070309020205020404" pitchFamily="49" charset="0"/>
+                <a:cs typeface="Courier New" panose="02070309020205020404" pitchFamily="49" charset="0"/>
+              </a:rPr>
+              <a:t> </a:t>
+            </a:r>
+            <a:r>
+              <a:rPr lang="en-US" sz="900" dirty="0" err="1">
+                <a:latin typeface="Courier New" panose="02070309020205020404" pitchFamily="49" charset="0"/>
+                <a:cs typeface="Courier New" panose="02070309020205020404" pitchFamily="49" charset="0"/>
+              </a:rPr>
+              <a:t>slo</a:t>
+            </a:r>
+            <a:endParaRPr lang="en-US" sz="900" dirty="0">
+              <a:latin typeface="Courier New" panose="02070309020205020404" pitchFamily="49" charset="0"/>
+              <a:cs typeface="Courier New" panose="02070309020205020404" pitchFamily="49" charset="0"/>
+            </a:endParaRPr>
+          </a:p>
+          <a:p>
+            <a:r>
+              <a:rPr lang="en-US" sz="900" dirty="0">
+                <a:latin typeface="Courier New" panose="02070309020205020404" pitchFamily="49" charset="0"/>
+                <a:cs typeface="Courier New" panose="02070309020205020404" pitchFamily="49" charset="0"/>
+              </a:rPr>
+              <a:t>     +--</a:t>
+            </a:r>
+            <a:r>
+              <a:rPr lang="en-US" sz="900" dirty="0" err="1">
+                <a:latin typeface="Courier New" panose="02070309020205020404" pitchFamily="49" charset="0"/>
+                <a:cs typeface="Courier New" panose="02070309020205020404" pitchFamily="49" charset="0"/>
+              </a:rPr>
+              <a:t>rw</a:t>
+            </a:r>
+            <a:r>
+              <a:rPr lang="en-US" sz="900" dirty="0">
+                <a:latin typeface="Courier New" panose="02070309020205020404" pitchFamily="49" charset="0"/>
+                <a:cs typeface="Courier New" panose="02070309020205020404" pitchFamily="49" charset="0"/>
+              </a:rPr>
+              <a:t> virtual-network</a:t>
+            </a:r>
+          </a:p>
+          <a:p>
+            <a:r>
+              <a:rPr lang="en-US" sz="900" dirty="0">
+                <a:latin typeface="Courier New" panose="02070309020205020404" pitchFamily="49" charset="0"/>
+                <a:cs typeface="Courier New" panose="02070309020205020404" pitchFamily="49" charset="0"/>
+              </a:rPr>
+              <a:t>        +--</a:t>
+            </a:r>
+            <a:r>
+              <a:rPr lang="en-US" sz="900" dirty="0" err="1">
+                <a:latin typeface="Courier New" panose="02070309020205020404" pitchFamily="49" charset="0"/>
+                <a:cs typeface="Courier New" panose="02070309020205020404" pitchFamily="49" charset="0"/>
+              </a:rPr>
+              <a:t>rw</a:t>
+            </a:r>
+            <a:r>
+              <a:rPr lang="en-US" sz="900" dirty="0">
+                <a:latin typeface="Courier New" panose="02070309020205020404" pitchFamily="49" charset="0"/>
+                <a:cs typeface="Courier New" panose="02070309020205020404" pitchFamily="49" charset="0"/>
+              </a:rPr>
+              <a:t> </a:t>
+            </a:r>
+            <a:r>
+              <a:rPr lang="en-US" sz="900" dirty="0" err="1">
+                <a:latin typeface="Courier New" panose="02070309020205020404" pitchFamily="49" charset="0"/>
+                <a:cs typeface="Courier New" panose="02070309020205020404" pitchFamily="49" charset="0"/>
+              </a:rPr>
+              <a:t>vn</a:t>
+            </a:r>
+            <a:r>
+              <a:rPr lang="en-US" sz="900" dirty="0">
+                <a:latin typeface="Courier New" panose="02070309020205020404" pitchFamily="49" charset="0"/>
+                <a:cs typeface="Courier New" panose="02070309020205020404" pitchFamily="49" charset="0"/>
+              </a:rPr>
+              <a:t>* [</a:t>
+            </a:r>
+            <a:r>
+              <a:rPr lang="en-US" sz="900" dirty="0" err="1">
+                <a:latin typeface="Courier New" panose="02070309020205020404" pitchFamily="49" charset="0"/>
+                <a:cs typeface="Courier New" panose="02070309020205020404" pitchFamily="49" charset="0"/>
+              </a:rPr>
+              <a:t>vn</a:t>
+            </a:r>
+            <a:r>
+              <a:rPr lang="en-US" sz="900" dirty="0">
+                <a:latin typeface="Courier New" panose="02070309020205020404" pitchFamily="49" charset="0"/>
+                <a:cs typeface="Courier New" panose="02070309020205020404" pitchFamily="49" charset="0"/>
+              </a:rPr>
+              <a:t>-id]</a:t>
+            </a:r>
+          </a:p>
+          <a:p>
+            <a:r>
+              <a:rPr lang="en-US" sz="900" dirty="0">
+                <a:latin typeface="Courier New" panose="02070309020205020404" pitchFamily="49" charset="0"/>
+                <a:cs typeface="Courier New" panose="02070309020205020404" pitchFamily="49" charset="0"/>
+              </a:rPr>
+              <a:t>           +--</a:t>
+            </a:r>
+            <a:r>
+              <a:rPr lang="en-US" sz="900" dirty="0" err="1">
+                <a:latin typeface="Courier New" panose="02070309020205020404" pitchFamily="49" charset="0"/>
+                <a:cs typeface="Courier New" panose="02070309020205020404" pitchFamily="49" charset="0"/>
+              </a:rPr>
+              <a:t>rw</a:t>
+            </a:r>
+            <a:r>
+              <a:rPr lang="en-US" sz="900" dirty="0">
+                <a:latin typeface="Courier New" panose="02070309020205020404" pitchFamily="49" charset="0"/>
+                <a:cs typeface="Courier New" panose="02070309020205020404" pitchFamily="49" charset="0"/>
+              </a:rPr>
+              <a:t> </a:t>
+            </a:r>
+            <a:r>
+              <a:rPr lang="en-US" sz="900" dirty="0" err="1">
+                <a:latin typeface="Courier New" panose="02070309020205020404" pitchFamily="49" charset="0"/>
+                <a:cs typeface="Courier New" panose="02070309020205020404" pitchFamily="49" charset="0"/>
+              </a:rPr>
+              <a:t>vn</a:t>
+            </a:r>
+            <a:r>
+              <a:rPr lang="en-US" sz="900" dirty="0">
+                <a:latin typeface="Courier New" panose="02070309020205020404" pitchFamily="49" charset="0"/>
+                <a:cs typeface="Courier New" panose="02070309020205020404" pitchFamily="49" charset="0"/>
+              </a:rPr>
+              <a:t>-id                 </a:t>
+            </a:r>
+            <a:r>
+              <a:rPr lang="en-US" sz="900" dirty="0" err="1">
+                <a:latin typeface="Courier New" panose="02070309020205020404" pitchFamily="49" charset="0"/>
+                <a:cs typeface="Courier New" panose="02070309020205020404" pitchFamily="49" charset="0"/>
+              </a:rPr>
+              <a:t>vn</a:t>
+            </a:r>
+            <a:r>
+              <a:rPr lang="en-US" sz="900" dirty="0">
+                <a:latin typeface="Courier New" panose="02070309020205020404" pitchFamily="49" charset="0"/>
+                <a:cs typeface="Courier New" panose="02070309020205020404" pitchFamily="49" charset="0"/>
+              </a:rPr>
+              <a:t>-id</a:t>
+            </a:r>
+          </a:p>
+          <a:p>
+            <a:r>
+              <a:rPr lang="en-US" sz="900" dirty="0">
+                <a:latin typeface="Courier New" panose="02070309020205020404" pitchFamily="49" charset="0"/>
+                <a:cs typeface="Courier New" panose="02070309020205020404" pitchFamily="49" charset="0"/>
+              </a:rPr>
+              <a:t>           +--</a:t>
+            </a:r>
+            <a:r>
+              <a:rPr lang="en-US" sz="900" dirty="0" err="1">
+                <a:latin typeface="Courier New" panose="02070309020205020404" pitchFamily="49" charset="0"/>
+                <a:cs typeface="Courier New" panose="02070309020205020404" pitchFamily="49" charset="0"/>
+              </a:rPr>
+              <a:t>rw</a:t>
+            </a:r>
+            <a:r>
+              <a:rPr lang="en-US" sz="900" dirty="0">
+                <a:latin typeface="Courier New" panose="02070309020205020404" pitchFamily="49" charset="0"/>
+                <a:cs typeface="Courier New" panose="02070309020205020404" pitchFamily="49" charset="0"/>
+              </a:rPr>
+              <a:t> </a:t>
+            </a:r>
+            <a:r>
+              <a:rPr lang="en-US" sz="900" dirty="0" err="1">
+                <a:latin typeface="Courier New" panose="02070309020205020404" pitchFamily="49" charset="0"/>
+                <a:cs typeface="Courier New" panose="02070309020205020404" pitchFamily="49" charset="0"/>
+              </a:rPr>
+              <a:t>vn</a:t>
+            </a:r>
+            <a:r>
+              <a:rPr lang="en-US" sz="900" dirty="0">
+                <a:latin typeface="Courier New" panose="02070309020205020404" pitchFamily="49" charset="0"/>
+                <a:cs typeface="Courier New" panose="02070309020205020404" pitchFamily="49" charset="0"/>
+              </a:rPr>
+              <a:t>-topology-id        -&gt;/network-topology/topology/topology-id</a:t>
+            </a:r>
+          </a:p>
+          <a:p>
+            <a:r>
+              <a:rPr lang="en-US" sz="900" dirty="0">
+                <a:latin typeface="Courier New" panose="02070309020205020404" pitchFamily="49" charset="0"/>
+                <a:cs typeface="Courier New" panose="02070309020205020404" pitchFamily="49" charset="0"/>
+              </a:rPr>
+              <a:t>           +--</a:t>
+            </a:r>
+            <a:r>
+              <a:rPr lang="en-US" sz="900" dirty="0" err="1">
+                <a:latin typeface="Courier New" panose="02070309020205020404" pitchFamily="49" charset="0"/>
+                <a:cs typeface="Courier New" panose="02070309020205020404" pitchFamily="49" charset="0"/>
+              </a:rPr>
+              <a:t>rw</a:t>
+            </a:r>
+            <a:r>
+              <a:rPr lang="en-US" sz="900" dirty="0">
+                <a:latin typeface="Courier New" panose="02070309020205020404" pitchFamily="49" charset="0"/>
+                <a:cs typeface="Courier New" panose="02070309020205020404" pitchFamily="49" charset="0"/>
+              </a:rPr>
+              <a:t> </a:t>
+            </a:r>
+            <a:r>
+              <a:rPr lang="en-US" sz="900" dirty="0" err="1">
+                <a:latin typeface="Courier New" panose="02070309020205020404" pitchFamily="49" charset="0"/>
+                <a:cs typeface="Courier New" panose="02070309020205020404" pitchFamily="49" charset="0"/>
+              </a:rPr>
+              <a:t>vn</a:t>
+            </a:r>
+            <a:r>
+              <a:rPr lang="en-US" sz="900" dirty="0">
+                <a:latin typeface="Courier New" panose="02070309020205020404" pitchFamily="49" charset="0"/>
+                <a:cs typeface="Courier New" panose="02070309020205020404" pitchFamily="49" charset="0"/>
+              </a:rPr>
+              <a:t>-member* [</a:t>
+            </a:r>
+            <a:r>
+              <a:rPr lang="en-US" sz="900" dirty="0" err="1">
+                <a:latin typeface="Courier New" panose="02070309020205020404" pitchFamily="49" charset="0"/>
+                <a:cs typeface="Courier New" panose="02070309020205020404" pitchFamily="49" charset="0"/>
+              </a:rPr>
+              <a:t>vnm</a:t>
+            </a:r>
+            <a:r>
+              <a:rPr lang="en-US" sz="900" dirty="0">
+                <a:latin typeface="Courier New" panose="02070309020205020404" pitchFamily="49" charset="0"/>
+                <a:cs typeface="Courier New" panose="02070309020205020404" pitchFamily="49" charset="0"/>
+              </a:rPr>
+              <a:t>-id]</a:t>
+            </a:r>
+          </a:p>
+          <a:p>
+            <a:r>
+              <a:rPr lang="en-US" sz="900" dirty="0">
+                <a:latin typeface="Courier New" panose="02070309020205020404" pitchFamily="49" charset="0"/>
+                <a:cs typeface="Courier New" panose="02070309020205020404" pitchFamily="49" charset="0"/>
+              </a:rPr>
+              <a:t>           |  +--</a:t>
+            </a:r>
+            <a:r>
+              <a:rPr lang="en-US" sz="900" dirty="0" err="1">
+                <a:latin typeface="Courier New" panose="02070309020205020404" pitchFamily="49" charset="0"/>
+                <a:cs typeface="Courier New" panose="02070309020205020404" pitchFamily="49" charset="0"/>
+              </a:rPr>
+              <a:t>rw</a:t>
+            </a:r>
+            <a:r>
+              <a:rPr lang="en-US" sz="900" dirty="0">
+                <a:latin typeface="Courier New" panose="02070309020205020404" pitchFamily="49" charset="0"/>
+                <a:cs typeface="Courier New" panose="02070309020205020404" pitchFamily="49" charset="0"/>
+              </a:rPr>
+              <a:t> </a:t>
+            </a:r>
+            <a:r>
+              <a:rPr lang="en-US" sz="900" dirty="0" err="1">
+                <a:latin typeface="Courier New" panose="02070309020205020404" pitchFamily="49" charset="0"/>
+                <a:cs typeface="Courier New" panose="02070309020205020404" pitchFamily="49" charset="0"/>
+              </a:rPr>
+              <a:t>src</a:t>
+            </a:r>
+            <a:r>
+              <a:rPr lang="en-US" sz="900" dirty="0">
+                <a:latin typeface="Courier New" panose="02070309020205020404" pitchFamily="49" charset="0"/>
+                <a:cs typeface="Courier New" panose="02070309020205020404" pitchFamily="49" charset="0"/>
+              </a:rPr>
+              <a:t> </a:t>
+            </a:r>
+            <a:r>
+              <a:rPr lang="en-US" sz="900" dirty="0" err="1">
+                <a:latin typeface="Courier New" panose="02070309020205020404" pitchFamily="49" charset="0"/>
+                <a:cs typeface="Courier New" panose="02070309020205020404" pitchFamily="49" charset="0"/>
+              </a:rPr>
+              <a:t>vn</a:t>
+            </a:r>
+            <a:r>
+              <a:rPr lang="en-US" sz="900" dirty="0">
+                <a:latin typeface="Courier New" panose="02070309020205020404" pitchFamily="49" charset="0"/>
+                <a:cs typeface="Courier New" panose="02070309020205020404" pitchFamily="49" charset="0"/>
+              </a:rPr>
+              <a:t>-ap</a:t>
+            </a:r>
+          </a:p>
+          <a:p>
+            <a:r>
+              <a:rPr lang="en-US" sz="900" dirty="0">
+                <a:latin typeface="Courier New" panose="02070309020205020404" pitchFamily="49" charset="0"/>
+                <a:cs typeface="Courier New" panose="02070309020205020404" pitchFamily="49" charset="0"/>
+              </a:rPr>
+              <a:t>           |  +--</a:t>
+            </a:r>
+            <a:r>
+              <a:rPr lang="en-US" sz="900" dirty="0" err="1">
+                <a:latin typeface="Courier New" panose="02070309020205020404" pitchFamily="49" charset="0"/>
+                <a:cs typeface="Courier New" panose="02070309020205020404" pitchFamily="49" charset="0"/>
+              </a:rPr>
+              <a:t>rw</a:t>
+            </a:r>
+            <a:r>
+              <a:rPr lang="en-US" sz="900" dirty="0">
+                <a:latin typeface="Courier New" panose="02070309020205020404" pitchFamily="49" charset="0"/>
+                <a:cs typeface="Courier New" panose="02070309020205020404" pitchFamily="49" charset="0"/>
+              </a:rPr>
+              <a:t> </a:t>
+            </a:r>
+            <a:r>
+              <a:rPr lang="en-US" sz="900" dirty="0" err="1">
+                <a:latin typeface="Courier New" panose="02070309020205020404" pitchFamily="49" charset="0"/>
+                <a:cs typeface="Courier New" panose="02070309020205020404" pitchFamily="49" charset="0"/>
+              </a:rPr>
+              <a:t>dst</a:t>
+            </a:r>
+            <a:r>
+              <a:rPr lang="en-US" sz="900" dirty="0">
+                <a:latin typeface="Courier New" panose="02070309020205020404" pitchFamily="49" charset="0"/>
+                <a:cs typeface="Courier New" panose="02070309020205020404" pitchFamily="49" charset="0"/>
+              </a:rPr>
+              <a:t> </a:t>
+            </a:r>
+            <a:r>
+              <a:rPr lang="en-US" sz="900" dirty="0" err="1">
+                <a:latin typeface="Courier New" panose="02070309020205020404" pitchFamily="49" charset="0"/>
+                <a:cs typeface="Courier New" panose="02070309020205020404" pitchFamily="49" charset="0"/>
+              </a:rPr>
+              <a:t>vn</a:t>
+            </a:r>
+            <a:r>
+              <a:rPr lang="en-US" sz="900" dirty="0">
+                <a:latin typeface="Courier New" panose="02070309020205020404" pitchFamily="49" charset="0"/>
+                <a:cs typeface="Courier New" panose="02070309020205020404" pitchFamily="49" charset="0"/>
+              </a:rPr>
+              <a:t>-ap</a:t>
+            </a:r>
+          </a:p>
+          <a:p>
+            <a:r>
+              <a:rPr lang="en-US" sz="900" dirty="0">
+                <a:latin typeface="Courier New" panose="02070309020205020404" pitchFamily="49" charset="0"/>
+                <a:cs typeface="Courier New" panose="02070309020205020404" pitchFamily="49" charset="0"/>
+              </a:rPr>
+              <a:t>           |  +--</a:t>
+            </a:r>
+            <a:r>
+              <a:rPr lang="en-US" sz="900" dirty="0" err="1">
+                <a:latin typeface="Courier New" panose="02070309020205020404" pitchFamily="49" charset="0"/>
+                <a:cs typeface="Courier New" panose="02070309020205020404" pitchFamily="49" charset="0"/>
+              </a:rPr>
+              <a:t>rw</a:t>
+            </a:r>
+            <a:r>
+              <a:rPr lang="en-US" sz="900" dirty="0">
+                <a:latin typeface="Courier New" panose="02070309020205020404" pitchFamily="49" charset="0"/>
+                <a:cs typeface="Courier New" panose="02070309020205020404" pitchFamily="49" charset="0"/>
+              </a:rPr>
+              <a:t> underlay-path</a:t>
+            </a:r>
+          </a:p>
+          <a:p>
+            <a:r>
+              <a:rPr lang="en-US" sz="900" dirty="0">
+                <a:latin typeface="Courier New" panose="02070309020205020404" pitchFamily="49" charset="0"/>
+                <a:cs typeface="Courier New" panose="02070309020205020404" pitchFamily="49" charset="0"/>
+              </a:rPr>
+              <a:t>           |     +--</a:t>
+            </a:r>
+            <a:r>
+              <a:rPr lang="en-US" sz="900" dirty="0" err="1">
+                <a:latin typeface="Courier New" panose="02070309020205020404" pitchFamily="49" charset="0"/>
+                <a:cs typeface="Courier New" panose="02070309020205020404" pitchFamily="49" charset="0"/>
+              </a:rPr>
+              <a:t>rw</a:t>
+            </a:r>
+            <a:r>
+              <a:rPr lang="en-US" sz="900" dirty="0">
+                <a:latin typeface="Courier New" panose="02070309020205020404" pitchFamily="49" charset="0"/>
+                <a:cs typeface="Courier New" panose="02070309020205020404" pitchFamily="49" charset="0"/>
+              </a:rPr>
+              <a:t> </a:t>
+            </a:r>
+            <a:r>
+              <a:rPr lang="en-US" sz="900" dirty="0" err="1">
+                <a:latin typeface="Courier New" panose="02070309020205020404" pitchFamily="49" charset="0"/>
+                <a:cs typeface="Courier New" panose="02070309020205020404" pitchFamily="49" charset="0"/>
+              </a:rPr>
+              <a:t>slo</a:t>
+            </a:r>
+            <a:endParaRPr lang="en-US" sz="900" dirty="0">
+              <a:latin typeface="Courier New" panose="02070309020205020404" pitchFamily="49" charset="0"/>
+              <a:cs typeface="Courier New" panose="02070309020205020404" pitchFamily="49" charset="0"/>
+            </a:endParaRPr>
+          </a:p>
+          <a:p>
+            <a:r>
+              <a:rPr lang="en-US" sz="900" dirty="0">
+                <a:latin typeface="Courier New" panose="02070309020205020404" pitchFamily="49" charset="0"/>
+                <a:cs typeface="Courier New" panose="02070309020205020404" pitchFamily="49" charset="0"/>
+              </a:rPr>
+              <a:t>           +--</a:t>
+            </a:r>
+            <a:r>
+              <a:rPr lang="en-US" sz="900" dirty="0" err="1">
+                <a:latin typeface="Courier New" panose="02070309020205020404" pitchFamily="49" charset="0"/>
+                <a:cs typeface="Courier New" panose="02070309020205020404" pitchFamily="49" charset="0"/>
+              </a:rPr>
+              <a:t>rw</a:t>
+            </a:r>
+            <a:r>
+              <a:rPr lang="en-US" sz="900" dirty="0">
+                <a:latin typeface="Courier New" panose="02070309020205020404" pitchFamily="49" charset="0"/>
+                <a:cs typeface="Courier New" panose="02070309020205020404" pitchFamily="49" charset="0"/>
+              </a:rPr>
+              <a:t> </a:t>
+            </a:r>
+            <a:r>
+              <a:rPr lang="en-US" sz="900" dirty="0" err="1">
+                <a:latin typeface="Courier New" panose="02070309020205020404" pitchFamily="49" charset="0"/>
+                <a:cs typeface="Courier New" panose="02070309020205020404" pitchFamily="49" charset="0"/>
+              </a:rPr>
+              <a:t>slo</a:t>
+            </a:r>
+            <a:endParaRPr lang="en-US" sz="900" dirty="0">
+              <a:latin typeface="Courier New" panose="02070309020205020404" pitchFamily="49" charset="0"/>
+              <a:cs typeface="Courier New" panose="02070309020205020404" pitchFamily="49" charset="0"/>
+            </a:endParaRPr>
+          </a:p>
+        </p:txBody>
+      </p:sp>
+    </p:spTree>
+    <p:extLst>
+      <p:ext uri="{BB962C8B-B14F-4D97-AF65-F5344CB8AC3E}">
+        <p14:creationId xmlns:p14="http://schemas.microsoft.com/office/powerpoint/2010/main" val="2956121565"/>
+      </p:ext>
+    </p:extLst>
+  </p:cSld>
+  <p:clrMapOvr>
+    <a:masterClrMapping/>
+  </p:clrMapOvr>
+</p:sld>
+</file>
+
+<file path=ppt/slides/slide21.xml><?xml version="1.0" encoding="utf-8"?>
+<p:sld xmlns:a="http://schemas.openxmlformats.org/drawingml/2006/main" xmlns:r="http://schemas.openxmlformats.org/officeDocument/2006/relationships" xmlns:p="http://schemas.openxmlformats.org/presentationml/2006/main">
+  <p:cSld>
+    <p:spTree>
+      <p:nvGrpSpPr>
+        <p:cNvPr id="1" name=""/>
+        <p:cNvGrpSpPr/>
+        <p:nvPr/>
+      </p:nvGrpSpPr>
+      <p:grpSpPr>
+        <a:xfrm>
+          <a:off x="0" y="0"/>
+          <a:ext cx="0" cy="0"/>
+          <a:chOff x="0" y="0"/>
+          <a:chExt cx="0" cy="0"/>
+        </a:xfrm>
+      </p:grpSpPr>
+      <p:sp>
+        <p:nvSpPr>
+          <p:cNvPr id="2" name="Title 1">
+            <a:extLst>
+              <a:ext uri="{FF2B5EF4-FFF2-40B4-BE49-F238E27FC236}">
+                <a16:creationId xmlns:a16="http://schemas.microsoft.com/office/drawing/2014/main" id="{EB3E31FD-1C2F-48A6-AB51-148D4276F8C0}"/>
+              </a:ext>
+            </a:extLst>
+          </p:cNvPr>
+          <p:cNvSpPr>
+            <a:spLocks noGrp="1"/>
+          </p:cNvSpPr>
+          <p:nvPr>
+            <p:ph type="title"/>
+          </p:nvPr>
+        </p:nvSpPr>
+        <p:spPr/>
+        <p:txBody>
+          <a:bodyPr>
+            <a:noAutofit/>
+          </a:bodyPr>
+          <a:lstStyle/>
+          <a:p>
+            <a:r>
+              <a:rPr lang="en-US" sz="3200" dirty="0"/>
+              <a:t>TEAS Interim Meeting on Network Slicing</a:t>
+            </a:r>
+          </a:p>
+        </p:txBody>
+      </p:sp>
+      <p:sp>
+        <p:nvSpPr>
+          <p:cNvPr id="4" name="Content Placeholder 3">
+            <a:extLst>
+              <a:ext uri="{FF2B5EF4-FFF2-40B4-BE49-F238E27FC236}">
+                <a16:creationId xmlns:a16="http://schemas.microsoft.com/office/drawing/2014/main" id="{CC2477E1-3318-4AD0-A1BF-FD6B8B8644C2}"/>
+              </a:ext>
+            </a:extLst>
+          </p:cNvPr>
+          <p:cNvSpPr>
+            <a:spLocks noGrp="1"/>
+          </p:cNvSpPr>
+          <p:nvPr>
+            <p:ph idx="1"/>
+          </p:nvPr>
+        </p:nvSpPr>
+        <p:spPr>
+          <a:xfrm>
+            <a:off x="457200" y="1181365"/>
+            <a:ext cx="3810000" cy="380736"/>
+          </a:xfrm>
+        </p:spPr>
+        <p:txBody>
+          <a:bodyPr>
+            <a:normAutofit fontScale="85000" lnSpcReduction="10000"/>
+          </a:bodyPr>
+          <a:lstStyle/>
+          <a:p>
+            <a:r>
+              <a:rPr lang="en-US" sz="2000" dirty="0"/>
+              <a:t>Endpoints &amp; scope of a network slice</a:t>
+            </a:r>
+          </a:p>
+        </p:txBody>
+      </p:sp>
+      <p:sp>
+        <p:nvSpPr>
+          <p:cNvPr id="3" name="Rectangle 1">
+            <a:extLst>
+              <a:ext uri="{FF2B5EF4-FFF2-40B4-BE49-F238E27FC236}">
+                <a16:creationId xmlns:a16="http://schemas.microsoft.com/office/drawing/2014/main" id="{1076DF93-58C5-4F4C-8B41-0FF35AF9B7F5}"/>
+              </a:ext>
+            </a:extLst>
+          </p:cNvPr>
+          <p:cNvSpPr>
+            <a:spLocks noChangeArrowheads="1"/>
+          </p:cNvSpPr>
+          <p:nvPr/>
+        </p:nvSpPr>
+        <p:spPr bwMode="auto">
+          <a:xfrm>
+            <a:off x="4420160" y="1409700"/>
+            <a:ext cx="5029200" cy="3062377"/>
+          </a:xfrm>
+          <a:prstGeom prst="rect">
+            <a:avLst/>
+          </a:prstGeom>
+          <a:noFill/>
+          <a:ln>
+            <a:noFill/>
+          </a:ln>
+          <a:effectLst/>
+          <a:extLst>
+            <a:ext uri="{909E8E84-426E-40DD-AFC4-6F175D3DCCD1}">
+              <a14:hiddenFill xmlns:a14="http://schemas.microsoft.com/office/drawing/2010/main">
+                <a:solidFill>
+                  <a:schemeClr val="accent1"/>
+                </a:solidFill>
+              </a14:hiddenFill>
+            </a:ext>
+            <a:ext uri="{91240B29-F687-4F45-9708-019B960494DF}">
+              <a14:hiddenLine xmlns:a14="http://schemas.microsoft.com/office/drawing/2010/main" w="9525">
+                <a:solidFill>
+                  <a:schemeClr val="tx1"/>
+                </a:solidFill>
+                <a:miter lim="800000"/>
+                <a:headEnd/>
+                <a:tailEnd/>
+              </a14:hiddenLine>
+            </a:ext>
+            <a:ext uri="{AF507438-7753-43E0-B8FC-AC1667EBCBE1}">
+              <a14:hiddenEffects xmlns:a14="http://schemas.microsoft.com/office/drawing/2010/main">
+                <a:effectLst>
+                  <a:outerShdw dist="35921" dir="2700000" algn="ctr" rotWithShape="0">
+                    <a:schemeClr val="bg2"/>
+                  </a:outerShdw>
+                </a:effectLst>
+              </a14:hiddenEffects>
+            </a:ext>
+          </a:extLst>
+        </p:spPr>
+        <p:txBody>
+          <a:bodyPr vert="horz" wrap="square" lIns="91440" tIns="45720" rIns="91440" bIns="45720" numCol="1" anchor="ctr" anchorCtr="0" compatLnSpc="1">
+            <a:prstTxWarp prst="textNoShape">
+              <a:avLst/>
+            </a:prstTxWarp>
+            <a:spAutoFit/>
+          </a:bodyPr>
+          <a:lstStyle>
+            <a:lvl1pPr eaLnBrk="0" fontAlgn="base" hangingPunct="0">
+              <a:spcBef>
+                <a:spcPct val="0"/>
+              </a:spcBef>
+              <a:spcAft>
+                <a:spcPct val="0"/>
+              </a:spcAft>
+              <a:defRPr>
+                <a:solidFill>
+                  <a:schemeClr val="tx1"/>
+                </a:solidFill>
+                <a:latin typeface="Arial" panose="020B0604020202020204" pitchFamily="34" charset="0"/>
+              </a:defRPr>
+            </a:lvl1pPr>
+            <a:lvl2pPr eaLnBrk="0" fontAlgn="base" hangingPunct="0">
+              <a:spcBef>
+                <a:spcPct val="0"/>
+              </a:spcBef>
+              <a:spcAft>
+                <a:spcPct val="0"/>
+              </a:spcAft>
+              <a:defRPr>
+                <a:solidFill>
+                  <a:schemeClr val="tx1"/>
+                </a:solidFill>
+                <a:latin typeface="Arial" panose="020B0604020202020204" pitchFamily="34" charset="0"/>
+              </a:defRPr>
+            </a:lvl2pPr>
+            <a:lvl3pPr eaLnBrk="0" fontAlgn="base" hangingPunct="0">
+              <a:spcBef>
+                <a:spcPct val="0"/>
+              </a:spcBef>
+              <a:spcAft>
+                <a:spcPct val="0"/>
+              </a:spcAft>
+              <a:defRPr>
+                <a:solidFill>
+                  <a:schemeClr val="tx1"/>
+                </a:solidFill>
+                <a:latin typeface="Arial" panose="020B0604020202020204" pitchFamily="34" charset="0"/>
+              </a:defRPr>
+            </a:lvl3pPr>
+            <a:lvl4pPr eaLnBrk="0" fontAlgn="base" hangingPunct="0">
+              <a:spcBef>
+                <a:spcPct val="0"/>
+              </a:spcBef>
+              <a:spcAft>
+                <a:spcPct val="0"/>
+              </a:spcAft>
+              <a:defRPr>
+                <a:solidFill>
+                  <a:schemeClr val="tx1"/>
+                </a:solidFill>
+                <a:latin typeface="Arial" panose="020B0604020202020204" pitchFamily="34" charset="0"/>
+              </a:defRPr>
+            </a:lvl4pPr>
+            <a:lvl5pPr eaLnBrk="0" fontAlgn="base" hangingPunct="0">
+              <a:spcBef>
+                <a:spcPct val="0"/>
+              </a:spcBef>
+              <a:spcAft>
+                <a:spcPct val="0"/>
+              </a:spcAft>
+              <a:defRPr>
+                <a:solidFill>
+                  <a:schemeClr val="tx1"/>
+                </a:solidFill>
+                <a:latin typeface="Arial" panose="020B0604020202020204" pitchFamily="34" charset="0"/>
+              </a:defRPr>
+            </a:lvl5pPr>
+            <a:lvl6pPr eaLnBrk="0" fontAlgn="base" hangingPunct="0">
+              <a:spcBef>
+                <a:spcPct val="0"/>
+              </a:spcBef>
+              <a:spcAft>
+                <a:spcPct val="0"/>
+              </a:spcAft>
+              <a:defRPr>
+                <a:solidFill>
+                  <a:schemeClr val="tx1"/>
+                </a:solidFill>
+                <a:latin typeface="Arial" panose="020B0604020202020204" pitchFamily="34" charset="0"/>
+              </a:defRPr>
+            </a:lvl6pPr>
+            <a:lvl7pPr eaLnBrk="0" fontAlgn="base" hangingPunct="0">
+              <a:spcBef>
+                <a:spcPct val="0"/>
+              </a:spcBef>
+              <a:spcAft>
+                <a:spcPct val="0"/>
+              </a:spcAft>
+              <a:defRPr>
+                <a:solidFill>
+                  <a:schemeClr val="tx1"/>
+                </a:solidFill>
+                <a:latin typeface="Arial" panose="020B0604020202020204" pitchFamily="34" charset="0"/>
+              </a:defRPr>
+            </a:lvl7pPr>
+            <a:lvl8pPr eaLnBrk="0" fontAlgn="base" hangingPunct="0">
+              <a:spcBef>
+                <a:spcPct val="0"/>
+              </a:spcBef>
+              <a:spcAft>
+                <a:spcPct val="0"/>
+              </a:spcAft>
+              <a:defRPr>
+                <a:solidFill>
+                  <a:schemeClr val="tx1"/>
+                </a:solidFill>
+                <a:latin typeface="Arial" panose="020B0604020202020204" pitchFamily="34" charset="0"/>
+              </a:defRPr>
+            </a:lvl8pPr>
+            <a:lvl9pPr eaLnBrk="0" fontAlgn="base" hangingPunct="0">
+              <a:spcBef>
+                <a:spcPct val="0"/>
+              </a:spcBef>
+              <a:spcAft>
+                <a:spcPct val="0"/>
+              </a:spcAft>
+              <a:defRPr>
+                <a:solidFill>
+                  <a:schemeClr val="tx1"/>
+                </a:solidFill>
+                <a:latin typeface="Arial" panose="020B0604020202020204" pitchFamily="34" charset="0"/>
+              </a:defRPr>
+            </a:lvl9pPr>
+          </a:lstStyle>
+          <a:p>
+            <a:pPr marL="0" marR="0" lvl="0" indent="0" algn="l" defTabSz="914400" rtl="0" eaLnBrk="0" fontAlgn="base" latinLnBrk="0" hangingPunct="0">
+              <a:lnSpc>
+                <a:spcPct val="100000"/>
+              </a:lnSpc>
+              <a:spcBef>
+                <a:spcPct val="0"/>
+              </a:spcBef>
+              <a:spcAft>
+                <a:spcPct val="0"/>
+              </a:spcAft>
+              <a:buClrTx/>
+              <a:buSzTx/>
+              <a:buFontTx/>
+              <a:buNone/>
+              <a:tabLst/>
+            </a:pPr>
+            <a:r>
+              <a:rPr kumimoji="0" lang="en-US" altLang="en-US" sz="900" b="0" i="0" u="none" strike="noStrike" cap="none" normalizeH="0" baseline="0" dirty="0">
+                <a:ln>
+                  <a:noFill/>
+                </a:ln>
+                <a:solidFill>
+                  <a:srgbClr val="222222"/>
+                </a:solidFill>
+                <a:effectLst/>
+                <a:latin typeface="Courier New" panose="02070309020205020404" pitchFamily="49" charset="0"/>
+                <a:cs typeface="Courier New" panose="02070309020205020404" pitchFamily="49" charset="0"/>
+              </a:rPr>
+              <a:t>          |&lt;---------------------- (1) ----------------------&gt;|</a:t>
+            </a:r>
+            <a:endParaRPr kumimoji="0" lang="en-US" altLang="en-US" sz="500" b="0" i="0" u="none" strike="noStrike" cap="none" normalizeH="0" baseline="0" dirty="0">
+              <a:ln>
+                <a:noFill/>
+              </a:ln>
+              <a:solidFill>
+                <a:schemeClr val="tx1"/>
+              </a:solidFill>
+              <a:effectLst/>
+            </a:endParaRPr>
+          </a:p>
+          <a:p>
+            <a:pPr marL="0" marR="0" lvl="0" indent="0" algn="l" defTabSz="914400" rtl="0" eaLnBrk="0" fontAlgn="base" latinLnBrk="0" hangingPunct="0">
+              <a:lnSpc>
+                <a:spcPct val="100000"/>
+              </a:lnSpc>
+              <a:spcBef>
+                <a:spcPct val="0"/>
+              </a:spcBef>
+              <a:spcAft>
+                <a:spcPct val="0"/>
+              </a:spcAft>
+              <a:buClrTx/>
+              <a:buSzTx/>
+              <a:buFontTx/>
+              <a:buNone/>
+              <a:tabLst/>
+            </a:pPr>
+            <a:r>
+              <a:rPr kumimoji="0" lang="en-US" altLang="en-US" sz="900" b="0" i="0" u="none" strike="noStrike" cap="none" normalizeH="0" baseline="0" dirty="0">
+                <a:ln>
+                  <a:noFill/>
+                </a:ln>
+                <a:solidFill>
+                  <a:srgbClr val="222222"/>
+                </a:solidFill>
+                <a:effectLst/>
+                <a:latin typeface="Courier New" panose="02070309020205020404" pitchFamily="49" charset="0"/>
+                <a:cs typeface="Courier New" panose="02070309020205020404" pitchFamily="49" charset="0"/>
+              </a:rPr>
+              <a:t>          |                                                   |</a:t>
+            </a:r>
+            <a:endParaRPr kumimoji="0" lang="en-US" altLang="en-US" sz="500" b="0" i="0" u="none" strike="noStrike" cap="none" normalizeH="0" baseline="0" dirty="0">
+              <a:ln>
+                <a:noFill/>
+              </a:ln>
+              <a:solidFill>
+                <a:schemeClr val="tx1"/>
+              </a:solidFill>
+              <a:effectLst/>
+            </a:endParaRPr>
+          </a:p>
+          <a:p>
+            <a:pPr marL="0" marR="0" lvl="0" indent="0" algn="l" defTabSz="914400" rtl="0" eaLnBrk="0" fontAlgn="base" latinLnBrk="0" hangingPunct="0">
+              <a:lnSpc>
+                <a:spcPct val="100000"/>
+              </a:lnSpc>
+              <a:spcBef>
+                <a:spcPct val="0"/>
+              </a:spcBef>
+              <a:spcAft>
+                <a:spcPct val="0"/>
+              </a:spcAft>
+              <a:buClrTx/>
+              <a:buSzTx/>
+              <a:buFontTx/>
+              <a:buNone/>
+              <a:tabLst/>
+            </a:pPr>
+            <a:r>
+              <a:rPr kumimoji="0" lang="en-US" altLang="en-US" sz="900" b="0" i="0" u="none" strike="noStrike" cap="none" normalizeH="0" baseline="0" dirty="0">
+                <a:ln>
+                  <a:noFill/>
+                </a:ln>
+                <a:solidFill>
+                  <a:srgbClr val="222222"/>
+                </a:solidFill>
+                <a:effectLst/>
+                <a:latin typeface="Courier New" panose="02070309020205020404" pitchFamily="49" charset="0"/>
+                <a:cs typeface="Courier New" panose="02070309020205020404" pitchFamily="49" charset="0"/>
+              </a:rPr>
+              <a:t>          | |&lt;-------------------- (2) --------------------&gt;| |</a:t>
+            </a:r>
+            <a:endParaRPr kumimoji="0" lang="en-US" altLang="en-US" sz="500" b="0" i="0" u="none" strike="noStrike" cap="none" normalizeH="0" baseline="0" dirty="0">
+              <a:ln>
+                <a:noFill/>
+              </a:ln>
+              <a:solidFill>
+                <a:schemeClr val="tx1"/>
+              </a:solidFill>
+              <a:effectLst/>
+            </a:endParaRPr>
+          </a:p>
+          <a:p>
+            <a:pPr marL="0" marR="0" lvl="0" indent="0" algn="l" defTabSz="914400" rtl="0" eaLnBrk="0" fontAlgn="base" latinLnBrk="0" hangingPunct="0">
+              <a:lnSpc>
+                <a:spcPct val="100000"/>
+              </a:lnSpc>
+              <a:spcBef>
+                <a:spcPct val="0"/>
+              </a:spcBef>
+              <a:spcAft>
+                <a:spcPct val="0"/>
+              </a:spcAft>
+              <a:buClrTx/>
+              <a:buSzTx/>
+              <a:buFontTx/>
+              <a:buNone/>
+              <a:tabLst/>
+            </a:pPr>
+            <a:r>
+              <a:rPr kumimoji="0" lang="en-US" altLang="en-US" sz="900" b="0" i="0" u="none" strike="noStrike" cap="none" normalizeH="0" baseline="0" dirty="0">
+                <a:ln>
+                  <a:noFill/>
+                </a:ln>
+                <a:solidFill>
+                  <a:srgbClr val="222222"/>
+                </a:solidFill>
+                <a:effectLst/>
+                <a:latin typeface="Courier New" panose="02070309020205020404" pitchFamily="49" charset="0"/>
+                <a:cs typeface="Courier New" panose="02070309020205020404" pitchFamily="49" charset="0"/>
+              </a:rPr>
+              <a:t>          | |                                               | |</a:t>
+            </a:r>
+            <a:endParaRPr kumimoji="0" lang="en-US" altLang="en-US" sz="500" b="0" i="0" u="none" strike="noStrike" cap="none" normalizeH="0" baseline="0" dirty="0">
+              <a:ln>
+                <a:noFill/>
+              </a:ln>
+              <a:solidFill>
+                <a:schemeClr val="tx1"/>
+              </a:solidFill>
+              <a:effectLst/>
+            </a:endParaRPr>
+          </a:p>
+          <a:p>
+            <a:pPr marL="0" marR="0" lvl="0" indent="0" algn="l" defTabSz="914400" rtl="0" eaLnBrk="0" fontAlgn="base" latinLnBrk="0" hangingPunct="0">
+              <a:lnSpc>
+                <a:spcPct val="100000"/>
+              </a:lnSpc>
+              <a:spcBef>
+                <a:spcPct val="0"/>
+              </a:spcBef>
+              <a:spcAft>
+                <a:spcPct val="0"/>
+              </a:spcAft>
+              <a:buClrTx/>
+              <a:buSzTx/>
+              <a:buFontTx/>
+              <a:buNone/>
+              <a:tabLst/>
+            </a:pPr>
+            <a:r>
+              <a:rPr kumimoji="0" lang="en-US" altLang="en-US" sz="900" b="0" i="0" u="none" strike="noStrike" cap="none" normalizeH="0" baseline="0" dirty="0">
+                <a:ln>
+                  <a:noFill/>
+                </a:ln>
+                <a:solidFill>
+                  <a:srgbClr val="222222"/>
+                </a:solidFill>
+                <a:effectLst/>
+                <a:latin typeface="Courier New" panose="02070309020205020404" pitchFamily="49" charset="0"/>
+                <a:cs typeface="Courier New" panose="02070309020205020404" pitchFamily="49" charset="0"/>
+              </a:rPr>
+              <a:t>          | |        |&lt;----------- (3) -----------&gt;|        | |</a:t>
+            </a:r>
+            <a:endParaRPr kumimoji="0" lang="en-US" altLang="en-US" sz="500" b="0" i="0" u="none" strike="noStrike" cap="none" normalizeH="0" baseline="0" dirty="0">
+              <a:ln>
+                <a:noFill/>
+              </a:ln>
+              <a:solidFill>
+                <a:schemeClr val="tx1"/>
+              </a:solidFill>
+              <a:effectLst/>
+            </a:endParaRPr>
+          </a:p>
+          <a:p>
+            <a:pPr marL="0" marR="0" lvl="0" indent="0" algn="l" defTabSz="914400" rtl="0" eaLnBrk="0" fontAlgn="base" latinLnBrk="0" hangingPunct="0">
+              <a:lnSpc>
+                <a:spcPct val="100000"/>
+              </a:lnSpc>
+              <a:spcBef>
+                <a:spcPct val="0"/>
+              </a:spcBef>
+              <a:spcAft>
+                <a:spcPct val="0"/>
+              </a:spcAft>
+              <a:buClrTx/>
+              <a:buSzTx/>
+              <a:buFontTx/>
+              <a:buNone/>
+              <a:tabLst/>
+            </a:pPr>
+            <a:r>
+              <a:rPr kumimoji="0" lang="en-US" altLang="en-US" sz="900" b="0" i="0" u="none" strike="noStrike" cap="none" normalizeH="0" baseline="0" dirty="0">
+                <a:ln>
+                  <a:noFill/>
+                </a:ln>
+                <a:solidFill>
+                  <a:srgbClr val="222222"/>
+                </a:solidFill>
+                <a:effectLst/>
+                <a:latin typeface="Courier New" panose="02070309020205020404" pitchFamily="49" charset="0"/>
+                <a:cs typeface="Courier New" panose="02070309020205020404" pitchFamily="49" charset="0"/>
+              </a:rPr>
+              <a:t>          | |        |                             |        | |</a:t>
+            </a:r>
+            <a:endParaRPr kumimoji="0" lang="en-US" altLang="en-US" sz="500" b="0" i="0" u="none" strike="noStrike" cap="none" normalizeH="0" baseline="0" dirty="0">
+              <a:ln>
+                <a:noFill/>
+              </a:ln>
+              <a:solidFill>
+                <a:schemeClr val="tx1"/>
+              </a:solidFill>
+              <a:effectLst/>
+            </a:endParaRPr>
+          </a:p>
+          <a:p>
+            <a:pPr marL="0" marR="0" lvl="0" indent="0" algn="l" defTabSz="914400" rtl="0" eaLnBrk="0" fontAlgn="base" latinLnBrk="0" hangingPunct="0">
+              <a:lnSpc>
+                <a:spcPct val="100000"/>
+              </a:lnSpc>
+              <a:spcBef>
+                <a:spcPct val="0"/>
+              </a:spcBef>
+              <a:spcAft>
+                <a:spcPct val="0"/>
+              </a:spcAft>
+              <a:buClrTx/>
+              <a:buSzTx/>
+              <a:buFontTx/>
+              <a:buNone/>
+              <a:tabLst/>
+            </a:pPr>
+            <a:r>
+              <a:rPr kumimoji="0" lang="en-US" altLang="en-US" sz="900" b="0" i="0" u="none" strike="noStrike" cap="none" normalizeH="0" baseline="0" dirty="0">
+                <a:ln>
+                  <a:noFill/>
+                </a:ln>
+                <a:solidFill>
+                  <a:srgbClr val="222222"/>
+                </a:solidFill>
+                <a:effectLst/>
+                <a:latin typeface="Courier New" panose="02070309020205020404" pitchFamily="49" charset="0"/>
+                <a:cs typeface="Courier New" panose="02070309020205020404" pitchFamily="49" charset="0"/>
+              </a:rPr>
+              <a:t>          | |        |  |&lt;-------- (4) --------&gt;|  |        | |</a:t>
+            </a:r>
+            <a:endParaRPr kumimoji="0" lang="en-US" altLang="en-US" sz="500" b="0" i="0" u="none" strike="noStrike" cap="none" normalizeH="0" baseline="0" dirty="0">
+              <a:ln>
+                <a:noFill/>
+              </a:ln>
+              <a:solidFill>
+                <a:schemeClr val="tx1"/>
+              </a:solidFill>
+              <a:effectLst/>
+            </a:endParaRPr>
+          </a:p>
+          <a:p>
+            <a:pPr marL="0" marR="0" lvl="0" indent="0" algn="l" defTabSz="914400" rtl="0" eaLnBrk="0" fontAlgn="base" latinLnBrk="0" hangingPunct="0">
+              <a:lnSpc>
+                <a:spcPct val="100000"/>
+              </a:lnSpc>
+              <a:spcBef>
+                <a:spcPct val="0"/>
+              </a:spcBef>
+              <a:spcAft>
+                <a:spcPct val="0"/>
+              </a:spcAft>
+              <a:buClrTx/>
+              <a:buSzTx/>
+              <a:buFontTx/>
+              <a:buNone/>
+              <a:tabLst/>
+            </a:pPr>
+            <a:r>
+              <a:rPr kumimoji="0" lang="en-US" altLang="en-US" sz="900" b="0" i="0" u="none" strike="noStrike" cap="none" normalizeH="0" baseline="0" dirty="0">
+                <a:ln>
+                  <a:noFill/>
+                </a:ln>
+                <a:solidFill>
+                  <a:srgbClr val="222222"/>
+                </a:solidFill>
+                <a:effectLst/>
+                <a:latin typeface="Courier New" panose="02070309020205020404" pitchFamily="49" charset="0"/>
+                <a:cs typeface="Courier New" panose="02070309020205020404" pitchFamily="49" charset="0"/>
+              </a:rPr>
+              <a:t>          | |        |  |                       |  |        | |</a:t>
+            </a:r>
+            <a:endParaRPr kumimoji="0" lang="en-US" altLang="en-US" sz="500" b="0" i="0" u="none" strike="noStrike" cap="none" normalizeH="0" baseline="0" dirty="0">
+              <a:ln>
+                <a:noFill/>
+              </a:ln>
+              <a:solidFill>
+                <a:schemeClr val="tx1"/>
+              </a:solidFill>
+              <a:effectLst/>
+            </a:endParaRPr>
+          </a:p>
+          <a:p>
+            <a:pPr marL="0" marR="0" lvl="0" indent="0" algn="l" defTabSz="914400" rtl="0" eaLnBrk="0" fontAlgn="base" latinLnBrk="0" hangingPunct="0">
+              <a:lnSpc>
+                <a:spcPct val="100000"/>
+              </a:lnSpc>
+              <a:spcBef>
+                <a:spcPct val="0"/>
+              </a:spcBef>
+              <a:spcAft>
+                <a:spcPct val="0"/>
+              </a:spcAft>
+              <a:buClrTx/>
+              <a:buSzTx/>
+              <a:buFontTx/>
+              <a:buNone/>
+              <a:tabLst/>
+            </a:pPr>
+            <a:r>
+              <a:rPr kumimoji="0" lang="en-US" altLang="en-US" sz="900" b="0" i="0" u="none" strike="noStrike" cap="none" normalizeH="0" baseline="0" dirty="0">
+                <a:ln>
+                  <a:noFill/>
+                </a:ln>
+                <a:solidFill>
+                  <a:srgbClr val="222222"/>
+                </a:solidFill>
+                <a:effectLst/>
+                <a:latin typeface="Courier New" panose="02070309020205020404" pitchFamily="49" charset="0"/>
+                <a:cs typeface="Courier New" panose="02070309020205020404" pitchFamily="49" charset="0"/>
+              </a:rPr>
+              <a:t>          V </a:t>
+            </a:r>
+            <a:r>
+              <a:rPr kumimoji="0" lang="en-US" altLang="en-US" sz="900" b="0" i="0" u="none" strike="noStrike" cap="none" normalizeH="0" baseline="0" dirty="0" err="1">
+                <a:ln>
+                  <a:noFill/>
+                </a:ln>
+                <a:solidFill>
+                  <a:srgbClr val="222222"/>
+                </a:solidFill>
+                <a:effectLst/>
+                <a:latin typeface="Courier New" panose="02070309020205020404" pitchFamily="49" charset="0"/>
+                <a:cs typeface="Courier New" panose="02070309020205020404" pitchFamily="49" charset="0"/>
+              </a:rPr>
+              <a:t>V</a:t>
+            </a:r>
+            <a:r>
+              <a:rPr kumimoji="0" lang="en-US" altLang="en-US" sz="900" b="0" i="0" u="none" strike="noStrike" cap="none" normalizeH="0" baseline="0" dirty="0">
+                <a:ln>
+                  <a:noFill/>
+                </a:ln>
+                <a:solidFill>
+                  <a:srgbClr val="222222"/>
+                </a:solidFill>
+                <a:effectLst/>
+                <a:latin typeface="Courier New" panose="02070309020205020404" pitchFamily="49" charset="0"/>
+                <a:cs typeface="Courier New" panose="02070309020205020404" pitchFamily="49" charset="0"/>
+              </a:rPr>
+              <a:t>   AC   V  </a:t>
+            </a:r>
+            <a:r>
+              <a:rPr kumimoji="0" lang="en-US" altLang="en-US" sz="900" b="0" i="0" u="none" strike="noStrike" cap="none" normalizeH="0" baseline="0" dirty="0" err="1">
+                <a:ln>
+                  <a:noFill/>
+                </a:ln>
+                <a:solidFill>
+                  <a:srgbClr val="222222"/>
+                </a:solidFill>
+                <a:effectLst/>
+                <a:latin typeface="Courier New" panose="02070309020205020404" pitchFamily="49" charset="0"/>
+                <a:cs typeface="Courier New" panose="02070309020205020404" pitchFamily="49" charset="0"/>
+              </a:rPr>
+              <a:t>V</a:t>
+            </a:r>
+            <a:r>
+              <a:rPr kumimoji="0" lang="en-US" altLang="en-US" sz="900" b="0" i="0" u="none" strike="noStrike" cap="none" normalizeH="0" baseline="0" dirty="0">
+                <a:ln>
+                  <a:noFill/>
+                </a:ln>
+                <a:solidFill>
+                  <a:srgbClr val="222222"/>
+                </a:solidFill>
+                <a:effectLst/>
+                <a:latin typeface="Courier New" panose="02070309020205020404" pitchFamily="49" charset="0"/>
+                <a:cs typeface="Courier New" panose="02070309020205020404" pitchFamily="49" charset="0"/>
+              </a:rPr>
+              <a:t>                       </a:t>
+            </a:r>
+            <a:r>
+              <a:rPr kumimoji="0" lang="en-US" altLang="en-US" sz="900" b="0" i="0" u="none" strike="noStrike" cap="none" normalizeH="0" baseline="0" dirty="0" err="1">
+                <a:ln>
+                  <a:noFill/>
+                </a:ln>
+                <a:solidFill>
+                  <a:srgbClr val="222222"/>
+                </a:solidFill>
+                <a:effectLst/>
+                <a:latin typeface="Courier New" panose="02070309020205020404" pitchFamily="49" charset="0"/>
+                <a:cs typeface="Courier New" panose="02070309020205020404" pitchFamily="49" charset="0"/>
+              </a:rPr>
+              <a:t>V</a:t>
+            </a:r>
+            <a:r>
+              <a:rPr kumimoji="0" lang="en-US" altLang="en-US" sz="900" b="0" i="0" u="none" strike="noStrike" cap="none" normalizeH="0" baseline="0" dirty="0">
+                <a:ln>
+                  <a:noFill/>
+                </a:ln>
+                <a:solidFill>
+                  <a:srgbClr val="222222"/>
+                </a:solidFill>
+                <a:effectLst/>
+                <a:latin typeface="Courier New" panose="02070309020205020404" pitchFamily="49" charset="0"/>
+                <a:cs typeface="Courier New" panose="02070309020205020404" pitchFamily="49" charset="0"/>
+              </a:rPr>
+              <a:t>  </a:t>
+            </a:r>
+            <a:r>
+              <a:rPr kumimoji="0" lang="en-US" altLang="en-US" sz="900" b="0" i="0" u="none" strike="noStrike" cap="none" normalizeH="0" baseline="0" dirty="0" err="1">
+                <a:ln>
+                  <a:noFill/>
+                </a:ln>
+                <a:solidFill>
+                  <a:srgbClr val="222222"/>
+                </a:solidFill>
+                <a:effectLst/>
+                <a:latin typeface="Courier New" panose="02070309020205020404" pitchFamily="49" charset="0"/>
+                <a:cs typeface="Courier New" panose="02070309020205020404" pitchFamily="49" charset="0"/>
+              </a:rPr>
+              <a:t>V</a:t>
+            </a:r>
+            <a:r>
+              <a:rPr kumimoji="0" lang="en-US" altLang="en-US" sz="900" b="0" i="0" u="none" strike="noStrike" cap="none" normalizeH="0" baseline="0" dirty="0">
+                <a:ln>
+                  <a:noFill/>
+                </a:ln>
+                <a:solidFill>
+                  <a:srgbClr val="222222"/>
+                </a:solidFill>
+                <a:effectLst/>
+                <a:latin typeface="Courier New" panose="02070309020205020404" pitchFamily="49" charset="0"/>
+                <a:cs typeface="Courier New" panose="02070309020205020404" pitchFamily="49" charset="0"/>
+              </a:rPr>
+              <a:t>   AC   V </a:t>
+            </a:r>
+            <a:r>
+              <a:rPr kumimoji="0" lang="en-US" altLang="en-US" sz="900" b="0" i="0" u="none" strike="noStrike" cap="none" normalizeH="0" baseline="0" dirty="0" err="1">
+                <a:ln>
+                  <a:noFill/>
+                </a:ln>
+                <a:solidFill>
+                  <a:srgbClr val="222222"/>
+                </a:solidFill>
+                <a:effectLst/>
+                <a:latin typeface="Courier New" panose="02070309020205020404" pitchFamily="49" charset="0"/>
+                <a:cs typeface="Courier New" panose="02070309020205020404" pitchFamily="49" charset="0"/>
+              </a:rPr>
+              <a:t>V</a:t>
+            </a:r>
+            <a:endParaRPr kumimoji="0" lang="en-US" altLang="en-US" sz="500" b="0" i="0" u="none" strike="noStrike" cap="none" normalizeH="0" baseline="0" dirty="0">
+              <a:ln>
+                <a:noFill/>
+              </a:ln>
+              <a:solidFill>
+                <a:schemeClr val="tx1"/>
+              </a:solidFill>
+              <a:effectLst/>
+            </a:endParaRPr>
+          </a:p>
+          <a:p>
+            <a:pPr marL="0" marR="0" lvl="0" indent="0" algn="l" defTabSz="914400" rtl="0" eaLnBrk="0" fontAlgn="base" latinLnBrk="0" hangingPunct="0">
+              <a:lnSpc>
+                <a:spcPct val="100000"/>
+              </a:lnSpc>
+              <a:spcBef>
+                <a:spcPct val="0"/>
+              </a:spcBef>
+              <a:spcAft>
+                <a:spcPct val="0"/>
+              </a:spcAft>
+              <a:buClrTx/>
+              <a:buSzTx/>
+              <a:buFontTx/>
+              <a:buNone/>
+              <a:tabLst/>
+            </a:pPr>
+            <a:r>
+              <a:rPr kumimoji="0" lang="en-US" altLang="en-US" sz="900" b="0" i="0" u="none" strike="noStrike" cap="none" normalizeH="0" baseline="0" dirty="0">
+                <a:ln>
+                  <a:noFill/>
+                </a:ln>
+                <a:solidFill>
+                  <a:srgbClr val="222222"/>
+                </a:solidFill>
+                <a:effectLst/>
+                <a:latin typeface="Courier New" panose="02070309020205020404" pitchFamily="49" charset="0"/>
+                <a:cs typeface="Courier New" panose="02070309020205020404" pitchFamily="49" charset="0"/>
+              </a:rPr>
+              <a:t>      +-----+   |    +-----+                 +-----+    |   +-----+</a:t>
+            </a:r>
+            <a:endParaRPr kumimoji="0" lang="en-US" altLang="en-US" sz="500" b="0" i="0" u="none" strike="noStrike" cap="none" normalizeH="0" baseline="0" dirty="0">
+              <a:ln>
+                <a:noFill/>
+              </a:ln>
+              <a:solidFill>
+                <a:schemeClr val="tx1"/>
+              </a:solidFill>
+              <a:effectLst/>
+            </a:endParaRPr>
+          </a:p>
+          <a:p>
+            <a:pPr marL="0" marR="0" lvl="0" indent="0" algn="l" defTabSz="914400" rtl="0" eaLnBrk="0" fontAlgn="base" latinLnBrk="0" hangingPunct="0">
+              <a:lnSpc>
+                <a:spcPct val="100000"/>
+              </a:lnSpc>
+              <a:spcBef>
+                <a:spcPct val="0"/>
+              </a:spcBef>
+              <a:spcAft>
+                <a:spcPct val="0"/>
+              </a:spcAft>
+              <a:buClrTx/>
+              <a:buSzTx/>
+              <a:buFontTx/>
+              <a:buNone/>
+              <a:tabLst/>
+            </a:pPr>
+            <a:r>
+              <a:rPr kumimoji="0" lang="en-US" altLang="en-US" sz="900" b="0" i="0" u="none" strike="noStrike" cap="none" normalizeH="0" baseline="0" dirty="0">
+                <a:ln>
+                  <a:noFill/>
+                </a:ln>
+                <a:solidFill>
+                  <a:srgbClr val="222222"/>
+                </a:solidFill>
+                <a:effectLst/>
+                <a:latin typeface="Courier New" panose="02070309020205020404" pitchFamily="49" charset="0"/>
+                <a:cs typeface="Courier New" panose="02070309020205020404" pitchFamily="49" charset="0"/>
+              </a:rPr>
+              <a:t>      |     |--------|     |                 |     |--------|     |</a:t>
+            </a:r>
+            <a:endParaRPr kumimoji="0" lang="en-US" altLang="en-US" sz="500" b="0" i="0" u="none" strike="noStrike" cap="none" normalizeH="0" baseline="0" dirty="0">
+              <a:ln>
+                <a:noFill/>
+              </a:ln>
+              <a:solidFill>
+                <a:schemeClr val="tx1"/>
+              </a:solidFill>
+              <a:effectLst/>
+            </a:endParaRPr>
+          </a:p>
+          <a:p>
+            <a:pPr marL="0" marR="0" lvl="0" indent="0" algn="l" defTabSz="914400" rtl="0" eaLnBrk="0" fontAlgn="base" latinLnBrk="0" hangingPunct="0">
+              <a:lnSpc>
+                <a:spcPct val="100000"/>
+              </a:lnSpc>
+              <a:spcBef>
+                <a:spcPct val="0"/>
+              </a:spcBef>
+              <a:spcAft>
+                <a:spcPct val="0"/>
+              </a:spcAft>
+              <a:buClrTx/>
+              <a:buSzTx/>
+              <a:buFontTx/>
+              <a:buNone/>
+              <a:tabLst/>
+            </a:pPr>
+            <a:r>
+              <a:rPr kumimoji="0" lang="en-US" altLang="en-US" sz="900" b="0" i="0" u="none" strike="noStrike" cap="none" normalizeH="0" baseline="0" dirty="0">
+                <a:ln>
+                  <a:noFill/>
+                </a:ln>
+                <a:solidFill>
+                  <a:srgbClr val="222222"/>
+                </a:solidFill>
+                <a:effectLst/>
+                <a:latin typeface="Courier New" panose="02070309020205020404" pitchFamily="49" charset="0"/>
+                <a:cs typeface="Courier New" panose="02070309020205020404" pitchFamily="49" charset="0"/>
+              </a:rPr>
+              <a:t>      | CE1 |   |    | PE1 |. . . . . . . . .| PE2 |    |   | CE2 |</a:t>
+            </a:r>
+            <a:endParaRPr kumimoji="0" lang="en-US" altLang="en-US" sz="500" b="0" i="0" u="none" strike="noStrike" cap="none" normalizeH="0" baseline="0" dirty="0">
+              <a:ln>
+                <a:noFill/>
+              </a:ln>
+              <a:solidFill>
+                <a:schemeClr val="tx1"/>
+              </a:solidFill>
+              <a:effectLst/>
+            </a:endParaRPr>
+          </a:p>
+          <a:p>
+            <a:pPr marL="0" marR="0" lvl="0" indent="0" algn="l" defTabSz="914400" rtl="0" eaLnBrk="0" fontAlgn="base" latinLnBrk="0" hangingPunct="0">
+              <a:lnSpc>
+                <a:spcPct val="100000"/>
+              </a:lnSpc>
+              <a:spcBef>
+                <a:spcPct val="0"/>
+              </a:spcBef>
+              <a:spcAft>
+                <a:spcPct val="0"/>
+              </a:spcAft>
+              <a:buClrTx/>
+              <a:buSzTx/>
+              <a:buFontTx/>
+              <a:buNone/>
+              <a:tabLst/>
+            </a:pPr>
+            <a:r>
+              <a:rPr kumimoji="0" lang="en-US" altLang="en-US" sz="900" b="0" i="0" u="none" strike="noStrike" cap="none" normalizeH="0" baseline="0" dirty="0">
+                <a:ln>
+                  <a:noFill/>
+                </a:ln>
+                <a:solidFill>
+                  <a:srgbClr val="222222"/>
+                </a:solidFill>
+                <a:effectLst/>
+                <a:latin typeface="Courier New" panose="02070309020205020404" pitchFamily="49" charset="0"/>
+                <a:cs typeface="Courier New" panose="02070309020205020404" pitchFamily="49" charset="0"/>
+              </a:rPr>
+              <a:t>      |     |--------|     |                 |     |--------|     |</a:t>
+            </a:r>
+            <a:endParaRPr kumimoji="0" lang="en-US" altLang="en-US" sz="500" b="0" i="0" u="none" strike="noStrike" cap="none" normalizeH="0" baseline="0" dirty="0">
+              <a:ln>
+                <a:noFill/>
+              </a:ln>
+              <a:solidFill>
+                <a:schemeClr val="tx1"/>
+              </a:solidFill>
+              <a:effectLst/>
+            </a:endParaRPr>
+          </a:p>
+          <a:p>
+            <a:pPr marL="0" marR="0" lvl="0" indent="0" algn="l" defTabSz="914400" rtl="0" eaLnBrk="0" fontAlgn="base" latinLnBrk="0" hangingPunct="0">
+              <a:lnSpc>
+                <a:spcPct val="100000"/>
+              </a:lnSpc>
+              <a:spcBef>
+                <a:spcPct val="0"/>
+              </a:spcBef>
+              <a:spcAft>
+                <a:spcPct val="0"/>
+              </a:spcAft>
+              <a:buClrTx/>
+              <a:buSzTx/>
+              <a:buFontTx/>
+              <a:buNone/>
+              <a:tabLst/>
+            </a:pPr>
+            <a:r>
+              <a:rPr kumimoji="0" lang="en-US" altLang="en-US" sz="900" b="0" i="0" u="none" strike="noStrike" cap="none" normalizeH="0" baseline="0" dirty="0">
+                <a:ln>
+                  <a:noFill/>
+                </a:ln>
+                <a:solidFill>
+                  <a:srgbClr val="222222"/>
+                </a:solidFill>
+                <a:effectLst/>
+                <a:latin typeface="Courier New" panose="02070309020205020404" pitchFamily="49" charset="0"/>
+                <a:cs typeface="Courier New" panose="02070309020205020404" pitchFamily="49" charset="0"/>
+              </a:rPr>
+              <a:t>      +-----+   |    +-----+                 +-----+    |   +-----+</a:t>
+            </a:r>
+            <a:endParaRPr kumimoji="0" lang="en-US" altLang="en-US" sz="500" b="0" i="0" u="none" strike="noStrike" cap="none" normalizeH="0" baseline="0" dirty="0">
+              <a:ln>
+                <a:noFill/>
+              </a:ln>
+              <a:solidFill>
+                <a:schemeClr val="tx1"/>
+              </a:solidFill>
+              <a:effectLst/>
+            </a:endParaRPr>
+          </a:p>
+          <a:p>
+            <a:pPr marL="0" marR="0" lvl="0" indent="0" algn="l" defTabSz="914400" rtl="0" eaLnBrk="0" fontAlgn="base" latinLnBrk="0" hangingPunct="0">
+              <a:lnSpc>
+                <a:spcPct val="100000"/>
+              </a:lnSpc>
+              <a:spcBef>
+                <a:spcPct val="0"/>
+              </a:spcBef>
+              <a:spcAft>
+                <a:spcPct val="0"/>
+              </a:spcAft>
+              <a:buClrTx/>
+              <a:buSzTx/>
+              <a:buFontTx/>
+              <a:buNone/>
+              <a:tabLst/>
+            </a:pPr>
+            <a:r>
+              <a:rPr kumimoji="0" lang="en-US" altLang="en-US" sz="900" b="0" i="0" u="none" strike="noStrike" cap="none" normalizeH="0" baseline="0" dirty="0">
+                <a:ln>
+                  <a:noFill/>
+                </a:ln>
+                <a:solidFill>
+                  <a:srgbClr val="222222"/>
+                </a:solidFill>
+                <a:effectLst/>
+                <a:latin typeface="Courier New" panose="02070309020205020404" pitchFamily="49" charset="0"/>
+                <a:cs typeface="Courier New" panose="02070309020205020404" pitchFamily="49" charset="0"/>
+              </a:rPr>
+              <a:t>         ^              ^                       ^              ^</a:t>
+            </a:r>
+            <a:endParaRPr kumimoji="0" lang="en-US" altLang="en-US" sz="500" b="0" i="0" u="none" strike="noStrike" cap="none" normalizeH="0" baseline="0" dirty="0">
+              <a:ln>
+                <a:noFill/>
+              </a:ln>
+              <a:solidFill>
+                <a:schemeClr val="tx1"/>
+              </a:solidFill>
+              <a:effectLst/>
+            </a:endParaRPr>
+          </a:p>
+          <a:p>
+            <a:pPr marL="0" marR="0" lvl="0" indent="0" algn="l" defTabSz="914400" rtl="0" eaLnBrk="0" fontAlgn="base" latinLnBrk="0" hangingPunct="0">
+              <a:lnSpc>
+                <a:spcPct val="100000"/>
+              </a:lnSpc>
+              <a:spcBef>
+                <a:spcPct val="0"/>
+              </a:spcBef>
+              <a:spcAft>
+                <a:spcPct val="0"/>
+              </a:spcAft>
+              <a:buClrTx/>
+              <a:buSzTx/>
+              <a:buFontTx/>
+              <a:buNone/>
+              <a:tabLst/>
+            </a:pPr>
+            <a:r>
+              <a:rPr kumimoji="0" lang="en-US" altLang="en-US" sz="900" b="0" i="0" u="none" strike="noStrike" cap="none" normalizeH="0" baseline="0" dirty="0">
+                <a:ln>
+                  <a:noFill/>
+                </a:ln>
+                <a:solidFill>
+                  <a:srgbClr val="222222"/>
+                </a:solidFill>
+                <a:effectLst/>
+                <a:latin typeface="Courier New" panose="02070309020205020404" pitchFamily="49" charset="0"/>
+                <a:cs typeface="Courier New" panose="02070309020205020404" pitchFamily="49" charset="0"/>
+              </a:rPr>
+              <a:t>         |              |                       |              |</a:t>
+            </a:r>
+            <a:endParaRPr kumimoji="0" lang="en-US" altLang="en-US" sz="500" b="0" i="0" u="none" strike="noStrike" cap="none" normalizeH="0" baseline="0" dirty="0">
+              <a:ln>
+                <a:noFill/>
+              </a:ln>
+              <a:solidFill>
+                <a:schemeClr val="tx1"/>
+              </a:solidFill>
+              <a:effectLst/>
+            </a:endParaRPr>
+          </a:p>
+          <a:p>
+            <a:pPr marL="0" marR="0" lvl="0" indent="0" algn="l" defTabSz="914400" rtl="0" eaLnBrk="0" fontAlgn="base" latinLnBrk="0" hangingPunct="0">
+              <a:lnSpc>
+                <a:spcPct val="100000"/>
+              </a:lnSpc>
+              <a:spcBef>
+                <a:spcPct val="0"/>
+              </a:spcBef>
+              <a:spcAft>
+                <a:spcPct val="0"/>
+              </a:spcAft>
+              <a:buClrTx/>
+              <a:buSzTx/>
+              <a:buFontTx/>
+              <a:buNone/>
+              <a:tabLst/>
+            </a:pPr>
+            <a:r>
+              <a:rPr kumimoji="0" lang="en-US" altLang="en-US" sz="900" b="0" i="0" u="none" strike="noStrike" cap="none" normalizeH="0" baseline="0" dirty="0">
+                <a:ln>
+                  <a:noFill/>
+                </a:ln>
+                <a:solidFill>
+                  <a:srgbClr val="222222"/>
+                </a:solidFill>
+                <a:effectLst/>
+                <a:latin typeface="Courier New" panose="02070309020205020404" pitchFamily="49" charset="0"/>
+                <a:cs typeface="Courier New" panose="02070309020205020404" pitchFamily="49" charset="0"/>
+              </a:rPr>
+              <a:t>         |              |                       |              |</a:t>
+            </a:r>
+            <a:endParaRPr kumimoji="0" lang="en-US" altLang="en-US" sz="500" b="0" i="0" u="none" strike="noStrike" cap="none" normalizeH="0" baseline="0" dirty="0">
+              <a:ln>
+                <a:noFill/>
+              </a:ln>
+              <a:solidFill>
+                <a:schemeClr val="tx1"/>
+              </a:solidFill>
+              <a:effectLst/>
+            </a:endParaRPr>
+          </a:p>
+          <a:p>
+            <a:pPr marL="0" marR="0" lvl="0" indent="0" algn="l" defTabSz="914400" rtl="0" eaLnBrk="0" fontAlgn="base" latinLnBrk="0" hangingPunct="0">
+              <a:lnSpc>
+                <a:spcPct val="100000"/>
+              </a:lnSpc>
+              <a:spcBef>
+                <a:spcPct val="0"/>
+              </a:spcBef>
+              <a:spcAft>
+                <a:spcPct val="0"/>
+              </a:spcAft>
+              <a:buClrTx/>
+              <a:buSzTx/>
+              <a:buFontTx/>
+              <a:buNone/>
+              <a:tabLst/>
+            </a:pPr>
+            <a:r>
+              <a:rPr kumimoji="0" lang="en-US" altLang="en-US" sz="900" b="0" i="0" u="none" strike="noStrike" cap="none" normalizeH="0" baseline="0" dirty="0">
+                <a:ln>
+                  <a:noFill/>
+                </a:ln>
+                <a:solidFill>
+                  <a:srgbClr val="222222"/>
+                </a:solidFill>
+                <a:effectLst/>
+                <a:latin typeface="Courier New" panose="02070309020205020404" pitchFamily="49" charset="0"/>
+                <a:cs typeface="Courier New" panose="02070309020205020404" pitchFamily="49" charset="0"/>
+              </a:rPr>
+              <a:t>      Customer       Provider                </a:t>
+            </a:r>
+            <a:r>
+              <a:rPr kumimoji="0" lang="en-US" altLang="en-US" sz="900" b="0" i="0" u="none" strike="noStrike" cap="none" normalizeH="0" baseline="0" dirty="0" err="1">
+                <a:ln>
+                  <a:noFill/>
+                </a:ln>
+                <a:solidFill>
+                  <a:srgbClr val="222222"/>
+                </a:solidFill>
+                <a:effectLst/>
+                <a:latin typeface="Courier New" panose="02070309020205020404" pitchFamily="49" charset="0"/>
+                <a:cs typeface="Courier New" panose="02070309020205020404" pitchFamily="49" charset="0"/>
+              </a:rPr>
+              <a:t>Provider</a:t>
+            </a:r>
+            <a:r>
+              <a:rPr kumimoji="0" lang="en-US" altLang="en-US" sz="900" b="0" i="0" u="none" strike="noStrike" cap="none" normalizeH="0" baseline="0" dirty="0">
+                <a:ln>
+                  <a:noFill/>
+                </a:ln>
+                <a:solidFill>
+                  <a:srgbClr val="222222"/>
+                </a:solidFill>
+                <a:effectLst/>
+                <a:latin typeface="Courier New" panose="02070309020205020404" pitchFamily="49" charset="0"/>
+                <a:cs typeface="Courier New" panose="02070309020205020404" pitchFamily="49" charset="0"/>
+              </a:rPr>
+              <a:t>       Customer</a:t>
+            </a:r>
+            <a:endParaRPr kumimoji="0" lang="en-US" altLang="en-US" sz="500" b="0" i="0" u="none" strike="noStrike" cap="none" normalizeH="0" baseline="0" dirty="0">
+              <a:ln>
+                <a:noFill/>
+              </a:ln>
+              <a:solidFill>
+                <a:schemeClr val="tx1"/>
+              </a:solidFill>
+              <a:effectLst/>
+            </a:endParaRPr>
+          </a:p>
+          <a:p>
+            <a:pPr marL="0" marR="0" lvl="0" indent="0" algn="l" defTabSz="914400" rtl="0" eaLnBrk="0" fontAlgn="base" latinLnBrk="0" hangingPunct="0">
+              <a:lnSpc>
+                <a:spcPct val="100000"/>
+              </a:lnSpc>
+              <a:spcBef>
+                <a:spcPct val="0"/>
+              </a:spcBef>
+              <a:spcAft>
+                <a:spcPct val="0"/>
+              </a:spcAft>
+              <a:buClrTx/>
+              <a:buSzTx/>
+              <a:buFontTx/>
+              <a:buNone/>
+              <a:tabLst/>
+            </a:pPr>
+            <a:r>
+              <a:rPr kumimoji="0" lang="en-US" altLang="en-US" sz="900" b="0" i="0" u="none" strike="noStrike" cap="none" normalizeH="0" baseline="0" dirty="0">
+                <a:ln>
+                  <a:noFill/>
+                </a:ln>
+                <a:solidFill>
+                  <a:srgbClr val="222222"/>
+                </a:solidFill>
+                <a:effectLst/>
+                <a:latin typeface="Courier New" panose="02070309020205020404" pitchFamily="49" charset="0"/>
+                <a:cs typeface="Courier New" panose="02070309020205020404" pitchFamily="49" charset="0"/>
+              </a:rPr>
+              <a:t>      Edge 1         Edge 1                  Edge 2         Edge 2</a:t>
+            </a:r>
+            <a:endParaRPr kumimoji="0" lang="en-US" altLang="en-US" sz="500" b="0" i="0" u="none" strike="noStrike" cap="none" normalizeH="0" baseline="0" dirty="0">
+              <a:ln>
+                <a:noFill/>
+              </a:ln>
+              <a:solidFill>
+                <a:schemeClr val="tx1"/>
+              </a:solidFill>
+              <a:effectLst/>
+            </a:endParaRPr>
+          </a:p>
+          <a:p>
+            <a:pPr marL="0" marR="0" lvl="0" indent="0" algn="l" defTabSz="914400" rtl="0" eaLnBrk="0" fontAlgn="base" latinLnBrk="0" hangingPunct="0">
+              <a:lnSpc>
+                <a:spcPct val="100000"/>
+              </a:lnSpc>
+              <a:spcBef>
+                <a:spcPct val="0"/>
+              </a:spcBef>
+              <a:spcAft>
+                <a:spcPct val="0"/>
+              </a:spcAft>
+              <a:buClrTx/>
+              <a:buSzTx/>
+              <a:buFontTx/>
+              <a:buNone/>
+              <a:tabLst/>
+            </a:pPr>
+            <a:r>
+              <a:rPr kumimoji="0" lang="en-US" altLang="en-US" sz="900" b="0" i="0" u="none" strike="noStrike" cap="none" normalizeH="0" baseline="0" dirty="0">
+                <a:ln>
+                  <a:noFill/>
+                </a:ln>
+                <a:solidFill>
+                  <a:srgbClr val="222222"/>
+                </a:solidFill>
+                <a:effectLst/>
+                <a:latin typeface="Courier New" panose="02070309020205020404" pitchFamily="49" charset="0"/>
+                <a:cs typeface="Courier New" panose="02070309020205020404" pitchFamily="49" charset="0"/>
+              </a:rPr>
+              <a:t> </a:t>
+            </a:r>
+            <a:endParaRPr kumimoji="0" lang="en-US" altLang="en-US" sz="500" b="0" i="0" u="none" strike="noStrike" cap="none" normalizeH="0" baseline="0" dirty="0">
+              <a:ln>
+                <a:noFill/>
+              </a:ln>
+              <a:solidFill>
+                <a:schemeClr val="tx1"/>
+              </a:solidFill>
+              <a:effectLst/>
+            </a:endParaRPr>
+          </a:p>
+          <a:p>
+            <a:pPr marL="0" marR="0" lvl="0" indent="0" algn="l" defTabSz="914400" rtl="0" eaLnBrk="0" fontAlgn="base" latinLnBrk="0" hangingPunct="0">
+              <a:lnSpc>
+                <a:spcPct val="100000"/>
+              </a:lnSpc>
+              <a:spcBef>
+                <a:spcPct val="0"/>
+              </a:spcBef>
+              <a:spcAft>
+                <a:spcPct val="0"/>
+              </a:spcAft>
+              <a:buClrTx/>
+              <a:buSzTx/>
+              <a:buFontTx/>
+              <a:buNone/>
+              <a:tabLst/>
+            </a:pPr>
+            <a:r>
+              <a:rPr kumimoji="0" lang="en-US" altLang="en-US" sz="900" b="0" i="0" u="none" strike="noStrike" cap="none" normalizeH="0" baseline="0" dirty="0">
+                <a:ln>
+                  <a:noFill/>
+                </a:ln>
+                <a:solidFill>
+                  <a:srgbClr val="222222"/>
+                </a:solidFill>
+                <a:effectLst/>
+                <a:latin typeface="Courier New" panose="02070309020205020404" pitchFamily="49" charset="0"/>
+                <a:cs typeface="Courier New" panose="02070309020205020404" pitchFamily="49" charset="0"/>
+              </a:rPr>
+              <a:t>          Figure 1 : Positioning IETF Network Slice Endpoints</a:t>
+            </a:r>
+            <a:endParaRPr kumimoji="0" lang="en-US" altLang="en-US" sz="1600" b="0" i="0" u="none" strike="noStrike" cap="none" normalizeH="0" baseline="0" dirty="0">
+              <a:ln>
+                <a:noFill/>
+              </a:ln>
+              <a:solidFill>
+                <a:schemeClr val="tx1"/>
+              </a:solidFill>
+              <a:effectLst/>
+              <a:latin typeface="Arial" panose="020B0604020202020204" pitchFamily="34" charset="0"/>
+            </a:endParaRPr>
+          </a:p>
+        </p:txBody>
+      </p:sp>
+      <p:sp>
+        <p:nvSpPr>
+          <p:cNvPr id="6" name="TextBox 5">
+            <a:extLst>
+              <a:ext uri="{FF2B5EF4-FFF2-40B4-BE49-F238E27FC236}">
+                <a16:creationId xmlns:a16="http://schemas.microsoft.com/office/drawing/2014/main" id="{18CDE1AB-0E15-496D-9AA1-37B6139880C3}"/>
+              </a:ext>
+            </a:extLst>
+          </p:cNvPr>
+          <p:cNvSpPr txBox="1"/>
+          <p:nvPr/>
+        </p:nvSpPr>
+        <p:spPr>
+          <a:xfrm>
+            <a:off x="-228600" y="1562101"/>
+            <a:ext cx="5638800" cy="3277820"/>
+          </a:xfrm>
+          <a:prstGeom prst="rect">
+            <a:avLst/>
+          </a:prstGeom>
+          <a:noFill/>
+        </p:spPr>
+        <p:txBody>
+          <a:bodyPr wrap="square">
+            <a:spAutoFit/>
+          </a:bodyPr>
+          <a:lstStyle/>
+          <a:p>
+            <a:pPr algn="l"/>
+            <a:r>
+              <a:rPr lang="en-US" sz="900" b="0" i="0" dirty="0">
+                <a:solidFill>
+                  <a:srgbClr val="222222"/>
+                </a:solidFill>
+                <a:effectLst/>
+                <a:latin typeface="Courier New" panose="02070309020205020404" pitchFamily="49" charset="0"/>
+              </a:rPr>
+              <a:t>   (1) If the CE is operated by the IETF Network Slice service provider,</a:t>
+            </a:r>
+            <a:endParaRPr lang="en-US" sz="1050" b="0" i="0" dirty="0">
+              <a:solidFill>
+                <a:srgbClr val="222222"/>
+              </a:solidFill>
+              <a:effectLst/>
+              <a:latin typeface="Calibri" panose="020F0502020204030204" pitchFamily="34" charset="0"/>
+            </a:endParaRPr>
+          </a:p>
+          <a:p>
+            <a:pPr algn="l"/>
+            <a:r>
+              <a:rPr lang="en-US" sz="900" b="0" i="0" dirty="0">
+                <a:solidFill>
+                  <a:srgbClr val="222222"/>
+                </a:solidFill>
+                <a:effectLst/>
+                <a:latin typeface="Courier New" panose="02070309020205020404" pitchFamily="49" charset="0"/>
+              </a:rPr>
+              <a:t>       then the edge of the IETF Network Slice may be within the CE.  In</a:t>
+            </a:r>
+            <a:endParaRPr lang="en-US" sz="1050" b="0" i="0" dirty="0">
+              <a:solidFill>
+                <a:srgbClr val="222222"/>
+              </a:solidFill>
+              <a:effectLst/>
+              <a:latin typeface="Calibri" panose="020F0502020204030204" pitchFamily="34" charset="0"/>
+            </a:endParaRPr>
+          </a:p>
+          <a:p>
+            <a:pPr algn="l"/>
+            <a:r>
+              <a:rPr lang="en-US" sz="900" b="0" i="0" dirty="0">
+                <a:solidFill>
+                  <a:srgbClr val="222222"/>
+                </a:solidFill>
+                <a:effectLst/>
+                <a:latin typeface="Courier New" panose="02070309020205020404" pitchFamily="49" charset="0"/>
+              </a:rPr>
+              <a:t>       this case the slicing process may utilize resources from within</a:t>
+            </a:r>
+            <a:endParaRPr lang="en-US" sz="1050" b="0" i="0" dirty="0">
+              <a:solidFill>
+                <a:srgbClr val="222222"/>
+              </a:solidFill>
+              <a:effectLst/>
+              <a:latin typeface="Calibri" panose="020F0502020204030204" pitchFamily="34" charset="0"/>
+            </a:endParaRPr>
+          </a:p>
+          <a:p>
+            <a:pPr algn="l"/>
+            <a:r>
+              <a:rPr lang="en-US" sz="900" b="0" i="0" dirty="0">
+                <a:solidFill>
+                  <a:srgbClr val="222222"/>
+                </a:solidFill>
+                <a:effectLst/>
+                <a:latin typeface="Courier New" panose="02070309020205020404" pitchFamily="49" charset="0"/>
+              </a:rPr>
+              <a:t>       the CE such as buffers and queues on the outgoing interfaces.</a:t>
+            </a:r>
+            <a:endParaRPr lang="en-US" sz="1050" b="0" i="0" dirty="0">
+              <a:solidFill>
+                <a:srgbClr val="222222"/>
+              </a:solidFill>
+              <a:effectLst/>
+              <a:latin typeface="Calibri" panose="020F0502020204030204" pitchFamily="34" charset="0"/>
+            </a:endParaRPr>
+          </a:p>
+          <a:p>
+            <a:pPr algn="l"/>
+            <a:r>
+              <a:rPr lang="en-US" sz="900" b="0" i="0" dirty="0">
+                <a:solidFill>
+                  <a:srgbClr val="222222"/>
+                </a:solidFill>
+                <a:effectLst/>
+                <a:latin typeface="Courier New" panose="02070309020205020404" pitchFamily="49" charset="0"/>
+              </a:rPr>
+              <a:t> </a:t>
+            </a:r>
+            <a:endParaRPr lang="en-US" sz="1050" b="0" i="0" dirty="0">
+              <a:solidFill>
+                <a:srgbClr val="222222"/>
+              </a:solidFill>
+              <a:effectLst/>
+              <a:latin typeface="Calibri" panose="020F0502020204030204" pitchFamily="34" charset="0"/>
+            </a:endParaRPr>
+          </a:p>
+          <a:p>
+            <a:pPr algn="l"/>
+            <a:r>
+              <a:rPr lang="en-US" sz="900" b="0" i="0" dirty="0">
+                <a:solidFill>
+                  <a:srgbClr val="222222"/>
+                </a:solidFill>
+                <a:effectLst/>
+                <a:latin typeface="Courier New" panose="02070309020205020404" pitchFamily="49" charset="0"/>
+              </a:rPr>
+              <a:t>   (2) The IETF Network Slice may be extended as far as the CE, to</a:t>
+            </a:r>
+            <a:endParaRPr lang="en-US" sz="1050" b="0" i="0" dirty="0">
+              <a:solidFill>
+                <a:srgbClr val="222222"/>
+              </a:solidFill>
+              <a:effectLst/>
+              <a:latin typeface="Calibri" panose="020F0502020204030204" pitchFamily="34" charset="0"/>
+            </a:endParaRPr>
+          </a:p>
+          <a:p>
+            <a:pPr algn="l"/>
+            <a:r>
+              <a:rPr lang="en-US" sz="900" b="0" i="0" dirty="0">
+                <a:solidFill>
+                  <a:srgbClr val="222222"/>
+                </a:solidFill>
+                <a:effectLst/>
+                <a:latin typeface="Courier New" panose="02070309020205020404" pitchFamily="49" charset="0"/>
+              </a:rPr>
+              <a:t>       include the AC, but not to include any part of the CE.  In this</a:t>
+            </a:r>
+            <a:endParaRPr lang="en-US" sz="1050" b="0" i="0" dirty="0">
+              <a:solidFill>
+                <a:srgbClr val="222222"/>
+              </a:solidFill>
+              <a:effectLst/>
+              <a:latin typeface="Calibri" panose="020F0502020204030204" pitchFamily="34" charset="0"/>
+            </a:endParaRPr>
+          </a:p>
+          <a:p>
+            <a:pPr algn="l"/>
+            <a:r>
+              <a:rPr lang="en-US" sz="900" b="0" i="0" dirty="0">
+                <a:solidFill>
+                  <a:srgbClr val="222222"/>
+                </a:solidFill>
+                <a:effectLst/>
+                <a:latin typeface="Courier New" panose="02070309020205020404" pitchFamily="49" charset="0"/>
+              </a:rPr>
+              <a:t>       case, the CE may be operated by the customer or the provider.</a:t>
+            </a:r>
+            <a:endParaRPr lang="en-US" sz="1050" b="0" i="0" dirty="0">
+              <a:solidFill>
+                <a:srgbClr val="222222"/>
+              </a:solidFill>
+              <a:effectLst/>
+              <a:latin typeface="Calibri" panose="020F0502020204030204" pitchFamily="34" charset="0"/>
+            </a:endParaRPr>
+          </a:p>
+          <a:p>
+            <a:pPr algn="l"/>
+            <a:r>
+              <a:rPr lang="en-US" sz="900" b="0" i="0" dirty="0">
+                <a:solidFill>
+                  <a:srgbClr val="222222"/>
+                </a:solidFill>
+                <a:effectLst/>
+                <a:latin typeface="Courier New" panose="02070309020205020404" pitchFamily="49" charset="0"/>
+              </a:rPr>
+              <a:t>       Slicing the resources on the AC may require the use of traffic</a:t>
+            </a:r>
+            <a:endParaRPr lang="en-US" sz="1050" b="0" i="0" dirty="0">
+              <a:solidFill>
+                <a:srgbClr val="222222"/>
+              </a:solidFill>
+              <a:effectLst/>
+              <a:latin typeface="Calibri" panose="020F0502020204030204" pitchFamily="34" charset="0"/>
+            </a:endParaRPr>
+          </a:p>
+          <a:p>
+            <a:pPr algn="l"/>
+            <a:r>
+              <a:rPr lang="en-US" sz="900" b="0" i="0" dirty="0">
+                <a:solidFill>
+                  <a:srgbClr val="222222"/>
+                </a:solidFill>
+                <a:effectLst/>
+                <a:latin typeface="Courier New" panose="02070309020205020404" pitchFamily="49" charset="0"/>
+              </a:rPr>
+              <a:t>       tagging (such as through Ethernet VLAN tags) or may require</a:t>
+            </a:r>
+            <a:endParaRPr lang="en-US" sz="1050" b="0" i="0" dirty="0">
+              <a:solidFill>
+                <a:srgbClr val="222222"/>
+              </a:solidFill>
+              <a:effectLst/>
+              <a:latin typeface="Calibri" panose="020F0502020204030204" pitchFamily="34" charset="0"/>
+            </a:endParaRPr>
+          </a:p>
+          <a:p>
+            <a:pPr algn="l"/>
+            <a:r>
+              <a:rPr lang="en-US" sz="900" b="0" i="0" dirty="0">
+                <a:solidFill>
+                  <a:srgbClr val="222222"/>
+                </a:solidFill>
+                <a:effectLst/>
+                <a:latin typeface="Courier New" panose="02070309020205020404" pitchFamily="49" charset="0"/>
+              </a:rPr>
+              <a:t>       traffic policing at the AC link ends.</a:t>
+            </a:r>
+            <a:endParaRPr lang="en-US" sz="1050" b="0" i="0" dirty="0">
+              <a:solidFill>
+                <a:srgbClr val="222222"/>
+              </a:solidFill>
+              <a:effectLst/>
+              <a:latin typeface="Calibri" panose="020F0502020204030204" pitchFamily="34" charset="0"/>
+            </a:endParaRPr>
+          </a:p>
+          <a:p>
+            <a:pPr algn="l"/>
+            <a:r>
+              <a:rPr lang="en-US" sz="900" b="0" i="0" dirty="0">
+                <a:solidFill>
+                  <a:srgbClr val="222222"/>
+                </a:solidFill>
+                <a:effectLst/>
+                <a:latin typeface="Courier New" panose="02070309020205020404" pitchFamily="49" charset="0"/>
+              </a:rPr>
+              <a:t> </a:t>
+            </a:r>
+            <a:endParaRPr lang="en-US" sz="1050" b="0" i="0" dirty="0">
+              <a:solidFill>
+                <a:srgbClr val="222222"/>
+              </a:solidFill>
+              <a:effectLst/>
+              <a:latin typeface="Calibri" panose="020F0502020204030204" pitchFamily="34" charset="0"/>
+            </a:endParaRPr>
+          </a:p>
+          <a:p>
+            <a:pPr algn="l"/>
+            <a:r>
+              <a:rPr lang="en-US" sz="900" b="0" i="0" dirty="0">
+                <a:solidFill>
+                  <a:srgbClr val="222222"/>
+                </a:solidFill>
+                <a:effectLst/>
+                <a:latin typeface="Courier New" panose="02070309020205020404" pitchFamily="49" charset="0"/>
+              </a:rPr>
+              <a:t>   (3) In another model, the endpoints of the IETF Network Slice are the</a:t>
+            </a:r>
+            <a:endParaRPr lang="en-US" sz="1050" b="0" i="0" dirty="0">
+              <a:solidFill>
+                <a:srgbClr val="222222"/>
+              </a:solidFill>
+              <a:effectLst/>
+              <a:latin typeface="Calibri" panose="020F0502020204030204" pitchFamily="34" charset="0"/>
+            </a:endParaRPr>
+          </a:p>
+          <a:p>
+            <a:pPr algn="l"/>
+            <a:r>
+              <a:rPr lang="en-US" sz="900" b="0" i="0" dirty="0">
+                <a:solidFill>
+                  <a:srgbClr val="222222"/>
+                </a:solidFill>
+                <a:effectLst/>
+                <a:latin typeface="Courier New" panose="02070309020205020404" pitchFamily="49" charset="0"/>
+              </a:rPr>
+              <a:t>       customer-facing ports on the PEs.  This case can be managed in a</a:t>
+            </a:r>
+            <a:endParaRPr lang="en-US" sz="1050" b="0" i="0" dirty="0">
+              <a:solidFill>
+                <a:srgbClr val="222222"/>
+              </a:solidFill>
+              <a:effectLst/>
+              <a:latin typeface="Calibri" panose="020F0502020204030204" pitchFamily="34" charset="0"/>
+            </a:endParaRPr>
+          </a:p>
+          <a:p>
+            <a:pPr algn="l"/>
+            <a:r>
+              <a:rPr lang="en-US" sz="900" b="0" i="0" dirty="0">
+                <a:solidFill>
+                  <a:srgbClr val="222222"/>
+                </a:solidFill>
+                <a:effectLst/>
+                <a:latin typeface="Courier New" panose="02070309020205020404" pitchFamily="49" charset="0"/>
+              </a:rPr>
+              <a:t>       way that is similar to a port-based VPN: each port (AC) or</a:t>
+            </a:r>
+            <a:endParaRPr lang="en-US" sz="1050" b="0" i="0" dirty="0">
+              <a:solidFill>
+                <a:srgbClr val="222222"/>
+              </a:solidFill>
+              <a:effectLst/>
+              <a:latin typeface="Calibri" panose="020F0502020204030204" pitchFamily="34" charset="0"/>
+            </a:endParaRPr>
+          </a:p>
+          <a:p>
+            <a:pPr algn="l"/>
+            <a:r>
+              <a:rPr lang="en-US" sz="900" b="0" i="0" dirty="0">
+                <a:solidFill>
+                  <a:srgbClr val="222222"/>
+                </a:solidFill>
+                <a:effectLst/>
+                <a:latin typeface="Courier New" panose="02070309020205020404" pitchFamily="49" charset="0"/>
+              </a:rPr>
+              <a:t>       virtual port (e.g., VLAN tag) identifies the IETF Network Slice</a:t>
+            </a:r>
+            <a:endParaRPr lang="en-US" sz="1050" b="0" i="0" dirty="0">
+              <a:solidFill>
+                <a:srgbClr val="222222"/>
+              </a:solidFill>
+              <a:effectLst/>
+              <a:latin typeface="Calibri" panose="020F0502020204030204" pitchFamily="34" charset="0"/>
+            </a:endParaRPr>
+          </a:p>
+          <a:p>
+            <a:pPr algn="l"/>
+            <a:r>
+              <a:rPr lang="en-US" sz="900" b="0" i="0" dirty="0">
+                <a:solidFill>
+                  <a:srgbClr val="222222"/>
+                </a:solidFill>
+                <a:effectLst/>
+                <a:latin typeface="Courier New" panose="02070309020205020404" pitchFamily="49" charset="0"/>
+              </a:rPr>
+              <a:t>       and maps to an IETF Network Slice endpoint.</a:t>
+            </a:r>
+            <a:endParaRPr lang="en-US" sz="1050" b="0" i="0" dirty="0">
+              <a:solidFill>
+                <a:srgbClr val="222222"/>
+              </a:solidFill>
+              <a:effectLst/>
+              <a:latin typeface="Calibri" panose="020F0502020204030204" pitchFamily="34" charset="0"/>
+            </a:endParaRPr>
+          </a:p>
+          <a:p>
+            <a:pPr algn="l"/>
+            <a:r>
+              <a:rPr lang="en-US" sz="900" b="0" i="0" dirty="0">
+                <a:solidFill>
+                  <a:srgbClr val="222222"/>
+                </a:solidFill>
+                <a:effectLst/>
+                <a:latin typeface="Courier New" panose="02070309020205020404" pitchFamily="49" charset="0"/>
+              </a:rPr>
+              <a:t>      </a:t>
+            </a:r>
+            <a:endParaRPr lang="en-US" sz="1050" b="0" i="0" dirty="0">
+              <a:solidFill>
+                <a:srgbClr val="222222"/>
+              </a:solidFill>
+              <a:effectLst/>
+              <a:latin typeface="Calibri" panose="020F0502020204030204" pitchFamily="34" charset="0"/>
+            </a:endParaRPr>
+          </a:p>
+          <a:p>
+            <a:pPr algn="l"/>
+            <a:r>
+              <a:rPr lang="en-US" sz="900" b="0" i="0" dirty="0">
+                <a:solidFill>
+                  <a:srgbClr val="222222"/>
+                </a:solidFill>
+                <a:effectLst/>
+                <a:latin typeface="Courier New" panose="02070309020205020404" pitchFamily="49" charset="0"/>
+              </a:rPr>
+              <a:t>   (4) Finally, the endpoint of the IETF Network Slice may be within the</a:t>
+            </a:r>
+            <a:endParaRPr lang="en-US" sz="1050" b="0" i="0" dirty="0">
+              <a:solidFill>
+                <a:srgbClr val="222222"/>
+              </a:solidFill>
+              <a:effectLst/>
+              <a:latin typeface="Calibri" panose="020F0502020204030204" pitchFamily="34" charset="0"/>
+            </a:endParaRPr>
+          </a:p>
+          <a:p>
+            <a:pPr algn="l"/>
+            <a:r>
+              <a:rPr lang="en-US" sz="900" b="0" i="0" dirty="0">
+                <a:solidFill>
+                  <a:srgbClr val="222222"/>
+                </a:solidFill>
+                <a:effectLst/>
+                <a:latin typeface="Courier New" panose="02070309020205020404" pitchFamily="49" charset="0"/>
+              </a:rPr>
+              <a:t>       PE.  In this mode, the PE classifies the traffic coming from the</a:t>
+            </a:r>
+            <a:endParaRPr lang="en-US" sz="1050" b="0" i="0" dirty="0">
+              <a:solidFill>
+                <a:srgbClr val="222222"/>
+              </a:solidFill>
+              <a:effectLst/>
+              <a:latin typeface="Calibri" panose="020F0502020204030204" pitchFamily="34" charset="0"/>
+            </a:endParaRPr>
+          </a:p>
+          <a:p>
+            <a:pPr algn="l"/>
+            <a:r>
+              <a:rPr lang="en-US" sz="900" b="0" i="0" dirty="0">
+                <a:solidFill>
+                  <a:srgbClr val="222222"/>
+                </a:solidFill>
+                <a:effectLst/>
+                <a:latin typeface="Courier New" panose="02070309020205020404" pitchFamily="49" charset="0"/>
+              </a:rPr>
+              <a:t>       AC according to information (such as the source and destination</a:t>
+            </a:r>
+            <a:endParaRPr lang="en-US" sz="1050" b="0" i="0" dirty="0">
+              <a:solidFill>
+                <a:srgbClr val="222222"/>
+              </a:solidFill>
+              <a:effectLst/>
+              <a:latin typeface="Calibri" panose="020F0502020204030204" pitchFamily="34" charset="0"/>
+            </a:endParaRPr>
+          </a:p>
+          <a:p>
+            <a:pPr algn="l"/>
+            <a:r>
+              <a:rPr lang="en-US" sz="900" b="0" i="0" dirty="0">
+                <a:solidFill>
+                  <a:srgbClr val="222222"/>
+                </a:solidFill>
+                <a:effectLst/>
+                <a:latin typeface="Courier New" panose="02070309020205020404" pitchFamily="49" charset="0"/>
+              </a:rPr>
+              <a:t>       IP addresses, payload protocol and port numbers, etc.) in order</a:t>
+            </a:r>
+            <a:endParaRPr lang="en-US" sz="1050" b="0" i="0" dirty="0">
+              <a:solidFill>
+                <a:srgbClr val="222222"/>
+              </a:solidFill>
+              <a:effectLst/>
+              <a:latin typeface="Calibri" panose="020F0502020204030204" pitchFamily="34" charset="0"/>
+            </a:endParaRPr>
+          </a:p>
+          <a:p>
+            <a:pPr algn="l"/>
+            <a:r>
+              <a:rPr lang="en-US" sz="900" b="0" i="0" dirty="0">
+                <a:solidFill>
+                  <a:srgbClr val="222222"/>
+                </a:solidFill>
+                <a:effectLst/>
+                <a:latin typeface="Courier New" panose="02070309020205020404" pitchFamily="49" charset="0"/>
+              </a:rPr>
+              <a:t>       to place it onto an IETF Network Slice.</a:t>
+            </a:r>
+            <a:endParaRPr lang="en-US" sz="1050" b="0" i="0" dirty="0">
+              <a:solidFill>
+                <a:srgbClr val="222222"/>
+              </a:solidFill>
+              <a:effectLst/>
+              <a:latin typeface="Calibri" panose="020F0502020204030204" pitchFamily="34" charset="0"/>
+            </a:endParaRPr>
+          </a:p>
+        </p:txBody>
+      </p:sp>
+    </p:spTree>
+    <p:extLst>
+      <p:ext uri="{BB962C8B-B14F-4D97-AF65-F5344CB8AC3E}">
+        <p14:creationId xmlns:p14="http://schemas.microsoft.com/office/powerpoint/2010/main" val="3832643232"/>
+      </p:ext>
+    </p:extLst>
+  </p:cSld>
+  <p:clrMapOvr>
+    <a:masterClrMapping/>
+  </p:clrMapOvr>
+</p:sld>
+</file>
+
+<file path=ppt/slides/slide22.xml><?xml version="1.0" encoding="utf-8"?>
+<p:sld xmlns:a="http://schemas.openxmlformats.org/drawingml/2006/main" xmlns:r="http://schemas.openxmlformats.org/officeDocument/2006/relationships" xmlns:p="http://schemas.openxmlformats.org/presentationml/2006/main">
+  <p:cSld>
+    <p:spTree>
+      <p:nvGrpSpPr>
+        <p:cNvPr id="1" name=""/>
+        <p:cNvGrpSpPr/>
+        <p:nvPr/>
+      </p:nvGrpSpPr>
+      <p:grpSpPr>
+        <a:xfrm>
+          <a:off x="0" y="0"/>
+          <a:ext cx="0" cy="0"/>
+          <a:chOff x="0" y="0"/>
+          <a:chExt cx="0" cy="0"/>
+        </a:xfrm>
+      </p:grpSpPr>
+      <p:sp>
+        <p:nvSpPr>
+          <p:cNvPr id="2" name="Title 1">
+            <a:extLst>
+              <a:ext uri="{FF2B5EF4-FFF2-40B4-BE49-F238E27FC236}">
+                <a16:creationId xmlns:a16="http://schemas.microsoft.com/office/drawing/2014/main" id="{EB3E31FD-1C2F-48A6-AB51-148D4276F8C0}"/>
+              </a:ext>
+            </a:extLst>
+          </p:cNvPr>
+          <p:cNvSpPr>
+            <a:spLocks noGrp="1"/>
+          </p:cNvSpPr>
+          <p:nvPr>
+            <p:ph type="title"/>
+          </p:nvPr>
+        </p:nvSpPr>
+        <p:spPr/>
+        <p:txBody>
+          <a:bodyPr>
+            <a:noAutofit/>
+          </a:bodyPr>
+          <a:lstStyle/>
+          <a:p>
+            <a:r>
+              <a:rPr lang="en-US" sz="3200" dirty="0"/>
+              <a:t>TEAS Interim Meeting on Network Slicing</a:t>
+            </a:r>
+          </a:p>
+        </p:txBody>
+      </p:sp>
+      <p:sp>
+        <p:nvSpPr>
+          <p:cNvPr id="4" name="Content Placeholder 3">
+            <a:extLst>
+              <a:ext uri="{FF2B5EF4-FFF2-40B4-BE49-F238E27FC236}">
+                <a16:creationId xmlns:a16="http://schemas.microsoft.com/office/drawing/2014/main" id="{CC2477E1-3318-4AD0-A1BF-FD6B8B8644C2}"/>
+              </a:ext>
+            </a:extLst>
+          </p:cNvPr>
+          <p:cNvSpPr>
+            <a:spLocks noGrp="1"/>
+          </p:cNvSpPr>
+          <p:nvPr>
+            <p:ph idx="1"/>
+          </p:nvPr>
+        </p:nvSpPr>
+        <p:spPr>
+          <a:xfrm>
+            <a:off x="457200" y="1181365"/>
+            <a:ext cx="6705600" cy="380736"/>
+          </a:xfrm>
+        </p:spPr>
+        <p:txBody>
+          <a:bodyPr>
+            <a:normAutofit fontScale="92500" lnSpcReduction="10000"/>
+          </a:bodyPr>
+          <a:lstStyle/>
+          <a:p>
+            <a:r>
+              <a:rPr lang="en-US" sz="2000" dirty="0"/>
+              <a:t>Allowing for multiple connectivity matrices in a network slice</a:t>
+            </a:r>
+          </a:p>
+        </p:txBody>
+      </p:sp>
+      <p:sp>
+        <p:nvSpPr>
+          <p:cNvPr id="5" name="Rectangle 1">
+            <a:extLst>
+              <a:ext uri="{FF2B5EF4-FFF2-40B4-BE49-F238E27FC236}">
+                <a16:creationId xmlns:a16="http://schemas.microsoft.com/office/drawing/2014/main" id="{9E4A5D27-0517-4D16-859B-D711919C8AFF}"/>
+              </a:ext>
+            </a:extLst>
+          </p:cNvPr>
+          <p:cNvSpPr>
+            <a:spLocks noChangeArrowheads="1"/>
+          </p:cNvSpPr>
+          <p:nvPr/>
+        </p:nvSpPr>
+        <p:spPr bwMode="auto">
+          <a:xfrm>
+            <a:off x="408878" y="1683127"/>
+            <a:ext cx="8305800" cy="4031873"/>
+          </a:xfrm>
+          <a:prstGeom prst="rect">
+            <a:avLst/>
+          </a:prstGeom>
+          <a:noFill/>
+          <a:ln>
+            <a:noFill/>
+          </a:ln>
+          <a:effectLst/>
+          <a:extLst>
+            <a:ext uri="{909E8E84-426E-40DD-AFC4-6F175D3DCCD1}">
+              <a14:hiddenFill xmlns:a14="http://schemas.microsoft.com/office/drawing/2010/main">
+                <a:solidFill>
+                  <a:schemeClr val="accent1"/>
+                </a:solidFill>
+              </a14:hiddenFill>
+            </a:ext>
+            <a:ext uri="{91240B29-F687-4F45-9708-019B960494DF}">
+              <a14:hiddenLine xmlns:a14="http://schemas.microsoft.com/office/drawing/2010/main" w="9525">
+                <a:solidFill>
+                  <a:schemeClr val="tx1"/>
+                </a:solidFill>
+                <a:miter lim="800000"/>
+                <a:headEnd/>
+                <a:tailEnd/>
+              </a14:hiddenLine>
+            </a:ext>
+            <a:ext uri="{AF507438-7753-43E0-B8FC-AC1667EBCBE1}">
+              <a14:hiddenEffects xmlns:a14="http://schemas.microsoft.com/office/drawing/2010/main">
+                <a:effectLst>
+                  <a:outerShdw dist="35921" dir="2700000" algn="ctr" rotWithShape="0">
+                    <a:schemeClr val="bg2"/>
+                  </a:outerShdw>
+                </a:effectLst>
+              </a14:hiddenEffects>
+            </a:ext>
+          </a:extLst>
+        </p:spPr>
+        <p:txBody>
+          <a:bodyPr vert="horz" wrap="square" lIns="91440" tIns="45720" rIns="91440" bIns="45720" numCol="1" anchor="ctr" anchorCtr="0" compatLnSpc="1">
+            <a:prstTxWarp prst="textNoShape">
+              <a:avLst/>
+            </a:prstTxWarp>
+            <a:spAutoFit/>
+          </a:bodyPr>
+          <a:lstStyle>
+            <a:lvl1pPr eaLnBrk="0" fontAlgn="base" hangingPunct="0">
+              <a:spcBef>
+                <a:spcPct val="0"/>
+              </a:spcBef>
+              <a:spcAft>
+                <a:spcPct val="0"/>
+              </a:spcAft>
+              <a:defRPr>
+                <a:solidFill>
+                  <a:schemeClr val="tx1"/>
+                </a:solidFill>
+                <a:latin typeface="Arial" panose="020B0604020202020204" pitchFamily="34" charset="0"/>
+              </a:defRPr>
+            </a:lvl1pPr>
+            <a:lvl2pPr eaLnBrk="0" fontAlgn="base" hangingPunct="0">
+              <a:spcBef>
+                <a:spcPct val="0"/>
+              </a:spcBef>
+              <a:spcAft>
+                <a:spcPct val="0"/>
+              </a:spcAft>
+              <a:defRPr>
+                <a:solidFill>
+                  <a:schemeClr val="tx1"/>
+                </a:solidFill>
+                <a:latin typeface="Arial" panose="020B0604020202020204" pitchFamily="34" charset="0"/>
+              </a:defRPr>
+            </a:lvl2pPr>
+            <a:lvl3pPr eaLnBrk="0" fontAlgn="base" hangingPunct="0">
+              <a:spcBef>
+                <a:spcPct val="0"/>
+              </a:spcBef>
+              <a:spcAft>
+                <a:spcPct val="0"/>
+              </a:spcAft>
+              <a:defRPr>
+                <a:solidFill>
+                  <a:schemeClr val="tx1"/>
+                </a:solidFill>
+                <a:latin typeface="Arial" panose="020B0604020202020204" pitchFamily="34" charset="0"/>
+              </a:defRPr>
+            </a:lvl3pPr>
+            <a:lvl4pPr eaLnBrk="0" fontAlgn="base" hangingPunct="0">
+              <a:spcBef>
+                <a:spcPct val="0"/>
+              </a:spcBef>
+              <a:spcAft>
+                <a:spcPct val="0"/>
+              </a:spcAft>
+              <a:defRPr>
+                <a:solidFill>
+                  <a:schemeClr val="tx1"/>
+                </a:solidFill>
+                <a:latin typeface="Arial" panose="020B0604020202020204" pitchFamily="34" charset="0"/>
+              </a:defRPr>
+            </a:lvl4pPr>
+            <a:lvl5pPr eaLnBrk="0" fontAlgn="base" hangingPunct="0">
+              <a:spcBef>
+                <a:spcPct val="0"/>
+              </a:spcBef>
+              <a:spcAft>
+                <a:spcPct val="0"/>
+              </a:spcAft>
+              <a:defRPr>
+                <a:solidFill>
+                  <a:schemeClr val="tx1"/>
+                </a:solidFill>
+                <a:latin typeface="Arial" panose="020B0604020202020204" pitchFamily="34" charset="0"/>
+              </a:defRPr>
+            </a:lvl5pPr>
+            <a:lvl6pPr eaLnBrk="0" fontAlgn="base" hangingPunct="0">
+              <a:spcBef>
+                <a:spcPct val="0"/>
+              </a:spcBef>
+              <a:spcAft>
+                <a:spcPct val="0"/>
+              </a:spcAft>
+              <a:defRPr>
+                <a:solidFill>
+                  <a:schemeClr val="tx1"/>
+                </a:solidFill>
+                <a:latin typeface="Arial" panose="020B0604020202020204" pitchFamily="34" charset="0"/>
+              </a:defRPr>
+            </a:lvl6pPr>
+            <a:lvl7pPr eaLnBrk="0" fontAlgn="base" hangingPunct="0">
+              <a:spcBef>
+                <a:spcPct val="0"/>
+              </a:spcBef>
+              <a:spcAft>
+                <a:spcPct val="0"/>
+              </a:spcAft>
+              <a:defRPr>
+                <a:solidFill>
+                  <a:schemeClr val="tx1"/>
+                </a:solidFill>
+                <a:latin typeface="Arial" panose="020B0604020202020204" pitchFamily="34" charset="0"/>
+              </a:defRPr>
+            </a:lvl7pPr>
+            <a:lvl8pPr eaLnBrk="0" fontAlgn="base" hangingPunct="0">
+              <a:spcBef>
+                <a:spcPct val="0"/>
+              </a:spcBef>
+              <a:spcAft>
+                <a:spcPct val="0"/>
+              </a:spcAft>
+              <a:defRPr>
+                <a:solidFill>
+                  <a:schemeClr val="tx1"/>
+                </a:solidFill>
+                <a:latin typeface="Arial" panose="020B0604020202020204" pitchFamily="34" charset="0"/>
+              </a:defRPr>
+            </a:lvl8pPr>
+            <a:lvl9pPr eaLnBrk="0" fontAlgn="base" hangingPunct="0">
+              <a:spcBef>
+                <a:spcPct val="0"/>
+              </a:spcBef>
+              <a:spcAft>
+                <a:spcPct val="0"/>
+              </a:spcAft>
+              <a:defRPr>
+                <a:solidFill>
+                  <a:schemeClr val="tx1"/>
+                </a:solidFill>
+                <a:latin typeface="Arial" panose="020B0604020202020204" pitchFamily="34" charset="0"/>
+              </a:defRPr>
+            </a:lvl9pPr>
+          </a:lstStyle>
+          <a:p>
+            <a:pPr marL="0" marR="0" lvl="0" indent="0" algn="l" defTabSz="914400" rtl="0" eaLnBrk="0" fontAlgn="base" latinLnBrk="0" hangingPunct="0">
+              <a:lnSpc>
+                <a:spcPct val="100000"/>
+              </a:lnSpc>
+              <a:spcBef>
+                <a:spcPct val="0"/>
+              </a:spcBef>
+              <a:spcAft>
+                <a:spcPct val="0"/>
+              </a:spcAft>
+              <a:buClrTx/>
+              <a:buSzTx/>
+              <a:buFontTx/>
+              <a:buNone/>
+              <a:tabLst/>
+            </a:pPr>
+            <a:r>
+              <a:rPr kumimoji="0" lang="en-US" altLang="en-US" sz="800" b="0" i="0" u="none" strike="noStrike" cap="none" normalizeH="0" baseline="0" dirty="0">
+                <a:ln>
+                  <a:noFill/>
+                </a:ln>
+                <a:solidFill>
+                  <a:srgbClr val="222222"/>
+                </a:solidFill>
+                <a:effectLst/>
+                <a:latin typeface="Courier New" panose="02070309020205020404" pitchFamily="49" charset="0"/>
+                <a:cs typeface="Courier New" panose="02070309020205020404" pitchFamily="49" charset="0"/>
+              </a:rPr>
+              <a:t>Consider the definition of connectivity matrix in the current draft and as discussed in issue #1.</a:t>
+            </a:r>
+            <a:br>
+              <a:rPr kumimoji="0" lang="en-US" altLang="en-US" sz="800" b="0" i="0" u="none" strike="noStrike" cap="none" normalizeH="0" baseline="0" dirty="0">
+                <a:ln>
+                  <a:noFill/>
+                </a:ln>
+                <a:solidFill>
+                  <a:schemeClr val="tx1"/>
+                </a:solidFill>
+                <a:effectLst/>
+                <a:latin typeface="Courier New" panose="02070309020205020404" pitchFamily="49" charset="0"/>
+                <a:cs typeface="Courier New" panose="02070309020205020404" pitchFamily="49" charset="0"/>
+              </a:rPr>
+            </a:br>
+            <a:br>
+              <a:rPr kumimoji="0" lang="en-US" altLang="en-US" sz="800" b="0" i="0" u="none" strike="noStrike" cap="none" normalizeH="0" baseline="0" dirty="0">
+                <a:ln>
+                  <a:noFill/>
+                </a:ln>
+                <a:solidFill>
+                  <a:schemeClr val="tx1"/>
+                </a:solidFill>
+                <a:effectLst/>
+                <a:latin typeface="Courier New" panose="02070309020205020404" pitchFamily="49" charset="0"/>
+                <a:cs typeface="Courier New" panose="02070309020205020404" pitchFamily="49" charset="0"/>
+              </a:rPr>
+            </a:br>
+            <a:r>
+              <a:rPr kumimoji="0" lang="en-US" altLang="en-US" sz="800" b="0" i="0" u="none" strike="noStrike" cap="none" normalizeH="0" baseline="0" dirty="0">
+                <a:ln>
+                  <a:noFill/>
+                </a:ln>
+                <a:solidFill>
+                  <a:srgbClr val="222222"/>
+                </a:solidFill>
+                <a:effectLst/>
+                <a:latin typeface="Courier New" panose="02070309020205020404" pitchFamily="49" charset="0"/>
+                <a:cs typeface="Courier New" panose="02070309020205020404" pitchFamily="49" charset="0"/>
+              </a:rPr>
+              <a:t>A consumer may want multiple connectivity matrices in their "contract" with the provider. In the example with four edge nodes (A, B, C, D), their may be traffic that flows between some edges, but not between others.</a:t>
+            </a:r>
+            <a:br>
+              <a:rPr kumimoji="0" lang="en-US" altLang="en-US" sz="800" b="0" i="0" u="none" strike="noStrike" cap="none" normalizeH="0" baseline="0" dirty="0">
+                <a:ln>
+                  <a:noFill/>
+                </a:ln>
+                <a:solidFill>
+                  <a:schemeClr val="tx1"/>
+                </a:solidFill>
+                <a:effectLst/>
+                <a:latin typeface="Courier New" panose="02070309020205020404" pitchFamily="49" charset="0"/>
+                <a:cs typeface="Courier New" panose="02070309020205020404" pitchFamily="49" charset="0"/>
+              </a:rPr>
+            </a:br>
+            <a:br>
+              <a:rPr kumimoji="0" lang="en-US" altLang="en-US" sz="800" b="0" i="0" u="none" strike="noStrike" cap="none" normalizeH="0" baseline="0" dirty="0">
+                <a:ln>
+                  <a:noFill/>
+                </a:ln>
+                <a:solidFill>
+                  <a:schemeClr val="tx1"/>
+                </a:solidFill>
+                <a:effectLst/>
+                <a:latin typeface="Courier New" panose="02070309020205020404" pitchFamily="49" charset="0"/>
+                <a:cs typeface="Courier New" panose="02070309020205020404" pitchFamily="49" charset="0"/>
+              </a:rPr>
+            </a:br>
+            <a:r>
+              <a:rPr kumimoji="0" lang="en-US" altLang="en-US" sz="800" b="0" i="0" u="none" strike="noStrike" cap="none" normalizeH="0" baseline="0" dirty="0">
+                <a:ln>
+                  <a:noFill/>
+                </a:ln>
+                <a:solidFill>
+                  <a:srgbClr val="222222"/>
+                </a:solidFill>
+                <a:effectLst/>
+                <a:latin typeface="Courier New" panose="02070309020205020404" pitchFamily="49" charset="0"/>
+                <a:cs typeface="Courier New" panose="02070309020205020404" pitchFamily="49" charset="0"/>
+              </a:rPr>
+              <a:t>For example, a consumer may want a slice that is ultra-low latency, and they may know that they want to send traffic from A to B, from A to C and multicast from D to A, B, and C.</a:t>
+            </a:r>
+            <a:br>
+              <a:rPr kumimoji="0" lang="en-US" altLang="en-US" sz="800" b="0" i="0" u="none" strike="noStrike" cap="none" normalizeH="0" baseline="0" dirty="0">
+                <a:ln>
+                  <a:noFill/>
+                </a:ln>
+                <a:solidFill>
+                  <a:schemeClr val="tx1"/>
+                </a:solidFill>
+                <a:effectLst/>
+                <a:latin typeface="Courier New" panose="02070309020205020404" pitchFamily="49" charset="0"/>
+                <a:cs typeface="Courier New" panose="02070309020205020404" pitchFamily="49" charset="0"/>
+              </a:rPr>
+            </a:br>
+            <a:br>
+              <a:rPr kumimoji="0" lang="en-US" altLang="en-US" sz="800" b="0" i="0" u="none" strike="noStrike" cap="none" normalizeH="0" baseline="0" dirty="0">
+                <a:ln>
+                  <a:noFill/>
+                </a:ln>
+                <a:solidFill>
+                  <a:schemeClr val="tx1"/>
+                </a:solidFill>
+                <a:effectLst/>
+                <a:latin typeface="Courier New" panose="02070309020205020404" pitchFamily="49" charset="0"/>
+                <a:cs typeface="Courier New" panose="02070309020205020404" pitchFamily="49" charset="0"/>
+              </a:rPr>
+            </a:br>
+            <a:r>
+              <a:rPr kumimoji="0" lang="en-US" altLang="en-US" sz="800" b="0" i="0" u="none" strike="noStrike" cap="none" normalizeH="0" baseline="0" dirty="0">
+                <a:ln>
+                  <a:noFill/>
+                </a:ln>
+                <a:solidFill>
+                  <a:srgbClr val="222222"/>
+                </a:solidFill>
+                <a:effectLst/>
+                <a:latin typeface="Courier New" panose="02070309020205020404" pitchFamily="49" charset="0"/>
+                <a:cs typeface="Courier New" panose="02070309020205020404" pitchFamily="49" charset="0"/>
+              </a:rPr>
+              <a:t>It is, of course, possible to express this as three separate slices. And this is perfectly acceptable. We must not make any definitions that prevent this from being the case.</a:t>
+            </a:r>
+            <a:br>
+              <a:rPr kumimoji="0" lang="en-US" altLang="en-US" sz="800" b="0" i="0" u="none" strike="noStrike" cap="none" normalizeH="0" baseline="0" dirty="0">
+                <a:ln>
+                  <a:noFill/>
+                </a:ln>
+                <a:solidFill>
+                  <a:schemeClr val="tx1"/>
+                </a:solidFill>
+                <a:effectLst/>
+                <a:latin typeface="Courier New" panose="02070309020205020404" pitchFamily="49" charset="0"/>
+                <a:cs typeface="Courier New" panose="02070309020205020404" pitchFamily="49" charset="0"/>
+              </a:rPr>
+            </a:br>
+            <a:br>
+              <a:rPr kumimoji="0" lang="en-US" altLang="en-US" sz="800" b="0" i="0" u="none" strike="noStrike" cap="none" normalizeH="0" baseline="0" dirty="0">
+                <a:ln>
+                  <a:noFill/>
+                </a:ln>
+                <a:solidFill>
+                  <a:schemeClr val="tx1"/>
+                </a:solidFill>
+                <a:effectLst/>
+                <a:latin typeface="Courier New" panose="02070309020205020404" pitchFamily="49" charset="0"/>
+                <a:cs typeface="Courier New" panose="02070309020205020404" pitchFamily="49" charset="0"/>
+              </a:rPr>
+            </a:br>
+            <a:r>
+              <a:rPr kumimoji="0" lang="en-US" altLang="en-US" sz="800" b="0" i="0" u="none" strike="noStrike" cap="none" normalizeH="0" baseline="0" dirty="0">
+                <a:ln>
+                  <a:noFill/>
+                </a:ln>
+                <a:solidFill>
+                  <a:srgbClr val="222222"/>
+                </a:solidFill>
+                <a:effectLst/>
+                <a:latin typeface="Courier New" panose="02070309020205020404" pitchFamily="49" charset="0"/>
+                <a:cs typeface="Courier New" panose="02070309020205020404" pitchFamily="49" charset="0"/>
+              </a:rPr>
+              <a:t>However, it seems likely that the consumer (and the operator) would prefer to talk about "the consumer's low latency slice". That is, to bundle these three connections into one construct. However, they are distinctly different connections and must be understood as such. Indeed, they may have some different SLOs associated (for example, A-B may require more bandwidth than A-C).</a:t>
+            </a:r>
+            <a:br>
+              <a:rPr kumimoji="0" lang="en-US" altLang="en-US" sz="800" b="0" i="0" u="none" strike="noStrike" cap="none" normalizeH="0" baseline="0" dirty="0">
+                <a:ln>
+                  <a:noFill/>
+                </a:ln>
+                <a:solidFill>
+                  <a:schemeClr val="tx1"/>
+                </a:solidFill>
+                <a:effectLst/>
+                <a:latin typeface="Courier New" panose="02070309020205020404" pitchFamily="49" charset="0"/>
+                <a:cs typeface="Courier New" panose="02070309020205020404" pitchFamily="49" charset="0"/>
+              </a:rPr>
+            </a:br>
+            <a:br>
+              <a:rPr kumimoji="0" lang="en-US" altLang="en-US" sz="800" b="0" i="0" u="none" strike="noStrike" cap="none" normalizeH="0" baseline="0" dirty="0">
+                <a:ln>
+                  <a:noFill/>
+                </a:ln>
+                <a:solidFill>
+                  <a:schemeClr val="tx1"/>
+                </a:solidFill>
+                <a:effectLst/>
+                <a:latin typeface="Courier New" panose="02070309020205020404" pitchFamily="49" charset="0"/>
+                <a:cs typeface="Courier New" panose="02070309020205020404" pitchFamily="49" charset="0"/>
+              </a:rPr>
+            </a:br>
+            <a:r>
+              <a:rPr kumimoji="0" lang="en-US" altLang="en-US" sz="800" b="0" i="0" u="none" strike="noStrike" cap="none" normalizeH="0" baseline="0" dirty="0">
+                <a:ln>
+                  <a:noFill/>
+                </a:ln>
+                <a:solidFill>
+                  <a:srgbClr val="222222"/>
+                </a:solidFill>
+                <a:effectLst/>
+                <a:latin typeface="Courier New" panose="02070309020205020404" pitchFamily="49" charset="0"/>
+                <a:cs typeface="Courier New" panose="02070309020205020404" pitchFamily="49" charset="0"/>
+              </a:rPr>
+              <a:t>By allowing (but not mandating) multiple connectivity matrices in a single slice service, we facilitate this administrative group.</a:t>
+            </a:r>
+            <a:br>
+              <a:rPr kumimoji="0" lang="en-US" altLang="en-US" sz="800" b="0" i="0" u="none" strike="noStrike" cap="none" normalizeH="0" baseline="0" dirty="0">
+                <a:ln>
+                  <a:noFill/>
+                </a:ln>
+                <a:solidFill>
+                  <a:schemeClr val="tx1"/>
+                </a:solidFill>
+                <a:effectLst/>
+                <a:latin typeface="Courier New" panose="02070309020205020404" pitchFamily="49" charset="0"/>
+                <a:cs typeface="Courier New" panose="02070309020205020404" pitchFamily="49" charset="0"/>
+              </a:rPr>
+            </a:br>
+            <a:br>
+              <a:rPr kumimoji="0" lang="en-US" altLang="en-US" sz="800" b="0" i="0" u="none" strike="noStrike" cap="none" normalizeH="0" baseline="0" dirty="0">
+                <a:ln>
+                  <a:noFill/>
+                </a:ln>
+                <a:solidFill>
+                  <a:schemeClr val="tx1"/>
+                </a:solidFill>
+                <a:effectLst/>
+                <a:latin typeface="Courier New" panose="02070309020205020404" pitchFamily="49" charset="0"/>
+                <a:cs typeface="Courier New" panose="02070309020205020404" pitchFamily="49" charset="0"/>
+              </a:rPr>
+            </a:br>
+            <a:r>
+              <a:rPr kumimoji="0" lang="en-US" altLang="en-US" sz="800" b="0" i="0" u="none" strike="noStrike" cap="none" normalizeH="0" baseline="0" dirty="0">
+                <a:ln>
+                  <a:noFill/>
+                </a:ln>
+                <a:solidFill>
+                  <a:srgbClr val="222222"/>
+                </a:solidFill>
+                <a:effectLst/>
+                <a:latin typeface="Courier New" panose="02070309020205020404" pitchFamily="49" charset="0"/>
+                <a:cs typeface="Courier New" panose="02070309020205020404" pitchFamily="49" charset="0"/>
+              </a:rPr>
+              <a:t>One could also imagine (but I do not pre-judge the network slice service YANG model definition) a default set of SLOs that apply to all connectivity matrices in a slice, and specific modified SLOs per connectivity matrix.</a:t>
+            </a:r>
+            <a:br>
+              <a:rPr kumimoji="0" lang="en-US" altLang="en-US" sz="800" b="0" i="0" u="none" strike="noStrike" cap="none" normalizeH="0" baseline="0" dirty="0">
+                <a:ln>
+                  <a:noFill/>
+                </a:ln>
+                <a:solidFill>
+                  <a:schemeClr val="tx1"/>
+                </a:solidFill>
+                <a:effectLst/>
+                <a:latin typeface="Courier New" panose="02070309020205020404" pitchFamily="49" charset="0"/>
+                <a:cs typeface="Courier New" panose="02070309020205020404" pitchFamily="49" charset="0"/>
+              </a:rPr>
+            </a:br>
+            <a:br>
+              <a:rPr kumimoji="0" lang="en-US" altLang="en-US" sz="800" b="0" i="0" u="none" strike="noStrike" cap="none" normalizeH="0" baseline="0" dirty="0">
+                <a:ln>
+                  <a:noFill/>
+                </a:ln>
+                <a:solidFill>
+                  <a:schemeClr val="tx1"/>
+                </a:solidFill>
+                <a:effectLst/>
+                <a:latin typeface="Courier New" panose="02070309020205020404" pitchFamily="49" charset="0"/>
+                <a:cs typeface="Courier New" panose="02070309020205020404" pitchFamily="49" charset="0"/>
+              </a:rPr>
+            </a:br>
+            <a:r>
+              <a:rPr kumimoji="0" lang="en-US" altLang="en-US" sz="800" b="0" i="0" u="none" strike="noStrike" cap="none" normalizeH="0" baseline="0" dirty="0">
+                <a:ln>
+                  <a:noFill/>
+                </a:ln>
+                <a:solidFill>
+                  <a:srgbClr val="222222"/>
+                </a:solidFill>
+                <a:effectLst/>
+                <a:latin typeface="Courier New" panose="02070309020205020404" pitchFamily="49" charset="0"/>
+                <a:cs typeface="Courier New" panose="02070309020205020404" pitchFamily="49" charset="0"/>
+              </a:rPr>
+              <a:t>Now, to Igor's point. This is about how traffic arriving at an edge (say a PE) is mapped to the correct connection. I promised a Venn diagram, but words are easier </a:t>
+            </a:r>
+            <a:r>
+              <a:rPr kumimoji="0" lang="en-US" altLang="en-US" sz="800" b="0" i="0" u="none" strike="noStrike" cap="none" normalizeH="0" baseline="0" dirty="0">
+                <a:ln>
+                  <a:noFill/>
+                </a:ln>
+                <a:solidFill>
+                  <a:schemeClr val="tx1"/>
+                </a:solidFill>
+                <a:effectLst/>
+                <a:latin typeface="Courier New" panose="02070309020205020404" pitchFamily="49" charset="0"/>
+                <a:cs typeface="Courier New" panose="02070309020205020404" pitchFamily="49" charset="0"/>
+              </a:rPr>
+              <a:t>  </a:t>
+            </a:r>
+            <a:r>
+              <a:rPr kumimoji="0" lang="en-US" altLang="en-US" sz="1600" b="0" i="0" u="none" strike="noStrike" cap="none" normalizeH="0" baseline="0" dirty="0">
+                <a:ln>
+                  <a:noFill/>
+                </a:ln>
+                <a:solidFill>
+                  <a:schemeClr val="tx1"/>
+                </a:solidFill>
+                <a:effectLst/>
+                <a:latin typeface="Courier New" panose="02070309020205020404" pitchFamily="49" charset="0"/>
+                <a:cs typeface="Courier New" panose="02070309020205020404" pitchFamily="49" charset="0"/>
+              </a:rPr>
+              <a:t>     </a:t>
+            </a:r>
+            <a:br>
+              <a:rPr kumimoji="0" lang="en-US" altLang="en-US" sz="800" b="0" i="0" u="none" strike="noStrike" cap="none" normalizeH="0" baseline="0" dirty="0">
+                <a:ln>
+                  <a:noFill/>
+                </a:ln>
+                <a:solidFill>
+                  <a:schemeClr val="tx1"/>
+                </a:solidFill>
+                <a:effectLst/>
+                <a:latin typeface="Courier New" panose="02070309020205020404" pitchFamily="49" charset="0"/>
+                <a:cs typeface="Courier New" panose="02070309020205020404" pitchFamily="49" charset="0"/>
+              </a:rPr>
+            </a:br>
+            <a:br>
+              <a:rPr kumimoji="0" lang="en-US" altLang="en-US" sz="800" b="0" i="0" u="none" strike="noStrike" cap="none" normalizeH="0" baseline="0" dirty="0">
+                <a:ln>
+                  <a:noFill/>
+                </a:ln>
+                <a:solidFill>
+                  <a:schemeClr val="tx1"/>
+                </a:solidFill>
+                <a:effectLst/>
+                <a:latin typeface="Courier New" panose="02070309020205020404" pitchFamily="49" charset="0"/>
+                <a:cs typeface="Courier New" panose="02070309020205020404" pitchFamily="49" charset="0"/>
+              </a:rPr>
+            </a:br>
+            <a:r>
+              <a:rPr kumimoji="0" lang="en-US" altLang="en-US" sz="800" b="0" i="0" u="none" strike="noStrike" cap="none" normalizeH="0" baseline="0" dirty="0">
+                <a:ln>
+                  <a:noFill/>
+                </a:ln>
+                <a:solidFill>
+                  <a:srgbClr val="222222"/>
+                </a:solidFill>
+                <a:effectLst/>
+                <a:latin typeface="Courier New" panose="02070309020205020404" pitchFamily="49" charset="0"/>
+                <a:cs typeface="Courier New" panose="02070309020205020404" pitchFamily="49" charset="0"/>
+              </a:rPr>
+              <a:t>If we take the model of a port-based VPN, then one approach might be to map the (virtual or physical) port number or VLAN ID to the network slice. But clearly (and this was Igor's point) this doesn't identify the connectivity matrix if there is more than one matric per slice.</a:t>
+            </a:r>
+            <a:br>
+              <a:rPr kumimoji="0" lang="en-US" altLang="en-US" sz="800" b="0" i="0" u="none" strike="noStrike" cap="none" normalizeH="0" baseline="0" dirty="0">
+                <a:ln>
+                  <a:noFill/>
+                </a:ln>
+                <a:solidFill>
+                  <a:schemeClr val="tx1"/>
+                </a:solidFill>
+                <a:effectLst/>
+                <a:latin typeface="Courier New" panose="02070309020205020404" pitchFamily="49" charset="0"/>
+                <a:cs typeface="Courier New" panose="02070309020205020404" pitchFamily="49" charset="0"/>
+              </a:rPr>
+            </a:br>
+            <a:br>
+              <a:rPr kumimoji="0" lang="en-US" altLang="en-US" sz="800" b="0" i="0" u="none" strike="noStrike" cap="none" normalizeH="0" baseline="0" dirty="0">
+                <a:ln>
+                  <a:noFill/>
+                </a:ln>
+                <a:solidFill>
+                  <a:schemeClr val="tx1"/>
+                </a:solidFill>
+                <a:effectLst/>
+                <a:latin typeface="Courier New" panose="02070309020205020404" pitchFamily="49" charset="0"/>
+                <a:cs typeface="Courier New" panose="02070309020205020404" pitchFamily="49" charset="0"/>
+              </a:rPr>
+            </a:br>
+            <a:r>
+              <a:rPr kumimoji="0" lang="en-US" altLang="en-US" sz="800" b="0" i="0" u="none" strike="noStrike" cap="none" normalizeH="0" baseline="0" dirty="0">
+                <a:ln>
+                  <a:noFill/>
+                </a:ln>
+                <a:solidFill>
+                  <a:srgbClr val="222222"/>
+                </a:solidFill>
+                <a:effectLst/>
+                <a:latin typeface="Courier New" panose="02070309020205020404" pitchFamily="49" charset="0"/>
+                <a:cs typeface="Courier New" panose="02070309020205020404" pitchFamily="49" charset="0"/>
+              </a:rPr>
+              <a:t>A solution I offered is that the VLAN ID could identify {slice, connectivity matrix}. At that PE, for a given AC to a CE, it is necessary to expose with a separate VLAN ID for each {slice, connectivity matrix}. That does not mean:</a:t>
+            </a:r>
+            <a:br>
+              <a:rPr kumimoji="0" lang="en-US" altLang="en-US" sz="800" b="0" i="0" u="none" strike="noStrike" cap="none" normalizeH="0" baseline="0" dirty="0">
+                <a:ln>
+                  <a:noFill/>
+                </a:ln>
+                <a:solidFill>
+                  <a:schemeClr val="tx1"/>
+                </a:solidFill>
+                <a:effectLst/>
+                <a:latin typeface="Courier New" panose="02070309020205020404" pitchFamily="49" charset="0"/>
+                <a:cs typeface="Courier New" panose="02070309020205020404" pitchFamily="49" charset="0"/>
+              </a:rPr>
+            </a:br>
+            <a:r>
+              <a:rPr kumimoji="0" lang="en-US" altLang="en-US" sz="800" b="0" i="0" u="none" strike="noStrike" cap="none" normalizeH="0" baseline="0" dirty="0">
+                <a:ln>
+                  <a:noFill/>
+                </a:ln>
+                <a:solidFill>
+                  <a:srgbClr val="222222"/>
+                </a:solidFill>
+                <a:effectLst/>
+                <a:latin typeface="Courier New" panose="02070309020205020404" pitchFamily="49" charset="0"/>
+                <a:cs typeface="Courier New" panose="02070309020205020404" pitchFamily="49" charset="0"/>
+              </a:rPr>
+              <a:t>- we need a global unique identifier for each connectivity matrix</a:t>
+            </a:r>
+            <a:br>
+              <a:rPr kumimoji="0" lang="en-US" altLang="en-US" sz="800" b="0" i="0" u="none" strike="noStrike" cap="none" normalizeH="0" baseline="0" dirty="0">
+                <a:ln>
+                  <a:noFill/>
+                </a:ln>
+                <a:solidFill>
+                  <a:schemeClr val="tx1"/>
+                </a:solidFill>
+                <a:effectLst/>
+                <a:latin typeface="Courier New" panose="02070309020205020404" pitchFamily="49" charset="0"/>
+                <a:cs typeface="Courier New" panose="02070309020205020404" pitchFamily="49" charset="0"/>
+              </a:rPr>
+            </a:br>
+            <a:r>
+              <a:rPr kumimoji="0" lang="en-US" altLang="en-US" sz="800" b="0" i="0" u="none" strike="noStrike" cap="none" normalizeH="0" baseline="0" dirty="0">
+                <a:ln>
+                  <a:noFill/>
+                </a:ln>
+                <a:solidFill>
+                  <a:srgbClr val="222222"/>
+                </a:solidFill>
+                <a:effectLst/>
+                <a:latin typeface="Courier New" panose="02070309020205020404" pitchFamily="49" charset="0"/>
+                <a:cs typeface="Courier New" panose="02070309020205020404" pitchFamily="49" charset="0"/>
+              </a:rPr>
+              <a:t>- we need a per-PE unique identifier for each connectivity matrix</a:t>
+            </a:r>
+            <a:r>
+              <a:rPr kumimoji="0" lang="en-US" altLang="en-US" sz="800" b="0" i="0" u="none" strike="noStrike" cap="none" normalizeH="0" baseline="0" dirty="0">
+                <a:ln>
+                  <a:noFill/>
+                </a:ln>
+                <a:solidFill>
+                  <a:schemeClr val="tx1"/>
+                </a:solidFill>
+                <a:effectLst/>
+                <a:latin typeface="Courier New" panose="02070309020205020404" pitchFamily="49" charset="0"/>
+                <a:cs typeface="Courier New" panose="02070309020205020404" pitchFamily="49" charset="0"/>
+              </a:rPr>
+              <a:t> </a:t>
+            </a:r>
+          </a:p>
+        </p:txBody>
+      </p:sp>
+      <p:pic>
+        <p:nvPicPr>
+          <p:cNvPr id="4098" name="Picture 2" descr="😊">
+            <a:extLst>
+              <a:ext uri="{FF2B5EF4-FFF2-40B4-BE49-F238E27FC236}">
+                <a16:creationId xmlns:a16="http://schemas.microsoft.com/office/drawing/2014/main" id="{8B87BB46-3463-4F7F-B748-F0EDAE672019}"/>
+              </a:ext>
+            </a:extLst>
+          </p:cNvPr>
+          <p:cNvPicPr>
+            <a:picLocks noChangeAspect="1" noChangeArrowheads="1"/>
+          </p:cNvPicPr>
+          <p:nvPr/>
+        </p:nvPicPr>
+        <p:blipFill>
+          <a:blip r:embed="rId3">
+            <a:extLst>
+              <a:ext uri="{28A0092B-C50C-407E-A947-70E740481C1C}">
+                <a14:useLocalDpi xmlns:a14="http://schemas.microsoft.com/office/drawing/2010/main" val="0"/>
+              </a:ext>
+            </a:extLst>
+          </a:blip>
+          <a:srcRect/>
+          <a:stretch>
+            <a:fillRect/>
+          </a:stretch>
+        </p:blipFill>
+        <p:spPr bwMode="auto">
+          <a:xfrm>
+            <a:off x="16502063" y="769938"/>
+            <a:ext cx="685800" cy="685800"/>
+          </a:xfrm>
+          <a:prstGeom prst="rect">
+            <a:avLst/>
+          </a:prstGeom>
+          <a:noFill/>
+          <a:extLst>
+            <a:ext uri="{909E8E84-426E-40DD-AFC4-6F175D3DCCD1}">
+              <a14:hiddenFill xmlns:a14="http://schemas.microsoft.com/office/drawing/2010/main">
+                <a:solidFill>
+                  <a:srgbClr val="FFFFFF"/>
+                </a:solidFill>
+              </a14:hiddenFill>
+            </a:ext>
+          </a:extLst>
+        </p:spPr>
+      </p:pic>
+    </p:spTree>
+    <p:extLst>
+      <p:ext uri="{BB962C8B-B14F-4D97-AF65-F5344CB8AC3E}">
+        <p14:creationId xmlns:p14="http://schemas.microsoft.com/office/powerpoint/2010/main" val="1443711284"/>
+      </p:ext>
+    </p:extLst>
+  </p:cSld>
+  <p:clrMapOvr>
+    <a:masterClrMapping/>
+  </p:clrMapOvr>
+</p:sld>
+</file>
+
+<file path=ppt/slides/slide23.xml><?xml version="1.0" encoding="utf-8"?>
+<p:sld xmlns:a="http://schemas.openxmlformats.org/drawingml/2006/main" xmlns:r="http://schemas.openxmlformats.org/officeDocument/2006/relationships" xmlns:p="http://schemas.openxmlformats.org/presentationml/2006/main">
+  <p:cSld>
+    <p:spTree>
+      <p:nvGrpSpPr>
+        <p:cNvPr id="1" name=""/>
+        <p:cNvGrpSpPr/>
+        <p:nvPr/>
+      </p:nvGrpSpPr>
+      <p:grpSpPr>
+        <a:xfrm>
+          <a:off x="0" y="0"/>
+          <a:ext cx="0" cy="0"/>
+          <a:chOff x="0" y="0"/>
+          <a:chExt cx="0" cy="0"/>
+        </a:xfrm>
+      </p:grpSpPr>
+      <p:sp>
+        <p:nvSpPr>
+          <p:cNvPr id="2" name="Title 1">
+            <a:extLst>
+              <a:ext uri="{FF2B5EF4-FFF2-40B4-BE49-F238E27FC236}">
+                <a16:creationId xmlns:a16="http://schemas.microsoft.com/office/drawing/2014/main" id="{EB3E31FD-1C2F-48A6-AB51-148D4276F8C0}"/>
+              </a:ext>
+            </a:extLst>
+          </p:cNvPr>
+          <p:cNvSpPr>
+            <a:spLocks noGrp="1"/>
+          </p:cNvSpPr>
+          <p:nvPr>
+            <p:ph type="title"/>
+          </p:nvPr>
+        </p:nvSpPr>
+        <p:spPr/>
+        <p:txBody>
+          <a:bodyPr>
+            <a:noAutofit/>
+          </a:bodyPr>
+          <a:lstStyle/>
+          <a:p>
+            <a:r>
+              <a:rPr lang="en-US" sz="3200" dirty="0"/>
+              <a:t>TEAS Interim Meeting on Network Slicing</a:t>
+            </a:r>
+          </a:p>
+        </p:txBody>
+      </p:sp>
+      <p:sp>
+        <p:nvSpPr>
+          <p:cNvPr id="4" name="Content Placeholder 3">
+            <a:extLst>
+              <a:ext uri="{FF2B5EF4-FFF2-40B4-BE49-F238E27FC236}">
+                <a16:creationId xmlns:a16="http://schemas.microsoft.com/office/drawing/2014/main" id="{CC2477E1-3318-4AD0-A1BF-FD6B8B8644C2}"/>
+              </a:ext>
+            </a:extLst>
+          </p:cNvPr>
+          <p:cNvSpPr>
+            <a:spLocks noGrp="1"/>
+          </p:cNvSpPr>
+          <p:nvPr>
+            <p:ph idx="1"/>
+          </p:nvPr>
+        </p:nvSpPr>
+        <p:spPr>
+          <a:xfrm>
+            <a:off x="457200" y="1181364"/>
+            <a:ext cx="3505200" cy="2666735"/>
+          </a:xfrm>
+        </p:spPr>
+        <p:txBody>
+          <a:bodyPr>
+            <a:normAutofit/>
+          </a:bodyPr>
+          <a:lstStyle/>
+          <a:p>
+            <a:r>
+              <a:rPr lang="en-US" sz="2000" dirty="0"/>
+              <a:t>Realization architecture and “filter topology”</a:t>
+            </a:r>
+          </a:p>
+        </p:txBody>
+      </p:sp>
+      <p:pic>
+        <p:nvPicPr>
+          <p:cNvPr id="4098" name="Picture 2" descr="😊">
+            <a:extLst>
+              <a:ext uri="{FF2B5EF4-FFF2-40B4-BE49-F238E27FC236}">
+                <a16:creationId xmlns:a16="http://schemas.microsoft.com/office/drawing/2014/main" id="{8B87BB46-3463-4F7F-B748-F0EDAE672019}"/>
+              </a:ext>
+            </a:extLst>
+          </p:cNvPr>
+          <p:cNvPicPr>
+            <a:picLocks noChangeAspect="1" noChangeArrowheads="1"/>
+          </p:cNvPicPr>
+          <p:nvPr/>
+        </p:nvPicPr>
+        <p:blipFill>
+          <a:blip r:embed="rId3">
+            <a:extLst>
+              <a:ext uri="{28A0092B-C50C-407E-A947-70E740481C1C}">
+                <a14:useLocalDpi xmlns:a14="http://schemas.microsoft.com/office/drawing/2010/main" val="0"/>
+              </a:ext>
+            </a:extLst>
+          </a:blip>
+          <a:srcRect/>
+          <a:stretch>
+            <a:fillRect/>
+          </a:stretch>
+        </p:blipFill>
+        <p:spPr bwMode="auto">
+          <a:xfrm>
+            <a:off x="16502063" y="769938"/>
+            <a:ext cx="685800" cy="685800"/>
+          </a:xfrm>
+          <a:prstGeom prst="rect">
+            <a:avLst/>
+          </a:prstGeom>
+          <a:noFill/>
+          <a:extLst>
+            <a:ext uri="{909E8E84-426E-40DD-AFC4-6F175D3DCCD1}">
+              <a14:hiddenFill xmlns:a14="http://schemas.microsoft.com/office/drawing/2010/main">
+                <a:solidFill>
+                  <a:srgbClr val="FFFFFF"/>
+                </a:solidFill>
+              </a14:hiddenFill>
+            </a:ext>
+          </a:extLst>
+        </p:spPr>
+      </p:pic>
+      <p:sp>
+        <p:nvSpPr>
+          <p:cNvPr id="3" name="Rectangle 1">
+            <a:extLst>
+              <a:ext uri="{FF2B5EF4-FFF2-40B4-BE49-F238E27FC236}">
+                <a16:creationId xmlns:a16="http://schemas.microsoft.com/office/drawing/2014/main" id="{63480F20-37DC-4232-9406-8A7122088E73}"/>
+              </a:ext>
+            </a:extLst>
+          </p:cNvPr>
+          <p:cNvSpPr>
+            <a:spLocks noChangeArrowheads="1"/>
+          </p:cNvSpPr>
+          <p:nvPr/>
+        </p:nvSpPr>
+        <p:spPr bwMode="auto">
+          <a:xfrm>
+            <a:off x="4343400" y="1028702"/>
+            <a:ext cx="4572000" cy="4616648"/>
+          </a:xfrm>
+          <a:prstGeom prst="rect">
+            <a:avLst/>
+          </a:prstGeom>
+          <a:noFill/>
+          <a:ln>
+            <a:noFill/>
+          </a:ln>
+          <a:effectLst/>
+          <a:extLst>
+            <a:ext uri="{909E8E84-426E-40DD-AFC4-6F175D3DCCD1}">
+              <a14:hiddenFill xmlns:a14="http://schemas.microsoft.com/office/drawing/2010/main">
+                <a:solidFill>
+                  <a:schemeClr val="accent1"/>
+                </a:solidFill>
+              </a14:hiddenFill>
+            </a:ext>
+            <a:ext uri="{91240B29-F687-4F45-9708-019B960494DF}">
+              <a14:hiddenLine xmlns:a14="http://schemas.microsoft.com/office/drawing/2010/main" w="9525">
+                <a:solidFill>
+                  <a:schemeClr val="tx1"/>
+                </a:solidFill>
+                <a:miter lim="800000"/>
+                <a:headEnd/>
+                <a:tailEnd/>
+              </a14:hiddenLine>
+            </a:ext>
+            <a:ext uri="{AF507438-7753-43E0-B8FC-AC1667EBCBE1}">
+              <a14:hiddenEffects xmlns:a14="http://schemas.microsoft.com/office/drawing/2010/main">
+                <a:effectLst>
+                  <a:outerShdw dist="35921" dir="2700000" algn="ctr" rotWithShape="0">
+                    <a:schemeClr val="bg2"/>
+                  </a:outerShdw>
+                </a:effectLst>
+              </a14:hiddenEffects>
+            </a:ext>
+          </a:extLst>
+        </p:spPr>
+        <p:txBody>
+          <a:bodyPr vert="horz" wrap="square" lIns="91440" tIns="45720" rIns="91440" bIns="45720" numCol="1" anchor="ctr" anchorCtr="0" compatLnSpc="1">
+            <a:prstTxWarp prst="textNoShape">
+              <a:avLst/>
+            </a:prstTxWarp>
+            <a:spAutoFit/>
+          </a:bodyPr>
+          <a:lstStyle>
+            <a:lvl1pPr eaLnBrk="0" fontAlgn="base" hangingPunct="0">
+              <a:spcBef>
+                <a:spcPct val="0"/>
+              </a:spcBef>
+              <a:spcAft>
+                <a:spcPct val="0"/>
+              </a:spcAft>
+              <a:defRPr>
+                <a:solidFill>
+                  <a:schemeClr val="tx1"/>
+                </a:solidFill>
+                <a:latin typeface="Arial" panose="020B0604020202020204" pitchFamily="34" charset="0"/>
+              </a:defRPr>
+            </a:lvl1pPr>
+            <a:lvl2pPr eaLnBrk="0" fontAlgn="base" hangingPunct="0">
+              <a:spcBef>
+                <a:spcPct val="0"/>
+              </a:spcBef>
+              <a:spcAft>
+                <a:spcPct val="0"/>
+              </a:spcAft>
+              <a:defRPr>
+                <a:solidFill>
+                  <a:schemeClr val="tx1"/>
+                </a:solidFill>
+                <a:latin typeface="Arial" panose="020B0604020202020204" pitchFamily="34" charset="0"/>
+              </a:defRPr>
+            </a:lvl2pPr>
+            <a:lvl3pPr eaLnBrk="0" fontAlgn="base" hangingPunct="0">
+              <a:spcBef>
+                <a:spcPct val="0"/>
+              </a:spcBef>
+              <a:spcAft>
+                <a:spcPct val="0"/>
+              </a:spcAft>
+              <a:defRPr>
+                <a:solidFill>
+                  <a:schemeClr val="tx1"/>
+                </a:solidFill>
+                <a:latin typeface="Arial" panose="020B0604020202020204" pitchFamily="34" charset="0"/>
+              </a:defRPr>
+            </a:lvl3pPr>
+            <a:lvl4pPr eaLnBrk="0" fontAlgn="base" hangingPunct="0">
+              <a:spcBef>
+                <a:spcPct val="0"/>
+              </a:spcBef>
+              <a:spcAft>
+                <a:spcPct val="0"/>
+              </a:spcAft>
+              <a:defRPr>
+                <a:solidFill>
+                  <a:schemeClr val="tx1"/>
+                </a:solidFill>
+                <a:latin typeface="Arial" panose="020B0604020202020204" pitchFamily="34" charset="0"/>
+              </a:defRPr>
+            </a:lvl4pPr>
+            <a:lvl5pPr eaLnBrk="0" fontAlgn="base" hangingPunct="0">
+              <a:spcBef>
+                <a:spcPct val="0"/>
+              </a:spcBef>
+              <a:spcAft>
+                <a:spcPct val="0"/>
+              </a:spcAft>
+              <a:defRPr>
+                <a:solidFill>
+                  <a:schemeClr val="tx1"/>
+                </a:solidFill>
+                <a:latin typeface="Arial" panose="020B0604020202020204" pitchFamily="34" charset="0"/>
+              </a:defRPr>
+            </a:lvl5pPr>
+            <a:lvl6pPr eaLnBrk="0" fontAlgn="base" hangingPunct="0">
+              <a:spcBef>
+                <a:spcPct val="0"/>
+              </a:spcBef>
+              <a:spcAft>
+                <a:spcPct val="0"/>
+              </a:spcAft>
+              <a:defRPr>
+                <a:solidFill>
+                  <a:schemeClr val="tx1"/>
+                </a:solidFill>
+                <a:latin typeface="Arial" panose="020B0604020202020204" pitchFamily="34" charset="0"/>
+              </a:defRPr>
+            </a:lvl6pPr>
+            <a:lvl7pPr eaLnBrk="0" fontAlgn="base" hangingPunct="0">
+              <a:spcBef>
+                <a:spcPct val="0"/>
+              </a:spcBef>
+              <a:spcAft>
+                <a:spcPct val="0"/>
+              </a:spcAft>
+              <a:defRPr>
+                <a:solidFill>
+                  <a:schemeClr val="tx1"/>
+                </a:solidFill>
+                <a:latin typeface="Arial" panose="020B0604020202020204" pitchFamily="34" charset="0"/>
+              </a:defRPr>
+            </a:lvl7pPr>
+            <a:lvl8pPr eaLnBrk="0" fontAlgn="base" hangingPunct="0">
+              <a:spcBef>
+                <a:spcPct val="0"/>
+              </a:spcBef>
+              <a:spcAft>
+                <a:spcPct val="0"/>
+              </a:spcAft>
+              <a:defRPr>
+                <a:solidFill>
+                  <a:schemeClr val="tx1"/>
+                </a:solidFill>
+                <a:latin typeface="Arial" panose="020B0604020202020204" pitchFamily="34" charset="0"/>
+              </a:defRPr>
+            </a:lvl8pPr>
+            <a:lvl9pPr eaLnBrk="0" fontAlgn="base" hangingPunct="0">
+              <a:spcBef>
+                <a:spcPct val="0"/>
+              </a:spcBef>
+              <a:spcAft>
+                <a:spcPct val="0"/>
+              </a:spcAft>
+              <a:defRPr>
+                <a:solidFill>
+                  <a:schemeClr val="tx1"/>
+                </a:solidFill>
+                <a:latin typeface="Arial" panose="020B0604020202020204" pitchFamily="34" charset="0"/>
+              </a:defRPr>
+            </a:lvl9pPr>
+          </a:lstStyle>
+          <a:p>
+            <a:pPr marL="0" marR="0" lvl="0" indent="0" algn="l" defTabSz="914400" rtl="0" eaLnBrk="0" fontAlgn="base" latinLnBrk="0" hangingPunct="0">
+              <a:lnSpc>
+                <a:spcPct val="100000"/>
+              </a:lnSpc>
+              <a:spcBef>
+                <a:spcPct val="0"/>
+              </a:spcBef>
+              <a:spcAft>
+                <a:spcPct val="0"/>
+              </a:spcAft>
+              <a:buClrTx/>
+              <a:buSzTx/>
+              <a:buFontTx/>
+              <a:buNone/>
+              <a:tabLst/>
+            </a:pPr>
+            <a:r>
+              <a:rPr kumimoji="0" lang="en-US" altLang="en-US" sz="700" b="0" i="0" u="none" strike="noStrike" cap="none" normalizeH="0" baseline="0" dirty="0">
+                <a:ln>
+                  <a:noFill/>
+                </a:ln>
+                <a:solidFill>
+                  <a:srgbClr val="222222"/>
+                </a:solidFill>
+                <a:effectLst/>
+                <a:latin typeface="Courier New" panose="02070309020205020404" pitchFamily="49" charset="0"/>
+                <a:cs typeface="Courier New" panose="02070309020205020404" pitchFamily="49" charset="0"/>
+              </a:rPr>
+              <a:t>                       --      --      --</a:t>
+            </a:r>
+            <a:endParaRPr kumimoji="0" lang="en-US" altLang="en-US" sz="300" b="0" i="0" u="none" strike="noStrike" cap="none" normalizeH="0" baseline="0" dirty="0">
+              <a:ln>
+                <a:noFill/>
+              </a:ln>
+              <a:solidFill>
+                <a:schemeClr val="tx1"/>
+              </a:solidFill>
+              <a:effectLst/>
+            </a:endParaRPr>
+          </a:p>
+          <a:p>
+            <a:pPr marL="0" marR="0" lvl="0" indent="0" algn="l" defTabSz="914400" rtl="0" eaLnBrk="0" fontAlgn="base" latinLnBrk="0" hangingPunct="0">
+              <a:lnSpc>
+                <a:spcPct val="100000"/>
+              </a:lnSpc>
+              <a:spcBef>
+                <a:spcPct val="0"/>
+              </a:spcBef>
+              <a:spcAft>
+                <a:spcPct val="0"/>
+              </a:spcAft>
+              <a:buClrTx/>
+              <a:buSzTx/>
+              <a:buFontTx/>
+              <a:buNone/>
+              <a:tabLst/>
+            </a:pPr>
+            <a:r>
+              <a:rPr kumimoji="0" lang="en-US" altLang="en-US" sz="700" b="0" i="0" u="none" strike="noStrike" cap="none" normalizeH="0" baseline="0" dirty="0">
+                <a:ln>
+                  <a:noFill/>
+                </a:ln>
+                <a:solidFill>
+                  <a:srgbClr val="222222"/>
+                </a:solidFill>
+                <a:effectLst/>
+                <a:latin typeface="Courier New" panose="02070309020205020404" pitchFamily="49" charset="0"/>
+                <a:cs typeface="Courier New" panose="02070309020205020404" pitchFamily="49" charset="0"/>
+              </a:rPr>
+              <a:t>                      |CE|    |CE|    |CE|</a:t>
+            </a:r>
+            <a:endParaRPr kumimoji="0" lang="en-US" altLang="en-US" sz="300" b="0" i="0" u="none" strike="noStrike" cap="none" normalizeH="0" baseline="0" dirty="0">
+              <a:ln>
+                <a:noFill/>
+              </a:ln>
+              <a:solidFill>
+                <a:schemeClr val="tx1"/>
+              </a:solidFill>
+              <a:effectLst/>
+            </a:endParaRPr>
+          </a:p>
+          <a:p>
+            <a:pPr marL="0" marR="0" lvl="0" indent="0" algn="l" defTabSz="914400" rtl="0" eaLnBrk="0" fontAlgn="base" latinLnBrk="0" hangingPunct="0">
+              <a:lnSpc>
+                <a:spcPct val="100000"/>
+              </a:lnSpc>
+              <a:spcBef>
+                <a:spcPct val="0"/>
+              </a:spcBef>
+              <a:spcAft>
+                <a:spcPct val="0"/>
+              </a:spcAft>
+              <a:buClrTx/>
+              <a:buSzTx/>
+              <a:buFontTx/>
+              <a:buNone/>
+              <a:tabLst/>
+            </a:pPr>
+            <a:r>
+              <a:rPr kumimoji="0" lang="en-US" altLang="en-US" sz="700" b="0" i="0" u="none" strike="noStrike" cap="none" normalizeH="0" baseline="0" dirty="0">
+                <a:ln>
+                  <a:noFill/>
+                </a:ln>
+                <a:solidFill>
+                  <a:srgbClr val="222222"/>
+                </a:solidFill>
+                <a:effectLst/>
+                <a:latin typeface="Courier New" panose="02070309020205020404" pitchFamily="49" charset="0"/>
+                <a:cs typeface="Courier New" panose="02070309020205020404" pitchFamily="49" charset="0"/>
+              </a:rPr>
+              <a:t>                       --      --      --</a:t>
+            </a:r>
+            <a:endParaRPr kumimoji="0" lang="en-US" altLang="en-US" sz="300" b="0" i="0" u="none" strike="noStrike" cap="none" normalizeH="0" baseline="0" dirty="0">
+              <a:ln>
+                <a:noFill/>
+              </a:ln>
+              <a:solidFill>
+                <a:schemeClr val="tx1"/>
+              </a:solidFill>
+              <a:effectLst/>
+            </a:endParaRPr>
+          </a:p>
+          <a:p>
+            <a:pPr marL="0" marR="0" lvl="0" indent="0" algn="l" defTabSz="914400" rtl="0" eaLnBrk="0" fontAlgn="base" latinLnBrk="0" hangingPunct="0">
+              <a:lnSpc>
+                <a:spcPct val="100000"/>
+              </a:lnSpc>
+              <a:spcBef>
+                <a:spcPct val="0"/>
+              </a:spcBef>
+              <a:spcAft>
+                <a:spcPct val="0"/>
+              </a:spcAft>
+              <a:buClrTx/>
+              <a:buSzTx/>
+              <a:buFontTx/>
+              <a:buNone/>
+              <a:tabLst/>
+            </a:pPr>
+            <a:r>
+              <a:rPr kumimoji="0" lang="en-US" altLang="en-US" sz="700" b="0" i="0" u="none" strike="noStrike" cap="none" normalizeH="0" baseline="0" dirty="0">
+                <a:ln>
+                  <a:noFill/>
+                </a:ln>
+                <a:solidFill>
+                  <a:srgbClr val="222222"/>
+                </a:solidFill>
+                <a:effectLst/>
+                <a:latin typeface="Courier New" panose="02070309020205020404" pitchFamily="49" charset="0"/>
+                <a:cs typeface="Courier New" panose="02070309020205020404" pitchFamily="49" charset="0"/>
+              </a:rPr>
+              <a:t>                     AC :    AC :    AC :                                      </a:t>
+            </a:r>
+            <a:endParaRPr kumimoji="0" lang="en-US" altLang="en-US" sz="300" b="0" i="0" u="none" strike="noStrike" cap="none" normalizeH="0" baseline="0" dirty="0">
+              <a:ln>
+                <a:noFill/>
+              </a:ln>
+              <a:solidFill>
+                <a:schemeClr val="tx1"/>
+              </a:solidFill>
+              <a:effectLst/>
+            </a:endParaRPr>
+          </a:p>
+          <a:p>
+            <a:pPr marL="0" marR="0" lvl="0" indent="0" algn="l" defTabSz="914400" rtl="0" eaLnBrk="0" fontAlgn="base" latinLnBrk="0" hangingPunct="0">
+              <a:lnSpc>
+                <a:spcPct val="100000"/>
+              </a:lnSpc>
+              <a:spcBef>
+                <a:spcPct val="0"/>
+              </a:spcBef>
+              <a:spcAft>
+                <a:spcPct val="0"/>
+              </a:spcAft>
+              <a:buClrTx/>
+              <a:buSzTx/>
+              <a:buFontTx/>
+              <a:buNone/>
+              <a:tabLst/>
+            </a:pPr>
+            <a:r>
+              <a:rPr kumimoji="0" lang="en-US" altLang="en-US" sz="700" b="0" i="0" u="none" strike="noStrike" cap="none" normalizeH="0" baseline="0" dirty="0">
+                <a:ln>
+                  <a:noFill/>
+                </a:ln>
+                <a:solidFill>
+                  <a:srgbClr val="222222"/>
+                </a:solidFill>
+                <a:effectLst/>
+                <a:latin typeface="Courier New" panose="02070309020205020404" pitchFamily="49" charset="0"/>
+                <a:cs typeface="Courier New" panose="02070309020205020404" pitchFamily="49" charset="0"/>
+              </a:rPr>
+              <a:t>                     ----------------------        -------</a:t>
+            </a:r>
+            <a:endParaRPr kumimoji="0" lang="en-US" altLang="en-US" sz="300" b="0" i="0" u="none" strike="noStrike" cap="none" normalizeH="0" baseline="0" dirty="0">
+              <a:ln>
+                <a:noFill/>
+              </a:ln>
+              <a:solidFill>
+                <a:schemeClr val="tx1"/>
+              </a:solidFill>
+              <a:effectLst/>
+            </a:endParaRPr>
+          </a:p>
+          <a:p>
+            <a:pPr marL="0" marR="0" lvl="0" indent="0" algn="l" defTabSz="914400" rtl="0" eaLnBrk="0" fontAlgn="base" latinLnBrk="0" hangingPunct="0">
+              <a:lnSpc>
+                <a:spcPct val="100000"/>
+              </a:lnSpc>
+              <a:spcBef>
+                <a:spcPct val="0"/>
+              </a:spcBef>
+              <a:spcAft>
+                <a:spcPct val="0"/>
+              </a:spcAft>
+              <a:buClrTx/>
+              <a:buSzTx/>
+              <a:buFontTx/>
+              <a:buNone/>
+              <a:tabLst/>
+            </a:pPr>
+            <a:r>
+              <a:rPr kumimoji="0" lang="en-US" altLang="en-US" sz="700" b="0" i="0" u="none" strike="noStrike" cap="none" normalizeH="0" baseline="0" dirty="0">
+                <a:ln>
+                  <a:noFill/>
+                </a:ln>
+                <a:solidFill>
+                  <a:srgbClr val="222222"/>
+                </a:solidFill>
+                <a:effectLst/>
+                <a:latin typeface="Courier New" panose="02070309020205020404" pitchFamily="49" charset="0"/>
+                <a:cs typeface="Courier New" panose="02070309020205020404" pitchFamily="49" charset="0"/>
+              </a:rPr>
+              <a:t>                    ( |PE|....|PE|....|PE| )      ( IETF  )</a:t>
+            </a:r>
+            <a:endParaRPr kumimoji="0" lang="en-US" altLang="en-US" sz="300" b="0" i="0" u="none" strike="noStrike" cap="none" normalizeH="0" baseline="0" dirty="0">
+              <a:ln>
+                <a:noFill/>
+              </a:ln>
+              <a:solidFill>
+                <a:schemeClr val="tx1"/>
+              </a:solidFill>
+              <a:effectLst/>
+            </a:endParaRPr>
+          </a:p>
+          <a:p>
+            <a:pPr marL="0" marR="0" lvl="0" indent="0" algn="l" defTabSz="914400" rtl="0" eaLnBrk="0" fontAlgn="base" latinLnBrk="0" hangingPunct="0">
+              <a:lnSpc>
+                <a:spcPct val="100000"/>
+              </a:lnSpc>
+              <a:spcBef>
+                <a:spcPct val="0"/>
+              </a:spcBef>
+              <a:spcAft>
+                <a:spcPct val="0"/>
+              </a:spcAft>
+              <a:buClrTx/>
+              <a:buSzTx/>
+              <a:buFontTx/>
+              <a:buNone/>
+              <a:tabLst/>
+            </a:pPr>
+            <a:r>
+              <a:rPr kumimoji="0" lang="en-US" altLang="en-US" sz="700" b="0" i="0" u="none" strike="noStrike" cap="none" normalizeH="0" baseline="0" dirty="0">
+                <a:ln>
+                  <a:noFill/>
+                </a:ln>
+                <a:solidFill>
+                  <a:srgbClr val="222222"/>
+                </a:solidFill>
+                <a:effectLst/>
+                <a:latin typeface="Courier New" panose="02070309020205020404" pitchFamily="49" charset="0"/>
+                <a:cs typeface="Courier New" panose="02070309020205020404" pitchFamily="49" charset="0"/>
+              </a:rPr>
+              <a:t>                   (   --:     --     :--   )    ( Network )</a:t>
+            </a:r>
+            <a:endParaRPr kumimoji="0" lang="en-US" altLang="en-US" sz="300" b="0" i="0" u="none" strike="noStrike" cap="none" normalizeH="0" baseline="0" dirty="0">
+              <a:ln>
+                <a:noFill/>
+              </a:ln>
+              <a:solidFill>
+                <a:schemeClr val="tx1"/>
+              </a:solidFill>
+              <a:effectLst/>
+            </a:endParaRPr>
+          </a:p>
+          <a:p>
+            <a:pPr marL="0" marR="0" lvl="0" indent="0" algn="l" defTabSz="914400" rtl="0" eaLnBrk="0" fontAlgn="base" latinLnBrk="0" hangingPunct="0">
+              <a:lnSpc>
+                <a:spcPct val="100000"/>
+              </a:lnSpc>
+              <a:spcBef>
+                <a:spcPct val="0"/>
+              </a:spcBef>
+              <a:spcAft>
+                <a:spcPct val="0"/>
+              </a:spcAft>
+              <a:buClrTx/>
+              <a:buSzTx/>
+              <a:buFontTx/>
+              <a:buNone/>
+              <a:tabLst/>
+            </a:pPr>
+            <a:r>
+              <a:rPr kumimoji="0" lang="en-US" altLang="en-US" sz="700" b="0" i="0" u="none" strike="noStrike" cap="none" normalizeH="0" baseline="0" dirty="0">
+                <a:ln>
+                  <a:noFill/>
+                </a:ln>
+                <a:solidFill>
+                  <a:srgbClr val="222222"/>
+                </a:solidFill>
+                <a:effectLst/>
+                <a:latin typeface="Courier New" panose="02070309020205020404" pitchFamily="49" charset="0"/>
+                <a:cs typeface="Courier New" panose="02070309020205020404" pitchFamily="49" charset="0"/>
+              </a:rPr>
+              <a:t>                   (     :............:     )    (  Slice  )                   </a:t>
+            </a:r>
+            <a:endParaRPr kumimoji="0" lang="en-US" altLang="en-US" sz="300" b="0" i="0" u="none" strike="noStrike" cap="none" normalizeH="0" baseline="0" dirty="0">
+              <a:ln>
+                <a:noFill/>
+              </a:ln>
+              <a:solidFill>
+                <a:schemeClr val="tx1"/>
+              </a:solidFill>
+              <a:effectLst/>
+            </a:endParaRPr>
+          </a:p>
+          <a:p>
+            <a:pPr marL="0" marR="0" lvl="0" indent="0" algn="l" defTabSz="914400" rtl="0" eaLnBrk="0" fontAlgn="base" latinLnBrk="0" hangingPunct="0">
+              <a:lnSpc>
+                <a:spcPct val="100000"/>
+              </a:lnSpc>
+              <a:spcBef>
+                <a:spcPct val="0"/>
+              </a:spcBef>
+              <a:spcAft>
+                <a:spcPct val="0"/>
+              </a:spcAft>
+              <a:buClrTx/>
+              <a:buSzTx/>
+              <a:buFontTx/>
+              <a:buNone/>
+              <a:tabLst/>
+            </a:pPr>
+            <a:r>
+              <a:rPr kumimoji="0" lang="en-US" altLang="en-US" sz="700" b="0" i="0" u="none" strike="noStrike" cap="none" normalizeH="0" baseline="0" dirty="0">
+                <a:ln>
+                  <a:noFill/>
+                </a:ln>
+                <a:solidFill>
+                  <a:srgbClr val="222222"/>
+                </a:solidFill>
+                <a:effectLst/>
+                <a:latin typeface="Courier New" panose="02070309020205020404" pitchFamily="49" charset="0"/>
+                <a:cs typeface="Courier New" panose="02070309020205020404" pitchFamily="49" charset="0"/>
+              </a:rPr>
+              <a:t>                    (  IETF Network Slice  )      (       )  Customer</a:t>
+            </a:r>
+            <a:endParaRPr kumimoji="0" lang="en-US" altLang="en-US" sz="300" b="0" i="0" u="none" strike="noStrike" cap="none" normalizeH="0" baseline="0" dirty="0">
+              <a:ln>
+                <a:noFill/>
+              </a:ln>
+              <a:solidFill>
+                <a:schemeClr val="tx1"/>
+              </a:solidFill>
+              <a:effectLst/>
+            </a:endParaRPr>
+          </a:p>
+          <a:p>
+            <a:pPr marL="0" marR="0" lvl="0" indent="0" algn="l" defTabSz="914400" rtl="0" eaLnBrk="0" fontAlgn="base" latinLnBrk="0" hangingPunct="0">
+              <a:lnSpc>
+                <a:spcPct val="100000"/>
+              </a:lnSpc>
+              <a:spcBef>
+                <a:spcPct val="0"/>
+              </a:spcBef>
+              <a:spcAft>
+                <a:spcPct val="0"/>
+              </a:spcAft>
+              <a:buClrTx/>
+              <a:buSzTx/>
+              <a:buFontTx/>
+              <a:buNone/>
+              <a:tabLst/>
+            </a:pPr>
+            <a:r>
+              <a:rPr kumimoji="0" lang="en-US" altLang="en-US" sz="700" b="0" i="0" u="none" strike="noStrike" cap="none" normalizeH="0" baseline="0" dirty="0">
+                <a:ln>
+                  <a:noFill/>
+                </a:ln>
+                <a:solidFill>
+                  <a:srgbClr val="222222"/>
+                </a:solidFill>
+                <a:effectLst/>
+                <a:latin typeface="Courier New" panose="02070309020205020404" pitchFamily="49" charset="0"/>
+                <a:cs typeface="Courier New" panose="02070309020205020404" pitchFamily="49" charset="0"/>
+              </a:rPr>
+              <a:t>                     ----------------------        -------     View</a:t>
+            </a:r>
+            <a:endParaRPr kumimoji="0" lang="en-US" altLang="en-US" sz="300" b="0" i="0" u="none" strike="noStrike" cap="none" normalizeH="0" baseline="0" dirty="0">
+              <a:ln>
+                <a:noFill/>
+              </a:ln>
+              <a:solidFill>
+                <a:schemeClr val="tx1"/>
+              </a:solidFill>
+              <a:effectLst/>
+            </a:endParaRPr>
+          </a:p>
+          <a:p>
+            <a:pPr marL="0" marR="0" lvl="0" indent="0" algn="l" defTabSz="914400" rtl="0" eaLnBrk="0" fontAlgn="base" latinLnBrk="0" hangingPunct="0">
+              <a:lnSpc>
+                <a:spcPct val="100000"/>
+              </a:lnSpc>
+              <a:spcBef>
+                <a:spcPct val="0"/>
+              </a:spcBef>
+              <a:spcAft>
+                <a:spcPct val="0"/>
+              </a:spcAft>
+              <a:buClrTx/>
+              <a:buSzTx/>
+              <a:buFontTx/>
+              <a:buNone/>
+              <a:tabLst/>
+            </a:pPr>
+            <a:r>
+              <a:rPr kumimoji="0" lang="en-US" altLang="en-US" sz="700" b="0" i="0" u="none" strike="noStrike" cap="none" normalizeH="0" baseline="0" dirty="0">
+                <a:ln>
+                  <a:noFill/>
+                </a:ln>
+                <a:solidFill>
+                  <a:srgbClr val="222222"/>
+                </a:solidFill>
+                <a:effectLst/>
+                <a:latin typeface="Courier New" panose="02070309020205020404" pitchFamily="49" charset="0"/>
+                <a:cs typeface="Courier New" panose="02070309020205020404" pitchFamily="49" charset="0"/>
+              </a:rPr>
+              <a:t>                  ........................\........./..................</a:t>
+            </a:r>
+            <a:endParaRPr kumimoji="0" lang="en-US" altLang="en-US" sz="300" b="0" i="0" u="none" strike="noStrike" cap="none" normalizeH="0" baseline="0" dirty="0">
+              <a:ln>
+                <a:noFill/>
+              </a:ln>
+              <a:solidFill>
+                <a:schemeClr val="tx1"/>
+              </a:solidFill>
+              <a:effectLst/>
+            </a:endParaRPr>
+          </a:p>
+          <a:p>
+            <a:pPr marL="0" marR="0" lvl="0" indent="0" algn="l" defTabSz="914400" rtl="0" eaLnBrk="0" fontAlgn="base" latinLnBrk="0" hangingPunct="0">
+              <a:lnSpc>
+                <a:spcPct val="100000"/>
+              </a:lnSpc>
+              <a:spcBef>
+                <a:spcPct val="0"/>
+              </a:spcBef>
+              <a:spcAft>
+                <a:spcPct val="0"/>
+              </a:spcAft>
+              <a:buClrTx/>
+              <a:buSzTx/>
+              <a:buFontTx/>
+              <a:buNone/>
+              <a:tabLst/>
+            </a:pPr>
+            <a:r>
+              <a:rPr kumimoji="0" lang="en-US" altLang="en-US" sz="700" b="0" i="0" u="none" strike="noStrike" cap="none" normalizeH="0" baseline="0" dirty="0">
+                <a:ln>
+                  <a:noFill/>
+                </a:ln>
+                <a:solidFill>
+                  <a:srgbClr val="222222"/>
+                </a:solidFill>
+                <a:effectLst/>
+                <a:latin typeface="Courier New" panose="02070309020205020404" pitchFamily="49" charset="0"/>
+                <a:cs typeface="Courier New" panose="02070309020205020404" pitchFamily="49" charset="0"/>
+              </a:rPr>
+              <a:t>                                           \       /        Controller</a:t>
+            </a:r>
+            <a:endParaRPr kumimoji="0" lang="en-US" altLang="en-US" sz="300" b="0" i="0" u="none" strike="noStrike" cap="none" normalizeH="0" baseline="0" dirty="0">
+              <a:ln>
+                <a:noFill/>
+              </a:ln>
+              <a:solidFill>
+                <a:schemeClr val="tx1"/>
+              </a:solidFill>
+              <a:effectLst/>
+            </a:endParaRPr>
+          </a:p>
+          <a:p>
+            <a:pPr marL="0" marR="0" lvl="0" indent="0" algn="l" defTabSz="914400" rtl="0" eaLnBrk="0" fontAlgn="base" latinLnBrk="0" hangingPunct="0">
+              <a:lnSpc>
+                <a:spcPct val="100000"/>
+              </a:lnSpc>
+              <a:spcBef>
+                <a:spcPct val="0"/>
+              </a:spcBef>
+              <a:spcAft>
+                <a:spcPct val="0"/>
+              </a:spcAft>
+              <a:buClrTx/>
+              <a:buSzTx/>
+              <a:buFontTx/>
+              <a:buNone/>
+              <a:tabLst/>
+            </a:pPr>
+            <a:r>
+              <a:rPr kumimoji="0" lang="en-US" altLang="en-US" sz="700" b="0" i="0" u="none" strike="noStrike" cap="none" normalizeH="0" baseline="0" dirty="0">
+                <a:ln>
+                  <a:noFill/>
+                </a:ln>
+                <a:solidFill>
+                  <a:srgbClr val="222222"/>
+                </a:solidFill>
+                <a:effectLst/>
+                <a:latin typeface="Courier New" panose="02070309020205020404" pitchFamily="49" charset="0"/>
+                <a:cs typeface="Courier New" panose="02070309020205020404" pitchFamily="49" charset="0"/>
+              </a:rPr>
+              <a:t>          &gt;&gt;&gt;&gt;&gt;&gt;&gt;&gt;&gt;&gt;&gt;&gt;&gt;&gt;&gt;  Grouping/Mapping v     </a:t>
+            </a:r>
+            <a:r>
+              <a:rPr kumimoji="0" lang="en-US" altLang="en-US" sz="700" b="0" i="0" u="none" strike="noStrike" cap="none" normalizeH="0" baseline="0" dirty="0" err="1">
+                <a:ln>
+                  <a:noFill/>
+                </a:ln>
+                <a:solidFill>
+                  <a:srgbClr val="222222"/>
+                </a:solidFill>
+                <a:effectLst/>
+                <a:latin typeface="Courier New" panose="02070309020205020404" pitchFamily="49" charset="0"/>
+                <a:cs typeface="Courier New" panose="02070309020205020404" pitchFamily="49" charset="0"/>
+              </a:rPr>
+              <a:t>v</a:t>
+            </a:r>
+            <a:r>
+              <a:rPr kumimoji="0" lang="en-US" altLang="en-US" sz="700" b="0" i="0" u="none" strike="noStrike" cap="none" normalizeH="0" baseline="0" dirty="0">
+                <a:ln>
+                  <a:noFill/>
+                </a:ln>
+                <a:solidFill>
+                  <a:srgbClr val="222222"/>
+                </a:solidFill>
+                <a:effectLst/>
+                <a:latin typeface="Courier New" panose="02070309020205020404" pitchFamily="49" charset="0"/>
+                <a:cs typeface="Courier New" panose="02070309020205020404" pitchFamily="49" charset="0"/>
+              </a:rPr>
+              <a:t>            View</a:t>
+            </a:r>
+            <a:endParaRPr kumimoji="0" lang="en-US" altLang="en-US" sz="300" b="0" i="0" u="none" strike="noStrike" cap="none" normalizeH="0" baseline="0" dirty="0">
+              <a:ln>
+                <a:noFill/>
+              </a:ln>
+              <a:solidFill>
+                <a:schemeClr val="tx1"/>
+              </a:solidFill>
+              <a:effectLst/>
+            </a:endParaRPr>
+          </a:p>
+          <a:p>
+            <a:pPr marL="0" marR="0" lvl="0" indent="0" algn="l" defTabSz="914400" rtl="0" eaLnBrk="0" fontAlgn="base" latinLnBrk="0" hangingPunct="0">
+              <a:lnSpc>
+                <a:spcPct val="100000"/>
+              </a:lnSpc>
+              <a:spcBef>
+                <a:spcPct val="0"/>
+              </a:spcBef>
+              <a:spcAft>
+                <a:spcPct val="0"/>
+              </a:spcAft>
+              <a:buClrTx/>
+              <a:buSzTx/>
+              <a:buFontTx/>
+              <a:buNone/>
+              <a:tabLst/>
+            </a:pPr>
+            <a:r>
+              <a:rPr kumimoji="0" lang="en-US" altLang="en-US" sz="700" b="0" i="0" u="none" strike="noStrike" cap="none" normalizeH="0" baseline="0" dirty="0">
+                <a:ln>
+                  <a:noFill/>
+                </a:ln>
+                <a:solidFill>
+                  <a:srgbClr val="222222"/>
+                </a:solidFill>
+                <a:effectLst/>
+                <a:latin typeface="Courier New" panose="02070309020205020404" pitchFamily="49" charset="0"/>
+                <a:cs typeface="Courier New" panose="02070309020205020404" pitchFamily="49" charset="0"/>
+              </a:rPr>
+              <a:t>         ^             -----------------------------------------</a:t>
+            </a:r>
+            <a:endParaRPr kumimoji="0" lang="en-US" altLang="en-US" sz="300" b="0" i="0" u="none" strike="noStrike" cap="none" normalizeH="0" baseline="0" dirty="0">
+              <a:ln>
+                <a:noFill/>
+              </a:ln>
+              <a:solidFill>
+                <a:schemeClr val="tx1"/>
+              </a:solidFill>
+              <a:effectLst/>
+            </a:endParaRPr>
+          </a:p>
+          <a:p>
+            <a:pPr marL="0" marR="0" lvl="0" indent="0" algn="l" defTabSz="914400" rtl="0" eaLnBrk="0" fontAlgn="base" latinLnBrk="0" hangingPunct="0">
+              <a:lnSpc>
+                <a:spcPct val="100000"/>
+              </a:lnSpc>
+              <a:spcBef>
+                <a:spcPct val="0"/>
+              </a:spcBef>
+              <a:spcAft>
+                <a:spcPct val="0"/>
+              </a:spcAft>
+              <a:buClrTx/>
+              <a:buSzTx/>
+              <a:buFontTx/>
+              <a:buNone/>
+              <a:tabLst/>
+            </a:pPr>
+            <a:r>
+              <a:rPr kumimoji="0" lang="en-US" altLang="en-US" sz="700" b="0" i="0" u="none" strike="noStrike" cap="none" normalizeH="0" baseline="0" dirty="0">
+                <a:ln>
+                  <a:noFill/>
+                </a:ln>
+                <a:solidFill>
+                  <a:srgbClr val="222222"/>
+                </a:solidFill>
+                <a:effectLst/>
+                <a:latin typeface="Courier New" panose="02070309020205020404" pitchFamily="49" charset="0"/>
+                <a:cs typeface="Courier New" panose="02070309020205020404" pitchFamily="49" charset="0"/>
+              </a:rPr>
+              <a:t>         ^            ( |PE|.......|PE|........|PE|.......|PE|  )</a:t>
+            </a:r>
+            <a:endParaRPr kumimoji="0" lang="en-US" altLang="en-US" sz="300" b="0" i="0" u="none" strike="noStrike" cap="none" normalizeH="0" baseline="0" dirty="0">
+              <a:ln>
+                <a:noFill/>
+              </a:ln>
+              <a:solidFill>
+                <a:schemeClr val="tx1"/>
+              </a:solidFill>
+              <a:effectLst/>
+            </a:endParaRPr>
+          </a:p>
+          <a:p>
+            <a:pPr marL="0" marR="0" lvl="0" indent="0" algn="l" defTabSz="914400" rtl="0" eaLnBrk="0" fontAlgn="base" latinLnBrk="0" hangingPunct="0">
+              <a:lnSpc>
+                <a:spcPct val="100000"/>
+              </a:lnSpc>
+              <a:spcBef>
+                <a:spcPct val="0"/>
+              </a:spcBef>
+              <a:spcAft>
+                <a:spcPct val="0"/>
+              </a:spcAft>
+              <a:buClrTx/>
+              <a:buSzTx/>
+              <a:buFontTx/>
+              <a:buNone/>
+              <a:tabLst/>
+            </a:pPr>
+            <a:r>
+              <a:rPr kumimoji="0" lang="en-US" altLang="en-US" sz="700" b="0" i="0" u="none" strike="noStrike" cap="none" normalizeH="0" baseline="0" dirty="0">
+                <a:ln>
+                  <a:noFill/>
+                </a:ln>
+                <a:solidFill>
+                  <a:srgbClr val="222222"/>
+                </a:solidFill>
+                <a:effectLst/>
+                <a:latin typeface="Courier New" panose="02070309020205020404" pitchFamily="49" charset="0"/>
+                <a:cs typeface="Courier New" panose="02070309020205020404" pitchFamily="49" charset="0"/>
+              </a:rPr>
+              <a:t>    ------------     (   --:        --         :--         --    )</a:t>
+            </a:r>
+            <a:endParaRPr kumimoji="0" lang="en-US" altLang="en-US" sz="300" b="0" i="0" u="none" strike="noStrike" cap="none" normalizeH="0" baseline="0" dirty="0">
+              <a:ln>
+                <a:noFill/>
+              </a:ln>
+              <a:solidFill>
+                <a:schemeClr val="tx1"/>
+              </a:solidFill>
+              <a:effectLst/>
+            </a:endParaRPr>
+          </a:p>
+          <a:p>
+            <a:pPr marL="0" marR="0" lvl="0" indent="0" algn="l" defTabSz="914400" rtl="0" eaLnBrk="0" fontAlgn="base" latinLnBrk="0" hangingPunct="0">
+              <a:lnSpc>
+                <a:spcPct val="100000"/>
+              </a:lnSpc>
+              <a:spcBef>
+                <a:spcPct val="0"/>
+              </a:spcBef>
+              <a:spcAft>
+                <a:spcPct val="0"/>
+              </a:spcAft>
+              <a:buClrTx/>
+              <a:buSzTx/>
+              <a:buFontTx/>
+              <a:buNone/>
+              <a:tabLst/>
+            </a:pPr>
+            <a:r>
+              <a:rPr kumimoji="0" lang="en-US" altLang="en-US" sz="700" b="0" i="0" u="none" strike="noStrike" cap="none" normalizeH="0" baseline="0" dirty="0">
+                <a:ln>
+                  <a:noFill/>
+                </a:ln>
+                <a:solidFill>
+                  <a:srgbClr val="222222"/>
+                </a:solidFill>
+                <a:effectLst/>
+                <a:latin typeface="Courier New" panose="02070309020205020404" pitchFamily="49" charset="0"/>
+                <a:cs typeface="Courier New" panose="02070309020205020404" pitchFamily="49" charset="0"/>
+              </a:rPr>
+              <a:t>   |            |    (     :...................:                 )</a:t>
+            </a:r>
+            <a:endParaRPr kumimoji="0" lang="en-US" altLang="en-US" sz="300" b="0" i="0" u="none" strike="noStrike" cap="none" normalizeH="0" baseline="0" dirty="0">
+              <a:ln>
+                <a:noFill/>
+              </a:ln>
+              <a:solidFill>
+                <a:schemeClr val="tx1"/>
+              </a:solidFill>
+              <a:effectLst/>
+            </a:endParaRPr>
+          </a:p>
+          <a:p>
+            <a:pPr marL="0" marR="0" lvl="0" indent="0" algn="l" defTabSz="914400" rtl="0" eaLnBrk="0" fontAlgn="base" latinLnBrk="0" hangingPunct="0">
+              <a:lnSpc>
+                <a:spcPct val="100000"/>
+              </a:lnSpc>
+              <a:spcBef>
+                <a:spcPct val="0"/>
+              </a:spcBef>
+              <a:spcAft>
+                <a:spcPct val="0"/>
+              </a:spcAft>
+              <a:buClrTx/>
+              <a:buSzTx/>
+              <a:buFontTx/>
+              <a:buNone/>
+              <a:tabLst/>
+            </a:pPr>
+            <a:r>
+              <a:rPr kumimoji="0" lang="en-US" altLang="en-US" sz="700" b="0" i="0" u="none" strike="noStrike" cap="none" normalizeH="0" baseline="0" dirty="0">
+                <a:ln>
+                  <a:noFill/>
+                </a:ln>
+                <a:solidFill>
+                  <a:srgbClr val="222222"/>
+                </a:solidFill>
+                <a:effectLst/>
+                <a:latin typeface="Courier New" panose="02070309020205020404" pitchFamily="49" charset="0"/>
+                <a:cs typeface="Courier New" panose="02070309020205020404" pitchFamily="49" charset="0"/>
+              </a:rPr>
+              <a:t>   | Controller |     (        Network Resource Partition       )    </a:t>
+            </a:r>
+            <a:endParaRPr kumimoji="0" lang="en-US" altLang="en-US" sz="300" b="0" i="0" u="none" strike="noStrike" cap="none" normalizeH="0" baseline="0" dirty="0">
+              <a:ln>
+                <a:noFill/>
+              </a:ln>
+              <a:solidFill>
+                <a:schemeClr val="tx1"/>
+              </a:solidFill>
+              <a:effectLst/>
+            </a:endParaRPr>
+          </a:p>
+          <a:p>
+            <a:pPr marL="0" marR="0" lvl="0" indent="0" algn="l" defTabSz="914400" rtl="0" eaLnBrk="0" fontAlgn="base" latinLnBrk="0" hangingPunct="0">
+              <a:lnSpc>
+                <a:spcPct val="100000"/>
+              </a:lnSpc>
+              <a:spcBef>
+                <a:spcPct val="0"/>
+              </a:spcBef>
+              <a:spcAft>
+                <a:spcPct val="0"/>
+              </a:spcAft>
+              <a:buClrTx/>
+              <a:buSzTx/>
+              <a:buFontTx/>
+              <a:buNone/>
+              <a:tabLst/>
+            </a:pPr>
+            <a:r>
+              <a:rPr kumimoji="0" lang="en-US" altLang="en-US" sz="700" b="0" i="0" u="none" strike="noStrike" cap="none" normalizeH="0" baseline="0" dirty="0">
+                <a:ln>
+                  <a:noFill/>
+                </a:ln>
+                <a:solidFill>
+                  <a:srgbClr val="222222"/>
+                </a:solidFill>
+                <a:effectLst/>
+                <a:latin typeface="Courier New" panose="02070309020205020404" pitchFamily="49" charset="0"/>
+                <a:cs typeface="Courier New" panose="02070309020205020404" pitchFamily="49" charset="0"/>
+              </a:rPr>
+              <a:t>   |   (NSC)    |      -----------------------------------------    </a:t>
+            </a:r>
+            <a:endParaRPr kumimoji="0" lang="en-US" altLang="en-US" sz="300" b="0" i="0" u="none" strike="noStrike" cap="none" normalizeH="0" baseline="0" dirty="0">
+              <a:ln>
+                <a:noFill/>
+              </a:ln>
+              <a:solidFill>
+                <a:schemeClr val="tx1"/>
+              </a:solidFill>
+              <a:effectLst/>
+            </a:endParaRPr>
+          </a:p>
+          <a:p>
+            <a:pPr marL="0" marR="0" lvl="0" indent="0" algn="l" defTabSz="914400" rtl="0" eaLnBrk="0" fontAlgn="base" latinLnBrk="0" hangingPunct="0">
+              <a:lnSpc>
+                <a:spcPct val="100000"/>
+              </a:lnSpc>
+              <a:spcBef>
+                <a:spcPct val="0"/>
+              </a:spcBef>
+              <a:spcAft>
+                <a:spcPct val="0"/>
+              </a:spcAft>
+              <a:buClrTx/>
+              <a:buSzTx/>
+              <a:buFontTx/>
+              <a:buNone/>
+              <a:tabLst/>
+            </a:pPr>
+            <a:r>
+              <a:rPr kumimoji="0" lang="en-US" altLang="en-US" sz="700" b="0" i="0" u="none" strike="noStrike" cap="none" normalizeH="0" baseline="0" dirty="0">
+                <a:ln>
+                  <a:noFill/>
+                </a:ln>
+                <a:solidFill>
+                  <a:srgbClr val="222222"/>
+                </a:solidFill>
+                <a:effectLst/>
+                <a:latin typeface="Courier New" panose="02070309020205020404" pitchFamily="49" charset="0"/>
+                <a:cs typeface="Courier New" panose="02070309020205020404" pitchFamily="49" charset="0"/>
+              </a:rPr>
+              <a:t>   |            |                             |</a:t>
+            </a:r>
+            <a:endParaRPr kumimoji="0" lang="en-US" altLang="en-US" sz="300" b="0" i="0" u="none" strike="noStrike" cap="none" normalizeH="0" baseline="0" dirty="0">
+              <a:ln>
+                <a:noFill/>
+              </a:ln>
+              <a:solidFill>
+                <a:schemeClr val="tx1"/>
+              </a:solidFill>
+              <a:effectLst/>
+            </a:endParaRPr>
+          </a:p>
+          <a:p>
+            <a:pPr marL="0" marR="0" lvl="0" indent="0" algn="l" defTabSz="914400" rtl="0" eaLnBrk="0" fontAlgn="base" latinLnBrk="0" hangingPunct="0">
+              <a:lnSpc>
+                <a:spcPct val="100000"/>
+              </a:lnSpc>
+              <a:spcBef>
+                <a:spcPct val="0"/>
+              </a:spcBef>
+              <a:spcAft>
+                <a:spcPct val="0"/>
+              </a:spcAft>
+              <a:buClrTx/>
+              <a:buSzTx/>
+              <a:buFontTx/>
+              <a:buNone/>
+              <a:tabLst/>
+            </a:pPr>
+            <a:r>
+              <a:rPr kumimoji="0" lang="en-US" altLang="en-US" sz="700" b="0" i="0" u="none" strike="noStrike" cap="none" normalizeH="0" baseline="0" dirty="0">
+                <a:ln>
+                  <a:noFill/>
+                </a:ln>
+                <a:solidFill>
+                  <a:srgbClr val="222222"/>
+                </a:solidFill>
+                <a:effectLst/>
+                <a:latin typeface="Courier New" panose="02070309020205020404" pitchFamily="49" charset="0"/>
+                <a:cs typeface="Courier New" panose="02070309020205020404" pitchFamily="49" charset="0"/>
+              </a:rPr>
+              <a:t>   |            |&gt;&gt;&gt;&gt;&gt;  Resource Partitioning |</a:t>
+            </a:r>
+            <a:endParaRPr kumimoji="0" lang="en-US" altLang="en-US" sz="300" b="0" i="0" u="none" strike="noStrike" cap="none" normalizeH="0" baseline="0" dirty="0">
+              <a:ln>
+                <a:noFill/>
+              </a:ln>
+              <a:solidFill>
+                <a:schemeClr val="tx1"/>
+              </a:solidFill>
+              <a:effectLst/>
+            </a:endParaRPr>
+          </a:p>
+          <a:p>
+            <a:pPr marL="0" marR="0" lvl="0" indent="0" algn="l" defTabSz="914400" rtl="0" eaLnBrk="0" fontAlgn="base" latinLnBrk="0" hangingPunct="0">
+              <a:lnSpc>
+                <a:spcPct val="100000"/>
+              </a:lnSpc>
+              <a:spcBef>
+                <a:spcPct val="0"/>
+              </a:spcBef>
+              <a:spcAft>
+                <a:spcPct val="0"/>
+              </a:spcAft>
+              <a:buClrTx/>
+              <a:buSzTx/>
+              <a:buFontTx/>
+              <a:buNone/>
+              <a:tabLst/>
+            </a:pPr>
+            <a:r>
+              <a:rPr kumimoji="0" lang="en-US" altLang="en-US" sz="700" b="0" i="0" u="none" strike="noStrike" cap="none" normalizeH="0" baseline="0" dirty="0">
+                <a:ln>
+                  <a:noFill/>
+                </a:ln>
+                <a:solidFill>
+                  <a:srgbClr val="222222"/>
+                </a:solidFill>
+                <a:effectLst/>
+                <a:latin typeface="Courier New" panose="02070309020205020404" pitchFamily="49" charset="0"/>
+                <a:cs typeface="Courier New" panose="02070309020205020404" pitchFamily="49" charset="0"/>
+              </a:rPr>
+              <a:t>    ------------        of Available Topology |         </a:t>
+            </a:r>
+            <a:endParaRPr kumimoji="0" lang="en-US" altLang="en-US" sz="300" b="0" i="0" u="none" strike="noStrike" cap="none" normalizeH="0" baseline="0" dirty="0">
+              <a:ln>
+                <a:noFill/>
+              </a:ln>
+              <a:solidFill>
+                <a:schemeClr val="tx1"/>
+              </a:solidFill>
+              <a:effectLst/>
+            </a:endParaRPr>
+          </a:p>
+          <a:p>
+            <a:pPr marL="0" marR="0" lvl="0" indent="0" algn="l" defTabSz="914400" rtl="0" eaLnBrk="0" fontAlgn="base" latinLnBrk="0" hangingPunct="0">
+              <a:lnSpc>
+                <a:spcPct val="100000"/>
+              </a:lnSpc>
+              <a:spcBef>
+                <a:spcPct val="0"/>
+              </a:spcBef>
+              <a:spcAft>
+                <a:spcPct val="0"/>
+              </a:spcAft>
+              <a:buClrTx/>
+              <a:buSzTx/>
+              <a:buFontTx/>
+              <a:buNone/>
+              <a:tabLst/>
+            </a:pPr>
+            <a:r>
+              <a:rPr kumimoji="0" lang="en-US" altLang="en-US" sz="700" b="0" i="0" u="none" strike="noStrike" cap="none" normalizeH="0" baseline="0" dirty="0">
+                <a:ln>
+                  <a:noFill/>
+                </a:ln>
+                <a:solidFill>
+                  <a:srgbClr val="222222"/>
+                </a:solidFill>
+                <a:effectLst/>
+                <a:latin typeface="Courier New" panose="02070309020205020404" pitchFamily="49" charset="0"/>
+                <a:cs typeface="Courier New" panose="02070309020205020404" pitchFamily="49" charset="0"/>
+              </a:rPr>
+              <a:t>     v   </a:t>
+            </a:r>
+            <a:r>
+              <a:rPr kumimoji="0" lang="en-US" altLang="en-US" sz="700" b="0" i="0" u="none" strike="noStrike" cap="none" normalizeH="0" baseline="0" dirty="0" err="1">
+                <a:ln>
+                  <a:noFill/>
+                </a:ln>
+                <a:solidFill>
+                  <a:srgbClr val="222222"/>
+                </a:solidFill>
+                <a:effectLst/>
+                <a:latin typeface="Courier New" panose="02070309020205020404" pitchFamily="49" charset="0"/>
+                <a:cs typeface="Courier New" panose="02070309020205020404" pitchFamily="49" charset="0"/>
+              </a:rPr>
+              <a:t>v</a:t>
+            </a:r>
+            <a:r>
+              <a:rPr kumimoji="0" lang="en-US" altLang="en-US" sz="700" b="0" i="0" u="none" strike="noStrike" cap="none" normalizeH="0" baseline="0" dirty="0">
+                <a:ln>
+                  <a:noFill/>
+                </a:ln>
+                <a:solidFill>
+                  <a:srgbClr val="222222"/>
+                </a:solidFill>
+                <a:effectLst/>
+                <a:latin typeface="Courier New" panose="02070309020205020404" pitchFamily="49" charset="0"/>
+                <a:cs typeface="Courier New" panose="02070309020205020404" pitchFamily="49" charset="0"/>
+              </a:rPr>
+              <a:t>                                    </a:t>
+            </a:r>
+            <a:r>
+              <a:rPr kumimoji="0" lang="en-US" altLang="en-US" sz="700" b="0" i="0" u="none" strike="noStrike" cap="none" normalizeH="0" baseline="0" dirty="0" err="1">
+                <a:ln>
+                  <a:noFill/>
+                </a:ln>
+                <a:solidFill>
+                  <a:srgbClr val="222222"/>
+                </a:solidFill>
+                <a:effectLst/>
+                <a:latin typeface="Courier New" panose="02070309020205020404" pitchFamily="49" charset="0"/>
+                <a:cs typeface="Courier New" panose="02070309020205020404" pitchFamily="49" charset="0"/>
+              </a:rPr>
+              <a:t>v</a:t>
+            </a:r>
+            <a:endParaRPr kumimoji="0" lang="en-US" altLang="en-US" sz="300" b="0" i="0" u="none" strike="noStrike" cap="none" normalizeH="0" baseline="0" dirty="0">
+              <a:ln>
+                <a:noFill/>
+              </a:ln>
+              <a:solidFill>
+                <a:schemeClr val="tx1"/>
+              </a:solidFill>
+              <a:effectLst/>
+            </a:endParaRPr>
+          </a:p>
+          <a:p>
+            <a:pPr marL="0" marR="0" lvl="0" indent="0" algn="l" defTabSz="914400" rtl="0" eaLnBrk="0" fontAlgn="base" latinLnBrk="0" hangingPunct="0">
+              <a:lnSpc>
+                <a:spcPct val="100000"/>
+              </a:lnSpc>
+              <a:spcBef>
+                <a:spcPct val="0"/>
+              </a:spcBef>
+              <a:spcAft>
+                <a:spcPct val="0"/>
+              </a:spcAft>
+              <a:buClrTx/>
+              <a:buSzTx/>
+              <a:buFontTx/>
+              <a:buNone/>
+              <a:tabLst/>
+            </a:pPr>
+            <a:r>
+              <a:rPr kumimoji="0" lang="en-US" altLang="en-US" sz="700" b="0" i="0" u="none" strike="noStrike" cap="none" normalizeH="0" baseline="0" dirty="0">
+                <a:ln>
+                  <a:noFill/>
+                </a:ln>
+                <a:solidFill>
+                  <a:srgbClr val="222222"/>
+                </a:solidFill>
+                <a:effectLst/>
+                <a:latin typeface="Courier New" panose="02070309020205020404" pitchFamily="49" charset="0"/>
+                <a:cs typeface="Courier New" panose="02070309020205020404" pitchFamily="49" charset="0"/>
+              </a:rPr>
+              <a:t>     v   </a:t>
+            </a:r>
+            <a:r>
+              <a:rPr kumimoji="0" lang="en-US" altLang="en-US" sz="700" b="0" i="0" u="none" strike="noStrike" cap="none" normalizeH="0" baseline="0" dirty="0" err="1">
+                <a:ln>
+                  <a:noFill/>
+                </a:ln>
+                <a:solidFill>
+                  <a:srgbClr val="222222"/>
+                </a:solidFill>
+                <a:effectLst/>
+                <a:latin typeface="Courier New" panose="02070309020205020404" pitchFamily="49" charset="0"/>
+                <a:cs typeface="Courier New" panose="02070309020205020404" pitchFamily="49" charset="0"/>
+              </a:rPr>
+              <a:t>v</a:t>
+            </a:r>
+            <a:r>
+              <a:rPr kumimoji="0" lang="en-US" altLang="en-US" sz="700" b="0" i="0" u="none" strike="noStrike" cap="none" normalizeH="0" baseline="0" dirty="0">
+                <a:ln>
+                  <a:noFill/>
+                </a:ln>
+                <a:solidFill>
+                  <a:srgbClr val="222222"/>
+                </a:solidFill>
+                <a:effectLst/>
+                <a:latin typeface="Courier New" panose="02070309020205020404" pitchFamily="49" charset="0"/>
+                <a:cs typeface="Courier New" panose="02070309020205020404" pitchFamily="49" charset="0"/>
+              </a:rPr>
+              <a:t>            -----------------------------      --------</a:t>
+            </a:r>
+            <a:endParaRPr kumimoji="0" lang="en-US" altLang="en-US" sz="300" b="0" i="0" u="none" strike="noStrike" cap="none" normalizeH="0" baseline="0" dirty="0">
+              <a:ln>
+                <a:noFill/>
+              </a:ln>
+              <a:solidFill>
+                <a:schemeClr val="tx1"/>
+              </a:solidFill>
+              <a:effectLst/>
+            </a:endParaRPr>
+          </a:p>
+          <a:p>
+            <a:pPr marL="0" marR="0" lvl="0" indent="0" algn="l" defTabSz="914400" rtl="0" eaLnBrk="0" fontAlgn="base" latinLnBrk="0" hangingPunct="0">
+              <a:lnSpc>
+                <a:spcPct val="100000"/>
+              </a:lnSpc>
+              <a:spcBef>
+                <a:spcPct val="0"/>
+              </a:spcBef>
+              <a:spcAft>
+                <a:spcPct val="0"/>
+              </a:spcAft>
+              <a:buClrTx/>
+              <a:buSzTx/>
+              <a:buFontTx/>
+              <a:buNone/>
+              <a:tabLst/>
+            </a:pPr>
+            <a:r>
+              <a:rPr kumimoji="0" lang="en-US" altLang="en-US" sz="700" b="0" i="0" u="none" strike="noStrike" cap="none" normalizeH="0" baseline="0" dirty="0">
+                <a:ln>
+                  <a:noFill/>
+                </a:ln>
+                <a:solidFill>
+                  <a:srgbClr val="222222"/>
+                </a:solidFill>
+                <a:effectLst/>
+                <a:latin typeface="Courier New" panose="02070309020205020404" pitchFamily="49" charset="0"/>
+                <a:cs typeface="Courier New" panose="02070309020205020404" pitchFamily="49" charset="0"/>
+              </a:rPr>
+              <a:t>     v   </a:t>
+            </a:r>
+            <a:r>
+              <a:rPr kumimoji="0" lang="en-US" altLang="en-US" sz="700" b="0" i="0" u="none" strike="noStrike" cap="none" normalizeH="0" baseline="0" dirty="0" err="1">
+                <a:ln>
+                  <a:noFill/>
+                </a:ln>
+                <a:solidFill>
+                  <a:srgbClr val="222222"/>
+                </a:solidFill>
+                <a:effectLst/>
+                <a:latin typeface="Courier New" panose="02070309020205020404" pitchFamily="49" charset="0"/>
+                <a:cs typeface="Courier New" panose="02070309020205020404" pitchFamily="49" charset="0"/>
+              </a:rPr>
+              <a:t>v</a:t>
+            </a:r>
+            <a:r>
+              <a:rPr kumimoji="0" lang="en-US" altLang="en-US" sz="700" b="0" i="0" u="none" strike="noStrike" cap="none" normalizeH="0" baseline="0" dirty="0">
+                <a:ln>
+                  <a:noFill/>
+                </a:ln>
+                <a:solidFill>
+                  <a:srgbClr val="222222"/>
+                </a:solidFill>
+                <a:effectLst/>
+                <a:latin typeface="Courier New" panose="02070309020205020404" pitchFamily="49" charset="0"/>
+                <a:cs typeface="Courier New" panose="02070309020205020404" pitchFamily="49" charset="0"/>
+              </a:rPr>
+              <a:t>           (|PE|..-..|PE|... ..|PE|..|PE|)    (        )</a:t>
+            </a:r>
+            <a:endParaRPr kumimoji="0" lang="en-US" altLang="en-US" sz="300" b="0" i="0" u="none" strike="noStrike" cap="none" normalizeH="0" baseline="0" dirty="0">
+              <a:ln>
+                <a:noFill/>
+              </a:ln>
+              <a:solidFill>
+                <a:schemeClr val="tx1"/>
+              </a:solidFill>
+              <a:effectLst/>
+            </a:endParaRPr>
+          </a:p>
+          <a:p>
+            <a:pPr marL="0" marR="0" lvl="0" indent="0" algn="l" defTabSz="914400" rtl="0" eaLnBrk="0" fontAlgn="base" latinLnBrk="0" hangingPunct="0">
+              <a:lnSpc>
+                <a:spcPct val="100000"/>
+              </a:lnSpc>
+              <a:spcBef>
+                <a:spcPct val="0"/>
+              </a:spcBef>
+              <a:spcAft>
+                <a:spcPct val="0"/>
+              </a:spcAft>
+              <a:buClrTx/>
+              <a:buSzTx/>
+              <a:buFontTx/>
+              <a:buNone/>
+              <a:tabLst/>
+            </a:pPr>
+            <a:r>
+              <a:rPr kumimoji="0" lang="en-US" altLang="en-US" sz="700" b="0" i="0" u="none" strike="noStrike" cap="none" normalizeH="0" baseline="0" dirty="0">
+                <a:ln>
+                  <a:noFill/>
+                </a:ln>
+                <a:solidFill>
+                  <a:srgbClr val="222222"/>
+                </a:solidFill>
+                <a:effectLst/>
+                <a:latin typeface="Courier New" panose="02070309020205020404" pitchFamily="49" charset="0"/>
+                <a:cs typeface="Courier New" panose="02070309020205020404" pitchFamily="49" charset="0"/>
+              </a:rPr>
+              <a:t>     v   </a:t>
+            </a:r>
+            <a:r>
+              <a:rPr kumimoji="0" lang="en-US" altLang="en-US" sz="700" b="0" i="0" u="none" strike="noStrike" cap="none" normalizeH="0" baseline="0" dirty="0" err="1">
+                <a:ln>
+                  <a:noFill/>
+                </a:ln>
+                <a:solidFill>
+                  <a:srgbClr val="222222"/>
+                </a:solidFill>
+                <a:effectLst/>
+                <a:latin typeface="Courier New" panose="02070309020205020404" pitchFamily="49" charset="0"/>
+                <a:cs typeface="Courier New" panose="02070309020205020404" pitchFamily="49" charset="0"/>
+              </a:rPr>
+              <a:t>v</a:t>
+            </a:r>
+            <a:r>
+              <a:rPr kumimoji="0" lang="en-US" altLang="en-US" sz="700" b="0" i="0" u="none" strike="noStrike" cap="none" normalizeH="0" baseline="0" dirty="0">
+                <a:ln>
+                  <a:noFill/>
+                </a:ln>
+                <a:solidFill>
+                  <a:srgbClr val="222222"/>
+                </a:solidFill>
+                <a:effectLst/>
+                <a:latin typeface="Courier New" panose="02070309020205020404" pitchFamily="49" charset="0"/>
+                <a:cs typeface="Courier New" panose="02070309020205020404" pitchFamily="49" charset="0"/>
+              </a:rPr>
+              <a:t>          ( :--  |P|  --   :-:  --   :--  )  (  Filter  )   </a:t>
+            </a:r>
+            <a:endParaRPr kumimoji="0" lang="en-US" altLang="en-US" sz="300" b="0" i="0" u="none" strike="noStrike" cap="none" normalizeH="0" baseline="0" dirty="0">
+              <a:ln>
+                <a:noFill/>
+              </a:ln>
+              <a:solidFill>
+                <a:schemeClr val="tx1"/>
+              </a:solidFill>
+              <a:effectLst/>
+            </a:endParaRPr>
+          </a:p>
+          <a:p>
+            <a:pPr marL="0" marR="0" lvl="0" indent="0" algn="l" defTabSz="914400" rtl="0" eaLnBrk="0" fontAlgn="base" latinLnBrk="0" hangingPunct="0">
+              <a:lnSpc>
+                <a:spcPct val="100000"/>
+              </a:lnSpc>
+              <a:spcBef>
+                <a:spcPct val="0"/>
+              </a:spcBef>
+              <a:spcAft>
+                <a:spcPct val="0"/>
+              </a:spcAft>
+              <a:buClrTx/>
+              <a:buSzTx/>
+              <a:buFontTx/>
+              <a:buNone/>
+              <a:tabLst/>
+            </a:pPr>
+            <a:r>
+              <a:rPr kumimoji="0" lang="en-US" altLang="en-US" sz="700" b="0" i="0" u="none" strike="noStrike" cap="none" normalizeH="0" baseline="0" dirty="0">
+                <a:ln>
+                  <a:noFill/>
+                </a:ln>
+                <a:solidFill>
+                  <a:srgbClr val="222222"/>
+                </a:solidFill>
+                <a:effectLst/>
+                <a:latin typeface="Courier New" panose="02070309020205020404" pitchFamily="49" charset="0"/>
+                <a:cs typeface="Courier New" panose="02070309020205020404" pitchFamily="49" charset="0"/>
+              </a:rPr>
+              <a:t>     v   </a:t>
+            </a:r>
+            <a:r>
+              <a:rPr kumimoji="0" lang="en-US" altLang="en-US" sz="700" b="0" i="0" u="none" strike="noStrike" cap="none" normalizeH="0" baseline="0" dirty="0" err="1">
+                <a:ln>
+                  <a:noFill/>
+                </a:ln>
+                <a:solidFill>
+                  <a:srgbClr val="222222"/>
+                </a:solidFill>
+                <a:effectLst/>
+                <a:latin typeface="Courier New" panose="02070309020205020404" pitchFamily="49" charset="0"/>
+                <a:cs typeface="Courier New" panose="02070309020205020404" pitchFamily="49" charset="0"/>
+              </a:rPr>
+              <a:t>v</a:t>
+            </a:r>
+            <a:r>
+              <a:rPr kumimoji="0" lang="en-US" altLang="en-US" sz="700" b="0" i="0" u="none" strike="noStrike" cap="none" normalizeH="0" baseline="0" dirty="0">
+                <a:ln>
+                  <a:noFill/>
+                </a:ln>
+                <a:solidFill>
+                  <a:srgbClr val="222222"/>
+                </a:solidFill>
+                <a:effectLst/>
+                <a:latin typeface="Courier New" panose="02070309020205020404" pitchFamily="49" charset="0"/>
+                <a:cs typeface="Courier New" panose="02070309020205020404" pitchFamily="49" charset="0"/>
+              </a:rPr>
+              <a:t>          ( :.-   -:.......|P|       :-   )  ( Topology )   </a:t>
+            </a:r>
+            <a:endParaRPr kumimoji="0" lang="en-US" altLang="en-US" sz="300" b="0" i="0" u="none" strike="noStrike" cap="none" normalizeH="0" baseline="0" dirty="0">
+              <a:ln>
+                <a:noFill/>
+              </a:ln>
+              <a:solidFill>
+                <a:schemeClr val="tx1"/>
+              </a:solidFill>
+              <a:effectLst/>
+            </a:endParaRPr>
+          </a:p>
+          <a:p>
+            <a:pPr marL="0" marR="0" lvl="0" indent="0" algn="l" defTabSz="914400" rtl="0" eaLnBrk="0" fontAlgn="base" latinLnBrk="0" hangingPunct="0">
+              <a:lnSpc>
+                <a:spcPct val="100000"/>
+              </a:lnSpc>
+              <a:spcBef>
+                <a:spcPct val="0"/>
+              </a:spcBef>
+              <a:spcAft>
+                <a:spcPct val="0"/>
+              </a:spcAft>
+              <a:buClrTx/>
+              <a:buSzTx/>
+              <a:buFontTx/>
+              <a:buNone/>
+              <a:tabLst/>
+            </a:pPr>
+            <a:r>
+              <a:rPr kumimoji="0" lang="en-US" altLang="en-US" sz="700" b="0" i="0" u="none" strike="noStrike" cap="none" normalizeH="0" baseline="0" dirty="0">
+                <a:ln>
+                  <a:noFill/>
+                </a:ln>
+                <a:solidFill>
+                  <a:srgbClr val="222222"/>
+                </a:solidFill>
+                <a:effectLst/>
+                <a:latin typeface="Courier New" panose="02070309020205020404" pitchFamily="49" charset="0"/>
+                <a:cs typeface="Courier New" panose="02070309020205020404" pitchFamily="49" charset="0"/>
+              </a:rPr>
+              <a:t>     v   </a:t>
+            </a:r>
+            <a:r>
+              <a:rPr kumimoji="0" lang="en-US" altLang="en-US" sz="700" b="0" i="0" u="none" strike="noStrike" cap="none" normalizeH="0" baseline="0" dirty="0" err="1">
+                <a:ln>
+                  <a:noFill/>
+                </a:ln>
+                <a:solidFill>
+                  <a:srgbClr val="222222"/>
+                </a:solidFill>
+                <a:effectLst/>
+                <a:latin typeface="Courier New" panose="02070309020205020404" pitchFamily="49" charset="0"/>
+                <a:cs typeface="Courier New" panose="02070309020205020404" pitchFamily="49" charset="0"/>
+              </a:rPr>
+              <a:t>v</a:t>
+            </a:r>
+            <a:r>
+              <a:rPr kumimoji="0" lang="en-US" altLang="en-US" sz="700" b="0" i="0" u="none" strike="noStrike" cap="none" normalizeH="0" baseline="0" dirty="0">
+                <a:ln>
+                  <a:noFill/>
+                </a:ln>
+                <a:solidFill>
+                  <a:srgbClr val="222222"/>
+                </a:solidFill>
+                <a:effectLst/>
+                <a:latin typeface="Courier New" panose="02070309020205020404" pitchFamily="49" charset="0"/>
+                <a:cs typeface="Courier New" panose="02070309020205020404" pitchFamily="49" charset="0"/>
+              </a:rPr>
+              <a:t>          (  |P|...........:-:.......|P|  )   (        )</a:t>
+            </a:r>
+            <a:endParaRPr kumimoji="0" lang="en-US" altLang="en-US" sz="300" b="0" i="0" u="none" strike="noStrike" cap="none" normalizeH="0" baseline="0" dirty="0">
+              <a:ln>
+                <a:noFill/>
+              </a:ln>
+              <a:solidFill>
+                <a:schemeClr val="tx1"/>
+              </a:solidFill>
+              <a:effectLst/>
+            </a:endParaRPr>
+          </a:p>
+          <a:p>
+            <a:pPr marL="0" marR="0" lvl="0" indent="0" algn="l" defTabSz="914400" rtl="0" eaLnBrk="0" fontAlgn="base" latinLnBrk="0" hangingPunct="0">
+              <a:lnSpc>
+                <a:spcPct val="100000"/>
+              </a:lnSpc>
+              <a:spcBef>
+                <a:spcPct val="0"/>
+              </a:spcBef>
+              <a:spcAft>
+                <a:spcPct val="0"/>
+              </a:spcAft>
+              <a:buClrTx/>
+              <a:buSzTx/>
+              <a:buFontTx/>
+              <a:buNone/>
+              <a:tabLst/>
+            </a:pPr>
+            <a:r>
+              <a:rPr kumimoji="0" lang="en-US" altLang="en-US" sz="700" b="0" i="0" u="none" strike="noStrike" cap="none" normalizeH="0" baseline="0" dirty="0">
+                <a:ln>
+                  <a:noFill/>
+                </a:ln>
+                <a:solidFill>
+                  <a:srgbClr val="222222"/>
+                </a:solidFill>
+                <a:effectLst/>
+                <a:latin typeface="Courier New" panose="02070309020205020404" pitchFamily="49" charset="0"/>
+                <a:cs typeface="Courier New" panose="02070309020205020404" pitchFamily="49" charset="0"/>
+              </a:rPr>
+              <a:t>     v   </a:t>
+            </a:r>
+            <a:r>
+              <a:rPr kumimoji="0" lang="en-US" altLang="en-US" sz="700" b="0" i="0" u="none" strike="noStrike" cap="none" normalizeH="0" baseline="0" dirty="0" err="1">
+                <a:ln>
+                  <a:noFill/>
+                </a:ln>
+                <a:solidFill>
+                  <a:srgbClr val="222222"/>
+                </a:solidFill>
+                <a:effectLst/>
+                <a:latin typeface="Courier New" panose="02070309020205020404" pitchFamily="49" charset="0"/>
+                <a:cs typeface="Courier New" panose="02070309020205020404" pitchFamily="49" charset="0"/>
+              </a:rPr>
+              <a:t>v</a:t>
+            </a:r>
+            <a:r>
+              <a:rPr kumimoji="0" lang="en-US" altLang="en-US" sz="700" b="0" i="0" u="none" strike="noStrike" cap="none" normalizeH="0" baseline="0" dirty="0">
+                <a:ln>
+                  <a:noFill/>
+                </a:ln>
+                <a:solidFill>
+                  <a:srgbClr val="222222"/>
+                </a:solidFill>
+                <a:effectLst/>
+                <a:latin typeface="Courier New" panose="02070309020205020404" pitchFamily="49" charset="0"/>
+                <a:cs typeface="Courier New" panose="02070309020205020404" pitchFamily="49" charset="0"/>
+              </a:rPr>
+              <a:t>           (  -    Filter Topology       )     --------</a:t>
+            </a:r>
+            <a:endParaRPr kumimoji="0" lang="en-US" altLang="en-US" sz="300" b="0" i="0" u="none" strike="noStrike" cap="none" normalizeH="0" baseline="0" dirty="0">
+              <a:ln>
+                <a:noFill/>
+              </a:ln>
+              <a:solidFill>
+                <a:schemeClr val="tx1"/>
+              </a:solidFill>
+              <a:effectLst/>
+            </a:endParaRPr>
+          </a:p>
+          <a:p>
+            <a:pPr marL="0" marR="0" lvl="0" indent="0" algn="l" defTabSz="914400" rtl="0" eaLnBrk="0" fontAlgn="base" latinLnBrk="0" hangingPunct="0">
+              <a:lnSpc>
+                <a:spcPct val="100000"/>
+              </a:lnSpc>
+              <a:spcBef>
+                <a:spcPct val="0"/>
+              </a:spcBef>
+              <a:spcAft>
+                <a:spcPct val="0"/>
+              </a:spcAft>
+              <a:buClrTx/>
+              <a:buSzTx/>
+              <a:buFontTx/>
+              <a:buNone/>
+              <a:tabLst/>
+            </a:pPr>
+            <a:r>
+              <a:rPr kumimoji="0" lang="en-US" altLang="en-US" sz="700" b="0" i="0" u="none" strike="noStrike" cap="none" normalizeH="0" baseline="0" dirty="0">
+                <a:ln>
+                  <a:noFill/>
+                </a:ln>
+                <a:solidFill>
+                  <a:srgbClr val="222222"/>
+                </a:solidFill>
+                <a:effectLst/>
+                <a:latin typeface="Courier New" panose="02070309020205020404" pitchFamily="49" charset="0"/>
+                <a:cs typeface="Courier New" panose="02070309020205020404" pitchFamily="49" charset="0"/>
+              </a:rPr>
+              <a:t>     v   </a:t>
+            </a:r>
+            <a:r>
+              <a:rPr kumimoji="0" lang="en-US" altLang="en-US" sz="700" b="0" i="0" u="none" strike="noStrike" cap="none" normalizeH="0" baseline="0" dirty="0" err="1">
+                <a:ln>
+                  <a:noFill/>
+                </a:ln>
+                <a:solidFill>
+                  <a:srgbClr val="222222"/>
+                </a:solidFill>
+                <a:effectLst/>
+                <a:latin typeface="Courier New" panose="02070309020205020404" pitchFamily="49" charset="0"/>
+                <a:cs typeface="Courier New" panose="02070309020205020404" pitchFamily="49" charset="0"/>
+              </a:rPr>
+              <a:t>v</a:t>
+            </a:r>
+            <a:r>
+              <a:rPr kumimoji="0" lang="en-US" altLang="en-US" sz="700" b="0" i="0" u="none" strike="noStrike" cap="none" normalizeH="0" baseline="0" dirty="0">
+                <a:ln>
+                  <a:noFill/>
+                </a:ln>
+                <a:solidFill>
+                  <a:srgbClr val="222222"/>
+                </a:solidFill>
+                <a:effectLst/>
+                <a:latin typeface="Courier New" panose="02070309020205020404" pitchFamily="49" charset="0"/>
+                <a:cs typeface="Courier New" panose="02070309020205020404" pitchFamily="49" charset="0"/>
+              </a:rPr>
+              <a:t>            -----------------------------       A</a:t>
+            </a:r>
+            <a:endParaRPr kumimoji="0" lang="en-US" altLang="en-US" sz="300" b="0" i="0" u="none" strike="noStrike" cap="none" normalizeH="0" baseline="0" dirty="0">
+              <a:ln>
+                <a:noFill/>
+              </a:ln>
+              <a:solidFill>
+                <a:schemeClr val="tx1"/>
+              </a:solidFill>
+              <a:effectLst/>
+            </a:endParaRPr>
+          </a:p>
+          <a:p>
+            <a:pPr marL="0" marR="0" lvl="0" indent="0" algn="l" defTabSz="914400" rtl="0" eaLnBrk="0" fontAlgn="base" latinLnBrk="0" hangingPunct="0">
+              <a:lnSpc>
+                <a:spcPct val="100000"/>
+              </a:lnSpc>
+              <a:spcBef>
+                <a:spcPct val="0"/>
+              </a:spcBef>
+              <a:spcAft>
+                <a:spcPct val="0"/>
+              </a:spcAft>
+              <a:buClrTx/>
+              <a:buSzTx/>
+              <a:buFontTx/>
+              <a:buNone/>
+              <a:tabLst/>
+            </a:pPr>
+            <a:r>
+              <a:rPr kumimoji="0" lang="en-US" altLang="en-US" sz="700" b="0" i="0" u="none" strike="noStrike" cap="none" normalizeH="0" baseline="0" dirty="0">
+                <a:ln>
+                  <a:noFill/>
+                </a:ln>
+                <a:solidFill>
+                  <a:srgbClr val="222222"/>
+                </a:solidFill>
+                <a:effectLst/>
+                <a:latin typeface="Courier New" panose="02070309020205020404" pitchFamily="49" charset="0"/>
+                <a:cs typeface="Courier New" panose="02070309020205020404" pitchFamily="49" charset="0"/>
+              </a:rPr>
+              <a:t>     v    &gt;&gt;&gt;&gt;&gt;&gt;&gt;&gt;&gt;&gt;&gt;&gt;  Topology Filter A                /</a:t>
+            </a:r>
+            <a:endParaRPr kumimoji="0" lang="en-US" altLang="en-US" sz="300" b="0" i="0" u="none" strike="noStrike" cap="none" normalizeH="0" baseline="0" dirty="0">
+              <a:ln>
+                <a:noFill/>
+              </a:ln>
+              <a:solidFill>
+                <a:schemeClr val="tx1"/>
+              </a:solidFill>
+              <a:effectLst/>
+            </a:endParaRPr>
+          </a:p>
+          <a:p>
+            <a:pPr marL="0" marR="0" lvl="0" indent="0" algn="l" defTabSz="914400" rtl="0" eaLnBrk="0" fontAlgn="base" latinLnBrk="0" hangingPunct="0">
+              <a:lnSpc>
+                <a:spcPct val="100000"/>
+              </a:lnSpc>
+              <a:spcBef>
+                <a:spcPct val="0"/>
+              </a:spcBef>
+              <a:spcAft>
+                <a:spcPct val="0"/>
+              </a:spcAft>
+              <a:buClrTx/>
+              <a:buSzTx/>
+              <a:buFontTx/>
+              <a:buNone/>
+              <a:tabLst/>
+            </a:pPr>
+            <a:r>
+              <a:rPr kumimoji="0" lang="en-US" altLang="en-US" sz="700" b="0" i="0" u="none" strike="noStrike" cap="none" normalizeH="0" baseline="0" dirty="0">
+                <a:ln>
+                  <a:noFill/>
+                </a:ln>
+                <a:solidFill>
+                  <a:srgbClr val="222222"/>
+                </a:solidFill>
+                <a:effectLst/>
+                <a:latin typeface="Courier New" panose="02070309020205020404" pitchFamily="49" charset="0"/>
+                <a:cs typeface="Courier New" panose="02070309020205020404" pitchFamily="49" charset="0"/>
+              </a:rPr>
+              <a:t>     v            .......................\............../..............</a:t>
+            </a:r>
+            <a:endParaRPr kumimoji="0" lang="en-US" altLang="en-US" sz="300" b="0" i="0" u="none" strike="noStrike" cap="none" normalizeH="0" baseline="0" dirty="0">
+              <a:ln>
+                <a:noFill/>
+              </a:ln>
+              <a:solidFill>
+                <a:schemeClr val="tx1"/>
+              </a:solidFill>
+              <a:effectLst/>
+            </a:endParaRPr>
+          </a:p>
+          <a:p>
+            <a:pPr marL="0" marR="0" lvl="0" indent="0" algn="l" defTabSz="914400" rtl="0" eaLnBrk="0" fontAlgn="base" latinLnBrk="0" hangingPunct="0">
+              <a:lnSpc>
+                <a:spcPct val="100000"/>
+              </a:lnSpc>
+              <a:spcBef>
+                <a:spcPct val="0"/>
+              </a:spcBef>
+              <a:spcAft>
+                <a:spcPct val="0"/>
+              </a:spcAft>
+              <a:buClrTx/>
+              <a:buSzTx/>
+              <a:buFontTx/>
+              <a:buNone/>
+              <a:tabLst/>
+            </a:pPr>
+            <a:r>
+              <a:rPr kumimoji="0" lang="en-US" altLang="en-US" sz="700" b="0" i="0" u="none" strike="noStrike" cap="none" normalizeH="0" baseline="0" dirty="0">
+                <a:ln>
+                  <a:noFill/>
+                </a:ln>
+                <a:solidFill>
+                  <a:srgbClr val="222222"/>
+                </a:solidFill>
+                <a:effectLst/>
+                <a:latin typeface="Courier New" panose="02070309020205020404" pitchFamily="49" charset="0"/>
+                <a:cs typeface="Courier New" panose="02070309020205020404" pitchFamily="49" charset="0"/>
+              </a:rPr>
+              <a:t>     v                                    \            /  Physical Network</a:t>
+            </a:r>
+            <a:endParaRPr kumimoji="0" lang="en-US" altLang="en-US" sz="300" b="0" i="0" u="none" strike="noStrike" cap="none" normalizeH="0" baseline="0" dirty="0">
+              <a:ln>
+                <a:noFill/>
+              </a:ln>
+              <a:solidFill>
+                <a:schemeClr val="tx1"/>
+              </a:solidFill>
+              <a:effectLst/>
+            </a:endParaRPr>
+          </a:p>
+          <a:p>
+            <a:pPr marL="0" marR="0" lvl="0" indent="0" algn="l" defTabSz="914400" rtl="0" eaLnBrk="0" fontAlgn="base" latinLnBrk="0" hangingPunct="0">
+              <a:lnSpc>
+                <a:spcPct val="100000"/>
+              </a:lnSpc>
+              <a:spcBef>
+                <a:spcPct val="0"/>
+              </a:spcBef>
+              <a:spcAft>
+                <a:spcPct val="0"/>
+              </a:spcAft>
+              <a:buClrTx/>
+              <a:buSzTx/>
+              <a:buFontTx/>
+              <a:buNone/>
+              <a:tabLst/>
+            </a:pPr>
+            <a:r>
+              <a:rPr kumimoji="0" lang="en-US" altLang="en-US" sz="700" b="0" i="0" u="none" strike="noStrike" cap="none" normalizeH="0" baseline="0" dirty="0">
+                <a:ln>
+                  <a:noFill/>
+                </a:ln>
+                <a:solidFill>
+                  <a:srgbClr val="222222"/>
+                </a:solidFill>
+                <a:effectLst/>
+                <a:latin typeface="Courier New" panose="02070309020205020404" pitchFamily="49" charset="0"/>
+                <a:cs typeface="Courier New" panose="02070309020205020404" pitchFamily="49" charset="0"/>
+              </a:rPr>
+              <a:t>     v            ------------------------------------------------</a:t>
+            </a:r>
+            <a:endParaRPr kumimoji="0" lang="en-US" altLang="en-US" sz="300" b="0" i="0" u="none" strike="noStrike" cap="none" normalizeH="0" baseline="0" dirty="0">
+              <a:ln>
+                <a:noFill/>
+              </a:ln>
+              <a:solidFill>
+                <a:schemeClr val="tx1"/>
+              </a:solidFill>
+              <a:effectLst/>
+            </a:endParaRPr>
+          </a:p>
+          <a:p>
+            <a:pPr marL="0" marR="0" lvl="0" indent="0" algn="l" defTabSz="914400" rtl="0" eaLnBrk="0" fontAlgn="base" latinLnBrk="0" hangingPunct="0">
+              <a:lnSpc>
+                <a:spcPct val="100000"/>
+              </a:lnSpc>
+              <a:spcBef>
+                <a:spcPct val="0"/>
+              </a:spcBef>
+              <a:spcAft>
+                <a:spcPct val="0"/>
+              </a:spcAft>
+              <a:buClrTx/>
+              <a:buSzTx/>
+              <a:buFontTx/>
+              <a:buNone/>
+              <a:tabLst/>
+            </a:pPr>
+            <a:r>
+              <a:rPr kumimoji="0" lang="en-US" altLang="en-US" sz="700" b="0" i="0" u="none" strike="noStrike" cap="none" normalizeH="0" baseline="0" dirty="0">
+                <a:ln>
+                  <a:noFill/>
+                </a:ln>
+                <a:solidFill>
+                  <a:srgbClr val="222222"/>
+                </a:solidFill>
+                <a:effectLst/>
+                <a:latin typeface="Courier New" panose="02070309020205020404" pitchFamily="49" charset="0"/>
+                <a:cs typeface="Courier New" panose="02070309020205020404" pitchFamily="49" charset="0"/>
+              </a:rPr>
+              <a:t>     v           ( |PE|.....-.....|PE|.......    |PE|.......|PE|  )</a:t>
+            </a:r>
+            <a:endParaRPr kumimoji="0" lang="en-US" altLang="en-US" sz="300" b="0" i="0" u="none" strike="noStrike" cap="none" normalizeH="0" baseline="0" dirty="0">
+              <a:ln>
+                <a:noFill/>
+              </a:ln>
+              <a:solidFill>
+                <a:schemeClr val="tx1"/>
+              </a:solidFill>
+              <a:effectLst/>
+            </a:endParaRPr>
+          </a:p>
+          <a:p>
+            <a:pPr marL="0" marR="0" lvl="0" indent="0" algn="l" defTabSz="914400" rtl="0" eaLnBrk="0" fontAlgn="base" latinLnBrk="0" hangingPunct="0">
+              <a:lnSpc>
+                <a:spcPct val="100000"/>
+              </a:lnSpc>
+              <a:spcBef>
+                <a:spcPct val="0"/>
+              </a:spcBef>
+              <a:spcAft>
+                <a:spcPct val="0"/>
+              </a:spcAft>
+              <a:buClrTx/>
+              <a:buSzTx/>
+              <a:buFontTx/>
+              <a:buNone/>
+              <a:tabLst/>
+            </a:pPr>
+            <a:r>
+              <a:rPr kumimoji="0" lang="en-US" altLang="en-US" sz="700" b="0" i="0" u="none" strike="noStrike" cap="none" normalizeH="0" baseline="0" dirty="0">
+                <a:ln>
+                  <a:noFill/>
+                </a:ln>
+                <a:solidFill>
+                  <a:srgbClr val="222222"/>
+                </a:solidFill>
+                <a:effectLst/>
+                <a:latin typeface="Courier New" panose="02070309020205020404" pitchFamily="49" charset="0"/>
+                <a:cs typeface="Courier New" panose="02070309020205020404" pitchFamily="49" charset="0"/>
+              </a:rPr>
+              <a:t>     v          (   --     |P|     --       :-...:--     -..:--    )</a:t>
+            </a:r>
+            <a:endParaRPr kumimoji="0" lang="en-US" altLang="en-US" sz="300" b="0" i="0" u="none" strike="noStrike" cap="none" normalizeH="0" baseline="0" dirty="0">
+              <a:ln>
+                <a:noFill/>
+              </a:ln>
+              <a:solidFill>
+                <a:schemeClr val="tx1"/>
+              </a:solidFill>
+              <a:effectLst/>
+            </a:endParaRPr>
+          </a:p>
+          <a:p>
+            <a:pPr marL="0" marR="0" lvl="0" indent="0" algn="l" defTabSz="914400" rtl="0" eaLnBrk="0" fontAlgn="base" latinLnBrk="0" hangingPunct="0">
+              <a:lnSpc>
+                <a:spcPct val="100000"/>
+              </a:lnSpc>
+              <a:spcBef>
+                <a:spcPct val="0"/>
+              </a:spcBef>
+              <a:spcAft>
+                <a:spcPct val="0"/>
+              </a:spcAft>
+              <a:buClrTx/>
+              <a:buSzTx/>
+              <a:buFontTx/>
+              <a:buNone/>
+              <a:tabLst/>
+            </a:pPr>
+            <a:r>
+              <a:rPr kumimoji="0" lang="en-US" altLang="en-US" sz="700" b="0" i="0" u="none" strike="noStrike" cap="none" normalizeH="0" baseline="0" dirty="0">
+                <a:ln>
+                  <a:noFill/>
+                </a:ln>
+                <a:solidFill>
+                  <a:srgbClr val="222222"/>
+                </a:solidFill>
+                <a:effectLst/>
+                <a:latin typeface="Courier New" panose="02070309020205020404" pitchFamily="49" charset="0"/>
+                <a:cs typeface="Courier New" panose="02070309020205020404" pitchFamily="49" charset="0"/>
+              </a:rPr>
+              <a:t>      &gt;&gt;&gt;&gt;&gt;&gt;&gt;&gt;&gt;(    :       -:..............|P|.........|P|         )                    </a:t>
+            </a:r>
+            <a:endParaRPr kumimoji="0" lang="en-US" altLang="en-US" sz="300" b="0" i="0" u="none" strike="noStrike" cap="none" normalizeH="0" baseline="0" dirty="0">
+              <a:ln>
+                <a:noFill/>
+              </a:ln>
+              <a:solidFill>
+                <a:schemeClr val="tx1"/>
+              </a:solidFill>
+              <a:effectLst/>
+            </a:endParaRPr>
+          </a:p>
+          <a:p>
+            <a:pPr marL="0" marR="0" lvl="0" indent="0" algn="l" defTabSz="914400" rtl="0" eaLnBrk="0" fontAlgn="base" latinLnBrk="0" hangingPunct="0">
+              <a:lnSpc>
+                <a:spcPct val="100000"/>
+              </a:lnSpc>
+              <a:spcBef>
+                <a:spcPct val="0"/>
+              </a:spcBef>
+              <a:spcAft>
+                <a:spcPct val="0"/>
+              </a:spcAft>
+              <a:buClrTx/>
+              <a:buSzTx/>
+              <a:buFontTx/>
+              <a:buNone/>
+              <a:tabLst/>
+            </a:pPr>
+            <a:r>
+              <a:rPr kumimoji="0" lang="en-US" altLang="en-US" sz="700" b="0" i="0" u="none" strike="noStrike" cap="none" normalizeH="0" baseline="0" dirty="0">
+                <a:ln>
+                  <a:noFill/>
+                </a:ln>
+                <a:solidFill>
+                  <a:srgbClr val="222222"/>
+                </a:solidFill>
+                <a:effectLst/>
+                <a:latin typeface="Courier New" panose="02070309020205020404" pitchFamily="49" charset="0"/>
+                <a:cs typeface="Courier New" panose="02070309020205020404" pitchFamily="49" charset="0"/>
+              </a:rPr>
+              <a:t>               (    -.......................:-:..-       -          )</a:t>
+            </a:r>
+            <a:endParaRPr kumimoji="0" lang="en-US" altLang="en-US" sz="300" b="0" i="0" u="none" strike="noStrike" cap="none" normalizeH="0" baseline="0" dirty="0">
+              <a:ln>
+                <a:noFill/>
+              </a:ln>
+              <a:solidFill>
+                <a:schemeClr val="tx1"/>
+              </a:solidFill>
+              <a:effectLst/>
+            </a:endParaRPr>
+          </a:p>
+          <a:p>
+            <a:pPr marL="0" marR="0" lvl="0" indent="0" algn="l" defTabSz="914400" rtl="0" eaLnBrk="0" fontAlgn="base" latinLnBrk="0" hangingPunct="0">
+              <a:lnSpc>
+                <a:spcPct val="100000"/>
+              </a:lnSpc>
+              <a:spcBef>
+                <a:spcPct val="0"/>
+              </a:spcBef>
+              <a:spcAft>
+                <a:spcPct val="0"/>
+              </a:spcAft>
+              <a:buClrTx/>
+              <a:buSzTx/>
+              <a:buFontTx/>
+              <a:buNone/>
+              <a:tabLst/>
+            </a:pPr>
+            <a:r>
+              <a:rPr kumimoji="0" lang="en-US" altLang="en-US" sz="700" b="0" i="0" u="none" strike="noStrike" cap="none" normalizeH="0" baseline="0" dirty="0">
+                <a:ln>
+                  <a:noFill/>
+                </a:ln>
+                <a:solidFill>
+                  <a:srgbClr val="222222"/>
+                </a:solidFill>
+                <a:effectLst/>
+                <a:latin typeface="Courier New" panose="02070309020205020404" pitchFamily="49" charset="0"/>
+                <a:cs typeface="Courier New" panose="02070309020205020404" pitchFamily="49" charset="0"/>
+              </a:rPr>
+              <a:t>                (  |P|..........................|P|......:         )</a:t>
+            </a:r>
+            <a:endParaRPr kumimoji="0" lang="en-US" altLang="en-US" sz="300" b="0" i="0" u="none" strike="noStrike" cap="none" normalizeH="0" baseline="0" dirty="0">
+              <a:ln>
+                <a:noFill/>
+              </a:ln>
+              <a:solidFill>
+                <a:schemeClr val="tx1"/>
+              </a:solidFill>
+              <a:effectLst/>
+            </a:endParaRPr>
+          </a:p>
+          <a:p>
+            <a:pPr marL="0" marR="0" lvl="0" indent="0" algn="l" defTabSz="914400" rtl="0" eaLnBrk="0" fontAlgn="base" latinLnBrk="0" hangingPunct="0">
+              <a:lnSpc>
+                <a:spcPct val="100000"/>
+              </a:lnSpc>
+              <a:spcBef>
+                <a:spcPct val="0"/>
+              </a:spcBef>
+              <a:spcAft>
+                <a:spcPct val="0"/>
+              </a:spcAft>
+              <a:buClrTx/>
+              <a:buSzTx/>
+              <a:buFontTx/>
+              <a:buNone/>
+              <a:tabLst/>
+            </a:pPr>
+            <a:r>
+              <a:rPr kumimoji="0" lang="en-US" altLang="en-US" sz="700" b="0" i="0" u="none" strike="noStrike" cap="none" normalizeH="0" baseline="0" dirty="0">
+                <a:ln>
+                  <a:noFill/>
+                </a:ln>
+                <a:solidFill>
+                  <a:srgbClr val="222222"/>
+                </a:solidFill>
+                <a:effectLst/>
+                <a:latin typeface="Courier New" panose="02070309020205020404" pitchFamily="49" charset="0"/>
+                <a:cs typeface="Courier New" panose="02070309020205020404" pitchFamily="49" charset="0"/>
+              </a:rPr>
+              <a:t>                 (  -                            -                )</a:t>
+            </a:r>
+            <a:endParaRPr kumimoji="0" lang="en-US" altLang="en-US" sz="300" b="0" i="0" u="none" strike="noStrike" cap="none" normalizeH="0" baseline="0" dirty="0">
+              <a:ln>
+                <a:noFill/>
+              </a:ln>
+              <a:solidFill>
+                <a:schemeClr val="tx1"/>
+              </a:solidFill>
+              <a:effectLst/>
+            </a:endParaRPr>
+          </a:p>
+          <a:p>
+            <a:pPr marL="0" marR="0" lvl="0" indent="0" algn="l" defTabSz="914400" rtl="0" eaLnBrk="0" fontAlgn="base" latinLnBrk="0" hangingPunct="0">
+              <a:lnSpc>
+                <a:spcPct val="100000"/>
+              </a:lnSpc>
+              <a:spcBef>
+                <a:spcPct val="0"/>
+              </a:spcBef>
+              <a:spcAft>
+                <a:spcPct val="0"/>
+              </a:spcAft>
+              <a:buClrTx/>
+              <a:buSzTx/>
+              <a:buFontTx/>
+              <a:buNone/>
+              <a:tabLst/>
+            </a:pPr>
+            <a:r>
+              <a:rPr kumimoji="0" lang="en-US" altLang="en-US" sz="700" b="0" i="0" u="none" strike="noStrike" cap="none" normalizeH="0" baseline="0" dirty="0">
+                <a:ln>
+                  <a:noFill/>
+                </a:ln>
+                <a:solidFill>
+                  <a:srgbClr val="222222"/>
+                </a:solidFill>
+                <a:effectLst/>
+                <a:latin typeface="Courier New" panose="02070309020205020404" pitchFamily="49" charset="0"/>
+                <a:cs typeface="Courier New" panose="02070309020205020404" pitchFamily="49" charset="0"/>
+              </a:rPr>
+              <a:t>                  ------------------------------------------------</a:t>
+            </a:r>
+            <a:endParaRPr kumimoji="0" lang="en-US" altLang="en-US" sz="1050" b="0" i="0" u="none" strike="noStrike" cap="none" normalizeH="0" baseline="0" dirty="0">
+              <a:ln>
+                <a:noFill/>
+              </a:ln>
+              <a:solidFill>
+                <a:schemeClr val="tx1"/>
+              </a:solidFill>
+              <a:effectLst/>
+              <a:latin typeface="Arial" panose="020B0604020202020204" pitchFamily="34" charset="0"/>
+            </a:endParaRPr>
+          </a:p>
+        </p:txBody>
+      </p:sp>
+      <p:sp>
+        <p:nvSpPr>
+          <p:cNvPr id="8" name="TextBox 7">
+            <a:extLst>
+              <a:ext uri="{FF2B5EF4-FFF2-40B4-BE49-F238E27FC236}">
+                <a16:creationId xmlns:a16="http://schemas.microsoft.com/office/drawing/2014/main" id="{0BE2E99D-6538-4FAD-945C-D05DB6BFB315}"/>
+              </a:ext>
+            </a:extLst>
+          </p:cNvPr>
+          <p:cNvSpPr txBox="1"/>
+          <p:nvPr/>
+        </p:nvSpPr>
+        <p:spPr>
+          <a:xfrm>
+            <a:off x="0" y="2171700"/>
+            <a:ext cx="4572000" cy="3046988"/>
+          </a:xfrm>
+          <a:prstGeom prst="rect">
+            <a:avLst/>
+          </a:prstGeom>
+          <a:noFill/>
+        </p:spPr>
+        <p:txBody>
+          <a:bodyPr wrap="square">
+            <a:spAutoFit/>
+          </a:bodyPr>
+          <a:lstStyle/>
+          <a:p>
+            <a:pPr algn="l"/>
+            <a:r>
+              <a:rPr lang="en-US" sz="1200" b="0" i="0" dirty="0">
+                <a:solidFill>
+                  <a:srgbClr val="500050"/>
+                </a:solidFill>
+                <a:effectLst/>
+                <a:latin typeface="Courier New" panose="02070309020205020404" pitchFamily="49" charset="0"/>
+              </a:rPr>
+              <a:t>The Physical Network may be filtered into a number of Filter</a:t>
+            </a:r>
+            <a:r>
+              <a:rPr lang="en-US" sz="1200" dirty="0">
+                <a:solidFill>
+                  <a:srgbClr val="500050"/>
+                </a:solidFill>
+                <a:latin typeface="Arial" panose="020B0604020202020204" pitchFamily="34" charset="0"/>
+              </a:rPr>
+              <a:t> </a:t>
+            </a:r>
+            <a:r>
+              <a:rPr lang="en-US" sz="1200" b="0" i="0" dirty="0">
+                <a:solidFill>
+                  <a:srgbClr val="500050"/>
+                </a:solidFill>
+                <a:effectLst/>
+                <a:latin typeface="Courier New" panose="02070309020205020404" pitchFamily="49" charset="0"/>
+              </a:rPr>
+              <a:t>Topologies.  Filter actions may include selection of specific nodes</a:t>
+            </a:r>
+            <a:r>
+              <a:rPr lang="en-US" sz="1200" dirty="0">
+                <a:solidFill>
+                  <a:srgbClr val="500050"/>
+                </a:solidFill>
+                <a:latin typeface="Arial" panose="020B0604020202020204" pitchFamily="34" charset="0"/>
+              </a:rPr>
+              <a:t> </a:t>
+            </a:r>
+            <a:r>
+              <a:rPr lang="en-US" sz="1200" b="0" i="0" dirty="0">
+                <a:solidFill>
+                  <a:srgbClr val="500050"/>
+                </a:solidFill>
+                <a:effectLst/>
+                <a:latin typeface="Courier New" panose="02070309020205020404" pitchFamily="49" charset="0"/>
+              </a:rPr>
+              <a:t>and links according to their capabilities and are based on network-</a:t>
+            </a:r>
+            <a:r>
+              <a:rPr lang="en-US" sz="1200" dirty="0">
+                <a:solidFill>
+                  <a:srgbClr val="500050"/>
+                </a:solidFill>
+                <a:latin typeface="Arial" panose="020B0604020202020204" pitchFamily="34" charset="0"/>
+              </a:rPr>
+              <a:t> </a:t>
+            </a:r>
+            <a:r>
+              <a:rPr lang="en-US" sz="1200" b="0" i="0" dirty="0">
+                <a:solidFill>
+                  <a:srgbClr val="500050"/>
+                </a:solidFill>
+                <a:effectLst/>
+                <a:latin typeface="Courier New" panose="02070309020205020404" pitchFamily="49" charset="0"/>
+              </a:rPr>
+              <a:t>wide policies. The resulting topologies can be used to host IETF</a:t>
+            </a:r>
+            <a:r>
+              <a:rPr lang="en-US" sz="1200" dirty="0">
+                <a:solidFill>
+                  <a:srgbClr val="500050"/>
+                </a:solidFill>
+                <a:latin typeface="Arial" panose="020B0604020202020204" pitchFamily="34" charset="0"/>
+              </a:rPr>
+              <a:t> </a:t>
+            </a:r>
+            <a:r>
+              <a:rPr lang="en-US" sz="1200" b="0" i="0" dirty="0">
+                <a:solidFill>
+                  <a:srgbClr val="500050"/>
+                </a:solidFill>
+                <a:effectLst/>
+                <a:latin typeface="Courier New" panose="02070309020205020404" pitchFamily="49" charset="0"/>
+              </a:rPr>
+              <a:t>Network Slices and provide a useful way for the network operator to</a:t>
+            </a:r>
+            <a:r>
+              <a:rPr lang="en-US" sz="1200" dirty="0">
+                <a:solidFill>
+                  <a:srgbClr val="500050"/>
+                </a:solidFill>
+                <a:latin typeface="Arial" panose="020B0604020202020204" pitchFamily="34" charset="0"/>
+              </a:rPr>
+              <a:t> </a:t>
+            </a:r>
+            <a:r>
+              <a:rPr lang="en-US" sz="1200" b="0" i="0" dirty="0">
+                <a:solidFill>
+                  <a:srgbClr val="500050"/>
+                </a:solidFill>
+                <a:effectLst/>
+                <a:latin typeface="Courier New" panose="02070309020205020404" pitchFamily="49" charset="0"/>
+              </a:rPr>
+              <a:t>know that all of the resources they are using to plan a network</a:t>
+            </a:r>
+            <a:r>
+              <a:rPr lang="en-US" sz="1200" dirty="0">
+                <a:solidFill>
+                  <a:srgbClr val="500050"/>
+                </a:solidFill>
+                <a:latin typeface="Arial" panose="020B0604020202020204" pitchFamily="34" charset="0"/>
+              </a:rPr>
+              <a:t> </a:t>
+            </a:r>
+            <a:r>
+              <a:rPr lang="en-US" sz="1200" b="0" i="0" dirty="0">
+                <a:solidFill>
+                  <a:srgbClr val="500050"/>
+                </a:solidFill>
+                <a:effectLst/>
+                <a:latin typeface="Courier New" panose="02070309020205020404" pitchFamily="49" charset="0"/>
+              </a:rPr>
+              <a:t>slice meet specific SLOs.  This could be an offline planning</a:t>
+            </a:r>
+            <a:r>
+              <a:rPr lang="en-US" sz="1200" dirty="0">
+                <a:solidFill>
+                  <a:srgbClr val="500050"/>
+                </a:solidFill>
+                <a:latin typeface="Arial" panose="020B0604020202020204" pitchFamily="34" charset="0"/>
+              </a:rPr>
+              <a:t> </a:t>
+            </a:r>
+            <a:r>
+              <a:rPr lang="en-US" sz="1200" b="0" i="0" dirty="0">
+                <a:solidFill>
+                  <a:srgbClr val="500050"/>
+                </a:solidFill>
+                <a:effectLst/>
+                <a:latin typeface="Courier New" panose="02070309020205020404" pitchFamily="49" charset="0"/>
+              </a:rPr>
+              <a:t>activity or could be performed dynamically as new demands arise.</a:t>
+            </a:r>
+            <a:endParaRPr lang="en-US" sz="1200" dirty="0">
+              <a:solidFill>
+                <a:srgbClr val="500050"/>
+              </a:solidFill>
+              <a:latin typeface="Arial" panose="020B0604020202020204" pitchFamily="34" charset="0"/>
+            </a:endParaRPr>
+          </a:p>
+          <a:p>
+            <a:pPr algn="l"/>
+            <a:r>
+              <a:rPr lang="en-US" sz="1200" b="0" i="0" dirty="0">
+                <a:solidFill>
+                  <a:srgbClr val="500050"/>
+                </a:solidFill>
+                <a:effectLst/>
+                <a:latin typeface="Courier New" panose="02070309020205020404" pitchFamily="49" charset="0"/>
+              </a:rPr>
+              <a:t>The use of Filter Topologies is entirely optional in the architecture</a:t>
+            </a:r>
+            <a:r>
+              <a:rPr lang="en-US" sz="1200" dirty="0">
+                <a:solidFill>
+                  <a:srgbClr val="500050"/>
+                </a:solidFill>
+                <a:latin typeface="Arial" panose="020B0604020202020204" pitchFamily="34" charset="0"/>
+              </a:rPr>
+              <a:t> </a:t>
+            </a:r>
+            <a:r>
+              <a:rPr lang="en-US" sz="1200" b="0" i="0" dirty="0">
+                <a:solidFill>
+                  <a:srgbClr val="500050"/>
+                </a:solidFill>
+                <a:effectLst/>
+                <a:latin typeface="Courier New" panose="02070309020205020404" pitchFamily="49" charset="0"/>
+              </a:rPr>
+              <a:t>and IETF Network Slices could be hosted directly on the Physical</a:t>
+            </a:r>
+            <a:r>
+              <a:rPr lang="en-US" sz="1200" dirty="0">
+                <a:solidFill>
+                  <a:srgbClr val="500050"/>
+                </a:solidFill>
+                <a:latin typeface="Arial" panose="020B0604020202020204" pitchFamily="34" charset="0"/>
+              </a:rPr>
+              <a:t> </a:t>
+            </a:r>
+            <a:r>
+              <a:rPr lang="en-US" sz="1200" b="0" i="0" dirty="0">
+                <a:solidFill>
+                  <a:srgbClr val="500050"/>
+                </a:solidFill>
+                <a:effectLst/>
+                <a:latin typeface="Courier New" panose="02070309020205020404" pitchFamily="49" charset="0"/>
+              </a:rPr>
+              <a:t>Network.</a:t>
+            </a:r>
+            <a:endParaRPr lang="en-US" sz="1200" b="0" i="0" dirty="0">
+              <a:solidFill>
+                <a:srgbClr val="500050"/>
+              </a:solidFill>
+              <a:effectLst/>
+              <a:latin typeface="Arial" panose="020B0604020202020204" pitchFamily="34" charset="0"/>
+            </a:endParaRPr>
+          </a:p>
+        </p:txBody>
+      </p:sp>
+    </p:spTree>
+    <p:extLst>
+      <p:ext uri="{BB962C8B-B14F-4D97-AF65-F5344CB8AC3E}">
+        <p14:creationId xmlns:p14="http://schemas.microsoft.com/office/powerpoint/2010/main" val="1767660672"/>
       </p:ext>
     </p:extLst>
   </p:cSld>

--- a/Meeting Materials/otn slicing discussion slides.pptx
+++ b/Meeting Materials/otn slicing discussion slides.pptx
@@ -5,7 +5,7 @@
     <p:sldMasterId id="2147483648" r:id="rId1"/>
   </p:sldMasterIdLst>
   <p:notesMasterIdLst>
-    <p:notesMasterId r:id="rId25"/>
+    <p:notesMasterId r:id="rId27"/>
   </p:notesMasterIdLst>
   <p:sldIdLst>
     <p:sldId id="260" r:id="rId2"/>
@@ -31,6 +31,8 @@
     <p:sldId id="300" r:id="rId22"/>
     <p:sldId id="301" r:id="rId23"/>
     <p:sldId id="302" r:id="rId24"/>
+    <p:sldId id="304" r:id="rId25"/>
+    <p:sldId id="303" r:id="rId26"/>
   </p:sldIdLst>
   <p:sldSz cx="9144000" cy="5715000" type="screen16x10"/>
   <p:notesSz cx="6858000" cy="9144000"/>
@@ -230,7 +232,7 @@
           <a:p>
             <a:fld id="{C7088273-5D22-4A56-BE72-519293F1A8F6}" type="datetimeFigureOut">
               <a:rPr lang="en-US" smtClean="0"/>
-              <a:t>9/29/2021</a:t>
+              <a:t>10/6/2021</a:t>
             </a:fld>
             <a:endParaRPr lang="en-US"/>
           </a:p>
@@ -926,6 +928,174 @@
 </p:notes>
 </file>
 
+<file path=ppt/notesSlides/notesSlide14.xml><?xml version="1.0" encoding="utf-8"?>
+<p:notes xmlns:a="http://schemas.openxmlformats.org/drawingml/2006/main" xmlns:r="http://schemas.openxmlformats.org/officeDocument/2006/relationships" xmlns:p="http://schemas.openxmlformats.org/presentationml/2006/main">
+  <p:cSld>
+    <p:spTree>
+      <p:nvGrpSpPr>
+        <p:cNvPr id="1" name=""/>
+        <p:cNvGrpSpPr/>
+        <p:nvPr/>
+      </p:nvGrpSpPr>
+      <p:grpSpPr>
+        <a:xfrm>
+          <a:off x="0" y="0"/>
+          <a:ext cx="0" cy="0"/>
+          <a:chOff x="0" y="0"/>
+          <a:chExt cx="0" cy="0"/>
+        </a:xfrm>
+      </p:grpSpPr>
+      <p:sp>
+        <p:nvSpPr>
+          <p:cNvPr id="2" name="Slide Image Placeholder 1"/>
+          <p:cNvSpPr>
+            <a:spLocks noGrp="1" noRot="1" noChangeAspect="1"/>
+          </p:cNvSpPr>
+          <p:nvPr>
+            <p:ph type="sldImg"/>
+          </p:nvPr>
+        </p:nvSpPr>
+        <p:spPr/>
+      </p:sp>
+      <p:sp>
+        <p:nvSpPr>
+          <p:cNvPr id="3" name="Notes Placeholder 2"/>
+          <p:cNvSpPr>
+            <a:spLocks noGrp="1"/>
+          </p:cNvSpPr>
+          <p:nvPr>
+            <p:ph type="body" idx="1"/>
+          </p:nvPr>
+        </p:nvSpPr>
+        <p:spPr/>
+        <p:txBody>
+          <a:bodyPr/>
+          <a:lstStyle/>
+          <a:p>
+            <a:endParaRPr lang="en-US" dirty="0"/>
+          </a:p>
+        </p:txBody>
+      </p:sp>
+      <p:sp>
+        <p:nvSpPr>
+          <p:cNvPr id="4" name="Slide Number Placeholder 3"/>
+          <p:cNvSpPr>
+            <a:spLocks noGrp="1"/>
+          </p:cNvSpPr>
+          <p:nvPr>
+            <p:ph type="sldNum" sz="quarter" idx="10"/>
+          </p:nvPr>
+        </p:nvSpPr>
+        <p:spPr/>
+        <p:txBody>
+          <a:bodyPr/>
+          <a:lstStyle/>
+          <a:p>
+            <a:fld id="{4066C2EC-F3B6-4CF7-8A67-99EC2A32E023}" type="slidenum">
+              <a:rPr lang="en-US" smtClean="0"/>
+              <a:t>24</a:t>
+            </a:fld>
+            <a:endParaRPr lang="en-US"/>
+          </a:p>
+        </p:txBody>
+      </p:sp>
+    </p:spTree>
+    <p:extLst>
+      <p:ext uri="{BB962C8B-B14F-4D97-AF65-F5344CB8AC3E}">
+        <p14:creationId xmlns:p14="http://schemas.microsoft.com/office/powerpoint/2010/main" val="20888586"/>
+      </p:ext>
+    </p:extLst>
+  </p:cSld>
+  <p:clrMapOvr>
+    <a:masterClrMapping/>
+  </p:clrMapOvr>
+</p:notes>
+</file>
+
+<file path=ppt/notesSlides/notesSlide15.xml><?xml version="1.0" encoding="utf-8"?>
+<p:notes xmlns:a="http://schemas.openxmlformats.org/drawingml/2006/main" xmlns:r="http://schemas.openxmlformats.org/officeDocument/2006/relationships" xmlns:p="http://schemas.openxmlformats.org/presentationml/2006/main">
+  <p:cSld>
+    <p:spTree>
+      <p:nvGrpSpPr>
+        <p:cNvPr id="1" name=""/>
+        <p:cNvGrpSpPr/>
+        <p:nvPr/>
+      </p:nvGrpSpPr>
+      <p:grpSpPr>
+        <a:xfrm>
+          <a:off x="0" y="0"/>
+          <a:ext cx="0" cy="0"/>
+          <a:chOff x="0" y="0"/>
+          <a:chExt cx="0" cy="0"/>
+        </a:xfrm>
+      </p:grpSpPr>
+      <p:sp>
+        <p:nvSpPr>
+          <p:cNvPr id="2" name="Slide Image Placeholder 1"/>
+          <p:cNvSpPr>
+            <a:spLocks noGrp="1" noRot="1" noChangeAspect="1"/>
+          </p:cNvSpPr>
+          <p:nvPr>
+            <p:ph type="sldImg"/>
+          </p:nvPr>
+        </p:nvSpPr>
+        <p:spPr/>
+      </p:sp>
+      <p:sp>
+        <p:nvSpPr>
+          <p:cNvPr id="3" name="Notes Placeholder 2"/>
+          <p:cNvSpPr>
+            <a:spLocks noGrp="1"/>
+          </p:cNvSpPr>
+          <p:nvPr>
+            <p:ph type="body" idx="1"/>
+          </p:nvPr>
+        </p:nvSpPr>
+        <p:spPr/>
+        <p:txBody>
+          <a:bodyPr/>
+          <a:lstStyle/>
+          <a:p>
+            <a:endParaRPr lang="en-US" dirty="0"/>
+          </a:p>
+        </p:txBody>
+      </p:sp>
+      <p:sp>
+        <p:nvSpPr>
+          <p:cNvPr id="4" name="Slide Number Placeholder 3"/>
+          <p:cNvSpPr>
+            <a:spLocks noGrp="1"/>
+          </p:cNvSpPr>
+          <p:nvPr>
+            <p:ph type="sldNum" sz="quarter" idx="10"/>
+          </p:nvPr>
+        </p:nvSpPr>
+        <p:spPr/>
+        <p:txBody>
+          <a:bodyPr/>
+          <a:lstStyle/>
+          <a:p>
+            <a:fld id="{4066C2EC-F3B6-4CF7-8A67-99EC2A32E023}" type="slidenum">
+              <a:rPr lang="en-US" smtClean="0"/>
+              <a:t>25</a:t>
+            </a:fld>
+            <a:endParaRPr lang="en-US"/>
+          </a:p>
+        </p:txBody>
+      </p:sp>
+    </p:spTree>
+    <p:extLst>
+      <p:ext uri="{BB962C8B-B14F-4D97-AF65-F5344CB8AC3E}">
+        <p14:creationId xmlns:p14="http://schemas.microsoft.com/office/powerpoint/2010/main" val="3222829443"/>
+      </p:ext>
+    </p:extLst>
+  </p:cSld>
+  <p:clrMapOvr>
+    <a:masterClrMapping/>
+  </p:clrMapOvr>
+</p:notes>
+</file>
+
 <file path=ppt/notesSlides/notesSlide2.xml><?xml version="1.0" encoding="utf-8"?>
 <p:notes xmlns:a="http://schemas.openxmlformats.org/drawingml/2006/main" xmlns:r="http://schemas.openxmlformats.org/officeDocument/2006/relationships" xmlns:p="http://schemas.openxmlformats.org/presentationml/2006/main">
   <p:cSld>
@@ -1777,7 +1947,7 @@
           <a:p>
             <a:fld id="{65842DE4-D429-4C03-877D-BC36F66EF94D}" type="datetimeFigureOut">
               <a:rPr lang="en-US" smtClean="0"/>
-              <a:t>9/29/2021</a:t>
+              <a:t>10/6/2021</a:t>
             </a:fld>
             <a:endParaRPr lang="en-US"/>
           </a:p>
@@ -1945,7 +2115,7 @@
           <a:p>
             <a:fld id="{65842DE4-D429-4C03-877D-BC36F66EF94D}" type="datetimeFigureOut">
               <a:rPr lang="en-US" smtClean="0"/>
-              <a:t>9/29/2021</a:t>
+              <a:t>10/6/2021</a:t>
             </a:fld>
             <a:endParaRPr lang="en-US"/>
           </a:p>
@@ -2123,7 +2293,7 @@
           <a:p>
             <a:fld id="{65842DE4-D429-4C03-877D-BC36F66EF94D}" type="datetimeFigureOut">
               <a:rPr lang="en-US" smtClean="0"/>
-              <a:t>9/29/2021</a:t>
+              <a:t>10/6/2021</a:t>
             </a:fld>
             <a:endParaRPr lang="en-US"/>
           </a:p>
@@ -2291,7 +2461,7 @@
           <a:p>
             <a:fld id="{65842DE4-D429-4C03-877D-BC36F66EF94D}" type="datetimeFigureOut">
               <a:rPr lang="en-US" smtClean="0"/>
-              <a:t>9/29/2021</a:t>
+              <a:t>10/6/2021</a:t>
             </a:fld>
             <a:endParaRPr lang="en-US"/>
           </a:p>
@@ -2536,7 +2706,7 @@
           <a:p>
             <a:fld id="{65842DE4-D429-4C03-877D-BC36F66EF94D}" type="datetimeFigureOut">
               <a:rPr lang="en-US" smtClean="0"/>
-              <a:t>9/29/2021</a:t>
+              <a:t>10/6/2021</a:t>
             </a:fld>
             <a:endParaRPr lang="en-US"/>
           </a:p>
@@ -2821,7 +2991,7 @@
           <a:p>
             <a:fld id="{65842DE4-D429-4C03-877D-BC36F66EF94D}" type="datetimeFigureOut">
               <a:rPr lang="en-US" smtClean="0"/>
-              <a:t>9/29/2021</a:t>
+              <a:t>10/6/2021</a:t>
             </a:fld>
             <a:endParaRPr lang="en-US"/>
           </a:p>
@@ -3240,7 +3410,7 @@
           <a:p>
             <a:fld id="{65842DE4-D429-4C03-877D-BC36F66EF94D}" type="datetimeFigureOut">
               <a:rPr lang="en-US" smtClean="0"/>
-              <a:t>9/29/2021</a:t>
+              <a:t>10/6/2021</a:t>
             </a:fld>
             <a:endParaRPr lang="en-US"/>
           </a:p>
@@ -3357,7 +3527,7 @@
           <a:p>
             <a:fld id="{65842DE4-D429-4C03-877D-BC36F66EF94D}" type="datetimeFigureOut">
               <a:rPr lang="en-US" smtClean="0"/>
-              <a:t>9/29/2021</a:t>
+              <a:t>10/6/2021</a:t>
             </a:fld>
             <a:endParaRPr lang="en-US"/>
           </a:p>
@@ -3452,7 +3622,7 @@
           <a:p>
             <a:fld id="{65842DE4-D429-4C03-877D-BC36F66EF94D}" type="datetimeFigureOut">
               <a:rPr lang="en-US" smtClean="0"/>
-              <a:t>9/29/2021</a:t>
+              <a:t>10/6/2021</a:t>
             </a:fld>
             <a:endParaRPr lang="en-US"/>
           </a:p>
@@ -3727,7 +3897,7 @@
           <a:p>
             <a:fld id="{65842DE4-D429-4C03-877D-BC36F66EF94D}" type="datetimeFigureOut">
               <a:rPr lang="en-US" smtClean="0"/>
-              <a:t>9/29/2021</a:t>
+              <a:t>10/6/2021</a:t>
             </a:fld>
             <a:endParaRPr lang="en-US"/>
           </a:p>
@@ -3979,7 +4149,7 @@
           <a:p>
             <a:fld id="{65842DE4-D429-4C03-877D-BC36F66EF94D}" type="datetimeFigureOut">
               <a:rPr lang="en-US" smtClean="0"/>
-              <a:t>9/29/2021</a:t>
+              <a:t>10/6/2021</a:t>
             </a:fld>
             <a:endParaRPr lang="en-US"/>
           </a:p>
@@ -4190,7 +4360,7 @@
           <a:p>
             <a:fld id="{65842DE4-D429-4C03-877D-BC36F66EF94D}" type="datetimeFigureOut">
               <a:rPr lang="en-US" smtClean="0"/>
-              <a:t>9/29/2021</a:t>
+              <a:t>10/6/2021</a:t>
             </a:fld>
             <a:endParaRPr lang="en-US"/>
           </a:p>
@@ -23278,6 +23448,1627 @@
     <p:extLst>
       <p:ext uri="{BB962C8B-B14F-4D97-AF65-F5344CB8AC3E}">
         <p14:creationId xmlns:p14="http://schemas.microsoft.com/office/powerpoint/2010/main" val="1767660672"/>
+      </p:ext>
+    </p:extLst>
+  </p:cSld>
+  <p:clrMapOvr>
+    <a:masterClrMapping/>
+  </p:clrMapOvr>
+</p:sld>
+</file>
+
+<file path=ppt/slides/slide24.xml><?xml version="1.0" encoding="utf-8"?>
+<p:sld xmlns:a="http://schemas.openxmlformats.org/drawingml/2006/main" xmlns:r="http://schemas.openxmlformats.org/officeDocument/2006/relationships" xmlns:p="http://schemas.openxmlformats.org/presentationml/2006/main">
+  <p:cSld>
+    <p:spTree>
+      <p:nvGrpSpPr>
+        <p:cNvPr id="1" name=""/>
+        <p:cNvGrpSpPr/>
+        <p:nvPr/>
+      </p:nvGrpSpPr>
+      <p:grpSpPr>
+        <a:xfrm>
+          <a:off x="0" y="0"/>
+          <a:ext cx="0" cy="0"/>
+          <a:chOff x="0" y="0"/>
+          <a:chExt cx="0" cy="0"/>
+        </a:xfrm>
+      </p:grpSpPr>
+      <p:sp>
+        <p:nvSpPr>
+          <p:cNvPr id="2" name="Title 1">
+            <a:extLst>
+              <a:ext uri="{FF2B5EF4-FFF2-40B4-BE49-F238E27FC236}">
+                <a16:creationId xmlns:a16="http://schemas.microsoft.com/office/drawing/2014/main" id="{EB3E31FD-1C2F-48A6-AB51-148D4276F8C0}"/>
+              </a:ext>
+            </a:extLst>
+          </p:cNvPr>
+          <p:cNvSpPr>
+            <a:spLocks noGrp="1"/>
+          </p:cNvSpPr>
+          <p:nvPr>
+            <p:ph type="title"/>
+          </p:nvPr>
+        </p:nvSpPr>
+        <p:spPr>
+          <a:xfrm>
+            <a:off x="457200" y="114300"/>
+            <a:ext cx="8229600" cy="533665"/>
+          </a:xfrm>
+        </p:spPr>
+        <p:txBody>
+          <a:bodyPr>
+            <a:noAutofit/>
+          </a:bodyPr>
+          <a:lstStyle/>
+          <a:p>
+            <a:r>
+              <a:rPr lang="en-US" sz="3200" dirty="0"/>
+              <a:t>Generic Model Proposal (</a:t>
+            </a:r>
+            <a:r>
+              <a:rPr lang="en-US" sz="3200" dirty="0" err="1"/>
+              <a:t>Xufeng’s</a:t>
+            </a:r>
+            <a:r>
+              <a:rPr lang="en-US" sz="3200" dirty="0"/>
+              <a:t> Proposal)</a:t>
+            </a:r>
+          </a:p>
+        </p:txBody>
+      </p:sp>
+      <p:sp>
+        <p:nvSpPr>
+          <p:cNvPr id="5" name="TextBox 4">
+            <a:extLst>
+              <a:ext uri="{FF2B5EF4-FFF2-40B4-BE49-F238E27FC236}">
+                <a16:creationId xmlns:a16="http://schemas.microsoft.com/office/drawing/2014/main" id="{803439C6-F6EA-49D4-93F8-47A194FA2D42}"/>
+              </a:ext>
+            </a:extLst>
+          </p:cNvPr>
+          <p:cNvSpPr txBox="1"/>
+          <p:nvPr/>
+        </p:nvSpPr>
+        <p:spPr>
+          <a:xfrm>
+            <a:off x="1295400" y="1257300"/>
+            <a:ext cx="7315200" cy="1477328"/>
+          </a:xfrm>
+          <a:prstGeom prst="rect">
+            <a:avLst/>
+          </a:prstGeom>
+          <a:noFill/>
+        </p:spPr>
+        <p:txBody>
+          <a:bodyPr wrap="square">
+            <a:spAutoFit/>
+          </a:bodyPr>
+          <a:lstStyle/>
+          <a:p>
+            <a:r>
+              <a:rPr lang="en-US" sz="900" dirty="0">
+                <a:latin typeface="Courier New" panose="02070309020205020404" pitchFamily="49" charset="0"/>
+                <a:cs typeface="Courier New" panose="02070309020205020404" pitchFamily="49" charset="0"/>
+              </a:rPr>
+              <a:t> augment /</a:t>
+            </a:r>
+            <a:r>
+              <a:rPr lang="en-US" sz="900" dirty="0" err="1">
+                <a:latin typeface="Courier New" panose="02070309020205020404" pitchFamily="49" charset="0"/>
+                <a:cs typeface="Courier New" panose="02070309020205020404" pitchFamily="49" charset="0"/>
+              </a:rPr>
+              <a:t>nw:networks</a:t>
+            </a:r>
+            <a:r>
+              <a:rPr lang="en-US" sz="900" dirty="0">
+                <a:latin typeface="Courier New" panose="02070309020205020404" pitchFamily="49" charset="0"/>
+                <a:cs typeface="Courier New" panose="02070309020205020404" pitchFamily="49" charset="0"/>
+              </a:rPr>
+              <a:t>/</a:t>
+            </a:r>
+            <a:r>
+              <a:rPr lang="en-US" sz="900" dirty="0" err="1">
+                <a:latin typeface="Courier New" panose="02070309020205020404" pitchFamily="49" charset="0"/>
+                <a:cs typeface="Courier New" panose="02070309020205020404" pitchFamily="49" charset="0"/>
+              </a:rPr>
+              <a:t>nw:network</a:t>
+            </a:r>
+            <a:r>
+              <a:rPr lang="en-US" sz="900" dirty="0">
+                <a:latin typeface="Courier New" panose="02070309020205020404" pitchFamily="49" charset="0"/>
+                <a:cs typeface="Courier New" panose="02070309020205020404" pitchFamily="49" charset="0"/>
+              </a:rPr>
+              <a:t>/</a:t>
+            </a:r>
+            <a:r>
+              <a:rPr lang="en-US" sz="900" dirty="0" err="1">
+                <a:latin typeface="Courier New" panose="02070309020205020404" pitchFamily="49" charset="0"/>
+                <a:cs typeface="Courier New" panose="02070309020205020404" pitchFamily="49" charset="0"/>
+              </a:rPr>
+              <a:t>nw:node</a:t>
+            </a:r>
+            <a:r>
+              <a:rPr lang="en-US" sz="900" dirty="0">
+                <a:latin typeface="Courier New" panose="02070309020205020404" pitchFamily="49" charset="0"/>
+                <a:cs typeface="Courier New" panose="02070309020205020404" pitchFamily="49" charset="0"/>
+              </a:rPr>
+              <a:t>:</a:t>
+            </a:r>
+          </a:p>
+          <a:p>
+            <a:r>
+              <a:rPr lang="en-US" sz="900" dirty="0">
+                <a:latin typeface="Courier New" panose="02070309020205020404" pitchFamily="49" charset="0"/>
+                <a:cs typeface="Courier New" panose="02070309020205020404" pitchFamily="49" charset="0"/>
+              </a:rPr>
+              <a:t>    +--</a:t>
+            </a:r>
+            <a:r>
+              <a:rPr lang="en-US" sz="900" dirty="0" err="1">
+                <a:latin typeface="Courier New" panose="02070309020205020404" pitchFamily="49" charset="0"/>
+                <a:cs typeface="Courier New" panose="02070309020205020404" pitchFamily="49" charset="0"/>
+              </a:rPr>
+              <a:t>rw</a:t>
+            </a:r>
+            <a:r>
+              <a:rPr lang="en-US" sz="900" dirty="0">
+                <a:latin typeface="Courier New" panose="02070309020205020404" pitchFamily="49" charset="0"/>
+                <a:cs typeface="Courier New" panose="02070309020205020404" pitchFamily="49" charset="0"/>
+              </a:rPr>
+              <a:t> </a:t>
+            </a:r>
+            <a:r>
+              <a:rPr lang="en-US" sz="900" dirty="0" err="1">
+                <a:latin typeface="Courier New" panose="02070309020205020404" pitchFamily="49" charset="0"/>
+                <a:cs typeface="Courier New" panose="02070309020205020404" pitchFamily="49" charset="0"/>
+              </a:rPr>
+              <a:t>te</a:t>
+            </a:r>
+            <a:r>
+              <a:rPr lang="en-US" sz="900" dirty="0">
+                <a:latin typeface="Courier New" panose="02070309020205020404" pitchFamily="49" charset="0"/>
+                <a:cs typeface="Courier New" panose="02070309020205020404" pitchFamily="49" charset="0"/>
+              </a:rPr>
+              <a:t>-node-id?   </a:t>
+            </a:r>
+            <a:r>
+              <a:rPr lang="en-US" sz="900" dirty="0" err="1">
+                <a:latin typeface="Courier New" panose="02070309020205020404" pitchFamily="49" charset="0"/>
+                <a:cs typeface="Courier New" panose="02070309020205020404" pitchFamily="49" charset="0"/>
+              </a:rPr>
+              <a:t>te-types:te-node-id</a:t>
+            </a:r>
+            <a:endParaRPr lang="en-US" sz="900" dirty="0">
+              <a:latin typeface="Courier New" panose="02070309020205020404" pitchFamily="49" charset="0"/>
+              <a:cs typeface="Courier New" panose="02070309020205020404" pitchFamily="49" charset="0"/>
+            </a:endParaRPr>
+          </a:p>
+          <a:p>
+            <a:r>
+              <a:rPr lang="en-US" sz="900" dirty="0">
+                <a:latin typeface="Courier New" panose="02070309020205020404" pitchFamily="49" charset="0"/>
+                <a:cs typeface="Courier New" panose="02070309020205020404" pitchFamily="49" charset="0"/>
+              </a:rPr>
+              <a:t>    +--</a:t>
+            </a:r>
+            <a:r>
+              <a:rPr lang="en-US" sz="900" dirty="0" err="1">
+                <a:latin typeface="Courier New" panose="02070309020205020404" pitchFamily="49" charset="0"/>
+                <a:cs typeface="Courier New" panose="02070309020205020404" pitchFamily="49" charset="0"/>
+              </a:rPr>
+              <a:t>rw</a:t>
+            </a:r>
+            <a:r>
+              <a:rPr lang="en-US" sz="900" dirty="0">
+                <a:latin typeface="Courier New" panose="02070309020205020404" pitchFamily="49" charset="0"/>
+                <a:cs typeface="Courier New" panose="02070309020205020404" pitchFamily="49" charset="0"/>
+              </a:rPr>
+              <a:t> </a:t>
+            </a:r>
+            <a:r>
+              <a:rPr lang="en-US" sz="900" dirty="0" err="1">
+                <a:latin typeface="Courier New" panose="02070309020205020404" pitchFamily="49" charset="0"/>
+                <a:cs typeface="Courier New" panose="02070309020205020404" pitchFamily="49" charset="0"/>
+              </a:rPr>
+              <a:t>te</a:t>
+            </a:r>
+            <a:r>
+              <a:rPr lang="en-US" sz="900" dirty="0">
+                <a:latin typeface="Courier New" panose="02070309020205020404" pitchFamily="49" charset="0"/>
+                <a:cs typeface="Courier New" panose="02070309020205020404" pitchFamily="49" charset="0"/>
+              </a:rPr>
+              <a:t>!</a:t>
+            </a:r>
+          </a:p>
+          <a:p>
+            <a:r>
+              <a:rPr lang="en-US" sz="900" dirty="0">
+                <a:latin typeface="Courier New" panose="02070309020205020404" pitchFamily="49" charset="0"/>
+                <a:cs typeface="Courier New" panose="02070309020205020404" pitchFamily="49" charset="0"/>
+              </a:rPr>
+              <a:t>       +--</a:t>
+            </a:r>
+            <a:r>
+              <a:rPr lang="en-US" sz="900" dirty="0" err="1">
+                <a:latin typeface="Courier New" panose="02070309020205020404" pitchFamily="49" charset="0"/>
+                <a:cs typeface="Courier New" panose="02070309020205020404" pitchFamily="49" charset="0"/>
+              </a:rPr>
+              <a:t>rw</a:t>
+            </a:r>
+            <a:r>
+              <a:rPr lang="en-US" sz="900" dirty="0">
+                <a:latin typeface="Courier New" panose="02070309020205020404" pitchFamily="49" charset="0"/>
+                <a:cs typeface="Courier New" panose="02070309020205020404" pitchFamily="49" charset="0"/>
+              </a:rPr>
+              <a:t> </a:t>
+            </a:r>
+            <a:r>
+              <a:rPr lang="en-US" sz="900" dirty="0" err="1">
+                <a:latin typeface="Courier New" panose="02070309020205020404" pitchFamily="49" charset="0"/>
+                <a:cs typeface="Courier New" panose="02070309020205020404" pitchFamily="49" charset="0"/>
+              </a:rPr>
+              <a:t>te</a:t>
+            </a:r>
+            <a:r>
+              <a:rPr lang="en-US" sz="900" dirty="0">
+                <a:latin typeface="Courier New" panose="02070309020205020404" pitchFamily="49" charset="0"/>
+                <a:cs typeface="Courier New" panose="02070309020205020404" pitchFamily="49" charset="0"/>
+              </a:rPr>
+              <a:t>-node-attributes</a:t>
+            </a:r>
+          </a:p>
+          <a:p>
+            <a:r>
+              <a:rPr lang="en-US" sz="900" dirty="0">
+                <a:latin typeface="Courier New" panose="02070309020205020404" pitchFamily="49" charset="0"/>
+                <a:cs typeface="Courier New" panose="02070309020205020404" pitchFamily="49" charset="0"/>
+              </a:rPr>
+              <a:t>       |  +--</a:t>
+            </a:r>
+            <a:r>
+              <a:rPr lang="en-US" sz="900" dirty="0" err="1">
+                <a:latin typeface="Courier New" panose="02070309020205020404" pitchFamily="49" charset="0"/>
+                <a:cs typeface="Courier New" panose="02070309020205020404" pitchFamily="49" charset="0"/>
+              </a:rPr>
+              <a:t>rw</a:t>
+            </a:r>
+            <a:r>
+              <a:rPr lang="en-US" sz="900" dirty="0">
+                <a:latin typeface="Courier New" panose="02070309020205020404" pitchFamily="49" charset="0"/>
+                <a:cs typeface="Courier New" panose="02070309020205020404" pitchFamily="49" charset="0"/>
+              </a:rPr>
+              <a:t> admin-status?            </a:t>
+            </a:r>
+            <a:r>
+              <a:rPr lang="en-US" sz="900" dirty="0" err="1">
+                <a:latin typeface="Courier New" panose="02070309020205020404" pitchFamily="49" charset="0"/>
+                <a:cs typeface="Courier New" panose="02070309020205020404" pitchFamily="49" charset="0"/>
+              </a:rPr>
+              <a:t>te-types:te-admin-status</a:t>
+            </a:r>
+            <a:endParaRPr lang="en-US" sz="900" dirty="0">
+              <a:latin typeface="Courier New" panose="02070309020205020404" pitchFamily="49" charset="0"/>
+              <a:cs typeface="Courier New" panose="02070309020205020404" pitchFamily="49" charset="0"/>
+            </a:endParaRPr>
+          </a:p>
+          <a:p>
+            <a:r>
+              <a:rPr lang="en-US" sz="900" dirty="0">
+                <a:latin typeface="Courier New" panose="02070309020205020404" pitchFamily="49" charset="0"/>
+                <a:cs typeface="Courier New" panose="02070309020205020404" pitchFamily="49" charset="0"/>
+              </a:rPr>
+              <a:t>       |  +--</a:t>
+            </a:r>
+            <a:r>
+              <a:rPr lang="en-US" sz="900" dirty="0" err="1">
+                <a:latin typeface="Courier New" panose="02070309020205020404" pitchFamily="49" charset="0"/>
+                <a:cs typeface="Courier New" panose="02070309020205020404" pitchFamily="49" charset="0"/>
+              </a:rPr>
+              <a:t>rw</a:t>
+            </a:r>
+            <a:r>
+              <a:rPr lang="en-US" sz="900" dirty="0">
+                <a:latin typeface="Courier New" panose="02070309020205020404" pitchFamily="49" charset="0"/>
+                <a:cs typeface="Courier New" panose="02070309020205020404" pitchFamily="49" charset="0"/>
+              </a:rPr>
+              <a:t> activated           </a:t>
+            </a:r>
+            <a:r>
+              <a:rPr lang="en-US" sz="900" dirty="0" err="1">
+                <a:latin typeface="Courier New" panose="02070309020205020404" pitchFamily="49" charset="0"/>
+                <a:cs typeface="Courier New" panose="02070309020205020404" pitchFamily="49" charset="0"/>
+              </a:rPr>
+              <a:t>boolean</a:t>
+            </a:r>
+            <a:r>
+              <a:rPr lang="en-US" sz="900" dirty="0">
+                <a:latin typeface="Courier New" panose="02070309020205020404" pitchFamily="49" charset="0"/>
+                <a:cs typeface="Courier New" panose="02070309020205020404" pitchFamily="49" charset="0"/>
+              </a:rPr>
+              <a:t>            &lt;== augmentation</a:t>
+            </a:r>
+          </a:p>
+          <a:p>
+            <a:r>
+              <a:rPr lang="en-US" sz="900" dirty="0">
+                <a:latin typeface="Courier New" panose="02070309020205020404" pitchFamily="49" charset="0"/>
+                <a:cs typeface="Courier New" panose="02070309020205020404" pitchFamily="49" charset="0"/>
+              </a:rPr>
+              <a:t>       |  +--</a:t>
+            </a:r>
+            <a:r>
+              <a:rPr lang="en-US" sz="900" dirty="0" err="1">
+                <a:latin typeface="Courier New" panose="02070309020205020404" pitchFamily="49" charset="0"/>
+                <a:cs typeface="Courier New" panose="02070309020205020404" pitchFamily="49" charset="0"/>
+              </a:rPr>
+              <a:t>rw</a:t>
+            </a:r>
+            <a:r>
+              <a:rPr lang="en-US" sz="900" dirty="0">
+                <a:latin typeface="Courier New" panose="02070309020205020404" pitchFamily="49" charset="0"/>
+                <a:cs typeface="Courier New" panose="02070309020205020404" pitchFamily="49" charset="0"/>
+              </a:rPr>
+              <a:t> connectivity-matrices</a:t>
+            </a:r>
+          </a:p>
+          <a:p>
+            <a:r>
+              <a:rPr lang="en-US" sz="900" dirty="0">
+                <a:latin typeface="Courier New" panose="02070309020205020404" pitchFamily="49" charset="0"/>
+                <a:cs typeface="Courier New" panose="02070309020205020404" pitchFamily="49" charset="0"/>
+              </a:rPr>
+              <a:t>       |  |  +--</a:t>
+            </a:r>
+            <a:r>
+              <a:rPr lang="en-US" sz="900" dirty="0" err="1">
+                <a:latin typeface="Courier New" panose="02070309020205020404" pitchFamily="49" charset="0"/>
+                <a:cs typeface="Courier New" panose="02070309020205020404" pitchFamily="49" charset="0"/>
+              </a:rPr>
+              <a:t>rw</a:t>
+            </a:r>
+            <a:r>
+              <a:rPr lang="en-US" sz="900" dirty="0">
+                <a:latin typeface="Courier New" panose="02070309020205020404" pitchFamily="49" charset="0"/>
+                <a:cs typeface="Courier New" panose="02070309020205020404" pitchFamily="49" charset="0"/>
+              </a:rPr>
+              <a:t> connectivity-matrix* [id]</a:t>
+            </a:r>
+          </a:p>
+          <a:p>
+            <a:r>
+              <a:rPr lang="en-US" sz="900" dirty="0">
+                <a:latin typeface="Courier New" panose="02070309020205020404" pitchFamily="49" charset="0"/>
+                <a:cs typeface="Courier New" panose="02070309020205020404" pitchFamily="49" charset="0"/>
+              </a:rPr>
+              <a:t>       |  |     +--</a:t>
+            </a:r>
+            <a:r>
+              <a:rPr lang="en-US" sz="900" dirty="0" err="1">
+                <a:latin typeface="Courier New" panose="02070309020205020404" pitchFamily="49" charset="0"/>
+                <a:cs typeface="Courier New" panose="02070309020205020404" pitchFamily="49" charset="0"/>
+              </a:rPr>
+              <a:t>rw</a:t>
+            </a:r>
+            <a:r>
+              <a:rPr lang="en-US" sz="900" dirty="0">
+                <a:latin typeface="Courier New" panose="02070309020205020404" pitchFamily="49" charset="0"/>
+                <a:cs typeface="Courier New" panose="02070309020205020404" pitchFamily="49" charset="0"/>
+              </a:rPr>
+              <a:t> id                  uint32</a:t>
+            </a:r>
+          </a:p>
+          <a:p>
+            <a:r>
+              <a:rPr lang="en-US" sz="900" dirty="0">
+                <a:latin typeface="Courier New" panose="02070309020205020404" pitchFamily="49" charset="0"/>
+                <a:cs typeface="Courier New" panose="02070309020205020404" pitchFamily="49" charset="0"/>
+              </a:rPr>
+              <a:t>       |  |     +--</a:t>
+            </a:r>
+            <a:r>
+              <a:rPr lang="en-US" sz="900" dirty="0" err="1">
+                <a:latin typeface="Courier New" panose="02070309020205020404" pitchFamily="49" charset="0"/>
+                <a:cs typeface="Courier New" panose="02070309020205020404" pitchFamily="49" charset="0"/>
+              </a:rPr>
+              <a:t>rw</a:t>
+            </a:r>
+            <a:r>
+              <a:rPr lang="en-US" sz="900" dirty="0">
+                <a:latin typeface="Courier New" panose="02070309020205020404" pitchFamily="49" charset="0"/>
+                <a:cs typeface="Courier New" panose="02070309020205020404" pitchFamily="49" charset="0"/>
+              </a:rPr>
+              <a:t> activated           </a:t>
+            </a:r>
+            <a:r>
+              <a:rPr lang="en-US" sz="900" dirty="0" err="1">
+                <a:latin typeface="Courier New" panose="02070309020205020404" pitchFamily="49" charset="0"/>
+                <a:cs typeface="Courier New" panose="02070309020205020404" pitchFamily="49" charset="0"/>
+              </a:rPr>
+              <a:t>boolean</a:t>
+            </a:r>
+            <a:r>
+              <a:rPr lang="en-US" sz="900" dirty="0">
+                <a:latin typeface="Courier New" panose="02070309020205020404" pitchFamily="49" charset="0"/>
+                <a:cs typeface="Courier New" panose="02070309020205020404" pitchFamily="49" charset="0"/>
+              </a:rPr>
+              <a:t>      &lt;== augmentation</a:t>
+            </a:r>
+          </a:p>
+        </p:txBody>
+      </p:sp>
+    </p:spTree>
+    <p:extLst>
+      <p:ext uri="{BB962C8B-B14F-4D97-AF65-F5344CB8AC3E}">
+        <p14:creationId xmlns:p14="http://schemas.microsoft.com/office/powerpoint/2010/main" val="528846083"/>
+      </p:ext>
+    </p:extLst>
+  </p:cSld>
+  <p:clrMapOvr>
+    <a:masterClrMapping/>
+  </p:clrMapOvr>
+</p:sld>
+</file>
+
+<file path=ppt/slides/slide25.xml><?xml version="1.0" encoding="utf-8"?>
+<p:sld xmlns:a="http://schemas.openxmlformats.org/drawingml/2006/main" xmlns:r="http://schemas.openxmlformats.org/officeDocument/2006/relationships" xmlns:p="http://schemas.openxmlformats.org/presentationml/2006/main">
+  <p:cSld>
+    <p:spTree>
+      <p:nvGrpSpPr>
+        <p:cNvPr id="1" name=""/>
+        <p:cNvGrpSpPr/>
+        <p:nvPr/>
+      </p:nvGrpSpPr>
+      <p:grpSpPr>
+        <a:xfrm>
+          <a:off x="0" y="0"/>
+          <a:ext cx="0" cy="0"/>
+          <a:chOff x="0" y="0"/>
+          <a:chExt cx="0" cy="0"/>
+        </a:xfrm>
+      </p:grpSpPr>
+      <p:sp>
+        <p:nvSpPr>
+          <p:cNvPr id="2" name="Title 1">
+            <a:extLst>
+              <a:ext uri="{FF2B5EF4-FFF2-40B4-BE49-F238E27FC236}">
+                <a16:creationId xmlns:a16="http://schemas.microsoft.com/office/drawing/2014/main" id="{EB3E31FD-1C2F-48A6-AB51-148D4276F8C0}"/>
+              </a:ext>
+            </a:extLst>
+          </p:cNvPr>
+          <p:cNvSpPr>
+            <a:spLocks noGrp="1"/>
+          </p:cNvSpPr>
+          <p:nvPr>
+            <p:ph type="title"/>
+          </p:nvPr>
+        </p:nvSpPr>
+        <p:spPr>
+          <a:xfrm>
+            <a:off x="457200" y="114300"/>
+            <a:ext cx="8229600" cy="533665"/>
+          </a:xfrm>
+        </p:spPr>
+        <p:txBody>
+          <a:bodyPr>
+            <a:noAutofit/>
+          </a:bodyPr>
+          <a:lstStyle/>
+          <a:p>
+            <a:r>
+              <a:rPr lang="en-US" sz="3200" dirty="0"/>
+              <a:t>Generic Model Proposal (</a:t>
+            </a:r>
+            <a:r>
+              <a:rPr lang="en-US" sz="3200" dirty="0" err="1"/>
+              <a:t>VN+draft-liu</a:t>
+            </a:r>
+            <a:r>
+              <a:rPr lang="en-US" sz="3200" dirty="0"/>
+              <a:t>)</a:t>
+            </a:r>
+          </a:p>
+        </p:txBody>
+      </p:sp>
+      <p:sp>
+        <p:nvSpPr>
+          <p:cNvPr id="5" name="TextBox 4">
+            <a:extLst>
+              <a:ext uri="{FF2B5EF4-FFF2-40B4-BE49-F238E27FC236}">
+                <a16:creationId xmlns:a16="http://schemas.microsoft.com/office/drawing/2014/main" id="{803439C6-F6EA-49D4-93F8-47A194FA2D42}"/>
+              </a:ext>
+            </a:extLst>
+          </p:cNvPr>
+          <p:cNvSpPr txBox="1"/>
+          <p:nvPr/>
+        </p:nvSpPr>
+        <p:spPr>
+          <a:xfrm>
+            <a:off x="914400" y="775186"/>
+            <a:ext cx="7924800" cy="4939814"/>
+          </a:xfrm>
+          <a:prstGeom prst="rect">
+            <a:avLst/>
+          </a:prstGeom>
+          <a:noFill/>
+        </p:spPr>
+        <p:txBody>
+          <a:bodyPr wrap="square">
+            <a:spAutoFit/>
+          </a:bodyPr>
+          <a:lstStyle/>
+          <a:p>
+            <a:r>
+              <a:rPr lang="en-US" sz="900" dirty="0">
+                <a:latin typeface="Courier New" panose="02070309020205020404" pitchFamily="49" charset="0"/>
+                <a:cs typeface="Courier New" panose="02070309020205020404" pitchFamily="49" charset="0"/>
+              </a:rPr>
+              <a:t>module: </a:t>
+            </a:r>
+            <a:r>
+              <a:rPr lang="en-US" sz="900" dirty="0" err="1">
+                <a:latin typeface="Courier New" panose="02070309020205020404" pitchFamily="49" charset="0"/>
+                <a:cs typeface="Courier New" panose="02070309020205020404" pitchFamily="49" charset="0"/>
+              </a:rPr>
+              <a:t>ietf</a:t>
+            </a:r>
+            <a:r>
+              <a:rPr lang="en-US" sz="900" dirty="0">
+                <a:latin typeface="Courier New" panose="02070309020205020404" pitchFamily="49" charset="0"/>
+                <a:cs typeface="Courier New" panose="02070309020205020404" pitchFamily="49" charset="0"/>
+              </a:rPr>
+              <a:t>-ns-generic</a:t>
+            </a:r>
+          </a:p>
+          <a:p>
+            <a:r>
+              <a:rPr lang="en-US" sz="900" dirty="0">
+                <a:latin typeface="Courier New" panose="02070309020205020404" pitchFamily="49" charset="0"/>
+                <a:cs typeface="Courier New" panose="02070309020205020404" pitchFamily="49" charset="0"/>
+              </a:rPr>
+              <a:t>     +--</a:t>
+            </a:r>
+            <a:r>
+              <a:rPr lang="en-US" sz="900" dirty="0" err="1">
+                <a:latin typeface="Courier New" panose="02070309020205020404" pitchFamily="49" charset="0"/>
+                <a:cs typeface="Courier New" panose="02070309020205020404" pitchFamily="49" charset="0"/>
+              </a:rPr>
+              <a:t>rw</a:t>
+            </a:r>
+            <a:r>
+              <a:rPr lang="en-US" sz="900" dirty="0">
+                <a:latin typeface="Courier New" panose="02070309020205020404" pitchFamily="49" charset="0"/>
+                <a:cs typeface="Courier New" panose="02070309020205020404" pitchFamily="49" charset="0"/>
+              </a:rPr>
+              <a:t> access-point</a:t>
+            </a:r>
+          </a:p>
+          <a:p>
+            <a:r>
+              <a:rPr lang="en-US" sz="900" dirty="0">
+                <a:latin typeface="Courier New" panose="02070309020205020404" pitchFamily="49" charset="0"/>
+                <a:cs typeface="Courier New" panose="02070309020205020404" pitchFamily="49" charset="0"/>
+              </a:rPr>
+              <a:t>     |  +--</a:t>
+            </a:r>
+            <a:r>
+              <a:rPr lang="en-US" sz="900" dirty="0" err="1">
+                <a:latin typeface="Courier New" panose="02070309020205020404" pitchFamily="49" charset="0"/>
+                <a:cs typeface="Courier New" panose="02070309020205020404" pitchFamily="49" charset="0"/>
+              </a:rPr>
+              <a:t>rw</a:t>
+            </a:r>
+            <a:r>
+              <a:rPr lang="en-US" sz="900" dirty="0">
+                <a:latin typeface="Courier New" panose="02070309020205020404" pitchFamily="49" charset="0"/>
+                <a:cs typeface="Courier New" panose="02070309020205020404" pitchFamily="49" charset="0"/>
+              </a:rPr>
+              <a:t> ap* [ap-id]</a:t>
+            </a:r>
+          </a:p>
+          <a:p>
+            <a:r>
+              <a:rPr lang="en-US" sz="900" dirty="0">
+                <a:latin typeface="Courier New" panose="02070309020205020404" pitchFamily="49" charset="0"/>
+                <a:cs typeface="Courier New" panose="02070309020205020404" pitchFamily="49" charset="0"/>
+              </a:rPr>
+              <a:t>     |     +--</a:t>
+            </a:r>
+            <a:r>
+              <a:rPr lang="en-US" sz="900" dirty="0" err="1">
+                <a:latin typeface="Courier New" panose="02070309020205020404" pitchFamily="49" charset="0"/>
+                <a:cs typeface="Courier New" panose="02070309020205020404" pitchFamily="49" charset="0"/>
+              </a:rPr>
+              <a:t>rw</a:t>
+            </a:r>
+            <a:r>
+              <a:rPr lang="en-US" sz="900" dirty="0">
+                <a:latin typeface="Courier New" panose="02070309020205020404" pitchFamily="49" charset="0"/>
+                <a:cs typeface="Courier New" panose="02070309020205020404" pitchFamily="49" charset="0"/>
+              </a:rPr>
+              <a:t> ap-id            </a:t>
+            </a:r>
+            <a:r>
+              <a:rPr lang="en-US" sz="900" dirty="0" err="1">
+                <a:latin typeface="Courier New" panose="02070309020205020404" pitchFamily="49" charset="0"/>
+                <a:cs typeface="Courier New" panose="02070309020205020404" pitchFamily="49" charset="0"/>
+              </a:rPr>
+              <a:t>ap-id</a:t>
+            </a:r>
+            <a:r>
+              <a:rPr lang="en-US" sz="900" dirty="0">
+                <a:latin typeface="Courier New" panose="02070309020205020404" pitchFamily="49" charset="0"/>
+                <a:cs typeface="Courier New" panose="02070309020205020404" pitchFamily="49" charset="0"/>
+              </a:rPr>
+              <a:t>                   //access point id (pre-negotiated between CE-PE)</a:t>
+            </a:r>
+          </a:p>
+          <a:p>
+            <a:r>
+              <a:rPr lang="en-US" sz="900" dirty="0">
+                <a:latin typeface="Courier New" panose="02070309020205020404" pitchFamily="49" charset="0"/>
+                <a:cs typeface="Courier New" panose="02070309020205020404" pitchFamily="49" charset="0"/>
+              </a:rPr>
+              <a:t>     |     +--</a:t>
+            </a:r>
+            <a:r>
+              <a:rPr lang="en-US" sz="900" dirty="0" err="1">
+                <a:latin typeface="Courier New" panose="02070309020205020404" pitchFamily="49" charset="0"/>
+                <a:cs typeface="Courier New" panose="02070309020205020404" pitchFamily="49" charset="0"/>
+              </a:rPr>
+              <a:t>rw</a:t>
+            </a:r>
+            <a:r>
+              <a:rPr lang="en-US" sz="900" dirty="0">
+                <a:latin typeface="Courier New" panose="02070309020205020404" pitchFamily="49" charset="0"/>
+                <a:cs typeface="Courier New" panose="02070309020205020404" pitchFamily="49" charset="0"/>
+              </a:rPr>
+              <a:t> pe-node-id       string	                  //PE node identifier</a:t>
+            </a:r>
+          </a:p>
+          <a:p>
+            <a:r>
+              <a:rPr lang="en-US" sz="900" dirty="0">
+                <a:latin typeface="Courier New" panose="02070309020205020404" pitchFamily="49" charset="0"/>
+                <a:cs typeface="Courier New" panose="02070309020205020404" pitchFamily="49" charset="0"/>
+              </a:rPr>
+              <a:t>     +--</a:t>
+            </a:r>
+            <a:r>
+              <a:rPr lang="en-US" sz="900" dirty="0" err="1">
+                <a:latin typeface="Courier New" panose="02070309020205020404" pitchFamily="49" charset="0"/>
+                <a:cs typeface="Courier New" panose="02070309020205020404" pitchFamily="49" charset="0"/>
+              </a:rPr>
+              <a:t>rw</a:t>
+            </a:r>
+            <a:r>
+              <a:rPr lang="en-US" sz="900" dirty="0">
+                <a:latin typeface="Courier New" panose="02070309020205020404" pitchFamily="49" charset="0"/>
+                <a:cs typeface="Courier New" panose="02070309020205020404" pitchFamily="49" charset="0"/>
+              </a:rPr>
+              <a:t> network-slice*         [ns-id]</a:t>
+            </a:r>
+          </a:p>
+          <a:p>
+            <a:r>
+              <a:rPr lang="en-US" sz="900" dirty="0">
+                <a:latin typeface="Courier New" panose="02070309020205020404" pitchFamily="49" charset="0"/>
+                <a:cs typeface="Courier New" panose="02070309020205020404" pitchFamily="49" charset="0"/>
+              </a:rPr>
+              <a:t>         +--</a:t>
+            </a:r>
+            <a:r>
+              <a:rPr lang="en-US" sz="900" dirty="0" err="1">
+                <a:latin typeface="Courier New" panose="02070309020205020404" pitchFamily="49" charset="0"/>
+                <a:cs typeface="Courier New" panose="02070309020205020404" pitchFamily="49" charset="0"/>
+              </a:rPr>
+              <a:t>rw</a:t>
+            </a:r>
+            <a:r>
+              <a:rPr lang="en-US" sz="900" dirty="0">
+                <a:latin typeface="Courier New" panose="02070309020205020404" pitchFamily="49" charset="0"/>
+                <a:cs typeface="Courier New" panose="02070309020205020404" pitchFamily="49" charset="0"/>
+              </a:rPr>
+              <a:t> ns-id              string</a:t>
+            </a:r>
+          </a:p>
+          <a:p>
+            <a:r>
+              <a:rPr lang="en-US" sz="900" dirty="0">
+                <a:latin typeface="Courier New" panose="02070309020205020404" pitchFamily="49" charset="0"/>
+                <a:cs typeface="Courier New" panose="02070309020205020404" pitchFamily="49" charset="0"/>
+              </a:rPr>
+              <a:t>         +--</a:t>
+            </a:r>
+            <a:r>
+              <a:rPr lang="en-US" sz="900" dirty="0" err="1">
+                <a:latin typeface="Courier New" panose="02070309020205020404" pitchFamily="49" charset="0"/>
+                <a:cs typeface="Courier New" panose="02070309020205020404" pitchFamily="49" charset="0"/>
+              </a:rPr>
+              <a:t>rw</a:t>
+            </a:r>
+            <a:r>
+              <a:rPr lang="en-US" sz="900" dirty="0">
+                <a:latin typeface="Courier New" panose="02070309020205020404" pitchFamily="49" charset="0"/>
+                <a:cs typeface="Courier New" panose="02070309020205020404" pitchFamily="49" charset="0"/>
+              </a:rPr>
+              <a:t> ns-description     string           </a:t>
+            </a:r>
+          </a:p>
+          <a:p>
+            <a:r>
+              <a:rPr lang="en-US" sz="900" dirty="0">
+                <a:latin typeface="Courier New" panose="02070309020205020404" pitchFamily="49" charset="0"/>
+                <a:cs typeface="Courier New" panose="02070309020205020404" pitchFamily="49" charset="0"/>
+              </a:rPr>
+              <a:t>         +--</a:t>
+            </a:r>
+            <a:r>
+              <a:rPr lang="en-US" sz="900" dirty="0" err="1">
+                <a:latin typeface="Courier New" panose="02070309020205020404" pitchFamily="49" charset="0"/>
+                <a:cs typeface="Courier New" panose="02070309020205020404" pitchFamily="49" charset="0"/>
+              </a:rPr>
+              <a:t>rw</a:t>
+            </a:r>
+            <a:r>
+              <a:rPr lang="en-US" sz="900" dirty="0">
+                <a:latin typeface="Courier New" panose="02070309020205020404" pitchFamily="49" charset="0"/>
+                <a:cs typeface="Courier New" panose="02070309020205020404" pitchFamily="49" charset="0"/>
+              </a:rPr>
+              <a:t> customer-name*     string          </a:t>
+            </a:r>
+          </a:p>
+          <a:p>
+            <a:r>
+              <a:rPr lang="en-US" sz="900" dirty="0">
+                <a:latin typeface="Courier New" panose="02070309020205020404" pitchFamily="49" charset="0"/>
+                <a:cs typeface="Courier New" panose="02070309020205020404" pitchFamily="49" charset="0"/>
+              </a:rPr>
+              <a:t>         +--</a:t>
+            </a:r>
+            <a:r>
+              <a:rPr lang="en-US" sz="900" dirty="0" err="1">
+                <a:latin typeface="Courier New" panose="02070309020205020404" pitchFamily="49" charset="0"/>
+                <a:cs typeface="Courier New" panose="02070309020205020404" pitchFamily="49" charset="0"/>
+              </a:rPr>
+              <a:t>rw</a:t>
+            </a:r>
+            <a:r>
+              <a:rPr lang="en-US" sz="900" dirty="0">
+                <a:latin typeface="Courier New" panose="02070309020205020404" pitchFamily="49" charset="0"/>
+                <a:cs typeface="Courier New" panose="02070309020205020404" pitchFamily="49" charset="0"/>
+              </a:rPr>
+              <a:t> ns-type?           </a:t>
+            </a:r>
+            <a:r>
+              <a:rPr lang="en-US" sz="900" dirty="0" err="1">
+                <a:latin typeface="Courier New" panose="02070309020205020404" pitchFamily="49" charset="0"/>
+                <a:cs typeface="Courier New" panose="02070309020205020404" pitchFamily="49" charset="0"/>
+              </a:rPr>
+              <a:t>identityref</a:t>
+            </a:r>
+            <a:r>
+              <a:rPr lang="en-US" sz="900" dirty="0">
+                <a:latin typeface="Courier New" panose="02070309020205020404" pitchFamily="49" charset="0"/>
+                <a:cs typeface="Courier New" panose="02070309020205020404" pitchFamily="49" charset="0"/>
+              </a:rPr>
+              <a:t>             // type of network slice: type 1 or type 2</a:t>
+            </a:r>
+          </a:p>
+          <a:p>
+            <a:r>
+              <a:rPr lang="en-US" sz="900" dirty="0">
+                <a:latin typeface="Courier New" panose="02070309020205020404" pitchFamily="49" charset="0"/>
+                <a:cs typeface="Courier New" panose="02070309020205020404" pitchFamily="49" charset="0"/>
+              </a:rPr>
+              <a:t>         +--</a:t>
+            </a:r>
+            <a:r>
+              <a:rPr lang="en-US" sz="900" dirty="0" err="1">
+                <a:latin typeface="Courier New" panose="02070309020205020404" pitchFamily="49" charset="0"/>
+                <a:cs typeface="Courier New" panose="02070309020205020404" pitchFamily="49" charset="0"/>
+              </a:rPr>
+              <a:t>rw</a:t>
+            </a:r>
+            <a:r>
+              <a:rPr lang="en-US" sz="900" dirty="0">
+                <a:latin typeface="Courier New" panose="02070309020205020404" pitchFamily="49" charset="0"/>
+                <a:cs typeface="Courier New" panose="02070309020205020404" pitchFamily="49" charset="0"/>
+              </a:rPr>
+              <a:t> </a:t>
+            </a:r>
+            <a:r>
+              <a:rPr lang="en-US" sz="900" dirty="0" err="1">
+                <a:latin typeface="Courier New" panose="02070309020205020404" pitchFamily="49" charset="0"/>
+                <a:cs typeface="Courier New" panose="02070309020205020404" pitchFamily="49" charset="0"/>
+              </a:rPr>
+              <a:t>slo</a:t>
+            </a:r>
+            <a:r>
+              <a:rPr lang="en-US" sz="900" dirty="0">
+                <a:latin typeface="Courier New" panose="02070309020205020404" pitchFamily="49" charset="0"/>
+                <a:cs typeface="Courier New" panose="02070309020205020404" pitchFamily="49" charset="0"/>
+              </a:rPr>
+              <a:t>                                        // SLO/SLE policy of the network slice</a:t>
+            </a:r>
+          </a:p>
+          <a:p>
+            <a:r>
+              <a:rPr lang="en-US" sz="900" dirty="0">
+                <a:latin typeface="Courier New" panose="02070309020205020404" pitchFamily="49" charset="0"/>
+                <a:cs typeface="Courier New" panose="02070309020205020404" pitchFamily="49" charset="0"/>
+              </a:rPr>
+              <a:t>         |  +-- ...</a:t>
+            </a:r>
+          </a:p>
+          <a:p>
+            <a:r>
+              <a:rPr lang="en-US" sz="900" dirty="0">
+                <a:latin typeface="Courier New" panose="02070309020205020404" pitchFamily="49" charset="0"/>
+                <a:cs typeface="Courier New" panose="02070309020205020404" pitchFamily="49" charset="0"/>
+              </a:rPr>
+              <a:t>         +--</a:t>
+            </a:r>
+            <a:r>
+              <a:rPr lang="en-US" sz="900" dirty="0" err="1">
+                <a:latin typeface="Courier New" panose="02070309020205020404" pitchFamily="49" charset="0"/>
+                <a:cs typeface="Courier New" panose="02070309020205020404" pitchFamily="49" charset="0"/>
+              </a:rPr>
+              <a:t>rw</a:t>
+            </a:r>
+            <a:r>
+              <a:rPr lang="en-US" sz="900" dirty="0">
+                <a:latin typeface="Courier New" panose="02070309020205020404" pitchFamily="49" charset="0"/>
+                <a:cs typeface="Courier New" panose="02070309020205020404" pitchFamily="49" charset="0"/>
+              </a:rPr>
+              <a:t> network-topology                           //network topology (single-node, multi-node</a:t>
+            </a:r>
+          </a:p>
+          <a:p>
+            <a:r>
+              <a:rPr lang="en-US" sz="900" dirty="0">
+                <a:latin typeface="Courier New" panose="02070309020205020404" pitchFamily="49" charset="0"/>
+                <a:cs typeface="Courier New" panose="02070309020205020404" pitchFamily="49" charset="0"/>
+              </a:rPr>
+              <a:t>         |  +--</a:t>
+            </a:r>
+            <a:r>
+              <a:rPr lang="en-US" sz="900" dirty="0" err="1">
+                <a:latin typeface="Courier New" panose="02070309020205020404" pitchFamily="49" charset="0"/>
+                <a:cs typeface="Courier New" panose="02070309020205020404" pitchFamily="49" charset="0"/>
+              </a:rPr>
+              <a:t>rw</a:t>
+            </a:r>
+            <a:r>
+              <a:rPr lang="en-US" sz="900" dirty="0">
+                <a:latin typeface="Courier New" panose="02070309020205020404" pitchFamily="49" charset="0"/>
+                <a:cs typeface="Courier New" panose="02070309020205020404" pitchFamily="49" charset="0"/>
+              </a:rPr>
+              <a:t> topology* [topology-id]                 // schema-mount of draft-</a:t>
+            </a:r>
+            <a:r>
+              <a:rPr lang="en-US" sz="900" dirty="0" err="1">
+                <a:latin typeface="Courier New" panose="02070309020205020404" pitchFamily="49" charset="0"/>
+                <a:cs typeface="Courier New" panose="02070309020205020404" pitchFamily="49" charset="0"/>
+              </a:rPr>
+              <a:t>liu</a:t>
+            </a:r>
+            <a:r>
+              <a:rPr lang="en-US" sz="900" dirty="0">
+                <a:latin typeface="Courier New" panose="02070309020205020404" pitchFamily="49" charset="0"/>
+                <a:cs typeface="Courier New" panose="02070309020205020404" pitchFamily="49" charset="0"/>
+              </a:rPr>
+              <a:t>?</a:t>
+            </a:r>
+          </a:p>
+          <a:p>
+            <a:r>
+              <a:rPr lang="en-US" sz="900" dirty="0">
+                <a:latin typeface="Courier New" panose="02070309020205020404" pitchFamily="49" charset="0"/>
+                <a:cs typeface="Courier New" panose="02070309020205020404" pitchFamily="49" charset="0"/>
+              </a:rPr>
+              <a:t>         |     +--</a:t>
+            </a:r>
+            <a:r>
+              <a:rPr lang="en-US" sz="900" dirty="0" err="1">
+                <a:latin typeface="Courier New" panose="02070309020205020404" pitchFamily="49" charset="0"/>
+                <a:cs typeface="Courier New" panose="02070309020205020404" pitchFamily="49" charset="0"/>
+              </a:rPr>
+              <a:t>rw</a:t>
+            </a:r>
+            <a:r>
+              <a:rPr lang="en-US" sz="900" dirty="0">
+                <a:latin typeface="Courier New" panose="02070309020205020404" pitchFamily="49" charset="0"/>
+                <a:cs typeface="Courier New" panose="02070309020205020404" pitchFamily="49" charset="0"/>
+              </a:rPr>
+              <a:t> topology-id</a:t>
+            </a:r>
+          </a:p>
+          <a:p>
+            <a:r>
+              <a:rPr lang="en-US" sz="900" dirty="0">
+                <a:latin typeface="Courier New" panose="02070309020205020404" pitchFamily="49" charset="0"/>
+                <a:cs typeface="Courier New" panose="02070309020205020404" pitchFamily="49" charset="0"/>
+              </a:rPr>
+              <a:t>         |     +--</a:t>
+            </a:r>
+            <a:r>
+              <a:rPr lang="en-US" sz="900" dirty="0" err="1">
+                <a:latin typeface="Courier New" panose="02070309020205020404" pitchFamily="49" charset="0"/>
+                <a:cs typeface="Courier New" panose="02070309020205020404" pitchFamily="49" charset="0"/>
+              </a:rPr>
+              <a:t>rw</a:t>
+            </a:r>
+            <a:r>
+              <a:rPr lang="en-US" sz="900" dirty="0">
+                <a:latin typeface="Courier New" panose="02070309020205020404" pitchFamily="49" charset="0"/>
+                <a:cs typeface="Courier New" panose="02070309020205020404" pitchFamily="49" charset="0"/>
+              </a:rPr>
+              <a:t> node [node-id]</a:t>
+            </a:r>
+          </a:p>
+          <a:p>
+            <a:r>
+              <a:rPr lang="en-US" sz="900" dirty="0">
+                <a:latin typeface="Courier New" panose="02070309020205020404" pitchFamily="49" charset="0"/>
+                <a:cs typeface="Courier New" panose="02070309020205020404" pitchFamily="49" charset="0"/>
+              </a:rPr>
+              <a:t>         |     |  +--</a:t>
+            </a:r>
+            <a:r>
+              <a:rPr lang="en-US" sz="900" dirty="0" err="1">
+                <a:latin typeface="Courier New" panose="02070309020205020404" pitchFamily="49" charset="0"/>
+                <a:cs typeface="Courier New" panose="02070309020205020404" pitchFamily="49" charset="0"/>
+              </a:rPr>
+              <a:t>rw</a:t>
+            </a:r>
+            <a:r>
+              <a:rPr lang="en-US" sz="900" dirty="0">
+                <a:latin typeface="Courier New" panose="02070309020205020404" pitchFamily="49" charset="0"/>
+                <a:cs typeface="Courier New" panose="02070309020205020404" pitchFamily="49" charset="0"/>
+              </a:rPr>
+              <a:t> </a:t>
+            </a:r>
+            <a:r>
+              <a:rPr lang="en-US" sz="900" dirty="0" err="1">
+                <a:latin typeface="Courier New" panose="02070309020205020404" pitchFamily="49" charset="0"/>
+                <a:cs typeface="Courier New" panose="02070309020205020404" pitchFamily="49" charset="0"/>
+              </a:rPr>
+              <a:t>slo</a:t>
+            </a:r>
+            <a:endParaRPr lang="en-US" sz="900" dirty="0">
+              <a:latin typeface="Courier New" panose="02070309020205020404" pitchFamily="49" charset="0"/>
+              <a:cs typeface="Courier New" panose="02070309020205020404" pitchFamily="49" charset="0"/>
+            </a:endParaRPr>
+          </a:p>
+          <a:p>
+            <a:r>
+              <a:rPr lang="en-US" sz="900" dirty="0">
+                <a:latin typeface="Courier New" panose="02070309020205020404" pitchFamily="49" charset="0"/>
+                <a:cs typeface="Courier New" panose="02070309020205020404" pitchFamily="49" charset="0"/>
+              </a:rPr>
+              <a:t>         |     +--</a:t>
+            </a:r>
+            <a:r>
+              <a:rPr lang="en-US" sz="900" dirty="0" err="1">
+                <a:latin typeface="Courier New" panose="02070309020205020404" pitchFamily="49" charset="0"/>
+                <a:cs typeface="Courier New" panose="02070309020205020404" pitchFamily="49" charset="0"/>
+              </a:rPr>
+              <a:t>rw</a:t>
+            </a:r>
+            <a:r>
+              <a:rPr lang="en-US" sz="900" dirty="0">
+                <a:latin typeface="Courier New" panose="02070309020205020404" pitchFamily="49" charset="0"/>
+                <a:cs typeface="Courier New" panose="02070309020205020404" pitchFamily="49" charset="0"/>
+              </a:rPr>
+              <a:t> link [link-id]</a:t>
+            </a:r>
+          </a:p>
+          <a:p>
+            <a:r>
+              <a:rPr lang="en-US" sz="900" dirty="0">
+                <a:latin typeface="Courier New" panose="02070309020205020404" pitchFamily="49" charset="0"/>
+                <a:cs typeface="Courier New" panose="02070309020205020404" pitchFamily="49" charset="0"/>
+              </a:rPr>
+              <a:t>         |     |  +--</a:t>
+            </a:r>
+            <a:r>
+              <a:rPr lang="en-US" sz="900" dirty="0" err="1">
+                <a:latin typeface="Courier New" panose="02070309020205020404" pitchFamily="49" charset="0"/>
+                <a:cs typeface="Courier New" panose="02070309020205020404" pitchFamily="49" charset="0"/>
+              </a:rPr>
+              <a:t>rw</a:t>
+            </a:r>
+            <a:r>
+              <a:rPr lang="en-US" sz="900" dirty="0">
+                <a:latin typeface="Courier New" panose="02070309020205020404" pitchFamily="49" charset="0"/>
+                <a:cs typeface="Courier New" panose="02070309020205020404" pitchFamily="49" charset="0"/>
+              </a:rPr>
+              <a:t> </a:t>
+            </a:r>
+            <a:r>
+              <a:rPr lang="en-US" sz="900" dirty="0" err="1">
+                <a:latin typeface="Courier New" panose="02070309020205020404" pitchFamily="49" charset="0"/>
+                <a:cs typeface="Courier New" panose="02070309020205020404" pitchFamily="49" charset="0"/>
+              </a:rPr>
+              <a:t>slo</a:t>
+            </a:r>
+            <a:endParaRPr lang="en-US" sz="900" dirty="0">
+              <a:latin typeface="Courier New" panose="02070309020205020404" pitchFamily="49" charset="0"/>
+              <a:cs typeface="Courier New" panose="02070309020205020404" pitchFamily="49" charset="0"/>
+            </a:endParaRPr>
+          </a:p>
+          <a:p>
+            <a:r>
+              <a:rPr lang="en-US" sz="900" dirty="0">
+                <a:latin typeface="Courier New" panose="02070309020205020404" pitchFamily="49" charset="0"/>
+                <a:cs typeface="Courier New" panose="02070309020205020404" pitchFamily="49" charset="0"/>
+              </a:rPr>
+              <a:t>         |     +--</a:t>
+            </a:r>
+            <a:r>
+              <a:rPr lang="en-US" sz="900" dirty="0" err="1">
+                <a:latin typeface="Courier New" panose="02070309020205020404" pitchFamily="49" charset="0"/>
+                <a:cs typeface="Courier New" panose="02070309020205020404" pitchFamily="49" charset="0"/>
+              </a:rPr>
+              <a:t>rw</a:t>
+            </a:r>
+            <a:r>
+              <a:rPr lang="en-US" sz="900" dirty="0">
+                <a:latin typeface="Courier New" panose="02070309020205020404" pitchFamily="49" charset="0"/>
+                <a:cs typeface="Courier New" panose="02070309020205020404" pitchFamily="49" charset="0"/>
+              </a:rPr>
+              <a:t> </a:t>
+            </a:r>
+            <a:r>
+              <a:rPr lang="en-US" sz="900" dirty="0" err="1">
+                <a:latin typeface="Courier New" panose="02070309020205020404" pitchFamily="49" charset="0"/>
+                <a:cs typeface="Courier New" panose="02070309020205020404" pitchFamily="49" charset="0"/>
+              </a:rPr>
+              <a:t>tp</a:t>
+            </a:r>
+            <a:r>
+              <a:rPr lang="en-US" sz="900" dirty="0">
+                <a:latin typeface="Courier New" panose="02070309020205020404" pitchFamily="49" charset="0"/>
+                <a:cs typeface="Courier New" panose="02070309020205020404" pitchFamily="49" charset="0"/>
+              </a:rPr>
+              <a:t> [</a:t>
+            </a:r>
+            <a:r>
+              <a:rPr lang="en-US" sz="900" dirty="0" err="1">
+                <a:latin typeface="Courier New" panose="02070309020205020404" pitchFamily="49" charset="0"/>
+                <a:cs typeface="Courier New" panose="02070309020205020404" pitchFamily="49" charset="0"/>
+              </a:rPr>
+              <a:t>tp</a:t>
+            </a:r>
+            <a:r>
+              <a:rPr lang="en-US" sz="900" dirty="0">
+                <a:latin typeface="Courier New" panose="02070309020205020404" pitchFamily="49" charset="0"/>
+                <a:cs typeface="Courier New" panose="02070309020205020404" pitchFamily="49" charset="0"/>
+              </a:rPr>
+              <a:t>-id]</a:t>
+            </a:r>
+          </a:p>
+          <a:p>
+            <a:r>
+              <a:rPr lang="en-US" sz="900" dirty="0">
+                <a:latin typeface="Courier New" panose="02070309020205020404" pitchFamily="49" charset="0"/>
+                <a:cs typeface="Courier New" panose="02070309020205020404" pitchFamily="49" charset="0"/>
+              </a:rPr>
+              <a:t>         |        +--</a:t>
+            </a:r>
+            <a:r>
+              <a:rPr lang="en-US" sz="900" dirty="0" err="1">
+                <a:latin typeface="Courier New" panose="02070309020205020404" pitchFamily="49" charset="0"/>
+                <a:cs typeface="Courier New" panose="02070309020205020404" pitchFamily="49" charset="0"/>
+              </a:rPr>
+              <a:t>rw</a:t>
+            </a:r>
+            <a:r>
+              <a:rPr lang="en-US" sz="900" dirty="0">
+                <a:latin typeface="Courier New" panose="02070309020205020404" pitchFamily="49" charset="0"/>
+                <a:cs typeface="Courier New" panose="02070309020205020404" pitchFamily="49" charset="0"/>
+              </a:rPr>
+              <a:t> </a:t>
+            </a:r>
+            <a:r>
+              <a:rPr lang="en-US" sz="900" dirty="0" err="1">
+                <a:latin typeface="Courier New" panose="02070309020205020404" pitchFamily="49" charset="0"/>
+                <a:cs typeface="Courier New" panose="02070309020205020404" pitchFamily="49" charset="0"/>
+              </a:rPr>
+              <a:t>slo</a:t>
+            </a:r>
+            <a:endParaRPr lang="en-US" sz="900" dirty="0">
+              <a:latin typeface="Courier New" panose="02070309020205020404" pitchFamily="49" charset="0"/>
+              <a:cs typeface="Courier New" panose="02070309020205020404" pitchFamily="49" charset="0"/>
+            </a:endParaRPr>
+          </a:p>
+          <a:p>
+            <a:r>
+              <a:rPr lang="en-US" sz="900" dirty="0">
+                <a:latin typeface="Courier New" panose="02070309020205020404" pitchFamily="49" charset="0"/>
+                <a:cs typeface="Courier New" panose="02070309020205020404" pitchFamily="49" charset="0"/>
+              </a:rPr>
+              <a:t>         |        +--</a:t>
+            </a:r>
+            <a:r>
+              <a:rPr lang="en-US" sz="900" dirty="0" err="1">
+                <a:latin typeface="Courier New" panose="02070309020205020404" pitchFamily="49" charset="0"/>
+                <a:cs typeface="Courier New" panose="02070309020205020404" pitchFamily="49" charset="0"/>
+              </a:rPr>
+              <a:t>rw</a:t>
+            </a:r>
+            <a:r>
+              <a:rPr lang="en-US" sz="900" dirty="0">
+                <a:latin typeface="Courier New" panose="02070309020205020404" pitchFamily="49" charset="0"/>
+                <a:cs typeface="Courier New" panose="02070309020205020404" pitchFamily="49" charset="0"/>
+              </a:rPr>
+              <a:t> is-endpoint?   Boolean</a:t>
+            </a:r>
+          </a:p>
+          <a:p>
+            <a:r>
+              <a:rPr lang="en-US" sz="900" dirty="0">
+                <a:latin typeface="Courier New" panose="02070309020205020404" pitchFamily="49" charset="0"/>
+                <a:cs typeface="Courier New" panose="02070309020205020404" pitchFamily="49" charset="0"/>
+              </a:rPr>
+              <a:t>         |        +--</a:t>
+            </a:r>
+            <a:r>
+              <a:rPr lang="en-US" sz="900" dirty="0" err="1">
+                <a:latin typeface="Courier New" panose="02070309020205020404" pitchFamily="49" charset="0"/>
+                <a:cs typeface="Courier New" panose="02070309020205020404" pitchFamily="49" charset="0"/>
+              </a:rPr>
+              <a:t>rw</a:t>
+            </a:r>
+            <a:r>
+              <a:rPr lang="en-US" sz="900" dirty="0">
+                <a:latin typeface="Courier New" panose="02070309020205020404" pitchFamily="49" charset="0"/>
+                <a:cs typeface="Courier New" panose="02070309020205020404" pitchFamily="49" charset="0"/>
+              </a:rPr>
+              <a:t> ap-id?         -&gt;/access-point/ap/ap-id  </a:t>
+            </a:r>
+          </a:p>
+          <a:p>
+            <a:r>
+              <a:rPr lang="en-US" sz="900" dirty="0">
+                <a:latin typeface="Courier New" panose="02070309020205020404" pitchFamily="49" charset="0"/>
+                <a:cs typeface="Courier New" panose="02070309020205020404" pitchFamily="49" charset="0"/>
+              </a:rPr>
+              <a:t>         +--</a:t>
+            </a:r>
+            <a:r>
+              <a:rPr lang="en-US" sz="900" dirty="0" err="1">
+                <a:latin typeface="Courier New" panose="02070309020205020404" pitchFamily="49" charset="0"/>
+                <a:cs typeface="Courier New" panose="02070309020205020404" pitchFamily="49" charset="0"/>
+              </a:rPr>
+              <a:t>rw</a:t>
+            </a:r>
+            <a:r>
+              <a:rPr lang="en-US" sz="900" dirty="0">
+                <a:latin typeface="Courier New" panose="02070309020205020404" pitchFamily="49" charset="0"/>
+                <a:cs typeface="Courier New" panose="02070309020205020404" pitchFamily="49" charset="0"/>
+              </a:rPr>
+              <a:t> connectivity-matrices</a:t>
+            </a:r>
+          </a:p>
+          <a:p>
+            <a:pPr lvl="1"/>
+            <a:r>
+              <a:rPr lang="en-US" sz="900" dirty="0">
+                <a:latin typeface="Courier New" panose="02070309020205020404" pitchFamily="49" charset="0"/>
+                <a:cs typeface="Courier New" panose="02070309020205020404" pitchFamily="49" charset="0"/>
+              </a:rPr>
+              <a:t>     +--</a:t>
+            </a:r>
+            <a:r>
+              <a:rPr lang="en-US" sz="900" dirty="0" err="1">
+                <a:latin typeface="Courier New" panose="02070309020205020404" pitchFamily="49" charset="0"/>
+                <a:cs typeface="Courier New" panose="02070309020205020404" pitchFamily="49" charset="0"/>
+              </a:rPr>
+              <a:t>rw</a:t>
+            </a:r>
+            <a:r>
+              <a:rPr lang="en-US" sz="900" dirty="0">
+                <a:latin typeface="Courier New" panose="02070309020205020404" pitchFamily="49" charset="0"/>
+                <a:cs typeface="Courier New" panose="02070309020205020404" pitchFamily="49" charset="0"/>
+              </a:rPr>
+              <a:t> connectivity-matrix* [connectivity-matrix-id]</a:t>
+            </a:r>
+          </a:p>
+          <a:p>
+            <a:pPr lvl="1"/>
+            <a:r>
+              <a:rPr lang="en-US" sz="900" dirty="0">
+                <a:latin typeface="Courier New" panose="02070309020205020404" pitchFamily="49" charset="0"/>
+                <a:cs typeface="Courier New" panose="02070309020205020404" pitchFamily="49" charset="0"/>
+              </a:rPr>
+              <a:t>        +--</a:t>
+            </a:r>
+            <a:r>
+              <a:rPr lang="en-US" sz="900" dirty="0" err="1">
+                <a:latin typeface="Courier New" panose="02070309020205020404" pitchFamily="49" charset="0"/>
+                <a:cs typeface="Courier New" panose="02070309020205020404" pitchFamily="49" charset="0"/>
+              </a:rPr>
+              <a:t>rw</a:t>
+            </a:r>
+            <a:r>
+              <a:rPr lang="en-US" sz="900" dirty="0">
+                <a:latin typeface="Courier New" panose="02070309020205020404" pitchFamily="49" charset="0"/>
+                <a:cs typeface="Courier New" panose="02070309020205020404" pitchFamily="49" charset="0"/>
+              </a:rPr>
+              <a:t> connectivity-matrix-id     uint32</a:t>
+            </a:r>
+          </a:p>
+          <a:p>
+            <a:pPr lvl="1"/>
+            <a:r>
+              <a:rPr lang="en-US" sz="900" dirty="0">
+                <a:latin typeface="Courier New" panose="02070309020205020404" pitchFamily="49" charset="0"/>
+                <a:cs typeface="Courier New" panose="02070309020205020404" pitchFamily="49" charset="0"/>
+              </a:rPr>
+              <a:t>        +--</a:t>
+            </a:r>
+            <a:r>
+              <a:rPr lang="en-US" sz="900" dirty="0" err="1">
+                <a:latin typeface="Courier New" panose="02070309020205020404" pitchFamily="49" charset="0"/>
+                <a:cs typeface="Courier New" panose="02070309020205020404" pitchFamily="49" charset="0"/>
+              </a:rPr>
+              <a:t>rw</a:t>
+            </a:r>
+            <a:r>
+              <a:rPr lang="en-US" sz="900" dirty="0">
+                <a:latin typeface="Courier New" panose="02070309020205020404" pitchFamily="49" charset="0"/>
+                <a:cs typeface="Courier New" panose="02070309020205020404" pitchFamily="49" charset="0"/>
+              </a:rPr>
+              <a:t> network-topology-id        -&gt;/network-slice/network-topology/topology/topology-id</a:t>
+            </a:r>
+          </a:p>
+          <a:p>
+            <a:pPr lvl="1"/>
+            <a:r>
+              <a:rPr lang="en-US" sz="900" dirty="0">
+                <a:latin typeface="Courier New" panose="02070309020205020404" pitchFamily="49" charset="0"/>
+                <a:cs typeface="Courier New" panose="02070309020205020404" pitchFamily="49" charset="0"/>
+              </a:rPr>
+              <a:t>        +--</a:t>
+            </a:r>
+            <a:r>
+              <a:rPr lang="en-US" sz="900" dirty="0" err="1">
+                <a:latin typeface="Courier New" panose="02070309020205020404" pitchFamily="49" charset="0"/>
+                <a:cs typeface="Courier New" panose="02070309020205020404" pitchFamily="49" charset="0"/>
+              </a:rPr>
+              <a:t>rw</a:t>
+            </a:r>
+            <a:r>
+              <a:rPr lang="en-US" sz="900" dirty="0">
+                <a:latin typeface="Courier New" panose="02070309020205020404" pitchFamily="49" charset="0"/>
+                <a:cs typeface="Courier New" panose="02070309020205020404" pitchFamily="49" charset="0"/>
+              </a:rPr>
+              <a:t> </a:t>
+            </a:r>
+            <a:r>
+              <a:rPr lang="en-US" sz="900" dirty="0" err="1">
+                <a:latin typeface="Courier New" panose="02070309020205020404" pitchFamily="49" charset="0"/>
+                <a:cs typeface="Courier New" panose="02070309020205020404" pitchFamily="49" charset="0"/>
+              </a:rPr>
+              <a:t>src</a:t>
+            </a:r>
+            <a:r>
+              <a:rPr lang="en-US" sz="900" dirty="0">
+                <a:latin typeface="Courier New" panose="02070309020205020404" pitchFamily="49" charset="0"/>
+                <a:cs typeface="Courier New" panose="02070309020205020404" pitchFamily="49" charset="0"/>
+              </a:rPr>
+              <a:t>-endpoint               -&gt;/network-slice/network-topology/topology/</a:t>
+            </a:r>
+            <a:r>
+              <a:rPr lang="en-US" sz="900" dirty="0" err="1">
+                <a:latin typeface="Courier New" panose="02070309020205020404" pitchFamily="49" charset="0"/>
+                <a:cs typeface="Courier New" panose="02070309020205020404" pitchFamily="49" charset="0"/>
+              </a:rPr>
+              <a:t>tp</a:t>
+            </a:r>
+            <a:r>
+              <a:rPr lang="en-US" sz="900" dirty="0">
+                <a:latin typeface="Courier New" panose="02070309020205020404" pitchFamily="49" charset="0"/>
+                <a:cs typeface="Courier New" panose="02070309020205020404" pitchFamily="49" charset="0"/>
+              </a:rPr>
+              <a:t>/</a:t>
+            </a:r>
+            <a:r>
+              <a:rPr lang="en-US" sz="900" dirty="0" err="1">
+                <a:latin typeface="Courier New" panose="02070309020205020404" pitchFamily="49" charset="0"/>
+                <a:cs typeface="Courier New" panose="02070309020205020404" pitchFamily="49" charset="0"/>
+              </a:rPr>
+              <a:t>tp</a:t>
+            </a:r>
+            <a:r>
+              <a:rPr lang="en-US" sz="900" dirty="0">
+                <a:latin typeface="Courier New" panose="02070309020205020404" pitchFamily="49" charset="0"/>
+                <a:cs typeface="Courier New" panose="02070309020205020404" pitchFamily="49" charset="0"/>
+              </a:rPr>
+              <a:t>-id</a:t>
+            </a:r>
+          </a:p>
+          <a:p>
+            <a:pPr lvl="1"/>
+            <a:r>
+              <a:rPr lang="en-US" sz="900" dirty="0">
+                <a:latin typeface="Courier New" panose="02070309020205020404" pitchFamily="49" charset="0"/>
+                <a:cs typeface="Courier New" panose="02070309020205020404" pitchFamily="49" charset="0"/>
+              </a:rPr>
+              <a:t>        +--</a:t>
+            </a:r>
+            <a:r>
+              <a:rPr lang="en-US" sz="900" dirty="0" err="1">
+                <a:latin typeface="Courier New" panose="02070309020205020404" pitchFamily="49" charset="0"/>
+                <a:cs typeface="Courier New" panose="02070309020205020404" pitchFamily="49" charset="0"/>
+              </a:rPr>
+              <a:t>rw</a:t>
+            </a:r>
+            <a:r>
+              <a:rPr lang="en-US" sz="900" dirty="0">
+                <a:latin typeface="Courier New" panose="02070309020205020404" pitchFamily="49" charset="0"/>
+                <a:cs typeface="Courier New" panose="02070309020205020404" pitchFamily="49" charset="0"/>
+              </a:rPr>
+              <a:t> </a:t>
+            </a:r>
+            <a:r>
+              <a:rPr lang="en-US" sz="900" dirty="0" err="1">
+                <a:latin typeface="Courier New" panose="02070309020205020404" pitchFamily="49" charset="0"/>
+                <a:cs typeface="Courier New" panose="02070309020205020404" pitchFamily="49" charset="0"/>
+              </a:rPr>
+              <a:t>dst</a:t>
+            </a:r>
+            <a:r>
+              <a:rPr lang="en-US" sz="900" dirty="0">
+                <a:latin typeface="Courier New" panose="02070309020205020404" pitchFamily="49" charset="0"/>
+                <a:cs typeface="Courier New" panose="02070309020205020404" pitchFamily="49" charset="0"/>
+              </a:rPr>
+              <a:t>-endpoint               -&gt;/network-slice/network-topology/topology/</a:t>
+            </a:r>
+            <a:r>
+              <a:rPr lang="en-US" sz="900" dirty="0" err="1">
+                <a:latin typeface="Courier New" panose="02070309020205020404" pitchFamily="49" charset="0"/>
+                <a:cs typeface="Courier New" panose="02070309020205020404" pitchFamily="49" charset="0"/>
+              </a:rPr>
+              <a:t>tp</a:t>
+            </a:r>
+            <a:r>
+              <a:rPr lang="en-US" sz="900" dirty="0">
+                <a:latin typeface="Courier New" panose="02070309020205020404" pitchFamily="49" charset="0"/>
+                <a:cs typeface="Courier New" panose="02070309020205020404" pitchFamily="49" charset="0"/>
+              </a:rPr>
+              <a:t>/</a:t>
+            </a:r>
+            <a:r>
+              <a:rPr lang="en-US" sz="900" dirty="0" err="1">
+                <a:latin typeface="Courier New" panose="02070309020205020404" pitchFamily="49" charset="0"/>
+                <a:cs typeface="Courier New" panose="02070309020205020404" pitchFamily="49" charset="0"/>
+              </a:rPr>
+              <a:t>tp</a:t>
+            </a:r>
+            <a:r>
+              <a:rPr lang="en-US" sz="900" dirty="0">
+                <a:latin typeface="Courier New" panose="02070309020205020404" pitchFamily="49" charset="0"/>
+                <a:cs typeface="Courier New" panose="02070309020205020404" pitchFamily="49" charset="0"/>
+              </a:rPr>
+              <a:t>-id</a:t>
+            </a:r>
+          </a:p>
+          <a:p>
+            <a:pPr lvl="1"/>
+            <a:r>
+              <a:rPr lang="en-US" sz="900" dirty="0">
+                <a:latin typeface="Courier New" panose="02070309020205020404" pitchFamily="49" charset="0"/>
+                <a:cs typeface="Courier New" panose="02070309020205020404" pitchFamily="49" charset="0"/>
+              </a:rPr>
+              <a:t>        +--</a:t>
+            </a:r>
+            <a:r>
+              <a:rPr lang="en-US" sz="900" dirty="0" err="1">
+                <a:latin typeface="Courier New" panose="02070309020205020404" pitchFamily="49" charset="0"/>
+                <a:cs typeface="Courier New" panose="02070309020205020404" pitchFamily="49" charset="0"/>
+              </a:rPr>
+              <a:t>rw</a:t>
+            </a:r>
+            <a:r>
+              <a:rPr lang="en-US" sz="900" dirty="0">
+                <a:latin typeface="Courier New" panose="02070309020205020404" pitchFamily="49" charset="0"/>
+                <a:cs typeface="Courier New" panose="02070309020205020404" pitchFamily="49" charset="0"/>
+              </a:rPr>
+              <a:t> underlay-path[index]</a:t>
+            </a:r>
+          </a:p>
+          <a:p>
+            <a:pPr lvl="1"/>
+            <a:r>
+              <a:rPr lang="en-US" sz="900" dirty="0">
+                <a:latin typeface="Courier New" panose="02070309020205020404" pitchFamily="49" charset="0"/>
+                <a:cs typeface="Courier New" panose="02070309020205020404" pitchFamily="49" charset="0"/>
+              </a:rPr>
+              <a:t>        |  +--</a:t>
+            </a:r>
+            <a:r>
+              <a:rPr lang="en-US" sz="900" dirty="0" err="1">
+                <a:latin typeface="Courier New" panose="02070309020205020404" pitchFamily="49" charset="0"/>
+                <a:cs typeface="Courier New" panose="02070309020205020404" pitchFamily="49" charset="0"/>
+              </a:rPr>
+              <a:t>rw</a:t>
+            </a:r>
+            <a:r>
+              <a:rPr lang="en-US" sz="900" dirty="0">
+                <a:latin typeface="Courier New" panose="02070309020205020404" pitchFamily="49" charset="0"/>
+                <a:cs typeface="Courier New" panose="02070309020205020404" pitchFamily="49" charset="0"/>
+              </a:rPr>
+              <a:t> index	        uint16</a:t>
+            </a:r>
+          </a:p>
+          <a:p>
+            <a:pPr lvl="1"/>
+            <a:r>
+              <a:rPr lang="en-US" sz="900" dirty="0">
+                <a:latin typeface="Courier New" panose="02070309020205020404" pitchFamily="49" charset="0"/>
+                <a:cs typeface="Courier New" panose="02070309020205020404" pitchFamily="49" charset="0"/>
+              </a:rPr>
+              <a:t>        |  +--</a:t>
+            </a:r>
+            <a:r>
+              <a:rPr lang="en-US" sz="900" dirty="0" err="1">
+                <a:latin typeface="Courier New" panose="02070309020205020404" pitchFamily="49" charset="0"/>
+                <a:cs typeface="Courier New" panose="02070309020205020404" pitchFamily="49" charset="0"/>
+              </a:rPr>
+              <a:t>rw</a:t>
+            </a:r>
+            <a:r>
+              <a:rPr lang="en-US" sz="900" dirty="0">
+                <a:latin typeface="Courier New" panose="02070309020205020404" pitchFamily="49" charset="0"/>
+                <a:cs typeface="Courier New" panose="02070309020205020404" pitchFamily="49" charset="0"/>
+              </a:rPr>
+              <a:t> node-id       -&gt;/network-slice/network-topology/topology/node/node-id</a:t>
+            </a:r>
+          </a:p>
+          <a:p>
+            <a:pPr lvl="1"/>
+            <a:r>
+              <a:rPr lang="en-US" sz="900" dirty="0">
+                <a:latin typeface="Courier New" panose="02070309020205020404" pitchFamily="49" charset="0"/>
+                <a:cs typeface="Courier New" panose="02070309020205020404" pitchFamily="49" charset="0"/>
+              </a:rPr>
+              <a:t>        |  +--</a:t>
+            </a:r>
+            <a:r>
+              <a:rPr lang="en-US" sz="900" dirty="0" err="1">
+                <a:latin typeface="Courier New" panose="02070309020205020404" pitchFamily="49" charset="0"/>
+                <a:cs typeface="Courier New" panose="02070309020205020404" pitchFamily="49" charset="0"/>
+              </a:rPr>
+              <a:t>rw</a:t>
+            </a:r>
+            <a:r>
+              <a:rPr lang="en-US" sz="900" dirty="0">
+                <a:latin typeface="Courier New" panose="02070309020205020404" pitchFamily="49" charset="0"/>
+                <a:cs typeface="Courier New" panose="02070309020205020404" pitchFamily="49" charset="0"/>
+              </a:rPr>
+              <a:t> </a:t>
+            </a:r>
+            <a:r>
+              <a:rPr lang="en-US" sz="900" dirty="0" err="1">
+                <a:latin typeface="Courier New" panose="02070309020205020404" pitchFamily="49" charset="0"/>
+                <a:cs typeface="Courier New" panose="02070309020205020404" pitchFamily="49" charset="0"/>
+              </a:rPr>
+              <a:t>tp</a:t>
+            </a:r>
+            <a:r>
+              <a:rPr lang="en-US" sz="900" dirty="0">
+                <a:latin typeface="Courier New" panose="02070309020205020404" pitchFamily="49" charset="0"/>
+                <a:cs typeface="Courier New" panose="02070309020205020404" pitchFamily="49" charset="0"/>
+              </a:rPr>
+              <a:t>-id         -&gt;/network-slice/network-topology/topology/</a:t>
+            </a:r>
+            <a:r>
+              <a:rPr lang="en-US" sz="900" dirty="0" err="1">
+                <a:latin typeface="Courier New" panose="02070309020205020404" pitchFamily="49" charset="0"/>
+                <a:cs typeface="Courier New" panose="02070309020205020404" pitchFamily="49" charset="0"/>
+              </a:rPr>
+              <a:t>tp</a:t>
+            </a:r>
+            <a:r>
+              <a:rPr lang="en-US" sz="900" dirty="0">
+                <a:latin typeface="Courier New" panose="02070309020205020404" pitchFamily="49" charset="0"/>
+                <a:cs typeface="Courier New" panose="02070309020205020404" pitchFamily="49" charset="0"/>
+              </a:rPr>
+              <a:t>/</a:t>
+            </a:r>
+            <a:r>
+              <a:rPr lang="en-US" sz="900" dirty="0" err="1">
+                <a:latin typeface="Courier New" panose="02070309020205020404" pitchFamily="49" charset="0"/>
+                <a:cs typeface="Courier New" panose="02070309020205020404" pitchFamily="49" charset="0"/>
+              </a:rPr>
+              <a:t>tp</a:t>
+            </a:r>
+            <a:r>
+              <a:rPr lang="en-US" sz="900" dirty="0">
+                <a:latin typeface="Courier New" panose="02070309020205020404" pitchFamily="49" charset="0"/>
+                <a:cs typeface="Courier New" panose="02070309020205020404" pitchFamily="49" charset="0"/>
+              </a:rPr>
+              <a:t>-id</a:t>
+            </a:r>
+          </a:p>
+          <a:p>
+            <a:pPr lvl="1"/>
+            <a:r>
+              <a:rPr lang="en-US" sz="900" dirty="0">
+                <a:latin typeface="Courier New" panose="02070309020205020404" pitchFamily="49" charset="0"/>
+                <a:cs typeface="Courier New" panose="02070309020205020404" pitchFamily="49" charset="0"/>
+              </a:rPr>
+              <a:t>        |  +--</a:t>
+            </a:r>
+            <a:r>
+              <a:rPr lang="en-US" sz="900" dirty="0" err="1">
+                <a:latin typeface="Courier New" panose="02070309020205020404" pitchFamily="49" charset="0"/>
+                <a:cs typeface="Courier New" panose="02070309020205020404" pitchFamily="49" charset="0"/>
+              </a:rPr>
+              <a:t>rw</a:t>
+            </a:r>
+            <a:r>
+              <a:rPr lang="en-US" sz="900" dirty="0">
+                <a:latin typeface="Courier New" panose="02070309020205020404" pitchFamily="49" charset="0"/>
+                <a:cs typeface="Courier New" panose="02070309020205020404" pitchFamily="49" charset="0"/>
+              </a:rPr>
+              <a:t> </a:t>
+            </a:r>
+            <a:r>
+              <a:rPr lang="en-US" sz="900" dirty="0" err="1">
+                <a:latin typeface="Courier New" panose="02070309020205020404" pitchFamily="49" charset="0"/>
+                <a:cs typeface="Courier New" panose="02070309020205020404" pitchFamily="49" charset="0"/>
+              </a:rPr>
+              <a:t>slo</a:t>
+            </a:r>
+            <a:endParaRPr lang="en-US" sz="900" dirty="0">
+              <a:latin typeface="Courier New" panose="02070309020205020404" pitchFamily="49" charset="0"/>
+              <a:cs typeface="Courier New" panose="02070309020205020404" pitchFamily="49" charset="0"/>
+            </a:endParaRPr>
+          </a:p>
+          <a:p>
+            <a:pPr lvl="1"/>
+            <a:r>
+              <a:rPr lang="en-US" sz="900" dirty="0">
+                <a:latin typeface="Courier New" panose="02070309020205020404" pitchFamily="49" charset="0"/>
+                <a:cs typeface="Courier New" panose="02070309020205020404" pitchFamily="49" charset="0"/>
+              </a:rPr>
+              <a:t>        +--</a:t>
+            </a:r>
+            <a:r>
+              <a:rPr lang="en-US" sz="900" dirty="0" err="1">
+                <a:latin typeface="Courier New" panose="02070309020205020404" pitchFamily="49" charset="0"/>
+                <a:cs typeface="Courier New" panose="02070309020205020404" pitchFamily="49" charset="0"/>
+              </a:rPr>
+              <a:t>rw</a:t>
+            </a:r>
+            <a:r>
+              <a:rPr lang="en-US" sz="900" dirty="0">
+                <a:latin typeface="Courier New" panose="02070309020205020404" pitchFamily="49" charset="0"/>
+                <a:cs typeface="Courier New" panose="02070309020205020404" pitchFamily="49" charset="0"/>
+              </a:rPr>
+              <a:t> </a:t>
+            </a:r>
+            <a:r>
+              <a:rPr lang="en-US" sz="900" dirty="0" err="1">
+                <a:latin typeface="Courier New" panose="02070309020205020404" pitchFamily="49" charset="0"/>
+                <a:cs typeface="Courier New" panose="02070309020205020404" pitchFamily="49" charset="0"/>
+              </a:rPr>
+              <a:t>slo</a:t>
+            </a:r>
+            <a:endParaRPr lang="en-US" sz="900" dirty="0">
+              <a:latin typeface="Courier New" panose="02070309020205020404" pitchFamily="49" charset="0"/>
+              <a:cs typeface="Courier New" panose="02070309020205020404" pitchFamily="49" charset="0"/>
+            </a:endParaRPr>
+          </a:p>
+        </p:txBody>
+      </p:sp>
+    </p:spTree>
+    <p:extLst>
+      <p:ext uri="{BB962C8B-B14F-4D97-AF65-F5344CB8AC3E}">
+        <p14:creationId xmlns:p14="http://schemas.microsoft.com/office/powerpoint/2010/main" val="3980199250"/>
       </p:ext>
     </p:extLst>
   </p:cSld>

--- a/Meeting Materials/otn slicing discussion slides.pptx
+++ b/Meeting Materials/otn slicing discussion slides.pptx
@@ -232,7 +232,7 @@
           <a:p>
             <a:fld id="{C7088273-5D22-4A56-BE72-519293F1A8F6}" type="datetimeFigureOut">
               <a:rPr lang="en-US" smtClean="0"/>
-              <a:t>10/6/2021</a:t>
+              <a:t>10/7/2021</a:t>
             </a:fld>
             <a:endParaRPr lang="en-US"/>
           </a:p>
@@ -1947,7 +1947,7 @@
           <a:p>
             <a:fld id="{65842DE4-D429-4C03-877D-BC36F66EF94D}" type="datetimeFigureOut">
               <a:rPr lang="en-US" smtClean="0"/>
-              <a:t>10/6/2021</a:t>
+              <a:t>10/7/2021</a:t>
             </a:fld>
             <a:endParaRPr lang="en-US"/>
           </a:p>
@@ -2115,7 +2115,7 @@
           <a:p>
             <a:fld id="{65842DE4-D429-4C03-877D-BC36F66EF94D}" type="datetimeFigureOut">
               <a:rPr lang="en-US" smtClean="0"/>
-              <a:t>10/6/2021</a:t>
+              <a:t>10/7/2021</a:t>
             </a:fld>
             <a:endParaRPr lang="en-US"/>
           </a:p>
@@ -2293,7 +2293,7 @@
           <a:p>
             <a:fld id="{65842DE4-D429-4C03-877D-BC36F66EF94D}" type="datetimeFigureOut">
               <a:rPr lang="en-US" smtClean="0"/>
-              <a:t>10/6/2021</a:t>
+              <a:t>10/7/2021</a:t>
             </a:fld>
             <a:endParaRPr lang="en-US"/>
           </a:p>
@@ -2461,7 +2461,7 @@
           <a:p>
             <a:fld id="{65842DE4-D429-4C03-877D-BC36F66EF94D}" type="datetimeFigureOut">
               <a:rPr lang="en-US" smtClean="0"/>
-              <a:t>10/6/2021</a:t>
+              <a:t>10/7/2021</a:t>
             </a:fld>
             <a:endParaRPr lang="en-US"/>
           </a:p>
@@ -2706,7 +2706,7 @@
           <a:p>
             <a:fld id="{65842DE4-D429-4C03-877D-BC36F66EF94D}" type="datetimeFigureOut">
               <a:rPr lang="en-US" smtClean="0"/>
-              <a:t>10/6/2021</a:t>
+              <a:t>10/7/2021</a:t>
             </a:fld>
             <a:endParaRPr lang="en-US"/>
           </a:p>
@@ -2991,7 +2991,7 @@
           <a:p>
             <a:fld id="{65842DE4-D429-4C03-877D-BC36F66EF94D}" type="datetimeFigureOut">
               <a:rPr lang="en-US" smtClean="0"/>
-              <a:t>10/6/2021</a:t>
+              <a:t>10/7/2021</a:t>
             </a:fld>
             <a:endParaRPr lang="en-US"/>
           </a:p>
@@ -3410,7 +3410,7 @@
           <a:p>
             <a:fld id="{65842DE4-D429-4C03-877D-BC36F66EF94D}" type="datetimeFigureOut">
               <a:rPr lang="en-US" smtClean="0"/>
-              <a:t>10/6/2021</a:t>
+              <a:t>10/7/2021</a:t>
             </a:fld>
             <a:endParaRPr lang="en-US"/>
           </a:p>
@@ -3527,7 +3527,7 @@
           <a:p>
             <a:fld id="{65842DE4-D429-4C03-877D-BC36F66EF94D}" type="datetimeFigureOut">
               <a:rPr lang="en-US" smtClean="0"/>
-              <a:t>10/6/2021</a:t>
+              <a:t>10/7/2021</a:t>
             </a:fld>
             <a:endParaRPr lang="en-US"/>
           </a:p>
@@ -3622,7 +3622,7 @@
           <a:p>
             <a:fld id="{65842DE4-D429-4C03-877D-BC36F66EF94D}" type="datetimeFigureOut">
               <a:rPr lang="en-US" smtClean="0"/>
-              <a:t>10/6/2021</a:t>
+              <a:t>10/7/2021</a:t>
             </a:fld>
             <a:endParaRPr lang="en-US"/>
           </a:p>
@@ -3897,7 +3897,7 @@
           <a:p>
             <a:fld id="{65842DE4-D429-4C03-877D-BC36F66EF94D}" type="datetimeFigureOut">
               <a:rPr lang="en-US" smtClean="0"/>
-              <a:t>10/6/2021</a:t>
+              <a:t>10/7/2021</a:t>
             </a:fld>
             <a:endParaRPr lang="en-US"/>
           </a:p>
@@ -4149,7 +4149,7 @@
           <a:p>
             <a:fld id="{65842DE4-D429-4C03-877D-BC36F66EF94D}" type="datetimeFigureOut">
               <a:rPr lang="en-US" smtClean="0"/>
-              <a:t>10/6/2021</a:t>
+              <a:t>10/7/2021</a:t>
             </a:fld>
             <a:endParaRPr lang="en-US"/>
           </a:p>
@@ -4360,7 +4360,7 @@
           <a:p>
             <a:fld id="{65842DE4-D429-4C03-877D-BC36F66EF94D}" type="datetimeFigureOut">
               <a:rPr lang="en-US" smtClean="0"/>
-              <a:t>10/6/2021</a:t>
+              <a:t>10/7/2021</a:t>
             </a:fld>
             <a:endParaRPr lang="en-US"/>
           </a:p>
@@ -12531,8 +12531,8 @@
         </p:nvSpPr>
         <p:spPr>
           <a:xfrm>
-            <a:off x="6389689" y="2027661"/>
-            <a:ext cx="1037336" cy="507831"/>
+            <a:off x="6090359" y="1406833"/>
+            <a:ext cx="1722397" cy="507831"/>
           </a:xfrm>
           <a:prstGeom prst="rect">
             <a:avLst/>
@@ -12547,7 +12547,7 @@
           <a:p>
             <a:r>
               <a:rPr lang="en-US" sz="1350" dirty="0"/>
-              <a:t>Connectivity</a:t>
+              <a:t>Connectivity matrix - potential</a:t>
             </a:r>
           </a:p>
         </p:txBody>
@@ -23504,7 +23504,7 @@
           <a:p>
             <a:r>
               <a:rPr lang="en-US" sz="3200" dirty="0"/>
-              <a:t>Generic Model Proposal (</a:t>
+              <a:t>Generic Model (</a:t>
             </a:r>
             <a:r>
               <a:rPr lang="en-US" sz="3200" dirty="0" err="1"/>
@@ -23956,7 +23956,7 @@
           <a:p>
             <a:r>
               <a:rPr lang="en-US" sz="3200" dirty="0"/>
-              <a:t>Generic Model Proposal (</a:t>
+              <a:t>Generic Model (</a:t>
             </a:r>
             <a:r>
               <a:rPr lang="en-US" sz="3200" dirty="0" err="1"/>
@@ -23983,7 +23983,7 @@
         </p:nvSpPr>
         <p:spPr>
           <a:xfrm>
-            <a:off x="914400" y="775186"/>
+            <a:off x="0" y="647965"/>
             <a:ext cx="7924800" cy="4939814"/>
           </a:xfrm>
           <a:prstGeom prst="rect">
@@ -25065,6 +25065,1502 @@
           </a:p>
         </p:txBody>
       </p:sp>
+      <p:grpSp>
+        <p:nvGrpSpPr>
+          <p:cNvPr id="3" name="Group 2">
+            <a:extLst>
+              <a:ext uri="{FF2B5EF4-FFF2-40B4-BE49-F238E27FC236}">
+                <a16:creationId xmlns:a16="http://schemas.microsoft.com/office/drawing/2014/main" id="{76074EE7-7AA7-4092-8C3D-A2B30360B7D9}"/>
+              </a:ext>
+            </a:extLst>
+          </p:cNvPr>
+          <p:cNvGrpSpPr/>
+          <p:nvPr/>
+        </p:nvGrpSpPr>
+        <p:grpSpPr>
+          <a:xfrm>
+            <a:off x="5872328" y="2705100"/>
+            <a:ext cx="3171728" cy="2126205"/>
+            <a:chOff x="5545578" y="1865979"/>
+            <a:chExt cx="3422279" cy="3033138"/>
+          </a:xfrm>
+        </p:grpSpPr>
+        <p:sp>
+          <p:nvSpPr>
+            <p:cNvPr id="4" name="Rectangle: Rounded Corners 3">
+              <a:extLst>
+                <a:ext uri="{FF2B5EF4-FFF2-40B4-BE49-F238E27FC236}">
+                  <a16:creationId xmlns:a16="http://schemas.microsoft.com/office/drawing/2014/main" id="{84ADAA30-2F8D-4D5F-B8AA-CD0D33561437}"/>
+                </a:ext>
+              </a:extLst>
+            </p:cNvPr>
+            <p:cNvSpPr/>
+            <p:nvPr/>
+          </p:nvSpPr>
+          <p:spPr>
+            <a:xfrm>
+              <a:off x="8067780" y="2019516"/>
+              <a:ext cx="408398" cy="1173821"/>
+            </a:xfrm>
+            <a:prstGeom prst="roundRect">
+              <a:avLst>
+                <a:gd name="adj" fmla="val 6766"/>
+              </a:avLst>
+            </a:prstGeom>
+            <a:noFill/>
+            <a:ln w="38100">
+              <a:solidFill>
+                <a:schemeClr val="tx2"/>
+              </a:solidFill>
+            </a:ln>
+          </p:spPr>
+          <p:style>
+            <a:lnRef idx="2">
+              <a:schemeClr val="accent1">
+                <a:shade val="50000"/>
+              </a:schemeClr>
+            </a:lnRef>
+            <a:fillRef idx="1">
+              <a:schemeClr val="accent1"/>
+            </a:fillRef>
+            <a:effectRef idx="0">
+              <a:schemeClr val="accent1"/>
+            </a:effectRef>
+            <a:fontRef idx="minor">
+              <a:schemeClr val="lt1"/>
+            </a:fontRef>
+          </p:style>
+          <p:txBody>
+            <a:bodyPr rtlCol="0" anchor="ctr"/>
+            <a:lstStyle/>
+            <a:p>
+              <a:pPr algn="ctr"/>
+              <a:endParaRPr lang="en-US" sz="900"/>
+            </a:p>
+          </p:txBody>
+        </p:sp>
+        <p:sp>
+          <p:nvSpPr>
+            <p:cNvPr id="6" name="Rectangle: Rounded Corners 5">
+              <a:extLst>
+                <a:ext uri="{FF2B5EF4-FFF2-40B4-BE49-F238E27FC236}">
+                  <a16:creationId xmlns:a16="http://schemas.microsoft.com/office/drawing/2014/main" id="{8BF20716-F5B5-4439-AEC7-D57E13AD976D}"/>
+                </a:ext>
+              </a:extLst>
+            </p:cNvPr>
+            <p:cNvSpPr/>
+            <p:nvPr/>
+          </p:nvSpPr>
+          <p:spPr>
+            <a:xfrm>
+              <a:off x="6009100" y="2148586"/>
+              <a:ext cx="217040" cy="263274"/>
+            </a:xfrm>
+            <a:prstGeom prst="roundRect">
+              <a:avLst>
+                <a:gd name="adj" fmla="val 6766"/>
+              </a:avLst>
+            </a:prstGeom>
+            <a:noFill/>
+            <a:ln w="38100">
+              <a:solidFill>
+                <a:schemeClr val="tx2"/>
+              </a:solidFill>
+            </a:ln>
+          </p:spPr>
+          <p:style>
+            <a:lnRef idx="2">
+              <a:schemeClr val="accent1">
+                <a:shade val="50000"/>
+              </a:schemeClr>
+            </a:lnRef>
+            <a:fillRef idx="1">
+              <a:schemeClr val="accent1"/>
+            </a:fillRef>
+            <a:effectRef idx="0">
+              <a:schemeClr val="accent1"/>
+            </a:effectRef>
+            <a:fontRef idx="minor">
+              <a:schemeClr val="lt1"/>
+            </a:fontRef>
+          </p:style>
+          <p:txBody>
+            <a:bodyPr rtlCol="0" anchor="ctr"/>
+            <a:lstStyle/>
+            <a:p>
+              <a:pPr algn="ctr"/>
+              <a:endParaRPr lang="en-US" sz="900"/>
+            </a:p>
+          </p:txBody>
+        </p:sp>
+        <p:sp>
+          <p:nvSpPr>
+            <p:cNvPr id="7" name="Rectangle: Rounded Corners 6">
+              <a:extLst>
+                <a:ext uri="{FF2B5EF4-FFF2-40B4-BE49-F238E27FC236}">
+                  <a16:creationId xmlns:a16="http://schemas.microsoft.com/office/drawing/2014/main" id="{8E3C4A38-819E-4D71-B9DB-DABB4CAFFA6F}"/>
+                </a:ext>
+              </a:extLst>
+            </p:cNvPr>
+            <p:cNvSpPr/>
+            <p:nvPr/>
+          </p:nvSpPr>
+          <p:spPr>
+            <a:xfrm>
+              <a:off x="6009100" y="2814921"/>
+              <a:ext cx="217040" cy="263274"/>
+            </a:xfrm>
+            <a:prstGeom prst="roundRect">
+              <a:avLst>
+                <a:gd name="adj" fmla="val 6766"/>
+              </a:avLst>
+            </a:prstGeom>
+            <a:noFill/>
+            <a:ln w="38100">
+              <a:solidFill>
+                <a:schemeClr val="tx2"/>
+              </a:solidFill>
+            </a:ln>
+          </p:spPr>
+          <p:style>
+            <a:lnRef idx="2">
+              <a:schemeClr val="accent1">
+                <a:shade val="50000"/>
+              </a:schemeClr>
+            </a:lnRef>
+            <a:fillRef idx="1">
+              <a:schemeClr val="accent1"/>
+            </a:fillRef>
+            <a:effectRef idx="0">
+              <a:schemeClr val="accent1"/>
+            </a:effectRef>
+            <a:fontRef idx="minor">
+              <a:schemeClr val="lt1"/>
+            </a:fontRef>
+          </p:style>
+          <p:txBody>
+            <a:bodyPr rtlCol="0" anchor="ctr"/>
+            <a:lstStyle/>
+            <a:p>
+              <a:pPr algn="ctr"/>
+              <a:endParaRPr lang="en-US" sz="900"/>
+            </a:p>
+          </p:txBody>
+        </p:sp>
+        <p:sp>
+          <p:nvSpPr>
+            <p:cNvPr id="8" name="Rectangle: Rounded Corners 7">
+              <a:extLst>
+                <a:ext uri="{FF2B5EF4-FFF2-40B4-BE49-F238E27FC236}">
+                  <a16:creationId xmlns:a16="http://schemas.microsoft.com/office/drawing/2014/main" id="{3F02E8A4-0AAF-4888-8A0F-E2E0793FA8D4}"/>
+                </a:ext>
+              </a:extLst>
+            </p:cNvPr>
+            <p:cNvSpPr/>
+            <p:nvPr/>
+          </p:nvSpPr>
+          <p:spPr>
+            <a:xfrm>
+              <a:off x="8476179" y="2148586"/>
+              <a:ext cx="217040" cy="263274"/>
+            </a:xfrm>
+            <a:prstGeom prst="roundRect">
+              <a:avLst>
+                <a:gd name="adj" fmla="val 6766"/>
+              </a:avLst>
+            </a:prstGeom>
+            <a:noFill/>
+            <a:ln w="38100">
+              <a:solidFill>
+                <a:schemeClr val="tx2"/>
+              </a:solidFill>
+            </a:ln>
+          </p:spPr>
+          <p:style>
+            <a:lnRef idx="2">
+              <a:schemeClr val="accent1">
+                <a:shade val="50000"/>
+              </a:schemeClr>
+            </a:lnRef>
+            <a:fillRef idx="1">
+              <a:schemeClr val="accent1"/>
+            </a:fillRef>
+            <a:effectRef idx="0">
+              <a:schemeClr val="accent1"/>
+            </a:effectRef>
+            <a:fontRef idx="minor">
+              <a:schemeClr val="lt1"/>
+            </a:fontRef>
+          </p:style>
+          <p:txBody>
+            <a:bodyPr rtlCol="0" anchor="ctr"/>
+            <a:lstStyle/>
+            <a:p>
+              <a:pPr algn="ctr"/>
+              <a:endParaRPr lang="en-US" sz="900"/>
+            </a:p>
+          </p:txBody>
+        </p:sp>
+        <p:sp>
+          <p:nvSpPr>
+            <p:cNvPr id="9" name="Rectangle: Rounded Corners 8">
+              <a:extLst>
+                <a:ext uri="{FF2B5EF4-FFF2-40B4-BE49-F238E27FC236}">
+                  <a16:creationId xmlns:a16="http://schemas.microsoft.com/office/drawing/2014/main" id="{ED9D65ED-8566-409F-965E-651604B68664}"/>
+                </a:ext>
+              </a:extLst>
+            </p:cNvPr>
+            <p:cNvSpPr/>
+            <p:nvPr/>
+          </p:nvSpPr>
+          <p:spPr>
+            <a:xfrm>
+              <a:off x="8476178" y="2870345"/>
+              <a:ext cx="217040" cy="263274"/>
+            </a:xfrm>
+            <a:prstGeom prst="roundRect">
+              <a:avLst>
+                <a:gd name="adj" fmla="val 6766"/>
+              </a:avLst>
+            </a:prstGeom>
+            <a:noFill/>
+            <a:ln w="38100">
+              <a:solidFill>
+                <a:schemeClr val="tx2"/>
+              </a:solidFill>
+            </a:ln>
+          </p:spPr>
+          <p:style>
+            <a:lnRef idx="2">
+              <a:schemeClr val="accent1">
+                <a:shade val="50000"/>
+              </a:schemeClr>
+            </a:lnRef>
+            <a:fillRef idx="1">
+              <a:schemeClr val="accent1"/>
+            </a:fillRef>
+            <a:effectRef idx="0">
+              <a:schemeClr val="accent1"/>
+            </a:effectRef>
+            <a:fontRef idx="minor">
+              <a:schemeClr val="lt1"/>
+            </a:fontRef>
+          </p:style>
+          <p:txBody>
+            <a:bodyPr rtlCol="0" anchor="ctr"/>
+            <a:lstStyle/>
+            <a:p>
+              <a:pPr algn="ctr"/>
+              <a:endParaRPr lang="en-US" sz="900"/>
+            </a:p>
+          </p:txBody>
+        </p:sp>
+        <p:sp>
+          <p:nvSpPr>
+            <p:cNvPr id="10" name="TextBox 9">
+              <a:extLst>
+                <a:ext uri="{FF2B5EF4-FFF2-40B4-BE49-F238E27FC236}">
+                  <a16:creationId xmlns:a16="http://schemas.microsoft.com/office/drawing/2014/main" id="{01C52090-757A-43A0-A263-15A2FA7C525B}"/>
+                </a:ext>
+              </a:extLst>
+            </p:cNvPr>
+            <p:cNvSpPr txBox="1"/>
+            <p:nvPr/>
+          </p:nvSpPr>
+          <p:spPr>
+            <a:xfrm>
+              <a:off x="8019363" y="3137031"/>
+              <a:ext cx="673856" cy="526871"/>
+            </a:xfrm>
+            <a:prstGeom prst="rect">
+              <a:avLst/>
+            </a:prstGeom>
+            <a:noFill/>
+          </p:spPr>
+          <p:txBody>
+            <a:bodyPr wrap="square" rtlCol="0">
+              <a:spAutoFit/>
+            </a:bodyPr>
+            <a:lstStyle/>
+            <a:p>
+              <a:r>
+                <a:rPr lang="en-US" sz="900" dirty="0"/>
+                <a:t>Node2</a:t>
+              </a:r>
+            </a:p>
+          </p:txBody>
+        </p:sp>
+        <p:sp>
+          <p:nvSpPr>
+            <p:cNvPr id="11" name="TextBox 10">
+              <a:extLst>
+                <a:ext uri="{FF2B5EF4-FFF2-40B4-BE49-F238E27FC236}">
+                  <a16:creationId xmlns:a16="http://schemas.microsoft.com/office/drawing/2014/main" id="{3208B255-B361-4677-BBDD-B5AEE32B3893}"/>
+                </a:ext>
+              </a:extLst>
+            </p:cNvPr>
+            <p:cNvSpPr txBox="1"/>
+            <p:nvPr/>
+          </p:nvSpPr>
+          <p:spPr>
+            <a:xfrm>
+              <a:off x="5545578" y="1871587"/>
+              <a:ext cx="733022" cy="329293"/>
+            </a:xfrm>
+            <a:prstGeom prst="rect">
+              <a:avLst/>
+            </a:prstGeom>
+            <a:noFill/>
+          </p:spPr>
+          <p:txBody>
+            <a:bodyPr wrap="square" rtlCol="0">
+              <a:spAutoFit/>
+            </a:bodyPr>
+            <a:lstStyle/>
+            <a:p>
+              <a:r>
+                <a:rPr lang="en-US" sz="900" dirty="0"/>
+                <a:t>EP1 – TP</a:t>
+              </a:r>
+            </a:p>
+          </p:txBody>
+        </p:sp>
+        <p:sp>
+          <p:nvSpPr>
+            <p:cNvPr id="12" name="TextBox 11">
+              <a:extLst>
+                <a:ext uri="{FF2B5EF4-FFF2-40B4-BE49-F238E27FC236}">
+                  <a16:creationId xmlns:a16="http://schemas.microsoft.com/office/drawing/2014/main" id="{A8D6FC9B-E211-4194-9C81-8F67C2F4881A}"/>
+                </a:ext>
+              </a:extLst>
+            </p:cNvPr>
+            <p:cNvSpPr txBox="1"/>
+            <p:nvPr/>
+          </p:nvSpPr>
+          <p:spPr>
+            <a:xfrm>
+              <a:off x="5642807" y="2530365"/>
+              <a:ext cx="673856" cy="329293"/>
+            </a:xfrm>
+            <a:prstGeom prst="rect">
+              <a:avLst/>
+            </a:prstGeom>
+            <a:noFill/>
+          </p:spPr>
+          <p:txBody>
+            <a:bodyPr wrap="square" rtlCol="0">
+              <a:spAutoFit/>
+            </a:bodyPr>
+            <a:lstStyle/>
+            <a:p>
+              <a:r>
+                <a:rPr lang="en-US" sz="900" dirty="0"/>
+                <a:t>EP2 - TP</a:t>
+              </a:r>
+            </a:p>
+          </p:txBody>
+        </p:sp>
+        <p:sp>
+          <p:nvSpPr>
+            <p:cNvPr id="13" name="TextBox 12">
+              <a:extLst>
+                <a:ext uri="{FF2B5EF4-FFF2-40B4-BE49-F238E27FC236}">
+                  <a16:creationId xmlns:a16="http://schemas.microsoft.com/office/drawing/2014/main" id="{A67F954E-5702-4119-850C-552774A5B1AC}"/>
+                </a:ext>
+              </a:extLst>
+            </p:cNvPr>
+            <p:cNvSpPr txBox="1"/>
+            <p:nvPr/>
+          </p:nvSpPr>
+          <p:spPr>
+            <a:xfrm>
+              <a:off x="8447379" y="1871587"/>
+              <a:ext cx="491680" cy="526871"/>
+            </a:xfrm>
+            <a:prstGeom prst="rect">
+              <a:avLst/>
+            </a:prstGeom>
+            <a:noFill/>
+          </p:spPr>
+          <p:txBody>
+            <a:bodyPr wrap="square" rtlCol="0">
+              <a:spAutoFit/>
+            </a:bodyPr>
+            <a:lstStyle/>
+            <a:p>
+              <a:r>
+                <a:rPr lang="en-US" sz="900" dirty="0"/>
+                <a:t>EP3</a:t>
+              </a:r>
+            </a:p>
+          </p:txBody>
+        </p:sp>
+        <p:sp>
+          <p:nvSpPr>
+            <p:cNvPr id="14" name="TextBox 13">
+              <a:extLst>
+                <a:ext uri="{FF2B5EF4-FFF2-40B4-BE49-F238E27FC236}">
+                  <a16:creationId xmlns:a16="http://schemas.microsoft.com/office/drawing/2014/main" id="{6ED7CA8E-E8D0-4B8F-816E-26A32DEA7633}"/>
+                </a:ext>
+              </a:extLst>
+            </p:cNvPr>
+            <p:cNvSpPr txBox="1"/>
+            <p:nvPr/>
+          </p:nvSpPr>
+          <p:spPr>
+            <a:xfrm>
+              <a:off x="8476177" y="2593345"/>
+              <a:ext cx="491680" cy="526871"/>
+            </a:xfrm>
+            <a:prstGeom prst="rect">
+              <a:avLst/>
+            </a:prstGeom>
+            <a:noFill/>
+          </p:spPr>
+          <p:txBody>
+            <a:bodyPr wrap="square" rtlCol="0">
+              <a:spAutoFit/>
+            </a:bodyPr>
+            <a:lstStyle/>
+            <a:p>
+              <a:r>
+                <a:rPr lang="en-US" sz="900" dirty="0"/>
+                <a:t>EP4</a:t>
+              </a:r>
+            </a:p>
+          </p:txBody>
+        </p:sp>
+        <p:cxnSp>
+          <p:nvCxnSpPr>
+            <p:cNvPr id="15" name="Straight Connector 14">
+              <a:extLst>
+                <a:ext uri="{FF2B5EF4-FFF2-40B4-BE49-F238E27FC236}">
+                  <a16:creationId xmlns:a16="http://schemas.microsoft.com/office/drawing/2014/main" id="{DEB8779C-3C1E-4B00-B97E-BA243808B395}"/>
+                </a:ext>
+              </a:extLst>
+            </p:cNvPr>
+            <p:cNvCxnSpPr>
+              <a:cxnSpLocks/>
+              <a:stCxn id="19" idx="3"/>
+              <a:endCxn id="21" idx="1"/>
+            </p:cNvCxnSpPr>
+            <p:nvPr/>
+          </p:nvCxnSpPr>
+          <p:spPr>
+            <a:xfrm flipV="1">
+              <a:off x="6841319" y="2255110"/>
+              <a:ext cx="1005860" cy="32178"/>
+            </a:xfrm>
+            <a:prstGeom prst="line">
+              <a:avLst/>
+            </a:prstGeom>
+            <a:ln w="28575">
+              <a:prstDash val="dash"/>
+            </a:ln>
+          </p:spPr>
+          <p:style>
+            <a:lnRef idx="1">
+              <a:schemeClr val="accent1"/>
+            </a:lnRef>
+            <a:fillRef idx="0">
+              <a:schemeClr val="accent1"/>
+            </a:fillRef>
+            <a:effectRef idx="0">
+              <a:schemeClr val="accent1"/>
+            </a:effectRef>
+            <a:fontRef idx="minor">
+              <a:schemeClr val="tx1"/>
+            </a:fontRef>
+          </p:style>
+        </p:cxnSp>
+        <p:sp>
+          <p:nvSpPr>
+            <p:cNvPr id="16" name="TextBox 15">
+              <a:extLst>
+                <a:ext uri="{FF2B5EF4-FFF2-40B4-BE49-F238E27FC236}">
+                  <a16:creationId xmlns:a16="http://schemas.microsoft.com/office/drawing/2014/main" id="{7D7FB47F-78CA-4B00-904E-DC08A462ADF2}"/>
+                </a:ext>
+              </a:extLst>
+            </p:cNvPr>
+            <p:cNvSpPr txBox="1"/>
+            <p:nvPr/>
+          </p:nvSpPr>
+          <p:spPr>
+            <a:xfrm>
+              <a:off x="7115854" y="1997324"/>
+              <a:ext cx="838415" cy="329293"/>
+            </a:xfrm>
+            <a:prstGeom prst="rect">
+              <a:avLst/>
+            </a:prstGeom>
+            <a:noFill/>
+          </p:spPr>
+          <p:txBody>
+            <a:bodyPr wrap="square" rtlCol="0">
+              <a:spAutoFit/>
+            </a:bodyPr>
+            <a:lstStyle/>
+            <a:p>
+              <a:r>
+                <a:rPr lang="en-US" sz="900" dirty="0"/>
+                <a:t>Link1</a:t>
+              </a:r>
+            </a:p>
+          </p:txBody>
+        </p:sp>
+        <p:sp>
+          <p:nvSpPr>
+            <p:cNvPr id="17" name="Rectangle: Rounded Corners 16">
+              <a:extLst>
+                <a:ext uri="{FF2B5EF4-FFF2-40B4-BE49-F238E27FC236}">
+                  <a16:creationId xmlns:a16="http://schemas.microsoft.com/office/drawing/2014/main" id="{2D3C514B-70E9-4177-BE09-2B7238B780D9}"/>
+                </a:ext>
+              </a:extLst>
+            </p:cNvPr>
+            <p:cNvSpPr/>
+            <p:nvPr/>
+          </p:nvSpPr>
+          <p:spPr>
+            <a:xfrm>
+              <a:off x="6232771" y="2006436"/>
+              <a:ext cx="408398" cy="1173821"/>
+            </a:xfrm>
+            <a:prstGeom prst="roundRect">
+              <a:avLst>
+                <a:gd name="adj" fmla="val 6766"/>
+              </a:avLst>
+            </a:prstGeom>
+            <a:noFill/>
+            <a:ln w="38100">
+              <a:solidFill>
+                <a:schemeClr val="tx2"/>
+              </a:solidFill>
+            </a:ln>
+          </p:spPr>
+          <p:style>
+            <a:lnRef idx="2">
+              <a:schemeClr val="accent1">
+                <a:shade val="50000"/>
+              </a:schemeClr>
+            </a:lnRef>
+            <a:fillRef idx="1">
+              <a:schemeClr val="accent1"/>
+            </a:fillRef>
+            <a:effectRef idx="0">
+              <a:schemeClr val="accent1"/>
+            </a:effectRef>
+            <a:fontRef idx="minor">
+              <a:schemeClr val="lt1"/>
+            </a:fontRef>
+          </p:style>
+          <p:txBody>
+            <a:bodyPr rtlCol="0" anchor="ctr"/>
+            <a:lstStyle/>
+            <a:p>
+              <a:pPr algn="ctr"/>
+              <a:endParaRPr lang="en-US" sz="900"/>
+            </a:p>
+          </p:txBody>
+        </p:sp>
+        <p:sp>
+          <p:nvSpPr>
+            <p:cNvPr id="18" name="TextBox 17">
+              <a:extLst>
+                <a:ext uri="{FF2B5EF4-FFF2-40B4-BE49-F238E27FC236}">
+                  <a16:creationId xmlns:a16="http://schemas.microsoft.com/office/drawing/2014/main" id="{3918CD8A-49E4-4E4A-8DEF-9A90F238CF4B}"/>
+                </a:ext>
+              </a:extLst>
+            </p:cNvPr>
+            <p:cNvSpPr txBox="1"/>
+            <p:nvPr/>
+          </p:nvSpPr>
+          <p:spPr>
+            <a:xfrm>
+              <a:off x="6167463" y="3148221"/>
+              <a:ext cx="673856" cy="526871"/>
+            </a:xfrm>
+            <a:prstGeom prst="rect">
+              <a:avLst/>
+            </a:prstGeom>
+            <a:noFill/>
+          </p:spPr>
+          <p:txBody>
+            <a:bodyPr wrap="square" rtlCol="0">
+              <a:spAutoFit/>
+            </a:bodyPr>
+            <a:lstStyle/>
+            <a:p>
+              <a:r>
+                <a:rPr lang="en-US" sz="900" dirty="0"/>
+                <a:t>Node1</a:t>
+              </a:r>
+            </a:p>
+          </p:txBody>
+        </p:sp>
+        <p:sp>
+          <p:nvSpPr>
+            <p:cNvPr id="19" name="Rectangle: Rounded Corners 18">
+              <a:extLst>
+                <a:ext uri="{FF2B5EF4-FFF2-40B4-BE49-F238E27FC236}">
+                  <a16:creationId xmlns:a16="http://schemas.microsoft.com/office/drawing/2014/main" id="{7FA71569-AA61-4529-A62F-500C75958CB6}"/>
+                </a:ext>
+              </a:extLst>
+            </p:cNvPr>
+            <p:cNvSpPr/>
+            <p:nvPr/>
+          </p:nvSpPr>
+          <p:spPr>
+            <a:xfrm>
+              <a:off x="6624280" y="2155651"/>
+              <a:ext cx="217040" cy="263274"/>
+            </a:xfrm>
+            <a:prstGeom prst="roundRect">
+              <a:avLst>
+                <a:gd name="adj" fmla="val 6766"/>
+              </a:avLst>
+            </a:prstGeom>
+            <a:noFill/>
+            <a:ln w="38100">
+              <a:solidFill>
+                <a:schemeClr val="tx2"/>
+              </a:solidFill>
+            </a:ln>
+          </p:spPr>
+          <p:style>
+            <a:lnRef idx="2">
+              <a:schemeClr val="accent1">
+                <a:shade val="50000"/>
+              </a:schemeClr>
+            </a:lnRef>
+            <a:fillRef idx="1">
+              <a:schemeClr val="accent1"/>
+            </a:fillRef>
+            <a:effectRef idx="0">
+              <a:schemeClr val="accent1"/>
+            </a:effectRef>
+            <a:fontRef idx="minor">
+              <a:schemeClr val="lt1"/>
+            </a:fontRef>
+          </p:style>
+          <p:txBody>
+            <a:bodyPr rtlCol="0" anchor="ctr"/>
+            <a:lstStyle/>
+            <a:p>
+              <a:pPr algn="ctr"/>
+              <a:endParaRPr lang="en-US" sz="900"/>
+            </a:p>
+          </p:txBody>
+        </p:sp>
+        <p:sp>
+          <p:nvSpPr>
+            <p:cNvPr id="20" name="TextBox 19">
+              <a:extLst>
+                <a:ext uri="{FF2B5EF4-FFF2-40B4-BE49-F238E27FC236}">
+                  <a16:creationId xmlns:a16="http://schemas.microsoft.com/office/drawing/2014/main" id="{09818531-E1FB-4876-9B0F-9D9535D57F1A}"/>
+                </a:ext>
+              </a:extLst>
+            </p:cNvPr>
+            <p:cNvSpPr txBox="1"/>
+            <p:nvPr/>
+          </p:nvSpPr>
+          <p:spPr>
+            <a:xfrm>
+              <a:off x="6604188" y="1865979"/>
+              <a:ext cx="491680" cy="526871"/>
+            </a:xfrm>
+            <a:prstGeom prst="rect">
+              <a:avLst/>
+            </a:prstGeom>
+            <a:noFill/>
+          </p:spPr>
+          <p:txBody>
+            <a:bodyPr wrap="square" rtlCol="0">
+              <a:spAutoFit/>
+            </a:bodyPr>
+            <a:lstStyle/>
+            <a:p>
+              <a:r>
+                <a:rPr lang="en-US" sz="900" dirty="0"/>
+                <a:t>TP1</a:t>
+              </a:r>
+            </a:p>
+          </p:txBody>
+        </p:sp>
+        <p:sp>
+          <p:nvSpPr>
+            <p:cNvPr id="21" name="Rectangle: Rounded Corners 20">
+              <a:extLst>
+                <a:ext uri="{FF2B5EF4-FFF2-40B4-BE49-F238E27FC236}">
+                  <a16:creationId xmlns:a16="http://schemas.microsoft.com/office/drawing/2014/main" id="{932ED386-9FDE-4583-BD4E-33A20765D859}"/>
+                </a:ext>
+              </a:extLst>
+            </p:cNvPr>
+            <p:cNvSpPr/>
+            <p:nvPr/>
+          </p:nvSpPr>
+          <p:spPr>
+            <a:xfrm>
+              <a:off x="7847179" y="2123473"/>
+              <a:ext cx="217040" cy="263274"/>
+            </a:xfrm>
+            <a:prstGeom prst="roundRect">
+              <a:avLst>
+                <a:gd name="adj" fmla="val 6766"/>
+              </a:avLst>
+            </a:prstGeom>
+            <a:noFill/>
+            <a:ln w="38100">
+              <a:solidFill>
+                <a:schemeClr val="tx2"/>
+              </a:solidFill>
+            </a:ln>
+          </p:spPr>
+          <p:style>
+            <a:lnRef idx="2">
+              <a:schemeClr val="accent1">
+                <a:shade val="50000"/>
+              </a:schemeClr>
+            </a:lnRef>
+            <a:fillRef idx="1">
+              <a:schemeClr val="accent1"/>
+            </a:fillRef>
+            <a:effectRef idx="0">
+              <a:schemeClr val="accent1"/>
+            </a:effectRef>
+            <a:fontRef idx="minor">
+              <a:schemeClr val="lt1"/>
+            </a:fontRef>
+          </p:style>
+          <p:txBody>
+            <a:bodyPr rtlCol="0" anchor="ctr"/>
+            <a:lstStyle/>
+            <a:p>
+              <a:pPr algn="ctr"/>
+              <a:endParaRPr lang="en-US" sz="900"/>
+            </a:p>
+          </p:txBody>
+        </p:sp>
+        <p:sp>
+          <p:nvSpPr>
+            <p:cNvPr id="22" name="TextBox 21">
+              <a:extLst>
+                <a:ext uri="{FF2B5EF4-FFF2-40B4-BE49-F238E27FC236}">
+                  <a16:creationId xmlns:a16="http://schemas.microsoft.com/office/drawing/2014/main" id="{D0828838-2B22-4FA7-BDEE-F3596C02DEE1}"/>
+                </a:ext>
+              </a:extLst>
+            </p:cNvPr>
+            <p:cNvSpPr txBox="1"/>
+            <p:nvPr/>
+          </p:nvSpPr>
+          <p:spPr>
+            <a:xfrm>
+              <a:off x="7728416" y="1865979"/>
+              <a:ext cx="491680" cy="526871"/>
+            </a:xfrm>
+            <a:prstGeom prst="rect">
+              <a:avLst/>
+            </a:prstGeom>
+            <a:noFill/>
+          </p:spPr>
+          <p:txBody>
+            <a:bodyPr wrap="square" rtlCol="0">
+              <a:spAutoFit/>
+            </a:bodyPr>
+            <a:lstStyle/>
+            <a:p>
+              <a:r>
+                <a:rPr lang="en-US" sz="900" dirty="0"/>
+                <a:t>TP3</a:t>
+              </a:r>
+            </a:p>
+          </p:txBody>
+        </p:sp>
+        <p:cxnSp>
+          <p:nvCxnSpPr>
+            <p:cNvPr id="23" name="Straight Connector 22">
+              <a:extLst>
+                <a:ext uri="{FF2B5EF4-FFF2-40B4-BE49-F238E27FC236}">
+                  <a16:creationId xmlns:a16="http://schemas.microsoft.com/office/drawing/2014/main" id="{49E2C671-F1A1-4C8C-9BEA-F8556DB675EB}"/>
+                </a:ext>
+              </a:extLst>
+            </p:cNvPr>
+            <p:cNvCxnSpPr>
+              <a:cxnSpLocks/>
+              <a:stCxn id="25" idx="2"/>
+              <a:endCxn id="30" idx="1"/>
+            </p:cNvCxnSpPr>
+            <p:nvPr/>
+          </p:nvCxnSpPr>
+          <p:spPr>
+            <a:xfrm>
+              <a:off x="6741457" y="3042389"/>
+              <a:ext cx="494272" cy="792986"/>
+            </a:xfrm>
+            <a:prstGeom prst="line">
+              <a:avLst/>
+            </a:prstGeom>
+            <a:ln w="28575">
+              <a:prstDash val="dash"/>
+            </a:ln>
+          </p:spPr>
+          <p:style>
+            <a:lnRef idx="1">
+              <a:schemeClr val="accent1"/>
+            </a:lnRef>
+            <a:fillRef idx="0">
+              <a:schemeClr val="accent1"/>
+            </a:fillRef>
+            <a:effectRef idx="0">
+              <a:schemeClr val="accent1"/>
+            </a:effectRef>
+            <a:fontRef idx="minor">
+              <a:schemeClr val="tx1"/>
+            </a:fontRef>
+          </p:style>
+        </p:cxnSp>
+        <p:sp>
+          <p:nvSpPr>
+            <p:cNvPr id="24" name="TextBox 23">
+              <a:extLst>
+                <a:ext uri="{FF2B5EF4-FFF2-40B4-BE49-F238E27FC236}">
+                  <a16:creationId xmlns:a16="http://schemas.microsoft.com/office/drawing/2014/main" id="{C0381DAB-0E66-498D-9880-38EE5727EB16}"/>
+                </a:ext>
+              </a:extLst>
+            </p:cNvPr>
+            <p:cNvSpPr txBox="1"/>
+            <p:nvPr/>
+          </p:nvSpPr>
+          <p:spPr>
+            <a:xfrm>
+              <a:off x="6847951" y="3176254"/>
+              <a:ext cx="838415" cy="329293"/>
+            </a:xfrm>
+            <a:prstGeom prst="rect">
+              <a:avLst/>
+            </a:prstGeom>
+            <a:noFill/>
+          </p:spPr>
+          <p:txBody>
+            <a:bodyPr wrap="square" rtlCol="0">
+              <a:spAutoFit/>
+            </a:bodyPr>
+            <a:lstStyle/>
+            <a:p>
+              <a:r>
+                <a:rPr lang="en-US" sz="900" dirty="0"/>
+                <a:t>Link2</a:t>
+              </a:r>
+            </a:p>
+          </p:txBody>
+        </p:sp>
+        <p:sp>
+          <p:nvSpPr>
+            <p:cNvPr id="25" name="Rectangle: Rounded Corners 24">
+              <a:extLst>
+                <a:ext uri="{FF2B5EF4-FFF2-40B4-BE49-F238E27FC236}">
+                  <a16:creationId xmlns:a16="http://schemas.microsoft.com/office/drawing/2014/main" id="{680AEC53-1C5C-49E8-B4AB-0D73AEC5A044}"/>
+                </a:ext>
+              </a:extLst>
+            </p:cNvPr>
+            <p:cNvSpPr/>
+            <p:nvPr/>
+          </p:nvSpPr>
+          <p:spPr>
+            <a:xfrm>
+              <a:off x="6632937" y="2779115"/>
+              <a:ext cx="217040" cy="263274"/>
+            </a:xfrm>
+            <a:prstGeom prst="roundRect">
+              <a:avLst>
+                <a:gd name="adj" fmla="val 6766"/>
+              </a:avLst>
+            </a:prstGeom>
+            <a:noFill/>
+            <a:ln w="38100">
+              <a:solidFill>
+                <a:schemeClr val="tx2"/>
+              </a:solidFill>
+            </a:ln>
+          </p:spPr>
+          <p:style>
+            <a:lnRef idx="2">
+              <a:schemeClr val="accent1">
+                <a:shade val="50000"/>
+              </a:schemeClr>
+            </a:lnRef>
+            <a:fillRef idx="1">
+              <a:schemeClr val="accent1"/>
+            </a:fillRef>
+            <a:effectRef idx="0">
+              <a:schemeClr val="accent1"/>
+            </a:effectRef>
+            <a:fontRef idx="minor">
+              <a:schemeClr val="lt1"/>
+            </a:fontRef>
+          </p:style>
+          <p:txBody>
+            <a:bodyPr rtlCol="0" anchor="ctr"/>
+            <a:lstStyle/>
+            <a:p>
+              <a:pPr algn="ctr"/>
+              <a:endParaRPr lang="en-US" sz="900"/>
+            </a:p>
+          </p:txBody>
+        </p:sp>
+        <p:sp>
+          <p:nvSpPr>
+            <p:cNvPr id="26" name="TextBox 25">
+              <a:extLst>
+                <a:ext uri="{FF2B5EF4-FFF2-40B4-BE49-F238E27FC236}">
+                  <a16:creationId xmlns:a16="http://schemas.microsoft.com/office/drawing/2014/main" id="{4E6FA3A5-0869-49D7-B328-CF7A883F1E89}"/>
+                </a:ext>
+              </a:extLst>
+            </p:cNvPr>
+            <p:cNvSpPr txBox="1"/>
+            <p:nvPr/>
+          </p:nvSpPr>
+          <p:spPr>
+            <a:xfrm>
+              <a:off x="6612845" y="2489443"/>
+              <a:ext cx="491680" cy="526871"/>
+            </a:xfrm>
+            <a:prstGeom prst="rect">
+              <a:avLst/>
+            </a:prstGeom>
+            <a:noFill/>
+          </p:spPr>
+          <p:txBody>
+            <a:bodyPr wrap="square" rtlCol="0">
+              <a:spAutoFit/>
+            </a:bodyPr>
+            <a:lstStyle/>
+            <a:p>
+              <a:r>
+                <a:rPr lang="en-US" sz="900" dirty="0"/>
+                <a:t>TP2</a:t>
+              </a:r>
+            </a:p>
+          </p:txBody>
+        </p:sp>
+        <p:sp>
+          <p:nvSpPr>
+            <p:cNvPr id="27" name="Rectangle: Rounded Corners 26">
+              <a:extLst>
+                <a:ext uri="{FF2B5EF4-FFF2-40B4-BE49-F238E27FC236}">
+                  <a16:creationId xmlns:a16="http://schemas.microsoft.com/office/drawing/2014/main" id="{C2928EAB-AA6E-4767-A396-8011B2B0BB98}"/>
+                </a:ext>
+              </a:extLst>
+            </p:cNvPr>
+            <p:cNvSpPr/>
+            <p:nvPr/>
+          </p:nvSpPr>
+          <p:spPr>
+            <a:xfrm>
+              <a:off x="7855837" y="2746937"/>
+              <a:ext cx="217040" cy="263274"/>
+            </a:xfrm>
+            <a:prstGeom prst="roundRect">
+              <a:avLst>
+                <a:gd name="adj" fmla="val 6766"/>
+              </a:avLst>
+            </a:prstGeom>
+            <a:noFill/>
+            <a:ln w="38100">
+              <a:solidFill>
+                <a:schemeClr val="tx2"/>
+              </a:solidFill>
+            </a:ln>
+          </p:spPr>
+          <p:style>
+            <a:lnRef idx="2">
+              <a:schemeClr val="accent1">
+                <a:shade val="50000"/>
+              </a:schemeClr>
+            </a:lnRef>
+            <a:fillRef idx="1">
+              <a:schemeClr val="accent1"/>
+            </a:fillRef>
+            <a:effectRef idx="0">
+              <a:schemeClr val="accent1"/>
+            </a:effectRef>
+            <a:fontRef idx="minor">
+              <a:schemeClr val="lt1"/>
+            </a:fontRef>
+          </p:style>
+          <p:txBody>
+            <a:bodyPr rtlCol="0" anchor="ctr"/>
+            <a:lstStyle/>
+            <a:p>
+              <a:pPr algn="ctr"/>
+              <a:endParaRPr lang="en-US" sz="900"/>
+            </a:p>
+          </p:txBody>
+        </p:sp>
+        <p:sp>
+          <p:nvSpPr>
+            <p:cNvPr id="28" name="TextBox 27">
+              <a:extLst>
+                <a:ext uri="{FF2B5EF4-FFF2-40B4-BE49-F238E27FC236}">
+                  <a16:creationId xmlns:a16="http://schemas.microsoft.com/office/drawing/2014/main" id="{DF2C13B8-08C6-470A-86CF-66B447B015A8}"/>
+                </a:ext>
+              </a:extLst>
+            </p:cNvPr>
+            <p:cNvSpPr txBox="1"/>
+            <p:nvPr/>
+          </p:nvSpPr>
+          <p:spPr>
+            <a:xfrm>
+              <a:off x="7737074" y="2489443"/>
+              <a:ext cx="491680" cy="526871"/>
+            </a:xfrm>
+            <a:prstGeom prst="rect">
+              <a:avLst/>
+            </a:prstGeom>
+            <a:noFill/>
+          </p:spPr>
+          <p:txBody>
+            <a:bodyPr wrap="square" rtlCol="0">
+              <a:spAutoFit/>
+            </a:bodyPr>
+            <a:lstStyle/>
+            <a:p>
+              <a:r>
+                <a:rPr lang="en-US" sz="900" dirty="0"/>
+                <a:t>TP4</a:t>
+              </a:r>
+            </a:p>
+          </p:txBody>
+        </p:sp>
+        <p:sp>
+          <p:nvSpPr>
+            <p:cNvPr id="29" name="Rectangle: Rounded Corners 28">
+              <a:extLst>
+                <a:ext uri="{FF2B5EF4-FFF2-40B4-BE49-F238E27FC236}">
+                  <a16:creationId xmlns:a16="http://schemas.microsoft.com/office/drawing/2014/main" id="{3A301038-D2C9-4E80-87DA-FE5E856A2D4A}"/>
+                </a:ext>
+              </a:extLst>
+            </p:cNvPr>
+            <p:cNvSpPr/>
+            <p:nvPr/>
+          </p:nvSpPr>
+          <p:spPr>
+            <a:xfrm rot="5400000">
+              <a:off x="7148707" y="3597264"/>
+              <a:ext cx="408398" cy="1173821"/>
+            </a:xfrm>
+            <a:prstGeom prst="roundRect">
+              <a:avLst>
+                <a:gd name="adj" fmla="val 6766"/>
+              </a:avLst>
+            </a:prstGeom>
+            <a:noFill/>
+            <a:ln w="38100">
+              <a:solidFill>
+                <a:schemeClr val="tx2"/>
+              </a:solidFill>
+            </a:ln>
+          </p:spPr>
+          <p:style>
+            <a:lnRef idx="2">
+              <a:schemeClr val="accent1">
+                <a:shade val="50000"/>
+              </a:schemeClr>
+            </a:lnRef>
+            <a:fillRef idx="1">
+              <a:schemeClr val="accent1"/>
+            </a:fillRef>
+            <a:effectRef idx="0">
+              <a:schemeClr val="accent1"/>
+            </a:effectRef>
+            <a:fontRef idx="minor">
+              <a:schemeClr val="lt1"/>
+            </a:fontRef>
+          </p:style>
+          <p:txBody>
+            <a:bodyPr rtlCol="0" anchor="ctr"/>
+            <a:lstStyle/>
+            <a:p>
+              <a:pPr algn="ctr"/>
+              <a:endParaRPr lang="en-US" sz="900"/>
+            </a:p>
+          </p:txBody>
+        </p:sp>
+        <p:sp>
+          <p:nvSpPr>
+            <p:cNvPr id="30" name="Rectangle: Rounded Corners 29">
+              <a:extLst>
+                <a:ext uri="{FF2B5EF4-FFF2-40B4-BE49-F238E27FC236}">
+                  <a16:creationId xmlns:a16="http://schemas.microsoft.com/office/drawing/2014/main" id="{EC70D124-DEDE-418C-BE3D-ACE82D1A53E5}"/>
+                </a:ext>
+              </a:extLst>
+            </p:cNvPr>
+            <p:cNvSpPr/>
+            <p:nvPr/>
+          </p:nvSpPr>
+          <p:spPr>
+            <a:xfrm>
+              <a:off x="7235729" y="3703738"/>
+              <a:ext cx="217040" cy="263274"/>
+            </a:xfrm>
+            <a:prstGeom prst="roundRect">
+              <a:avLst>
+                <a:gd name="adj" fmla="val 6766"/>
+              </a:avLst>
+            </a:prstGeom>
+            <a:noFill/>
+            <a:ln w="38100">
+              <a:solidFill>
+                <a:schemeClr val="tx2"/>
+              </a:solidFill>
+            </a:ln>
+          </p:spPr>
+          <p:style>
+            <a:lnRef idx="2">
+              <a:schemeClr val="accent1">
+                <a:shade val="50000"/>
+              </a:schemeClr>
+            </a:lnRef>
+            <a:fillRef idx="1">
+              <a:schemeClr val="accent1"/>
+            </a:fillRef>
+            <a:effectRef idx="0">
+              <a:schemeClr val="accent1"/>
+            </a:effectRef>
+            <a:fontRef idx="minor">
+              <a:schemeClr val="lt1"/>
+            </a:fontRef>
+          </p:style>
+          <p:txBody>
+            <a:bodyPr rtlCol="0" anchor="ctr"/>
+            <a:lstStyle/>
+            <a:p>
+              <a:pPr algn="ctr"/>
+              <a:endParaRPr lang="en-US" sz="900"/>
+            </a:p>
+          </p:txBody>
+        </p:sp>
+        <p:cxnSp>
+          <p:nvCxnSpPr>
+            <p:cNvPr id="31" name="Straight Connector 30">
+              <a:extLst>
+                <a:ext uri="{FF2B5EF4-FFF2-40B4-BE49-F238E27FC236}">
+                  <a16:creationId xmlns:a16="http://schemas.microsoft.com/office/drawing/2014/main" id="{D880CE05-C52B-45DF-9CC2-51E2EAA95B09}"/>
+                </a:ext>
+              </a:extLst>
+            </p:cNvPr>
+            <p:cNvCxnSpPr>
+              <a:cxnSpLocks/>
+              <a:stCxn id="27" idx="2"/>
+              <a:endCxn id="30" idx="3"/>
+            </p:cNvCxnSpPr>
+            <p:nvPr/>
+          </p:nvCxnSpPr>
+          <p:spPr>
+            <a:xfrm flipH="1">
+              <a:off x="7452769" y="3010211"/>
+              <a:ext cx="511588" cy="825164"/>
+            </a:xfrm>
+            <a:prstGeom prst="line">
+              <a:avLst/>
+            </a:prstGeom>
+            <a:ln w="28575">
+              <a:prstDash val="dash"/>
+            </a:ln>
+          </p:spPr>
+          <p:style>
+            <a:lnRef idx="1">
+              <a:schemeClr val="accent1"/>
+            </a:lnRef>
+            <a:fillRef idx="0">
+              <a:schemeClr val="accent1"/>
+            </a:fillRef>
+            <a:effectRef idx="0">
+              <a:schemeClr val="accent1"/>
+            </a:effectRef>
+            <a:fontRef idx="minor">
+              <a:schemeClr val="tx1"/>
+            </a:fontRef>
+          </p:style>
+        </p:cxnSp>
+        <p:sp>
+          <p:nvSpPr>
+            <p:cNvPr id="32" name="TextBox 31">
+              <a:extLst>
+                <a:ext uri="{FF2B5EF4-FFF2-40B4-BE49-F238E27FC236}">
+                  <a16:creationId xmlns:a16="http://schemas.microsoft.com/office/drawing/2014/main" id="{F58702BE-8D37-4DE2-A129-E9D80B0A8CB8}"/>
+                </a:ext>
+              </a:extLst>
+            </p:cNvPr>
+            <p:cNvSpPr txBox="1"/>
+            <p:nvPr/>
+          </p:nvSpPr>
+          <p:spPr>
+            <a:xfrm>
+              <a:off x="7006681" y="4045675"/>
+              <a:ext cx="673856" cy="526871"/>
+            </a:xfrm>
+            <a:prstGeom prst="rect">
+              <a:avLst/>
+            </a:prstGeom>
+            <a:noFill/>
+          </p:spPr>
+          <p:txBody>
+            <a:bodyPr wrap="square" rtlCol="0">
+              <a:spAutoFit/>
+            </a:bodyPr>
+            <a:lstStyle/>
+            <a:p>
+              <a:r>
+                <a:rPr lang="en-US" sz="900" dirty="0"/>
+                <a:t>Node3</a:t>
+              </a:r>
+            </a:p>
+          </p:txBody>
+        </p:sp>
+        <p:sp>
+          <p:nvSpPr>
+            <p:cNvPr id="33" name="TextBox 32">
+              <a:extLst>
+                <a:ext uri="{FF2B5EF4-FFF2-40B4-BE49-F238E27FC236}">
+                  <a16:creationId xmlns:a16="http://schemas.microsoft.com/office/drawing/2014/main" id="{2C81CB5E-5715-4D47-A4FA-4F6E7C376333}"/>
+                </a:ext>
+              </a:extLst>
+            </p:cNvPr>
+            <p:cNvSpPr txBox="1"/>
+            <p:nvPr/>
+          </p:nvSpPr>
+          <p:spPr>
+            <a:xfrm>
+              <a:off x="7151922" y="3452726"/>
+              <a:ext cx="491680" cy="526871"/>
+            </a:xfrm>
+            <a:prstGeom prst="rect">
+              <a:avLst/>
+            </a:prstGeom>
+            <a:noFill/>
+          </p:spPr>
+          <p:txBody>
+            <a:bodyPr wrap="square" rtlCol="0">
+              <a:spAutoFit/>
+            </a:bodyPr>
+            <a:lstStyle/>
+            <a:p>
+              <a:r>
+                <a:rPr lang="en-US" sz="900" dirty="0"/>
+                <a:t>TP5</a:t>
+              </a:r>
+            </a:p>
+          </p:txBody>
+        </p:sp>
+        <p:sp>
+          <p:nvSpPr>
+            <p:cNvPr id="34" name="Rectangle: Rounded Corners 33">
+              <a:extLst>
+                <a:ext uri="{FF2B5EF4-FFF2-40B4-BE49-F238E27FC236}">
+                  <a16:creationId xmlns:a16="http://schemas.microsoft.com/office/drawing/2014/main" id="{B4471943-AC43-4C7D-AF53-75339EEF4644}"/>
+                </a:ext>
+              </a:extLst>
+            </p:cNvPr>
+            <p:cNvSpPr/>
+            <p:nvPr/>
+          </p:nvSpPr>
+          <p:spPr>
+            <a:xfrm>
+              <a:off x="7235090" y="4388373"/>
+              <a:ext cx="217040" cy="263274"/>
+            </a:xfrm>
+            <a:prstGeom prst="roundRect">
+              <a:avLst>
+                <a:gd name="adj" fmla="val 6766"/>
+              </a:avLst>
+            </a:prstGeom>
+            <a:noFill/>
+            <a:ln w="38100">
+              <a:solidFill>
+                <a:schemeClr val="tx2"/>
+              </a:solidFill>
+            </a:ln>
+          </p:spPr>
+          <p:style>
+            <a:lnRef idx="2">
+              <a:schemeClr val="accent1">
+                <a:shade val="50000"/>
+              </a:schemeClr>
+            </a:lnRef>
+            <a:fillRef idx="1">
+              <a:schemeClr val="accent1"/>
+            </a:fillRef>
+            <a:effectRef idx="0">
+              <a:schemeClr val="accent1"/>
+            </a:effectRef>
+            <a:fontRef idx="minor">
+              <a:schemeClr val="lt1"/>
+            </a:fontRef>
+          </p:style>
+          <p:txBody>
+            <a:bodyPr rtlCol="0" anchor="ctr"/>
+            <a:lstStyle/>
+            <a:p>
+              <a:pPr algn="ctr"/>
+              <a:endParaRPr lang="en-US" sz="900"/>
+            </a:p>
+          </p:txBody>
+        </p:sp>
+        <p:sp>
+          <p:nvSpPr>
+            <p:cNvPr id="35" name="TextBox 34">
+              <a:extLst>
+                <a:ext uri="{FF2B5EF4-FFF2-40B4-BE49-F238E27FC236}">
+                  <a16:creationId xmlns:a16="http://schemas.microsoft.com/office/drawing/2014/main" id="{D4B7A32A-1659-4E2F-B3EB-777F1FA0828E}"/>
+                </a:ext>
+              </a:extLst>
+            </p:cNvPr>
+            <p:cNvSpPr txBox="1"/>
+            <p:nvPr/>
+          </p:nvSpPr>
+          <p:spPr>
+            <a:xfrm>
+              <a:off x="7402776" y="4372246"/>
+              <a:ext cx="491680" cy="526871"/>
+            </a:xfrm>
+            <a:prstGeom prst="rect">
+              <a:avLst/>
+            </a:prstGeom>
+            <a:noFill/>
+          </p:spPr>
+          <p:txBody>
+            <a:bodyPr wrap="square" rtlCol="0">
+              <a:spAutoFit/>
+            </a:bodyPr>
+            <a:lstStyle/>
+            <a:p>
+              <a:r>
+                <a:rPr lang="en-US" sz="900" dirty="0"/>
+                <a:t>EP5</a:t>
+              </a:r>
+            </a:p>
+          </p:txBody>
+        </p:sp>
+        <p:sp>
+          <p:nvSpPr>
+            <p:cNvPr id="36" name="TextBox 35">
+              <a:extLst>
+                <a:ext uri="{FF2B5EF4-FFF2-40B4-BE49-F238E27FC236}">
+                  <a16:creationId xmlns:a16="http://schemas.microsoft.com/office/drawing/2014/main" id="{0AF31A2E-E367-48FB-B685-347141A1B4CF}"/>
+                </a:ext>
+              </a:extLst>
+            </p:cNvPr>
+            <p:cNvSpPr txBox="1"/>
+            <p:nvPr/>
+          </p:nvSpPr>
+          <p:spPr>
+            <a:xfrm>
+              <a:off x="7456649" y="3130292"/>
+              <a:ext cx="838415" cy="329293"/>
+            </a:xfrm>
+            <a:prstGeom prst="rect">
+              <a:avLst/>
+            </a:prstGeom>
+            <a:noFill/>
+          </p:spPr>
+          <p:txBody>
+            <a:bodyPr wrap="square" rtlCol="0">
+              <a:spAutoFit/>
+            </a:bodyPr>
+            <a:lstStyle/>
+            <a:p>
+              <a:r>
+                <a:rPr lang="en-US" sz="900" dirty="0"/>
+                <a:t>Link3</a:t>
+              </a:r>
+            </a:p>
+          </p:txBody>
+        </p:sp>
+      </p:grpSp>
+      <p:sp>
+        <p:nvSpPr>
+          <p:cNvPr id="37" name="Rectangle 36">
+            <a:extLst>
+              <a:ext uri="{FF2B5EF4-FFF2-40B4-BE49-F238E27FC236}">
+                <a16:creationId xmlns:a16="http://schemas.microsoft.com/office/drawing/2014/main" id="{C9778C8D-1011-45F6-BEA4-153D6D0B76D3}"/>
+              </a:ext>
+            </a:extLst>
+          </p:cNvPr>
+          <p:cNvSpPr/>
+          <p:nvPr/>
+        </p:nvSpPr>
+        <p:spPr>
+          <a:xfrm>
+            <a:off x="5410200" y="2857500"/>
+            <a:ext cx="268606" cy="230258"/>
+          </a:xfrm>
+          <a:prstGeom prst="rect">
+            <a:avLst/>
+          </a:prstGeom>
+        </p:spPr>
+        <p:style>
+          <a:lnRef idx="2">
+            <a:schemeClr val="accent1">
+              <a:shade val="50000"/>
+            </a:schemeClr>
+          </a:lnRef>
+          <a:fillRef idx="1">
+            <a:schemeClr val="accent1"/>
+          </a:fillRef>
+          <a:effectRef idx="0">
+            <a:schemeClr val="accent1"/>
+          </a:effectRef>
+          <a:fontRef idx="minor">
+            <a:schemeClr val="lt1"/>
+          </a:fontRef>
+        </p:style>
+        <p:txBody>
+          <a:bodyPr rtlCol="0" anchor="ctr"/>
+          <a:lstStyle/>
+          <a:p>
+            <a:pPr algn="ctr"/>
+            <a:endParaRPr lang="en-US"/>
+          </a:p>
+        </p:txBody>
+      </p:sp>
+      <p:cxnSp>
+        <p:nvCxnSpPr>
+          <p:cNvPr id="39" name="Straight Connector 38">
+            <a:extLst>
+              <a:ext uri="{FF2B5EF4-FFF2-40B4-BE49-F238E27FC236}">
+                <a16:creationId xmlns:a16="http://schemas.microsoft.com/office/drawing/2014/main" id="{FF94CE71-FDD8-4A98-B00F-5C6FA21DF459}"/>
+              </a:ext>
+            </a:extLst>
+          </p:cNvPr>
+          <p:cNvCxnSpPr>
+            <a:endCxn id="6" idx="1"/>
+          </p:cNvCxnSpPr>
+          <p:nvPr/>
+        </p:nvCxnSpPr>
+        <p:spPr>
+          <a:xfrm>
+            <a:off x="5697329" y="2977878"/>
+            <a:ext cx="604586" cy="17604"/>
+          </a:xfrm>
+          <a:prstGeom prst="line">
+            <a:avLst/>
+          </a:prstGeom>
+        </p:spPr>
+        <p:style>
+          <a:lnRef idx="1">
+            <a:schemeClr val="accent1"/>
+          </a:lnRef>
+          <a:fillRef idx="0">
+            <a:schemeClr val="accent1"/>
+          </a:fillRef>
+          <a:effectRef idx="0">
+            <a:schemeClr val="accent1"/>
+          </a:effectRef>
+          <a:fontRef idx="minor">
+            <a:schemeClr val="tx1"/>
+          </a:fontRef>
+        </p:style>
+      </p:cxnSp>
     </p:spTree>
     <p:extLst>
       <p:ext uri="{BB962C8B-B14F-4D97-AF65-F5344CB8AC3E}">
